--- a/SQL/Day 2 Filtering and Ordering/Filtering and Ordering.pptx
+++ b/SQL/Day 2 Filtering and Ordering/Filtering and Ordering.pptx
@@ -381,7 +381,7 @@
               <a:pPr>
                 <a:defRPr/>
               </a:pPr>
-              <a:t>1/13/24</a:t>
+              <a:t>1/27/24</a:t>
             </a:fld>
             <a:endParaRPr lang="en-US" dirty="0"/>
           </a:p>
@@ -591,7 +591,7 @@
               <a:pPr>
                 <a:defRPr/>
               </a:pPr>
-              <a:t>1/13/24</a:t>
+              <a:t>1/27/24</a:t>
             </a:fld>
             <a:endParaRPr lang="en-US" dirty="0"/>
           </a:p>
@@ -1239,6 +1239,74 @@
           <a:bodyPr/>
           <a:lstStyle/>
           <a:p>
+            <a:pPr algn="l"/>
+            <a:r>
+              <a:rPr lang="en-US" b="0" i="1" dirty="0">
+                <a:solidFill>
+                  <a:srgbClr val="374151"/>
+                </a:solidFill>
+                <a:effectLst/>
+                <a:latin typeface="Söhne"/>
+              </a:rPr>
+              <a:t>Speaker Notes:</a:t>
+            </a:r>
+            <a:endParaRPr lang="en-US" b="0" i="0" dirty="0">
+              <a:solidFill>
+                <a:srgbClr val="374151"/>
+              </a:solidFill>
+              <a:effectLst/>
+              <a:latin typeface="Söhne"/>
+            </a:endParaRPr>
+          </a:p>
+          <a:p>
+            <a:pPr algn="l">
+              <a:buFont typeface="Arial" panose="020B0604020202020204" pitchFamily="34" charset="0"/>
+              <a:buChar char="•"/>
+            </a:pPr>
+            <a:r>
+              <a:rPr lang="en-US" b="0" i="0" dirty="0">
+                <a:solidFill>
+                  <a:srgbClr val="374151"/>
+                </a:solidFill>
+                <a:effectLst/>
+                <a:latin typeface="Söhne"/>
+              </a:rPr>
+              <a:t>When dealing with NULL values in SQL, it's crucial to use the correct operators for checking.</a:t>
+            </a:r>
+          </a:p>
+          <a:p>
+            <a:pPr algn="l">
+              <a:buFont typeface="Arial" panose="020B0604020202020204" pitchFamily="34" charset="0"/>
+              <a:buChar char="•"/>
+            </a:pPr>
+            <a:r>
+              <a:rPr lang="en-US" b="0" i="0" dirty="0">
+                <a:solidFill>
+                  <a:srgbClr val="374151"/>
+                </a:solidFill>
+                <a:effectLst/>
+                <a:latin typeface="Söhne"/>
+              </a:rPr>
+              <a:t>Using "= NULL" won't return the expected results, as it doesn't work for NULL values. Instead, use "IS NULL" to check for NULLs.</a:t>
+            </a:r>
+          </a:p>
+          <a:p>
+            <a:pPr algn="l">
+              <a:buFont typeface="Arial" panose="020B0604020202020204" pitchFamily="34" charset="0"/>
+              <a:buChar char="•"/>
+            </a:pPr>
+            <a:r>
+              <a:rPr lang="en-US" b="0" i="0" dirty="0">
+                <a:solidFill>
+                  <a:srgbClr val="374151"/>
+                </a:solidFill>
+                <a:effectLst/>
+                <a:latin typeface="Söhne"/>
+              </a:rPr>
+              <a:t>To exclude NULL values, you can use "IS NOT NULL." These operators are essential for handling missing or unknown data in your queries accurately.</a:t>
+            </a:r>
+          </a:p>
+          <a:p>
             <a:endParaRPr lang="en-US" dirty="0"/>
           </a:p>
         </p:txBody>
@@ -1266,7 +1334,7 @@
               <a:pPr>
                 <a:defRPr/>
               </a:pPr>
-              <a:t>13</a:t>
+              <a:t>10</a:t>
             </a:fld>
             <a:endParaRPr lang="en-US" dirty="0"/>
           </a:p>
@@ -1275,7 +1343,7 @@
     </p:spTree>
     <p:extLst>
       <p:ext uri="{BB962C8B-B14F-4D97-AF65-F5344CB8AC3E}">
-        <p14:creationId xmlns:p14="http://schemas.microsoft.com/office/powerpoint/2010/main" val="1748907056"/>
+        <p14:creationId xmlns:p14="http://schemas.microsoft.com/office/powerpoint/2010/main" val="1936614837"/>
       </p:ext>
     </p:extLst>
   </p:cSld>
@@ -1329,6 +1397,136 @@
           <a:bodyPr/>
           <a:lstStyle/>
           <a:p>
+            <a:pPr algn="l"/>
+            <a:r>
+              <a:rPr lang="en-US" b="0" i="1" dirty="0">
+                <a:solidFill>
+                  <a:srgbClr val="374151"/>
+                </a:solidFill>
+                <a:effectLst/>
+                <a:latin typeface="Söhne"/>
+              </a:rPr>
+              <a:t>Speaker Notes:</a:t>
+            </a:r>
+            <a:endParaRPr lang="en-US" b="0" i="0" dirty="0">
+              <a:solidFill>
+                <a:srgbClr val="374151"/>
+              </a:solidFill>
+              <a:effectLst/>
+              <a:latin typeface="Söhne"/>
+            </a:endParaRPr>
+          </a:p>
+          <a:p>
+            <a:pPr algn="l">
+              <a:buFont typeface="Arial" panose="020B0604020202020204" pitchFamily="34" charset="0"/>
+              <a:buChar char="•"/>
+            </a:pPr>
+            <a:r>
+              <a:rPr lang="en-US" b="0" i="0" dirty="0">
+                <a:solidFill>
+                  <a:srgbClr val="374151"/>
+                </a:solidFill>
+                <a:effectLst/>
+                <a:latin typeface="Söhne"/>
+              </a:rPr>
+              <a:t>In SQL, you have powerful operators to combine multiple filter criteria in the WHERE clause.</a:t>
+            </a:r>
+          </a:p>
+          <a:p>
+            <a:pPr algn="l">
+              <a:buFont typeface="Arial" panose="020B0604020202020204" pitchFamily="34" charset="0"/>
+              <a:buChar char="•"/>
+            </a:pPr>
+            <a:r>
+              <a:rPr lang="en-US" b="1" i="0" dirty="0">
+                <a:solidFill>
+                  <a:srgbClr val="374151"/>
+                </a:solidFill>
+                <a:effectLst/>
+                <a:latin typeface="Söhne"/>
+              </a:rPr>
+              <a:t>AND</a:t>
+            </a:r>
+            <a:r>
+              <a:rPr lang="en-US" b="0" i="0" dirty="0">
+                <a:solidFill>
+                  <a:srgbClr val="374151"/>
+                </a:solidFill>
+                <a:effectLst/>
+                <a:latin typeface="Söhne"/>
+              </a:rPr>
+              <a:t> ensures that ALL specified conditions must be TRUE for a row to be included in the result.</a:t>
+            </a:r>
+          </a:p>
+          <a:p>
+            <a:pPr algn="l">
+              <a:buFont typeface="Arial" panose="020B0604020202020204" pitchFamily="34" charset="0"/>
+              <a:buChar char="•"/>
+            </a:pPr>
+            <a:r>
+              <a:rPr lang="en-US" b="1" i="0" dirty="0">
+                <a:solidFill>
+                  <a:srgbClr val="374151"/>
+                </a:solidFill>
+                <a:effectLst/>
+                <a:latin typeface="Söhne"/>
+              </a:rPr>
+              <a:t>OR</a:t>
+            </a:r>
+            <a:r>
+              <a:rPr lang="en-US" b="0" i="0" dirty="0">
+                <a:solidFill>
+                  <a:srgbClr val="374151"/>
+                </a:solidFill>
+                <a:effectLst/>
+                <a:latin typeface="Söhne"/>
+              </a:rPr>
+              <a:t> includes rows if ANY of the specified conditions is TRUE.</a:t>
+            </a:r>
+          </a:p>
+          <a:p>
+            <a:pPr algn="l">
+              <a:buFont typeface="Arial" panose="020B0604020202020204" pitchFamily="34" charset="0"/>
+              <a:buChar char="•"/>
+            </a:pPr>
+            <a:r>
+              <a:rPr lang="en-US" b="1" i="0" dirty="0">
+                <a:solidFill>
+                  <a:srgbClr val="374151"/>
+                </a:solidFill>
+                <a:effectLst/>
+                <a:latin typeface="Söhne"/>
+              </a:rPr>
+              <a:t>NOT</a:t>
+            </a:r>
+            <a:r>
+              <a:rPr lang="en-US" b="0" i="0" dirty="0">
+                <a:solidFill>
+                  <a:srgbClr val="374151"/>
+                </a:solidFill>
+                <a:effectLst/>
+                <a:latin typeface="Söhne"/>
+              </a:rPr>
+              <a:t> is used to reverse a condition, excluding rows that meet the specified criteria.</a:t>
+            </a:r>
+          </a:p>
+          <a:p>
+            <a:pPr algn="l">
+              <a:buFont typeface="Arial" panose="020B0604020202020204" pitchFamily="34" charset="0"/>
+              <a:buChar char="•"/>
+            </a:pPr>
+            <a:r>
+              <a:rPr lang="en-US" b="0" i="0" dirty="0">
+                <a:solidFill>
+                  <a:srgbClr val="374151"/>
+                </a:solidFill>
+                <a:effectLst/>
+                <a:latin typeface="Söhne"/>
+              </a:rPr>
+              <a:t>These operators allow you to create complex filter rules, group conditions, and implement inclusion or exclusion rules in your queries, making them highly flexible and adaptable to various scenarios.</a:t>
+            </a:r>
+          </a:p>
+          <a:p>
             <a:endParaRPr lang="en-US" dirty="0"/>
           </a:p>
         </p:txBody>
@@ -1356,7 +1554,7 @@
               <a:pPr>
                 <a:defRPr/>
               </a:pPr>
-              <a:t>14</a:t>
+              <a:t>11</a:t>
             </a:fld>
             <a:endParaRPr lang="en-US" dirty="0"/>
           </a:p>
@@ -1365,7 +1563,7 @@
     </p:spTree>
     <p:extLst>
       <p:ext uri="{BB962C8B-B14F-4D97-AF65-F5344CB8AC3E}">
-        <p14:creationId xmlns:p14="http://schemas.microsoft.com/office/powerpoint/2010/main" val="2710656242"/>
+        <p14:creationId xmlns:p14="http://schemas.microsoft.com/office/powerpoint/2010/main" val="1222347197"/>
       </p:ext>
     </p:extLst>
   </p:cSld>
@@ -1419,6 +1617,114 @@
           <a:bodyPr/>
           <a:lstStyle/>
           <a:p>
+            <a:pPr algn="l"/>
+            <a:r>
+              <a:rPr lang="en-US" b="0" i="1" dirty="0">
+                <a:solidFill>
+                  <a:srgbClr val="374151"/>
+                </a:solidFill>
+                <a:effectLst/>
+                <a:latin typeface="Söhne"/>
+              </a:rPr>
+              <a:t>Speaker Notes:</a:t>
+            </a:r>
+            <a:endParaRPr lang="en-US" b="0" i="0" dirty="0">
+              <a:solidFill>
+                <a:srgbClr val="374151"/>
+              </a:solidFill>
+              <a:effectLst/>
+              <a:latin typeface="Söhne"/>
+            </a:endParaRPr>
+          </a:p>
+          <a:p>
+            <a:pPr algn="l">
+              <a:buFont typeface="Arial" panose="020B0604020202020204" pitchFamily="34" charset="0"/>
+              <a:buChar char="•"/>
+            </a:pPr>
+            <a:r>
+              <a:rPr lang="en-US" b="0" i="0" dirty="0">
+                <a:solidFill>
+                  <a:srgbClr val="374151"/>
+                </a:solidFill>
+                <a:effectLst/>
+                <a:latin typeface="Söhne"/>
+              </a:rPr>
+              <a:t>The </a:t>
+            </a:r>
+            <a:r>
+              <a:rPr lang="en-US" b="1" i="0" dirty="0">
+                <a:solidFill>
+                  <a:srgbClr val="374151"/>
+                </a:solidFill>
+                <a:effectLst/>
+                <a:latin typeface="Söhne"/>
+              </a:rPr>
+              <a:t>AND</a:t>
+            </a:r>
+            <a:r>
+              <a:rPr lang="en-US" b="0" i="0" dirty="0">
+                <a:solidFill>
+                  <a:srgbClr val="374151"/>
+                </a:solidFill>
+                <a:effectLst/>
+                <a:latin typeface="Söhne"/>
+              </a:rPr>
+              <a:t> operator in SQL is used to narrow down query results by requiring rows to satisfy ALL specified conditions.</a:t>
+            </a:r>
+          </a:p>
+          <a:p>
+            <a:pPr algn="l">
+              <a:buFont typeface="Arial" panose="020B0604020202020204" pitchFamily="34" charset="0"/>
+              <a:buChar char="•"/>
+            </a:pPr>
+            <a:r>
+              <a:rPr lang="en-US" b="0" i="0" dirty="0">
+                <a:solidFill>
+                  <a:srgbClr val="374151"/>
+                </a:solidFill>
+                <a:effectLst/>
+                <a:latin typeface="Söhne"/>
+              </a:rPr>
+              <a:t>It's especially useful in scenarios where you want to filter data based on specific segments, dimensions, or strict definitions.</a:t>
+            </a:r>
+          </a:p>
+          <a:p>
+            <a:pPr algn="l">
+              <a:buFont typeface="Arial" panose="020B0604020202020204" pitchFamily="34" charset="0"/>
+              <a:buChar char="•"/>
+            </a:pPr>
+            <a:r>
+              <a:rPr lang="en-US" b="0" i="0" dirty="0">
+                <a:solidFill>
+                  <a:srgbClr val="374151"/>
+                </a:solidFill>
+                <a:effectLst/>
+                <a:latin typeface="Söhne"/>
+              </a:rPr>
+              <a:t>In the provided example, we are using </a:t>
+            </a:r>
+            <a:r>
+              <a:rPr lang="en-US" b="1" i="0" dirty="0">
+                <a:solidFill>
+                  <a:srgbClr val="374151"/>
+                </a:solidFill>
+                <a:effectLst/>
+                <a:latin typeface="Söhne"/>
+              </a:rPr>
+              <a:t>AND</a:t>
+            </a:r>
+            <a:r>
+              <a:rPr lang="en-US" b="0" i="0" dirty="0">
+                <a:solidFill>
+                  <a:srgbClr val="374151"/>
+                </a:solidFill>
+                <a:effectLst/>
+                <a:latin typeface="Söhne"/>
+              </a:rPr>
+              <a:t> to filter rows where the region is 'West' and sales are greater than $100,000. Only rows that meet both of these criteria will be included in the result set.</a:t>
+            </a:r>
+          </a:p>
+          <a:p>
             <a:endParaRPr lang="en-US" dirty="0"/>
           </a:p>
         </p:txBody>
@@ -1446,7 +1752,7 @@
               <a:pPr>
                 <a:defRPr/>
               </a:pPr>
-              <a:t>15</a:t>
+              <a:t>12</a:t>
             </a:fld>
             <a:endParaRPr lang="en-US" dirty="0"/>
           </a:p>
@@ -1455,7 +1761,7 @@
     </p:spTree>
     <p:extLst>
       <p:ext uri="{BB962C8B-B14F-4D97-AF65-F5344CB8AC3E}">
-        <p14:creationId xmlns:p14="http://schemas.microsoft.com/office/powerpoint/2010/main" val="996173599"/>
+        <p14:creationId xmlns:p14="http://schemas.microsoft.com/office/powerpoint/2010/main" val="3977702411"/>
       </p:ext>
     </p:extLst>
   </p:cSld>
@@ -1509,6 +1815,153 @@
           <a:bodyPr/>
           <a:lstStyle/>
           <a:p>
+            <a:pPr algn="l"/>
+            <a:r>
+              <a:rPr lang="en-US" b="0" i="1" dirty="0">
+                <a:solidFill>
+                  <a:srgbClr val="000000"/>
+                </a:solidFill>
+                <a:effectLst/>
+                <a:latin typeface="Söhne"/>
+              </a:rPr>
+              <a:t>Speaker Notes:</a:t>
+            </a:r>
+            <a:endParaRPr lang="en-US" b="0" i="0" dirty="0">
+              <a:solidFill>
+                <a:srgbClr val="000000"/>
+              </a:solidFill>
+              <a:effectLst/>
+              <a:latin typeface="Söhne"/>
+            </a:endParaRPr>
+          </a:p>
+          <a:p>
+            <a:pPr algn="l">
+              <a:buFont typeface="Arial" panose="020B0604020202020204" pitchFamily="34" charset="0"/>
+              <a:buChar char="•"/>
+            </a:pPr>
+            <a:r>
+              <a:rPr lang="en-US" b="0" i="0" dirty="0">
+                <a:solidFill>
+                  <a:srgbClr val="000000"/>
+                </a:solidFill>
+                <a:effectLst/>
+                <a:latin typeface="Söhne"/>
+              </a:rPr>
+              <a:t>The </a:t>
+            </a:r>
+            <a:r>
+              <a:rPr lang="en-US" b="1" i="0" dirty="0">
+                <a:solidFill>
+                  <a:srgbClr val="000000"/>
+                </a:solidFill>
+                <a:effectLst/>
+                <a:latin typeface="Söhne"/>
+              </a:rPr>
+              <a:t>NOT</a:t>
+            </a:r>
+            <a:r>
+              <a:rPr lang="en-US" b="0" i="0" dirty="0">
+                <a:solidFill>
+                  <a:srgbClr val="000000"/>
+                </a:solidFill>
+                <a:effectLst/>
+                <a:latin typeface="Söhne"/>
+              </a:rPr>
+              <a:t> operator in SQL is used to reverse the logic of filter conditions, excluding rows that match the specified criteria.</a:t>
+            </a:r>
+          </a:p>
+          <a:p>
+            <a:pPr algn="l">
+              <a:buFont typeface="Arial" panose="020B0604020202020204" pitchFamily="34" charset="0"/>
+              <a:buChar char="•"/>
+            </a:pPr>
+            <a:r>
+              <a:rPr lang="en-US" b="0" i="0" dirty="0">
+                <a:solidFill>
+                  <a:srgbClr val="000000"/>
+                </a:solidFill>
+                <a:effectLst/>
+                <a:latin typeface="Söhne"/>
+              </a:rPr>
+              <a:t>This can be valuable in various scenarios, such as exception reporting, data quality checks, or creating complementary data slices.</a:t>
+            </a:r>
+          </a:p>
+          <a:p>
+            <a:pPr algn="l">
+              <a:buFont typeface="Arial" panose="020B0604020202020204" pitchFamily="34" charset="0"/>
+              <a:buChar char="•"/>
+            </a:pPr>
+            <a:r>
+              <a:rPr lang="en-US" b="0" i="0" dirty="0">
+                <a:solidFill>
+                  <a:srgbClr val="000000"/>
+                </a:solidFill>
+                <a:effectLst/>
+                <a:latin typeface="Söhne"/>
+              </a:rPr>
+              <a:t>In the provided example, we use </a:t>
+            </a:r>
+            <a:r>
+              <a:rPr lang="en-US" b="1" i="0" dirty="0">
+                <a:solidFill>
+                  <a:srgbClr val="000000"/>
+                </a:solidFill>
+                <a:effectLst/>
+                <a:latin typeface="Söhne"/>
+              </a:rPr>
+              <a:t>NOT</a:t>
+            </a:r>
+            <a:r>
+              <a:rPr lang="en-US" b="0" i="0" dirty="0">
+                <a:solidFill>
+                  <a:srgbClr val="000000"/>
+                </a:solidFill>
+                <a:effectLst/>
+                <a:latin typeface="Söhne"/>
+              </a:rPr>
+              <a:t> to exclude rows where the "</a:t>
+            </a:r>
+            <a:r>
+              <a:rPr lang="en-US" b="0" i="0" dirty="0" err="1">
+                <a:solidFill>
+                  <a:srgbClr val="000000"/>
+                </a:solidFill>
+                <a:effectLst/>
+                <a:latin typeface="Söhne"/>
+              </a:rPr>
+              <a:t>LastOrdered</a:t>
+            </a:r>
+            <a:r>
+              <a:rPr lang="en-US" b="0" i="0" dirty="0">
+                <a:solidFill>
+                  <a:srgbClr val="000000"/>
+                </a:solidFill>
+                <a:effectLst/>
+                <a:latin typeface="Söhne"/>
+              </a:rPr>
+              <a:t>" value is NULL, helping us identify customers who have placed orders recently.</a:t>
+            </a:r>
+          </a:p>
+          <a:p>
+            <a:pPr algn="l"/>
+            <a:br>
+              <a:rPr lang="en-US" b="0" i="0" dirty="0">
+                <a:solidFill>
+                  <a:srgbClr val="000000"/>
+                </a:solidFill>
+                <a:effectLst/>
+                <a:latin typeface="Söhne"/>
+              </a:rPr>
+            </a:br>
+            <a:endParaRPr lang="en-US" b="0" i="0" dirty="0">
+              <a:solidFill>
+                <a:srgbClr val="000000"/>
+              </a:solidFill>
+              <a:effectLst/>
+              <a:latin typeface="Söhne"/>
+            </a:endParaRPr>
+          </a:p>
+          <a:p>
             <a:endParaRPr lang="en-US" dirty="0"/>
           </a:p>
         </p:txBody>
@@ -1536,7 +1989,7 @@
               <a:pPr>
                 <a:defRPr/>
               </a:pPr>
-              <a:t>16</a:t>
+              <a:t>13</a:t>
             </a:fld>
             <a:endParaRPr lang="en-US" dirty="0"/>
           </a:p>
@@ -1545,7 +1998,7 @@
     </p:spTree>
     <p:extLst>
       <p:ext uri="{BB962C8B-B14F-4D97-AF65-F5344CB8AC3E}">
-        <p14:creationId xmlns:p14="http://schemas.microsoft.com/office/powerpoint/2010/main" val="2466916719"/>
+        <p14:creationId xmlns:p14="http://schemas.microsoft.com/office/powerpoint/2010/main" val="1748907056"/>
       </p:ext>
     </p:extLst>
   </p:cSld>
@@ -1599,6 +2052,114 @@
           <a:bodyPr/>
           <a:lstStyle/>
           <a:p>
+            <a:pPr algn="l"/>
+            <a:r>
+              <a:rPr lang="en-US" b="0" i="1" dirty="0">
+                <a:solidFill>
+                  <a:srgbClr val="374151"/>
+                </a:solidFill>
+                <a:effectLst/>
+                <a:latin typeface="Söhne"/>
+              </a:rPr>
+              <a:t>Speaker Notes:</a:t>
+            </a:r>
+            <a:endParaRPr lang="en-US" b="0" i="0" dirty="0">
+              <a:solidFill>
+                <a:srgbClr val="374151"/>
+              </a:solidFill>
+              <a:effectLst/>
+              <a:latin typeface="Söhne"/>
+            </a:endParaRPr>
+          </a:p>
+          <a:p>
+            <a:pPr algn="l">
+              <a:buFont typeface="Arial" panose="020B0604020202020204" pitchFamily="34" charset="0"/>
+              <a:buChar char="•"/>
+            </a:pPr>
+            <a:r>
+              <a:rPr lang="en-US" b="0" i="0" dirty="0">
+                <a:solidFill>
+                  <a:srgbClr val="374151"/>
+                </a:solidFill>
+                <a:effectLst/>
+                <a:latin typeface="Söhne"/>
+              </a:rPr>
+              <a:t>In SQL, the </a:t>
+            </a:r>
+            <a:r>
+              <a:rPr lang="en-US" b="1" i="0" dirty="0">
+                <a:solidFill>
+                  <a:srgbClr val="374151"/>
+                </a:solidFill>
+                <a:effectLst/>
+                <a:latin typeface="Söhne"/>
+              </a:rPr>
+              <a:t>OR</a:t>
+            </a:r>
+            <a:r>
+              <a:rPr lang="en-US" b="0" i="0" dirty="0">
+                <a:solidFill>
+                  <a:srgbClr val="374151"/>
+                </a:solidFill>
+                <a:effectLst/>
+                <a:latin typeface="Söhne"/>
+              </a:rPr>
+              <a:t> operator broadens filter criteria, enabling rows to match if they meet ANY of the specified conditions.</a:t>
+            </a:r>
+          </a:p>
+          <a:p>
+            <a:pPr algn="l">
+              <a:buFont typeface="Arial" panose="020B0604020202020204" pitchFamily="34" charset="0"/>
+              <a:buChar char="•"/>
+            </a:pPr>
+            <a:r>
+              <a:rPr lang="en-US" b="0" i="0" dirty="0">
+                <a:solidFill>
+                  <a:srgbClr val="374151"/>
+                </a:solidFill>
+                <a:effectLst/>
+                <a:latin typeface="Söhne"/>
+              </a:rPr>
+              <a:t>This flexibility is valuable for various scenarios where you want to search for multiple options, group data into buckets, or accommodate different criteria variations.</a:t>
+            </a:r>
+          </a:p>
+          <a:p>
+            <a:pPr algn="l">
+              <a:buFont typeface="Arial" panose="020B0604020202020204" pitchFamily="34" charset="0"/>
+              <a:buChar char="•"/>
+            </a:pPr>
+            <a:r>
+              <a:rPr lang="en-US" b="0" i="0" dirty="0">
+                <a:solidFill>
+                  <a:srgbClr val="374151"/>
+                </a:solidFill>
+                <a:effectLst/>
+                <a:latin typeface="Söhne"/>
+              </a:rPr>
+              <a:t>In the provided example, we use </a:t>
+            </a:r>
+            <a:r>
+              <a:rPr lang="en-US" b="1" i="0" dirty="0">
+                <a:solidFill>
+                  <a:srgbClr val="374151"/>
+                </a:solidFill>
+                <a:effectLst/>
+                <a:latin typeface="Söhne"/>
+              </a:rPr>
+              <a:t>OR</a:t>
+            </a:r>
+            <a:r>
+              <a:rPr lang="en-US" b="0" i="0" dirty="0">
+                <a:solidFill>
+                  <a:srgbClr val="374151"/>
+                </a:solidFill>
+                <a:effectLst/>
+                <a:latin typeface="Söhne"/>
+              </a:rPr>
+              <a:t> to filter rows where the region is 'West' OR sales are greater than $100,000, allowing us to capture a broader set of data meeting either condition.</a:t>
+            </a:r>
+          </a:p>
+          <a:p>
             <a:endParaRPr lang="en-US" dirty="0"/>
           </a:p>
         </p:txBody>
@@ -1626,7 +2187,7 @@
               <a:pPr>
                 <a:defRPr/>
               </a:pPr>
-              <a:t>17</a:t>
+              <a:t>14</a:t>
             </a:fld>
             <a:endParaRPr lang="en-US" dirty="0"/>
           </a:p>
@@ -1635,7 +2196,7 @@
     </p:spTree>
     <p:extLst>
       <p:ext uri="{BB962C8B-B14F-4D97-AF65-F5344CB8AC3E}">
-        <p14:creationId xmlns:p14="http://schemas.microsoft.com/office/powerpoint/2010/main" val="3675320594"/>
+        <p14:creationId xmlns:p14="http://schemas.microsoft.com/office/powerpoint/2010/main" val="2710656242"/>
       </p:ext>
     </p:extLst>
   </p:cSld>
@@ -1689,6 +2250,166 @@
           <a:bodyPr/>
           <a:lstStyle/>
           <a:p>
+            <a:pPr algn="l"/>
+            <a:r>
+              <a:rPr lang="en-US" b="0" i="1" dirty="0">
+                <a:solidFill>
+                  <a:srgbClr val="374151"/>
+                </a:solidFill>
+                <a:effectLst/>
+                <a:latin typeface="Söhne"/>
+              </a:rPr>
+              <a:t>Speaker Notes:</a:t>
+            </a:r>
+            <a:endParaRPr lang="en-US" b="0" i="0" dirty="0">
+              <a:solidFill>
+                <a:srgbClr val="374151"/>
+              </a:solidFill>
+              <a:effectLst/>
+              <a:latin typeface="Söhne"/>
+            </a:endParaRPr>
+          </a:p>
+          <a:p>
+            <a:pPr algn="l">
+              <a:buFont typeface="Arial" panose="020B0604020202020204" pitchFamily="34" charset="0"/>
+              <a:buChar char="•"/>
+            </a:pPr>
+            <a:r>
+              <a:rPr lang="en-US" b="0" i="0" dirty="0">
+                <a:solidFill>
+                  <a:srgbClr val="374151"/>
+                </a:solidFill>
+                <a:effectLst/>
+                <a:latin typeface="Söhne"/>
+              </a:rPr>
+              <a:t>SQL's </a:t>
+            </a:r>
+            <a:r>
+              <a:rPr lang="en-US" b="1" i="0" dirty="0">
+                <a:solidFill>
+                  <a:srgbClr val="374151"/>
+                </a:solidFill>
+                <a:effectLst/>
+                <a:latin typeface="Söhne"/>
+              </a:rPr>
+              <a:t>LIKE</a:t>
+            </a:r>
+            <a:r>
+              <a:rPr lang="en-US" b="0" i="0" dirty="0">
+                <a:solidFill>
+                  <a:srgbClr val="374151"/>
+                </a:solidFill>
+                <a:effectLst/>
+                <a:latin typeface="Söhne"/>
+              </a:rPr>
+              <a:t> operator is handy when you want to match text patterns in string data, rather than exact values.</a:t>
+            </a:r>
+          </a:p>
+          <a:p>
+            <a:pPr algn="l">
+              <a:buFont typeface="Arial" panose="020B0604020202020204" pitchFamily="34" charset="0"/>
+              <a:buChar char="•"/>
+            </a:pPr>
+            <a:r>
+              <a:rPr lang="en-US" b="0" i="0" dirty="0">
+                <a:solidFill>
+                  <a:srgbClr val="374151"/>
+                </a:solidFill>
+                <a:effectLst/>
+                <a:latin typeface="Söhne"/>
+              </a:rPr>
+              <a:t>It introduces two wildcards for flexible pattern matching:</a:t>
+            </a:r>
+          </a:p>
+          <a:p>
+            <a:pPr marL="742950" lvl="1" indent="-285750" algn="l">
+              <a:buFont typeface="Arial" panose="020B0604020202020204" pitchFamily="34" charset="0"/>
+              <a:buChar char="•"/>
+            </a:pPr>
+            <a:r>
+              <a:rPr lang="en-US" b="1" i="0" dirty="0">
+                <a:solidFill>
+                  <a:srgbClr val="374151"/>
+                </a:solidFill>
+                <a:effectLst/>
+                <a:latin typeface="Söhne"/>
+              </a:rPr>
+              <a:t>% (Percent sign):</a:t>
+            </a:r>
+            <a:r>
+              <a:rPr lang="en-US" b="0" i="0" dirty="0">
+                <a:solidFill>
+                  <a:srgbClr val="374151"/>
+                </a:solidFill>
+                <a:effectLst/>
+                <a:latin typeface="Söhne"/>
+              </a:rPr>
+              <a:t> This wildcard matches zero or more characters and serves as a substitute for any set of characters.</a:t>
+            </a:r>
+          </a:p>
+          <a:p>
+            <a:pPr marL="742950" lvl="1" indent="-285750" algn="l">
+              <a:buFont typeface="Arial" panose="020B0604020202020204" pitchFamily="34" charset="0"/>
+              <a:buChar char="•"/>
+            </a:pPr>
+            <a:r>
+              <a:rPr lang="en-US" b="1" i="0" dirty="0">
+                <a:solidFill>
+                  <a:srgbClr val="374151"/>
+                </a:solidFill>
+                <a:effectLst/>
+                <a:latin typeface="Söhne"/>
+              </a:rPr>
+              <a:t>_ (Underscore):</a:t>
+            </a:r>
+            <a:r>
+              <a:rPr lang="en-US" b="0" i="0" dirty="0">
+                <a:solidFill>
+                  <a:srgbClr val="374151"/>
+                </a:solidFill>
+                <a:effectLst/>
+                <a:latin typeface="Söhne"/>
+              </a:rPr>
+              <a:t> This wildcard matches a single character and acts as a placeholder for an individual unknown character.</a:t>
+            </a:r>
+          </a:p>
+          <a:p>
+            <a:pPr algn="l">
+              <a:buFont typeface="Arial" panose="020B0604020202020204" pitchFamily="34" charset="0"/>
+              <a:buChar char="•"/>
+            </a:pPr>
+            <a:r>
+              <a:rPr lang="en-US" b="0" i="0" dirty="0">
+                <a:solidFill>
+                  <a:srgbClr val="374151"/>
+                </a:solidFill>
+                <a:effectLst/>
+                <a:latin typeface="Söhne"/>
+              </a:rPr>
+              <a:t>Using </a:t>
+            </a:r>
+            <a:r>
+              <a:rPr lang="en-US" b="1" i="0" dirty="0">
+                <a:solidFill>
+                  <a:srgbClr val="374151"/>
+                </a:solidFill>
+                <a:effectLst/>
+                <a:latin typeface="Söhne"/>
+              </a:rPr>
+              <a:t>LIKE</a:t>
+            </a:r>
+            <a:r>
+              <a:rPr lang="en-US" b="0" i="0" dirty="0">
+                <a:solidFill>
+                  <a:srgbClr val="374151"/>
+                </a:solidFill>
+                <a:effectLst/>
+                <a:latin typeface="Söhne"/>
+              </a:rPr>
+              <a:t> with wildcards opens up a wide range of possibilities for searching, filtering, and querying text data with varying patterns.</a:t>
+            </a:r>
+          </a:p>
+          <a:p>
             <a:endParaRPr lang="en-US" dirty="0"/>
           </a:p>
         </p:txBody>
@@ -1716,7 +2437,7 @@
               <a:pPr>
                 <a:defRPr/>
               </a:pPr>
-              <a:t>18</a:t>
+              <a:t>15</a:t>
             </a:fld>
             <a:endParaRPr lang="en-US" dirty="0"/>
           </a:p>
@@ -1725,7 +2446,7 @@
     </p:spTree>
     <p:extLst>
       <p:ext uri="{BB962C8B-B14F-4D97-AF65-F5344CB8AC3E}">
-        <p14:creationId xmlns:p14="http://schemas.microsoft.com/office/powerpoint/2010/main" val="643559838"/>
+        <p14:creationId xmlns:p14="http://schemas.microsoft.com/office/powerpoint/2010/main" val="996173599"/>
       </p:ext>
     </p:extLst>
   </p:cSld>
@@ -1779,6 +2500,166 @@
           <a:bodyPr/>
           <a:lstStyle/>
           <a:p>
+            <a:pPr algn="l"/>
+            <a:r>
+              <a:rPr lang="en-US" b="0" i="1" dirty="0">
+                <a:solidFill>
+                  <a:srgbClr val="374151"/>
+                </a:solidFill>
+                <a:effectLst/>
+                <a:latin typeface="Söhne"/>
+              </a:rPr>
+              <a:t>Speaker Notes:</a:t>
+            </a:r>
+            <a:endParaRPr lang="en-US" b="0" i="0" dirty="0">
+              <a:solidFill>
+                <a:srgbClr val="374151"/>
+              </a:solidFill>
+              <a:effectLst/>
+              <a:latin typeface="Söhne"/>
+            </a:endParaRPr>
+          </a:p>
+          <a:p>
+            <a:pPr algn="l">
+              <a:buFont typeface="Arial" panose="020B0604020202020204" pitchFamily="34" charset="0"/>
+              <a:buChar char="•"/>
+            </a:pPr>
+            <a:r>
+              <a:rPr lang="en-US" b="0" i="0" dirty="0">
+                <a:solidFill>
+                  <a:srgbClr val="374151"/>
+                </a:solidFill>
+                <a:effectLst/>
+                <a:latin typeface="Söhne"/>
+              </a:rPr>
+              <a:t>Let's explore some practical examples of using the </a:t>
+            </a:r>
+            <a:r>
+              <a:rPr lang="en-US" b="1" i="0" dirty="0">
+                <a:solidFill>
+                  <a:srgbClr val="374151"/>
+                </a:solidFill>
+                <a:effectLst/>
+                <a:latin typeface="Söhne"/>
+              </a:rPr>
+              <a:t>LIKE</a:t>
+            </a:r>
+            <a:r>
+              <a:rPr lang="en-US" b="0" i="0" dirty="0">
+                <a:solidFill>
+                  <a:srgbClr val="374151"/>
+                </a:solidFill>
+                <a:effectLst/>
+                <a:latin typeface="Söhne"/>
+              </a:rPr>
+              <a:t> operator with wildcards in SQL.</a:t>
+            </a:r>
+          </a:p>
+          <a:p>
+            <a:pPr algn="l">
+              <a:buFont typeface="Arial" panose="020B0604020202020204" pitchFamily="34" charset="0"/>
+              <a:buChar char="•"/>
+            </a:pPr>
+            <a:r>
+              <a:rPr lang="en-US" b="0" i="0" dirty="0">
+                <a:solidFill>
+                  <a:srgbClr val="374151"/>
+                </a:solidFill>
+                <a:effectLst/>
+                <a:latin typeface="Söhne"/>
+              </a:rPr>
+              <a:t>In the first example, we retrieve values starting with "Data" using the pattern 'Data%'.</a:t>
+            </a:r>
+          </a:p>
+          <a:p>
+            <a:pPr algn="l">
+              <a:buFont typeface="Arial" panose="020B0604020202020204" pitchFamily="34" charset="0"/>
+              <a:buChar char="•"/>
+            </a:pPr>
+            <a:r>
+              <a:rPr lang="en-US" b="0" i="0" dirty="0">
+                <a:solidFill>
+                  <a:srgbClr val="374151"/>
+                </a:solidFill>
+                <a:effectLst/>
+                <a:latin typeface="Söhne"/>
+              </a:rPr>
+              <a:t>The second example filters values starting with 2 and ending in 3 with '2%3'.</a:t>
+            </a:r>
+          </a:p>
+          <a:p>
+            <a:pPr algn="l">
+              <a:buFont typeface="Arial" panose="020B0604020202020204" pitchFamily="34" charset="0"/>
+              <a:buChar char="•"/>
+            </a:pPr>
+            <a:r>
+              <a:rPr lang="en-US" b="0" i="0" dirty="0">
+                <a:solidFill>
+                  <a:srgbClr val="374151"/>
+                </a:solidFill>
+                <a:effectLst/>
+                <a:latin typeface="Söhne"/>
+              </a:rPr>
+              <a:t>The third example matches phone numbers in the format '507-9XX-XXXX', where '9XX' represents any two digits.</a:t>
+            </a:r>
+          </a:p>
+          <a:p>
+            <a:pPr algn="l">
+              <a:buFont typeface="Arial" panose="020B0604020202020204" pitchFamily="34" charset="0"/>
+              <a:buChar char="•"/>
+            </a:pPr>
+            <a:r>
+              <a:rPr lang="en-US" b="0" i="0" dirty="0">
+                <a:solidFill>
+                  <a:srgbClr val="374151"/>
+                </a:solidFill>
+                <a:effectLst/>
+                <a:latin typeface="Söhne"/>
+              </a:rPr>
+              <a:t>Lastly, we use </a:t>
+            </a:r>
+            <a:r>
+              <a:rPr lang="en-US" b="1" i="0" dirty="0">
+                <a:solidFill>
+                  <a:srgbClr val="374151"/>
+                </a:solidFill>
+                <a:effectLst/>
+                <a:latin typeface="Söhne"/>
+              </a:rPr>
+              <a:t>NOT LIKE</a:t>
+            </a:r>
+            <a:r>
+              <a:rPr lang="en-US" b="0" i="0" dirty="0">
+                <a:solidFill>
+                  <a:srgbClr val="374151"/>
+                </a:solidFill>
+                <a:effectLst/>
+                <a:latin typeface="Söhne"/>
+              </a:rPr>
+              <a:t> to exclude rows where the title contains the word "Analyst." These examples illustrate the versatility of using </a:t>
+            </a:r>
+            <a:r>
+              <a:rPr lang="en-US" b="1" i="0" dirty="0">
+                <a:solidFill>
+                  <a:srgbClr val="374151"/>
+                </a:solidFill>
+                <a:effectLst/>
+                <a:latin typeface="Söhne"/>
+              </a:rPr>
+              <a:t>LIKE</a:t>
+            </a:r>
+            <a:r>
+              <a:rPr lang="en-US" b="0" i="0" dirty="0">
+                <a:solidFill>
+                  <a:srgbClr val="374151"/>
+                </a:solidFill>
+                <a:effectLst/>
+                <a:latin typeface="Söhne"/>
+              </a:rPr>
+              <a:t> to perform complex pattern-based searches.</a:t>
+            </a:r>
+          </a:p>
+          <a:p>
             <a:endParaRPr lang="en-US" dirty="0"/>
           </a:p>
         </p:txBody>
@@ -1806,7 +2687,7 @@
               <a:pPr>
                 <a:defRPr/>
               </a:pPr>
-              <a:t>19</a:t>
+              <a:t>16</a:t>
             </a:fld>
             <a:endParaRPr lang="en-US" dirty="0"/>
           </a:p>
@@ -1815,7 +2696,7 @@
     </p:spTree>
     <p:extLst>
       <p:ext uri="{BB962C8B-B14F-4D97-AF65-F5344CB8AC3E}">
-        <p14:creationId xmlns:p14="http://schemas.microsoft.com/office/powerpoint/2010/main" val="308805358"/>
+        <p14:creationId xmlns:p14="http://schemas.microsoft.com/office/powerpoint/2010/main" val="2466916719"/>
       </p:ext>
     </p:extLst>
   </p:cSld>
@@ -1869,6 +2750,106 @@
           <a:bodyPr/>
           <a:lstStyle/>
           <a:p>
+            <a:pPr algn="l"/>
+            <a:r>
+              <a:rPr lang="en-US" b="0" i="1" dirty="0">
+                <a:solidFill>
+                  <a:srgbClr val="374151"/>
+                </a:solidFill>
+                <a:effectLst/>
+                <a:latin typeface="Söhne"/>
+              </a:rPr>
+              <a:t>Speaker Notes:</a:t>
+            </a:r>
+            <a:endParaRPr lang="en-US" b="0" i="0" dirty="0">
+              <a:solidFill>
+                <a:srgbClr val="374151"/>
+              </a:solidFill>
+              <a:effectLst/>
+              <a:latin typeface="Söhne"/>
+            </a:endParaRPr>
+          </a:p>
+          <a:p>
+            <a:pPr algn="l">
+              <a:buFont typeface="Arial" panose="020B0604020202020204" pitchFamily="34" charset="0"/>
+              <a:buChar char="•"/>
+            </a:pPr>
+            <a:r>
+              <a:rPr lang="en-US" b="0" i="0" dirty="0">
+                <a:solidFill>
+                  <a:srgbClr val="374151"/>
+                </a:solidFill>
+                <a:effectLst/>
+                <a:latin typeface="Söhne"/>
+              </a:rPr>
+              <a:t>The sequence in which rows appear in the result set of an SQL query is critical for effective analysis.</a:t>
+            </a:r>
+          </a:p>
+          <a:p>
+            <a:pPr algn="l">
+              <a:buFont typeface="Arial" panose="020B0604020202020204" pitchFamily="34" charset="0"/>
+              <a:buChar char="•"/>
+            </a:pPr>
+            <a:r>
+              <a:rPr lang="en-US" b="0" i="0" dirty="0">
+                <a:solidFill>
+                  <a:srgbClr val="374151"/>
+                </a:solidFill>
+                <a:effectLst/>
+                <a:latin typeface="Söhne"/>
+              </a:rPr>
+              <a:t>While filters determine which rows are included, ordering controls the presentation sequence.</a:t>
+            </a:r>
+          </a:p>
+          <a:p>
+            <a:pPr algn="l">
+              <a:buFont typeface="Arial" panose="020B0604020202020204" pitchFamily="34" charset="0"/>
+              <a:buChar char="•"/>
+            </a:pPr>
+            <a:r>
+              <a:rPr lang="en-US" b="0" i="0" dirty="0">
+                <a:solidFill>
+                  <a:srgbClr val="374151"/>
+                </a:solidFill>
+                <a:effectLst/>
+                <a:latin typeface="Söhne"/>
+              </a:rPr>
+              <a:t>Precise ordering is crucial for various reasons:</a:t>
+            </a:r>
+          </a:p>
+          <a:p>
+            <a:pPr marL="742950" lvl="1" indent="-285750" algn="l">
+              <a:buFont typeface="Arial" panose="020B0604020202020204" pitchFamily="34" charset="0"/>
+              <a:buChar char="•"/>
+            </a:pPr>
+            <a:r>
+              <a:rPr lang="en-US" b="0" i="0" dirty="0">
+                <a:solidFill>
+                  <a:srgbClr val="374151"/>
+                </a:solidFill>
+                <a:effectLst/>
+                <a:latin typeface="Söhne"/>
+              </a:rPr>
+              <a:t>It allows you to surface the most important records first, which can be useful for showing the best-performing products or prioritizing results.</a:t>
+            </a:r>
+          </a:p>
+          <a:p>
+            <a:pPr marL="742950" lvl="1" indent="-285750" algn="l">
+              <a:buFont typeface="Arial" panose="020B0604020202020204" pitchFamily="34" charset="0"/>
+              <a:buChar char="•"/>
+            </a:pPr>
+            <a:r>
+              <a:rPr lang="en-US" b="0" i="0" dirty="0">
+                <a:solidFill>
+                  <a:srgbClr val="374151"/>
+                </a:solidFill>
+                <a:effectLst/>
+                <a:latin typeface="Söhne"/>
+              </a:rPr>
+              <a:t>It helps in detecting patterns and outliers, especially in scenarios where consistency is checked in ordered transactions.</a:t>
+            </a:r>
+          </a:p>
+          <a:p>
             <a:endParaRPr lang="en-US" dirty="0"/>
           </a:p>
         </p:txBody>
@@ -1896,7 +2877,7 @@
               <a:pPr>
                 <a:defRPr/>
               </a:pPr>
-              <a:t>20</a:t>
+              <a:t>17</a:t>
             </a:fld>
             <a:endParaRPr lang="en-US" dirty="0"/>
           </a:p>
@@ -1905,7 +2886,7 @@
     </p:spTree>
     <p:extLst>
       <p:ext uri="{BB962C8B-B14F-4D97-AF65-F5344CB8AC3E}">
-        <p14:creationId xmlns:p14="http://schemas.microsoft.com/office/powerpoint/2010/main" val="2191953438"/>
+        <p14:creationId xmlns:p14="http://schemas.microsoft.com/office/powerpoint/2010/main" val="3675320594"/>
       </p:ext>
     </p:extLst>
   </p:cSld>
@@ -1959,10 +2940,131 @@
           <a:bodyPr/>
           <a:lstStyle/>
           <a:p>
-            <a:r>
-              <a:rPr lang="en-US" dirty="0"/>
-              <a:t>Walk through each function</a:t>
-            </a:r>
+            <a:pPr algn="l"/>
+            <a:r>
+              <a:rPr lang="en-US" b="0" i="1" dirty="0">
+                <a:solidFill>
+                  <a:srgbClr val="374151"/>
+                </a:solidFill>
+                <a:effectLst/>
+                <a:latin typeface="Söhne"/>
+              </a:rPr>
+              <a:t>Speaker Notes:</a:t>
+            </a:r>
+            <a:endParaRPr lang="en-US" b="0" i="0" dirty="0">
+              <a:solidFill>
+                <a:srgbClr val="374151"/>
+              </a:solidFill>
+              <a:effectLst/>
+              <a:latin typeface="Söhne"/>
+            </a:endParaRPr>
+          </a:p>
+          <a:p>
+            <a:pPr algn="l">
+              <a:buFont typeface="Arial" panose="020B0604020202020204" pitchFamily="34" charset="0"/>
+              <a:buChar char="•"/>
+            </a:pPr>
+            <a:r>
+              <a:rPr lang="en-US" b="0" i="0" dirty="0">
+                <a:solidFill>
+                  <a:srgbClr val="374151"/>
+                </a:solidFill>
+                <a:effectLst/>
+                <a:latin typeface="Söhne"/>
+              </a:rPr>
+              <a:t>The </a:t>
+            </a:r>
+            <a:r>
+              <a:rPr lang="en-US" b="1" i="0" dirty="0">
+                <a:solidFill>
+                  <a:srgbClr val="374151"/>
+                </a:solidFill>
+                <a:effectLst/>
+                <a:latin typeface="Söhne"/>
+              </a:rPr>
+              <a:t>ASC</a:t>
+            </a:r>
+            <a:r>
+              <a:rPr lang="en-US" b="0" i="0" dirty="0">
+                <a:solidFill>
+                  <a:srgbClr val="374151"/>
+                </a:solidFill>
+                <a:effectLst/>
+                <a:latin typeface="Söhne"/>
+              </a:rPr>
+              <a:t> keyword in SQL's </a:t>
+            </a:r>
+            <a:r>
+              <a:rPr lang="en-US" b="1" i="0" dirty="0">
+                <a:solidFill>
+                  <a:srgbClr val="374151"/>
+                </a:solidFill>
+                <a:effectLst/>
+                <a:latin typeface="Söhne"/>
+              </a:rPr>
+              <a:t>ORDER BY</a:t>
+            </a:r>
+            <a:r>
+              <a:rPr lang="en-US" b="0" i="0" dirty="0">
+                <a:solidFill>
+                  <a:srgbClr val="374151"/>
+                </a:solidFill>
+                <a:effectLst/>
+                <a:latin typeface="Söhne"/>
+              </a:rPr>
+              <a:t> clause is used to sort result set rows in ascending order.</a:t>
+            </a:r>
+          </a:p>
+          <a:p>
+            <a:pPr algn="l">
+              <a:buFont typeface="Arial" panose="020B0604020202020204" pitchFamily="34" charset="0"/>
+              <a:buChar char="•"/>
+            </a:pPr>
+            <a:r>
+              <a:rPr lang="en-US" b="0" i="0" dirty="0">
+                <a:solidFill>
+                  <a:srgbClr val="374151"/>
+                </a:solidFill>
+                <a:effectLst/>
+                <a:latin typeface="Söhne"/>
+              </a:rPr>
+              <a:t>When applied, it arranges data from the lowest to the highest value for the specified column.</a:t>
+            </a:r>
+          </a:p>
+          <a:p>
+            <a:pPr algn="l">
+              <a:buFont typeface="Arial" panose="020B0604020202020204" pitchFamily="34" charset="0"/>
+              <a:buChar char="•"/>
+            </a:pPr>
+            <a:r>
+              <a:rPr lang="en-US" b="0" i="0" dirty="0">
+                <a:solidFill>
+                  <a:srgbClr val="374151"/>
+                </a:solidFill>
+                <a:effectLst/>
+                <a:latin typeface="Söhne"/>
+              </a:rPr>
+              <a:t>Key behaviors include sorting numbers from smallest to largest, dates from earliest to latest, and text in alphabetical A-Z order.</a:t>
+            </a:r>
+          </a:p>
+          <a:p>
+            <a:pPr algn="l">
+              <a:buFont typeface="Arial" panose="020B0604020202020204" pitchFamily="34" charset="0"/>
+              <a:buChar char="•"/>
+            </a:pPr>
+            <a:r>
+              <a:rPr lang="en-US" b="0" i="0" dirty="0">
+                <a:solidFill>
+                  <a:srgbClr val="374151"/>
+                </a:solidFill>
+                <a:effectLst/>
+                <a:latin typeface="Söhne"/>
+              </a:rPr>
+              <a:t>It's important to note that ASC order is used by default if no specific ordering is specified in the query. This default behavior can be useful in many scenarios.</a:t>
+            </a:r>
+          </a:p>
+          <a:p>
+            <a:endParaRPr lang="en-US" dirty="0"/>
           </a:p>
         </p:txBody>
       </p:sp>
@@ -1989,7 +3091,7 @@
               <a:pPr>
                 <a:defRPr/>
               </a:pPr>
-              <a:t>23</a:t>
+              <a:t>18</a:t>
             </a:fld>
             <a:endParaRPr lang="en-US" dirty="0"/>
           </a:p>
@@ -1998,7 +3100,7 @@
     </p:spTree>
     <p:extLst>
       <p:ext uri="{BB962C8B-B14F-4D97-AF65-F5344CB8AC3E}">
-        <p14:creationId xmlns:p14="http://schemas.microsoft.com/office/powerpoint/2010/main" val="3313796763"/>
+        <p14:creationId xmlns:p14="http://schemas.microsoft.com/office/powerpoint/2010/main" val="643559838"/>
       </p:ext>
     </p:extLst>
   </p:cSld>
@@ -2052,10 +3154,91 @@
           <a:bodyPr/>
           <a:lstStyle/>
           <a:p>
-            <a:r>
-              <a:rPr lang="en-US" dirty="0"/>
-              <a:t>Walk through each function</a:t>
-            </a:r>
+            <a:pPr algn="l"/>
+            <a:r>
+              <a:rPr lang="en-US" b="0" i="1" dirty="0">
+                <a:solidFill>
+                  <a:srgbClr val="374151"/>
+                </a:solidFill>
+                <a:effectLst/>
+                <a:latin typeface="Söhne"/>
+              </a:rPr>
+              <a:t>Speaker Notes:</a:t>
+            </a:r>
+            <a:endParaRPr lang="en-US" b="0" i="0" dirty="0">
+              <a:solidFill>
+                <a:srgbClr val="374151"/>
+              </a:solidFill>
+              <a:effectLst/>
+              <a:latin typeface="Söhne"/>
+            </a:endParaRPr>
+          </a:p>
+          <a:p>
+            <a:pPr algn="l">
+              <a:buFont typeface="Arial" panose="020B0604020202020204" pitchFamily="34" charset="0"/>
+              <a:buChar char="•"/>
+            </a:pPr>
+            <a:r>
+              <a:rPr lang="en-US" b="0" i="0" dirty="0">
+                <a:solidFill>
+                  <a:srgbClr val="374151"/>
+                </a:solidFill>
+                <a:effectLst/>
+                <a:latin typeface="Söhne"/>
+              </a:rPr>
+              <a:t>The ASC keyword in SQL's ORDER BY clause is used to sort result set rows in ascending order.</a:t>
+            </a:r>
+          </a:p>
+          <a:p>
+            <a:pPr algn="l">
+              <a:buFont typeface="Arial" panose="020B0604020202020204" pitchFamily="34" charset="0"/>
+              <a:buChar char="•"/>
+            </a:pPr>
+            <a:r>
+              <a:rPr lang="en-US" b="0" i="0" dirty="0">
+                <a:solidFill>
+                  <a:srgbClr val="374151"/>
+                </a:solidFill>
+                <a:effectLst/>
+                <a:latin typeface="Söhne"/>
+              </a:rPr>
+              <a:t>When applied, it arranges data from the lowest to the highest value for the specified column.</a:t>
+            </a:r>
+          </a:p>
+          <a:p>
+            <a:pPr algn="l">
+              <a:buFont typeface="Arial" panose="020B0604020202020204" pitchFamily="34" charset="0"/>
+              <a:buChar char="•"/>
+            </a:pPr>
+            <a:r>
+              <a:rPr lang="en-US" b="0" i="0" dirty="0">
+                <a:solidFill>
+                  <a:srgbClr val="374151"/>
+                </a:solidFill>
+                <a:effectLst/>
+                <a:latin typeface="Söhne"/>
+              </a:rPr>
+              <a:t>Key behaviors include sorting numbers from smallest to largest, dates from earliest to latest, and text in alphabetical A-Z order.</a:t>
+            </a:r>
+          </a:p>
+          <a:p>
+            <a:pPr algn="l">
+              <a:buFont typeface="Arial" panose="020B0604020202020204" pitchFamily="34" charset="0"/>
+              <a:buChar char="•"/>
+            </a:pPr>
+            <a:r>
+              <a:rPr lang="en-US" b="0" i="0" dirty="0">
+                <a:solidFill>
+                  <a:srgbClr val="374151"/>
+                </a:solidFill>
+                <a:effectLst/>
+                <a:latin typeface="Söhne"/>
+              </a:rPr>
+              <a:t>It's important to note that ASC order is used by default if no specific ordering is specified in the query. This default behavior can be useful in many scenarios.</a:t>
+            </a:r>
+          </a:p>
+          <a:p>
+            <a:endParaRPr lang="en-US" dirty="0"/>
           </a:p>
         </p:txBody>
       </p:sp>
@@ -2082,7 +3265,7 @@
               <a:pPr>
                 <a:defRPr/>
               </a:pPr>
-              <a:t>26</a:t>
+              <a:t>19</a:t>
             </a:fld>
             <a:endParaRPr lang="en-US" dirty="0"/>
           </a:p>
@@ -2091,7 +3274,7 @@
     </p:spTree>
     <p:extLst>
       <p:ext uri="{BB962C8B-B14F-4D97-AF65-F5344CB8AC3E}">
-        <p14:creationId xmlns:p14="http://schemas.microsoft.com/office/powerpoint/2010/main" val="3313796763"/>
+        <p14:creationId xmlns:p14="http://schemas.microsoft.com/office/powerpoint/2010/main" val="308805358"/>
       </p:ext>
     </p:extLst>
   </p:cSld>
@@ -2145,6 +3328,58 @@
           <a:bodyPr/>
           <a:lstStyle/>
           <a:p>
+            <a:pPr algn="l"/>
+            <a:r>
+              <a:rPr lang="en-US" b="0" i="1" dirty="0">
+                <a:solidFill>
+                  <a:srgbClr val="374151"/>
+                </a:solidFill>
+                <a:effectLst/>
+                <a:latin typeface="Söhne"/>
+              </a:rPr>
+              <a:t>Speaker Notes:</a:t>
+            </a:r>
+            <a:endParaRPr lang="en-US" b="0" i="0" dirty="0">
+              <a:solidFill>
+                <a:srgbClr val="374151"/>
+              </a:solidFill>
+              <a:effectLst/>
+              <a:latin typeface="Söhne"/>
+            </a:endParaRPr>
+          </a:p>
+          <a:p>
+            <a:pPr algn="l">
+              <a:buFont typeface="Arial" panose="020B0604020202020204" pitchFamily="34" charset="0"/>
+              <a:buChar char="•"/>
+            </a:pPr>
+            <a:r>
+              <a:rPr lang="en-US" b="0" i="0" dirty="0">
+                <a:solidFill>
+                  <a:srgbClr val="374151"/>
+                </a:solidFill>
+                <a:effectLst/>
+                <a:latin typeface="Söhne"/>
+              </a:rPr>
+              <a:t>Today, we're diving deeper into SQL and focusing on two essential concepts: filtering data with the WHERE clause and ordering results based on specific fields.</a:t>
+            </a:r>
+          </a:p>
+          <a:p>
+            <a:pPr algn="l">
+              <a:buFont typeface="Arial" panose="020B0604020202020204" pitchFamily="34" charset="0"/>
+              <a:buChar char="•"/>
+            </a:pPr>
+            <a:r>
+              <a:rPr lang="en-US" b="0" i="0" dirty="0">
+                <a:solidFill>
+                  <a:srgbClr val="374151"/>
+                </a:solidFill>
+                <a:effectLst/>
+                <a:latin typeface="Söhne"/>
+              </a:rPr>
+              <a:t>These skills are crucial for extracting meaningful information from large datasets and customizing the way your SQL results are presented. So, let's get started!</a:t>
+            </a:r>
+          </a:p>
+          <a:p>
             <a:endParaRPr lang="en-US" dirty="0"/>
           </a:p>
         </p:txBody>
@@ -2172,7 +3407,7 @@
               <a:pPr>
                 <a:defRPr/>
               </a:pPr>
-              <a:t>5</a:t>
+              <a:t>2</a:t>
             </a:fld>
             <a:endParaRPr lang="en-US" dirty="0"/>
           </a:p>
@@ -2181,7 +3416,7 @@
     </p:spTree>
     <p:extLst>
       <p:ext uri="{BB962C8B-B14F-4D97-AF65-F5344CB8AC3E}">
-        <p14:creationId xmlns:p14="http://schemas.microsoft.com/office/powerpoint/2010/main" val="2294337920"/>
+        <p14:creationId xmlns:p14="http://schemas.microsoft.com/office/powerpoint/2010/main" val="877679306"/>
       </p:ext>
     </p:extLst>
   </p:cSld>
@@ -2192,6 +3427,396 @@
 </file>
 
 <file path=ppt/notesSlides/notesSlide20.xml><?xml version="1.0" encoding="utf-8"?>
+<p:notes xmlns:a="http://schemas.openxmlformats.org/drawingml/2006/main" xmlns:r="http://schemas.openxmlformats.org/officeDocument/2006/relationships" xmlns:p="http://schemas.openxmlformats.org/presentationml/2006/main">
+  <p:cSld>
+    <p:spTree>
+      <p:nvGrpSpPr>
+        <p:cNvPr id="1" name=""/>
+        <p:cNvGrpSpPr/>
+        <p:nvPr/>
+      </p:nvGrpSpPr>
+      <p:grpSpPr>
+        <a:xfrm>
+          <a:off x="0" y="0"/>
+          <a:ext cx="0" cy="0"/>
+          <a:chOff x="0" y="0"/>
+          <a:chExt cx="0" cy="0"/>
+        </a:xfrm>
+      </p:grpSpPr>
+      <p:sp>
+        <p:nvSpPr>
+          <p:cNvPr id="2" name="Slide Image Placeholder 1"/>
+          <p:cNvSpPr>
+            <a:spLocks noGrp="1" noRot="1" noChangeAspect="1"/>
+          </p:cNvSpPr>
+          <p:nvPr>
+            <p:ph type="sldImg"/>
+          </p:nvPr>
+        </p:nvSpPr>
+        <p:spPr/>
+      </p:sp>
+      <p:sp>
+        <p:nvSpPr>
+          <p:cNvPr id="3" name="Notes Placeholder 2"/>
+          <p:cNvSpPr>
+            <a:spLocks noGrp="1"/>
+          </p:cNvSpPr>
+          <p:nvPr>
+            <p:ph type="body" idx="1"/>
+          </p:nvPr>
+        </p:nvSpPr>
+        <p:spPr/>
+        <p:txBody>
+          <a:bodyPr/>
+          <a:lstStyle/>
+          <a:p>
+            <a:pPr algn="l"/>
+            <a:r>
+              <a:rPr lang="en-US" b="0" i="1" dirty="0">
+                <a:solidFill>
+                  <a:srgbClr val="374151"/>
+                </a:solidFill>
+                <a:effectLst/>
+                <a:latin typeface="Söhne"/>
+              </a:rPr>
+              <a:t>Speaker Notes:</a:t>
+            </a:r>
+            <a:endParaRPr lang="en-US" b="0" i="0" dirty="0">
+              <a:solidFill>
+                <a:srgbClr val="374151"/>
+              </a:solidFill>
+              <a:effectLst/>
+              <a:latin typeface="Söhne"/>
+            </a:endParaRPr>
+          </a:p>
+          <a:p>
+            <a:pPr algn="l">
+              <a:buFont typeface="Arial" panose="020B0604020202020204" pitchFamily="34" charset="0"/>
+              <a:buChar char="•"/>
+            </a:pPr>
+            <a:r>
+              <a:rPr lang="en-US" b="0" i="0" dirty="0">
+                <a:solidFill>
+                  <a:srgbClr val="374151"/>
+                </a:solidFill>
+                <a:effectLst/>
+                <a:latin typeface="Söhne"/>
+              </a:rPr>
+              <a:t>As you continue to learn and work with SQL, remember these key takeaways:</a:t>
+            </a:r>
+          </a:p>
+          <a:p>
+            <a:pPr marL="742950" lvl="1" indent="-285750" algn="l">
+              <a:buFont typeface="Arial" panose="020B0604020202020204" pitchFamily="34" charset="0"/>
+              <a:buChar char="•"/>
+            </a:pPr>
+            <a:r>
+              <a:rPr lang="en-US" b="1" i="0" dirty="0">
+                <a:solidFill>
+                  <a:srgbClr val="374151"/>
+                </a:solidFill>
+                <a:effectLst/>
+                <a:latin typeface="Söhne"/>
+              </a:rPr>
+              <a:t>Filter Rows Concisely with WHERE:</a:t>
+            </a:r>
+            <a:r>
+              <a:rPr lang="en-US" b="0" i="0" dirty="0">
+                <a:solidFill>
+                  <a:srgbClr val="374151"/>
+                </a:solidFill>
+                <a:effectLst/>
+                <a:latin typeface="Söhne"/>
+              </a:rPr>
+              <a:t> Be precise in your filtering conditions to retrieve only the necessary data. Each row evaluated adds load to the database.</a:t>
+            </a:r>
+          </a:p>
+          <a:p>
+            <a:pPr marL="742950" lvl="1" indent="-285750" algn="l">
+              <a:buFont typeface="Arial" panose="020B0604020202020204" pitchFamily="34" charset="0"/>
+              <a:buChar char="•"/>
+            </a:pPr>
+            <a:r>
+              <a:rPr lang="en-US" b="1" i="0" dirty="0">
+                <a:solidFill>
+                  <a:srgbClr val="374151"/>
+                </a:solidFill>
+                <a:effectLst/>
+                <a:latin typeface="Söhne"/>
+              </a:rPr>
+              <a:t>Sort Results Clearly with ORDER BY:</a:t>
+            </a:r>
+            <a:r>
+              <a:rPr lang="en-US" b="0" i="0" dirty="0">
+                <a:solidFill>
+                  <a:srgbClr val="374151"/>
+                </a:solidFill>
+                <a:effectLst/>
+                <a:latin typeface="Söhne"/>
+              </a:rPr>
+              <a:t> Arrange your result sets logically, considering the importance, priority, and structure of the data.</a:t>
+            </a:r>
+          </a:p>
+          <a:p>
+            <a:pPr marL="742950" lvl="1" indent="-285750" algn="l">
+              <a:buFont typeface="Arial" panose="020B0604020202020204" pitchFamily="34" charset="0"/>
+              <a:buChar char="•"/>
+            </a:pPr>
+            <a:r>
+              <a:rPr lang="en-US" b="1" i="0" dirty="0">
+                <a:solidFill>
+                  <a:srgbClr val="374151"/>
+                </a:solidFill>
+                <a:effectLst/>
+                <a:latin typeface="Söhne"/>
+              </a:rPr>
+              <a:t>Optimize Gracefully For Pace:</a:t>
+            </a:r>
+            <a:r>
+              <a:rPr lang="en-US" b="0" i="0" dirty="0">
+                <a:solidFill>
+                  <a:srgbClr val="374151"/>
+                </a:solidFill>
+                <a:effectLst/>
+                <a:latin typeface="Söhne"/>
+              </a:rPr>
+              <a:t> The database engine interprets SQL syntax and devises efficient execution plans. Strive for simplicity in your queries; choose straightforward approaches over overly complex logic when possible.</a:t>
+            </a:r>
+          </a:p>
+          <a:p>
+            <a:endParaRPr lang="en-US" dirty="0"/>
+          </a:p>
+        </p:txBody>
+      </p:sp>
+      <p:sp>
+        <p:nvSpPr>
+          <p:cNvPr id="4" name="Slide Number Placeholder 3"/>
+          <p:cNvSpPr>
+            <a:spLocks noGrp="1"/>
+          </p:cNvSpPr>
+          <p:nvPr>
+            <p:ph type="sldNum" sz="quarter" idx="5"/>
+          </p:nvPr>
+        </p:nvSpPr>
+        <p:spPr/>
+        <p:txBody>
+          <a:bodyPr/>
+          <a:lstStyle/>
+          <a:p>
+            <a:pPr>
+              <a:defRPr/>
+            </a:pPr>
+            <a:fld id="{D0B7D74D-C969-4920-A7A6-E44C909EE3F2}" type="slidenum">
+              <a:rPr lang="en-US" smtClean="0"/>
+              <a:pPr>
+                <a:defRPr/>
+              </a:pPr>
+              <a:t>20</a:t>
+            </a:fld>
+            <a:endParaRPr lang="en-US" dirty="0"/>
+          </a:p>
+        </p:txBody>
+      </p:sp>
+    </p:spTree>
+    <p:extLst>
+      <p:ext uri="{BB962C8B-B14F-4D97-AF65-F5344CB8AC3E}">
+        <p14:creationId xmlns:p14="http://schemas.microsoft.com/office/powerpoint/2010/main" val="2191953438"/>
+      </p:ext>
+    </p:extLst>
+  </p:cSld>
+  <p:clrMapOvr>
+    <a:masterClrMapping/>
+  </p:clrMapOvr>
+</p:notes>
+</file>
+
+<file path=ppt/notesSlides/notesSlide21.xml><?xml version="1.0" encoding="utf-8"?>
+<p:notes xmlns:a="http://schemas.openxmlformats.org/drawingml/2006/main" xmlns:r="http://schemas.openxmlformats.org/officeDocument/2006/relationships" xmlns:p="http://schemas.openxmlformats.org/presentationml/2006/main">
+  <p:cSld>
+    <p:spTree>
+      <p:nvGrpSpPr>
+        <p:cNvPr id="1" name=""/>
+        <p:cNvGrpSpPr/>
+        <p:nvPr/>
+      </p:nvGrpSpPr>
+      <p:grpSpPr>
+        <a:xfrm>
+          <a:off x="0" y="0"/>
+          <a:ext cx="0" cy="0"/>
+          <a:chOff x="0" y="0"/>
+          <a:chExt cx="0" cy="0"/>
+        </a:xfrm>
+      </p:grpSpPr>
+      <p:sp>
+        <p:nvSpPr>
+          <p:cNvPr id="2" name="Slide Image Placeholder 1"/>
+          <p:cNvSpPr>
+            <a:spLocks noGrp="1" noRot="1" noChangeAspect="1"/>
+          </p:cNvSpPr>
+          <p:nvPr>
+            <p:ph type="sldImg"/>
+          </p:nvPr>
+        </p:nvSpPr>
+        <p:spPr/>
+      </p:sp>
+      <p:sp>
+        <p:nvSpPr>
+          <p:cNvPr id="3" name="Notes Placeholder 2"/>
+          <p:cNvSpPr>
+            <a:spLocks noGrp="1"/>
+          </p:cNvSpPr>
+          <p:nvPr>
+            <p:ph type="body" idx="1"/>
+          </p:nvPr>
+        </p:nvSpPr>
+        <p:spPr/>
+        <p:txBody>
+          <a:bodyPr/>
+          <a:lstStyle/>
+          <a:p>
+            <a:r>
+              <a:rPr lang="en-US" dirty="0"/>
+              <a:t>Walk through each function</a:t>
+            </a:r>
+          </a:p>
+        </p:txBody>
+      </p:sp>
+      <p:sp>
+        <p:nvSpPr>
+          <p:cNvPr id="4" name="Slide Number Placeholder 3"/>
+          <p:cNvSpPr>
+            <a:spLocks noGrp="1"/>
+          </p:cNvSpPr>
+          <p:nvPr>
+            <p:ph type="sldNum" sz="quarter" idx="5"/>
+          </p:nvPr>
+        </p:nvSpPr>
+        <p:spPr/>
+        <p:txBody>
+          <a:bodyPr/>
+          <a:lstStyle/>
+          <a:p>
+            <a:pPr>
+              <a:defRPr/>
+            </a:pPr>
+            <a:fld id="{D0B7D74D-C969-4920-A7A6-E44C909EE3F2}" type="slidenum">
+              <a:rPr lang="en-US" smtClean="0"/>
+              <a:pPr>
+                <a:defRPr/>
+              </a:pPr>
+              <a:t>23</a:t>
+            </a:fld>
+            <a:endParaRPr lang="en-US" dirty="0"/>
+          </a:p>
+        </p:txBody>
+      </p:sp>
+    </p:spTree>
+    <p:extLst>
+      <p:ext uri="{BB962C8B-B14F-4D97-AF65-F5344CB8AC3E}">
+        <p14:creationId xmlns:p14="http://schemas.microsoft.com/office/powerpoint/2010/main" val="3313796763"/>
+      </p:ext>
+    </p:extLst>
+  </p:cSld>
+  <p:clrMapOvr>
+    <a:masterClrMapping/>
+  </p:clrMapOvr>
+</p:notes>
+</file>
+
+<file path=ppt/notesSlides/notesSlide22.xml><?xml version="1.0" encoding="utf-8"?>
+<p:notes xmlns:a="http://schemas.openxmlformats.org/drawingml/2006/main" xmlns:r="http://schemas.openxmlformats.org/officeDocument/2006/relationships" xmlns:p="http://schemas.openxmlformats.org/presentationml/2006/main">
+  <p:cSld>
+    <p:spTree>
+      <p:nvGrpSpPr>
+        <p:cNvPr id="1" name=""/>
+        <p:cNvGrpSpPr/>
+        <p:nvPr/>
+      </p:nvGrpSpPr>
+      <p:grpSpPr>
+        <a:xfrm>
+          <a:off x="0" y="0"/>
+          <a:ext cx="0" cy="0"/>
+          <a:chOff x="0" y="0"/>
+          <a:chExt cx="0" cy="0"/>
+        </a:xfrm>
+      </p:grpSpPr>
+      <p:sp>
+        <p:nvSpPr>
+          <p:cNvPr id="2" name="Slide Image Placeholder 1"/>
+          <p:cNvSpPr>
+            <a:spLocks noGrp="1" noRot="1" noChangeAspect="1"/>
+          </p:cNvSpPr>
+          <p:nvPr>
+            <p:ph type="sldImg"/>
+          </p:nvPr>
+        </p:nvSpPr>
+        <p:spPr/>
+      </p:sp>
+      <p:sp>
+        <p:nvSpPr>
+          <p:cNvPr id="3" name="Notes Placeholder 2"/>
+          <p:cNvSpPr>
+            <a:spLocks noGrp="1"/>
+          </p:cNvSpPr>
+          <p:nvPr>
+            <p:ph type="body" idx="1"/>
+          </p:nvPr>
+        </p:nvSpPr>
+        <p:spPr/>
+        <p:txBody>
+          <a:bodyPr/>
+          <a:lstStyle/>
+          <a:p>
+            <a:r>
+              <a:rPr lang="en-US" dirty="0"/>
+              <a:t>Walk through each function</a:t>
+            </a:r>
+          </a:p>
+        </p:txBody>
+      </p:sp>
+      <p:sp>
+        <p:nvSpPr>
+          <p:cNvPr id="4" name="Slide Number Placeholder 3"/>
+          <p:cNvSpPr>
+            <a:spLocks noGrp="1"/>
+          </p:cNvSpPr>
+          <p:nvPr>
+            <p:ph type="sldNum" sz="quarter" idx="5"/>
+          </p:nvPr>
+        </p:nvSpPr>
+        <p:spPr/>
+        <p:txBody>
+          <a:bodyPr/>
+          <a:lstStyle/>
+          <a:p>
+            <a:pPr>
+              <a:defRPr/>
+            </a:pPr>
+            <a:fld id="{D0B7D74D-C969-4920-A7A6-E44C909EE3F2}" type="slidenum">
+              <a:rPr lang="en-US" smtClean="0"/>
+              <a:pPr>
+                <a:defRPr/>
+              </a:pPr>
+              <a:t>26</a:t>
+            </a:fld>
+            <a:endParaRPr lang="en-US" dirty="0"/>
+          </a:p>
+        </p:txBody>
+      </p:sp>
+    </p:spTree>
+    <p:extLst>
+      <p:ext uri="{BB962C8B-B14F-4D97-AF65-F5344CB8AC3E}">
+        <p14:creationId xmlns:p14="http://schemas.microsoft.com/office/powerpoint/2010/main" val="3313796763"/>
+      </p:ext>
+    </p:extLst>
+  </p:cSld>
+  <p:clrMapOvr>
+    <a:masterClrMapping/>
+  </p:clrMapOvr>
+</p:notes>
+</file>
+
+<file path=ppt/notesSlides/notesSlide23.xml><?xml version="1.0" encoding="utf-8"?>
 <p:notes xmlns:a="http://schemas.openxmlformats.org/drawingml/2006/main" xmlns:r="http://schemas.openxmlformats.org/officeDocument/2006/relationships" xmlns:p="http://schemas.openxmlformats.org/presentationml/2006/main">
   <p:cSld>
     <p:spTree>
@@ -2336,6 +3961,74 @@
           <a:bodyPr/>
           <a:lstStyle/>
           <a:p>
+            <a:pPr algn="l"/>
+            <a:r>
+              <a:rPr lang="en-US" b="0" i="1" dirty="0">
+                <a:solidFill>
+                  <a:srgbClr val="374151"/>
+                </a:solidFill>
+                <a:effectLst/>
+                <a:latin typeface="Söhne"/>
+              </a:rPr>
+              <a:t>Speaker Notes:</a:t>
+            </a:r>
+            <a:endParaRPr lang="en-US" b="0" i="0" dirty="0">
+              <a:solidFill>
+                <a:srgbClr val="374151"/>
+              </a:solidFill>
+              <a:effectLst/>
+              <a:latin typeface="Söhne"/>
+            </a:endParaRPr>
+          </a:p>
+          <a:p>
+            <a:pPr algn="l">
+              <a:buFont typeface="Arial" panose="020B0604020202020204" pitchFamily="34" charset="0"/>
+              <a:buChar char="•"/>
+            </a:pPr>
+            <a:r>
+              <a:rPr lang="en-US" b="0" i="0" dirty="0">
+                <a:solidFill>
+                  <a:srgbClr val="374151"/>
+                </a:solidFill>
+                <a:effectLst/>
+                <a:latin typeface="Söhne"/>
+              </a:rPr>
+              <a:t>Filtering is a fundamental concept in SQL, allowing you to refine your queries by specifying conditions.</a:t>
+            </a:r>
+          </a:p>
+          <a:p>
+            <a:pPr algn="l">
+              <a:buFont typeface="Arial" panose="020B0604020202020204" pitchFamily="34" charset="0"/>
+              <a:buChar char="•"/>
+            </a:pPr>
+            <a:r>
+              <a:rPr lang="en-US" b="0" i="0" dirty="0">
+                <a:solidFill>
+                  <a:srgbClr val="374151"/>
+                </a:solidFill>
+                <a:effectLst/>
+                <a:latin typeface="Söhne"/>
+              </a:rPr>
+              <a:t>With filtering, you can extract specific rows from a table that meet certain criteria, making it easier to work with targeted data.</a:t>
+            </a:r>
+          </a:p>
+          <a:p>
+            <a:pPr algn="l">
+              <a:buFont typeface="Arial" panose="020B0604020202020204" pitchFamily="34" charset="0"/>
+              <a:buChar char="•"/>
+            </a:pPr>
+            <a:r>
+              <a:rPr lang="en-US" b="0" i="0" dirty="0">
+                <a:solidFill>
+                  <a:srgbClr val="374151"/>
+                </a:solidFill>
+                <a:effectLst/>
+                <a:latin typeface="Söhne"/>
+              </a:rPr>
+              <a:t>In this example query, we're selecting all columns from the "products" table where the price is less than 10 and the stock is greater than 0. This helps us find affordable products that are currently in stock. Let's explore this further in our lesson today.</a:t>
+            </a:r>
+          </a:p>
+          <a:p>
             <a:endParaRPr lang="en-US" dirty="0"/>
           </a:p>
         </p:txBody>
@@ -2363,7 +4056,7 @@
               <a:pPr>
                 <a:defRPr/>
               </a:pPr>
-              <a:t>6</a:t>
+              <a:t>3</a:t>
             </a:fld>
             <a:endParaRPr lang="en-US" dirty="0"/>
           </a:p>
@@ -2372,7 +4065,7 @@
     </p:spTree>
     <p:extLst>
       <p:ext uri="{BB962C8B-B14F-4D97-AF65-F5344CB8AC3E}">
-        <p14:creationId xmlns:p14="http://schemas.microsoft.com/office/powerpoint/2010/main" val="1348384172"/>
+        <p14:creationId xmlns:p14="http://schemas.microsoft.com/office/powerpoint/2010/main" val="596319181"/>
       </p:ext>
     </p:extLst>
   </p:cSld>
@@ -2426,6 +4119,74 @@
           <a:bodyPr/>
           <a:lstStyle/>
           <a:p>
+            <a:pPr algn="l"/>
+            <a:r>
+              <a:rPr lang="en-US" b="0" i="1" dirty="0">
+                <a:solidFill>
+                  <a:srgbClr val="374151"/>
+                </a:solidFill>
+                <a:effectLst/>
+                <a:latin typeface="Söhne"/>
+              </a:rPr>
+              <a:t>Speaker Notes:</a:t>
+            </a:r>
+            <a:endParaRPr lang="en-US" b="0" i="0" dirty="0">
+              <a:solidFill>
+                <a:srgbClr val="374151"/>
+              </a:solidFill>
+              <a:effectLst/>
+              <a:latin typeface="Söhne"/>
+            </a:endParaRPr>
+          </a:p>
+          <a:p>
+            <a:pPr algn="l">
+              <a:buFont typeface="Arial" panose="020B0604020202020204" pitchFamily="34" charset="0"/>
+              <a:buChar char="•"/>
+            </a:pPr>
+            <a:r>
+              <a:rPr lang="en-US" b="0" i="0" dirty="0">
+                <a:solidFill>
+                  <a:srgbClr val="374151"/>
+                </a:solidFill>
+                <a:effectLst/>
+                <a:latin typeface="Söhne"/>
+              </a:rPr>
+              <a:t>Another essential aspect of SQL is ordering, which allows you to sort the result set based on one or more columns in either ascending (ASC) or descending (DESC) order.</a:t>
+            </a:r>
+          </a:p>
+          <a:p>
+            <a:pPr algn="l">
+              <a:buFont typeface="Arial" panose="020B0604020202020204" pitchFamily="34" charset="0"/>
+              <a:buChar char="•"/>
+            </a:pPr>
+            <a:r>
+              <a:rPr lang="en-US" b="0" i="0" dirty="0">
+                <a:solidFill>
+                  <a:srgbClr val="374151"/>
+                </a:solidFill>
+                <a:effectLst/>
+                <a:latin typeface="Söhne"/>
+              </a:rPr>
+              <a:t>The "ORDER BY" keyword is used for this purpose, and it provides a structured way to arrange your data for better analysis and presentation.</a:t>
+            </a:r>
+          </a:p>
+          <a:p>
+            <a:pPr algn="l">
+              <a:buFont typeface="Arial" panose="020B0604020202020204" pitchFamily="34" charset="0"/>
+              <a:buChar char="•"/>
+            </a:pPr>
+            <a:r>
+              <a:rPr lang="en-US" b="0" i="0" dirty="0">
+                <a:solidFill>
+                  <a:srgbClr val="374151"/>
+                </a:solidFill>
+                <a:effectLst/>
+                <a:latin typeface="Söhne"/>
+              </a:rPr>
+              <a:t>Let's take a look at an example to see how ordering works in SQL. In this query, we're selecting all columns from the "products" table and ordering them by price in descending order (from highest to lowest). This can be useful when you want to find the most expensive products in your dataset.</a:t>
+            </a:r>
+          </a:p>
+          <a:p>
             <a:endParaRPr lang="en-US" dirty="0"/>
           </a:p>
         </p:txBody>
@@ -2453,7 +4214,7 @@
               <a:pPr>
                 <a:defRPr/>
               </a:pPr>
-              <a:t>7</a:t>
+              <a:t>4</a:t>
             </a:fld>
             <a:endParaRPr lang="en-US" dirty="0"/>
           </a:p>
@@ -2462,7 +4223,7 @@
     </p:spTree>
     <p:extLst>
       <p:ext uri="{BB962C8B-B14F-4D97-AF65-F5344CB8AC3E}">
-        <p14:creationId xmlns:p14="http://schemas.microsoft.com/office/powerpoint/2010/main" val="1562176112"/>
+        <p14:creationId xmlns:p14="http://schemas.microsoft.com/office/powerpoint/2010/main" val="2989484915"/>
       </p:ext>
     </p:extLst>
   </p:cSld>
@@ -2516,6 +4277,90 @@
           <a:bodyPr/>
           <a:lstStyle/>
           <a:p>
+            <a:pPr algn="l"/>
+            <a:r>
+              <a:rPr lang="en-US" b="0" i="1" dirty="0">
+                <a:solidFill>
+                  <a:srgbClr val="374151"/>
+                </a:solidFill>
+                <a:effectLst/>
+                <a:latin typeface="Söhne"/>
+              </a:rPr>
+              <a:t>Speaker Notes:</a:t>
+            </a:r>
+            <a:endParaRPr lang="en-US" b="0" i="0" dirty="0">
+              <a:solidFill>
+                <a:srgbClr val="374151"/>
+              </a:solidFill>
+              <a:effectLst/>
+              <a:latin typeface="Söhne"/>
+            </a:endParaRPr>
+          </a:p>
+          <a:p>
+            <a:pPr algn="l">
+              <a:buFont typeface="Arial" panose="020B0604020202020204" pitchFamily="34" charset="0"/>
+              <a:buChar char="•"/>
+            </a:pPr>
+            <a:r>
+              <a:rPr lang="en-US" b="0" i="0" dirty="0">
+                <a:solidFill>
+                  <a:srgbClr val="374151"/>
+                </a:solidFill>
+                <a:effectLst/>
+                <a:latin typeface="Söhne"/>
+              </a:rPr>
+              <a:t>As we wrap up this section, let's recap the key takeaways:</a:t>
+            </a:r>
+          </a:p>
+          <a:p>
+            <a:pPr marL="742950" lvl="1" indent="-285750" algn="l">
+              <a:buFont typeface="Arial" panose="020B0604020202020204" pitchFamily="34" charset="0"/>
+              <a:buChar char="•"/>
+            </a:pPr>
+            <a:r>
+              <a:rPr lang="en-US" b="0" i="0" dirty="0">
+                <a:solidFill>
+                  <a:srgbClr val="374151"/>
+                </a:solidFill>
+                <a:effectLst/>
+                <a:latin typeface="Söhne"/>
+              </a:rPr>
+              <a:t>Filtering is a powerful technique that allows you to narrow down query results by specifying conditions, helping you focus on specific subsets of data.</a:t>
+            </a:r>
+          </a:p>
+          <a:p>
+            <a:pPr marL="742950" lvl="1" indent="-285750" algn="l">
+              <a:buFont typeface="Arial" panose="020B0604020202020204" pitchFamily="34" charset="0"/>
+              <a:buChar char="•"/>
+            </a:pPr>
+            <a:r>
+              <a:rPr lang="en-US" b="0" i="0" dirty="0">
+                <a:solidFill>
+                  <a:srgbClr val="374151"/>
+                </a:solidFill>
+                <a:effectLst/>
+                <a:latin typeface="Söhne"/>
+              </a:rPr>
+              <a:t>Ordering allows you to arrange query results in a desired sequence based on column values, enhancing the presentation and analysis of your data.</a:t>
+            </a:r>
+          </a:p>
+          <a:p>
+            <a:pPr marL="742950" lvl="1" indent="-285750" algn="l">
+              <a:buFont typeface="Arial" panose="020B0604020202020204" pitchFamily="34" charset="0"/>
+              <a:buChar char="•"/>
+            </a:pPr>
+            <a:r>
+              <a:rPr lang="en-US" b="0" i="0" dirty="0">
+                <a:solidFill>
+                  <a:srgbClr val="374151"/>
+                </a:solidFill>
+                <a:effectLst/>
+                <a:latin typeface="Söhne"/>
+              </a:rPr>
+              <a:t>In SQL, the "WHERE" and "ORDER BY" keywords play a crucial role in achieving these operations, providing you with the flexibility to control and customize your query output. These are essential tools in your SQL toolkit as you continue to explore the world of databases and data manipulation.</a:t>
+            </a:r>
+          </a:p>
+          <a:p>
             <a:endParaRPr lang="en-US" dirty="0"/>
           </a:p>
         </p:txBody>
@@ -2543,7 +4388,7 @@
               <a:pPr>
                 <a:defRPr/>
               </a:pPr>
-              <a:t>8</a:t>
+              <a:t>5</a:t>
             </a:fld>
             <a:endParaRPr lang="en-US" dirty="0"/>
           </a:p>
@@ -2552,7 +4397,7 @@
     </p:spTree>
     <p:extLst>
       <p:ext uri="{BB962C8B-B14F-4D97-AF65-F5344CB8AC3E}">
-        <p14:creationId xmlns:p14="http://schemas.microsoft.com/office/powerpoint/2010/main" val="2702774063"/>
+        <p14:creationId xmlns:p14="http://schemas.microsoft.com/office/powerpoint/2010/main" val="2294337920"/>
       </p:ext>
     </p:extLst>
   </p:cSld>
@@ -2606,6 +4451,230 @@
           <a:bodyPr/>
           <a:lstStyle/>
           <a:p>
+            <a:pPr algn="l"/>
+            <a:r>
+              <a:rPr lang="en-US" b="0" i="1" dirty="0">
+                <a:solidFill>
+                  <a:srgbClr val="374151"/>
+                </a:solidFill>
+                <a:effectLst/>
+                <a:latin typeface="Söhne"/>
+              </a:rPr>
+              <a:t>Speaker Notes:</a:t>
+            </a:r>
+            <a:endParaRPr lang="en-US" b="0" i="0" dirty="0">
+              <a:solidFill>
+                <a:srgbClr val="374151"/>
+              </a:solidFill>
+              <a:effectLst/>
+              <a:latin typeface="Söhne"/>
+            </a:endParaRPr>
+          </a:p>
+          <a:p>
+            <a:pPr algn="l">
+              <a:buFont typeface="Arial" panose="020B0604020202020204" pitchFamily="34" charset="0"/>
+              <a:buChar char="•"/>
+            </a:pPr>
+            <a:r>
+              <a:rPr lang="en-US" b="0" i="0" dirty="0">
+                <a:solidFill>
+                  <a:srgbClr val="374151"/>
+                </a:solidFill>
+                <a:effectLst/>
+                <a:latin typeface="Söhne"/>
+              </a:rPr>
+              <a:t>Every SQL statement follows a logical flow that determines how it processes, filters, groups, and orders data. Understanding this sequence is crucial for crafting effective SQL queries.</a:t>
+            </a:r>
+          </a:p>
+          <a:p>
+            <a:pPr algn="l">
+              <a:buFont typeface="Arial" panose="020B0604020202020204" pitchFamily="34" charset="0"/>
+              <a:buChar char="•"/>
+            </a:pPr>
+            <a:r>
+              <a:rPr lang="en-US" b="0" i="0" dirty="0">
+                <a:solidFill>
+                  <a:srgbClr val="374151"/>
+                </a:solidFill>
+                <a:effectLst/>
+                <a:latin typeface="Söhne"/>
+              </a:rPr>
+              <a:t>Here's the typical flow:</a:t>
+            </a:r>
+          </a:p>
+          <a:p>
+            <a:pPr marL="742950" lvl="1" indent="-285750" algn="l">
+              <a:buFont typeface="Arial" panose="020B0604020202020204" pitchFamily="34" charset="0"/>
+              <a:buChar char="•"/>
+            </a:pPr>
+            <a:r>
+              <a:rPr lang="en-US" b="1" i="0" dirty="0">
+                <a:solidFill>
+                  <a:srgbClr val="374151"/>
+                </a:solidFill>
+                <a:effectLst/>
+                <a:latin typeface="Söhne"/>
+              </a:rPr>
+              <a:t>SELECT</a:t>
+            </a:r>
+            <a:r>
+              <a:rPr lang="en-US" b="0" i="0" dirty="0">
+                <a:solidFill>
+                  <a:srgbClr val="374151"/>
+                </a:solidFill>
+                <a:effectLst/>
+                <a:latin typeface="Söhne"/>
+              </a:rPr>
+              <a:t>: Declare the columns you want in the result set.</a:t>
+            </a:r>
+          </a:p>
+          <a:p>
+            <a:pPr marL="742950" lvl="1" indent="-285750" algn="l">
+              <a:buFont typeface="Arial" panose="020B0604020202020204" pitchFamily="34" charset="0"/>
+              <a:buChar char="•"/>
+            </a:pPr>
+            <a:r>
+              <a:rPr lang="en-US" b="1" i="0" dirty="0">
+                <a:solidFill>
+                  <a:srgbClr val="374151"/>
+                </a:solidFill>
+                <a:effectLst/>
+                <a:latin typeface="Söhne"/>
+              </a:rPr>
+              <a:t>FROM</a:t>
+            </a:r>
+            <a:r>
+              <a:rPr lang="en-US" b="0" i="0" dirty="0">
+                <a:solidFill>
+                  <a:srgbClr val="374151"/>
+                </a:solidFill>
+                <a:effectLst/>
+                <a:latin typeface="Söhne"/>
+              </a:rPr>
+              <a:t>: Specify the source tables to access or join.</a:t>
+            </a:r>
+          </a:p>
+          <a:p>
+            <a:pPr marL="742950" lvl="1" indent="-285750" algn="l">
+              <a:buFont typeface="Arial" panose="020B0604020202020204" pitchFamily="34" charset="0"/>
+              <a:buChar char="•"/>
+            </a:pPr>
+            <a:r>
+              <a:rPr lang="en-US" b="1" i="0" dirty="0">
+                <a:solidFill>
+                  <a:srgbClr val="374151"/>
+                </a:solidFill>
+                <a:effectLst/>
+                <a:latin typeface="Söhne"/>
+              </a:rPr>
+              <a:t>WHERE</a:t>
+            </a:r>
+            <a:r>
+              <a:rPr lang="en-US" b="0" i="0" dirty="0">
+                <a:solidFill>
+                  <a:srgbClr val="374151"/>
+                </a:solidFill>
+                <a:effectLst/>
+                <a:latin typeface="Söhne"/>
+              </a:rPr>
+              <a:t>: Filter rows based on conditions, narrowing down your dataset.</a:t>
+            </a:r>
+          </a:p>
+          <a:p>
+            <a:pPr marL="742950" lvl="1" indent="-285750" algn="l">
+              <a:buFont typeface="Arial" panose="020B0604020202020204" pitchFamily="34" charset="0"/>
+              <a:buChar char="•"/>
+            </a:pPr>
+            <a:r>
+              <a:rPr lang="en-US" b="1" i="0" dirty="0">
+                <a:solidFill>
+                  <a:srgbClr val="374151"/>
+                </a:solidFill>
+                <a:effectLst/>
+                <a:latin typeface="Söhne"/>
+              </a:rPr>
+              <a:t>GROUP BY</a:t>
+            </a:r>
+            <a:r>
+              <a:rPr lang="en-US" b="0" i="0" dirty="0">
+                <a:solidFill>
+                  <a:srgbClr val="374151"/>
+                </a:solidFill>
+                <a:effectLst/>
+                <a:latin typeface="Söhne"/>
+              </a:rPr>
+              <a:t>: If needed, group rows together for aggregation.</a:t>
+            </a:r>
+          </a:p>
+          <a:p>
+            <a:pPr marL="742950" lvl="1" indent="-285750" algn="l">
+              <a:buFont typeface="Arial" panose="020B0604020202020204" pitchFamily="34" charset="0"/>
+              <a:buChar char="•"/>
+            </a:pPr>
+            <a:r>
+              <a:rPr lang="en-US" b="1" i="0" dirty="0">
+                <a:solidFill>
+                  <a:srgbClr val="374151"/>
+                </a:solidFill>
+                <a:effectLst/>
+                <a:latin typeface="Söhne"/>
+              </a:rPr>
+              <a:t>HAVING</a:t>
+            </a:r>
+            <a:r>
+              <a:rPr lang="en-US" b="0" i="0" dirty="0">
+                <a:solidFill>
+                  <a:srgbClr val="374151"/>
+                </a:solidFill>
+                <a:effectLst/>
+                <a:latin typeface="Söhne"/>
+              </a:rPr>
+              <a:t>: Filter aggregated groups based on conditions.</a:t>
+            </a:r>
+          </a:p>
+          <a:p>
+            <a:pPr marL="742950" lvl="1" indent="-285750" algn="l">
+              <a:buFont typeface="Arial" panose="020B0604020202020204" pitchFamily="34" charset="0"/>
+              <a:buChar char="•"/>
+            </a:pPr>
+            <a:r>
+              <a:rPr lang="en-US" b="1" i="0" dirty="0">
+                <a:solidFill>
+                  <a:srgbClr val="374151"/>
+                </a:solidFill>
+                <a:effectLst/>
+                <a:latin typeface="Söhne"/>
+              </a:rPr>
+              <a:t>ORDER BY</a:t>
+            </a:r>
+            <a:r>
+              <a:rPr lang="en-US" b="0" i="0" dirty="0">
+                <a:solidFill>
+                  <a:srgbClr val="374151"/>
+                </a:solidFill>
+                <a:effectLst/>
+                <a:latin typeface="Söhne"/>
+              </a:rPr>
+              <a:t>: Sort the final output rows as desired.</a:t>
+            </a:r>
+          </a:p>
+          <a:p>
+            <a:pPr algn="l">
+              <a:buFont typeface="Arial" panose="020B0604020202020204" pitchFamily="34" charset="0"/>
+              <a:buChar char="•"/>
+            </a:pPr>
+            <a:r>
+              <a:rPr lang="en-US" b="0" i="0" dirty="0">
+                <a:solidFill>
+                  <a:srgbClr val="374151"/>
+                </a:solidFill>
+                <a:effectLst/>
+                <a:latin typeface="Söhne"/>
+              </a:rPr>
+              <a:t>This logical flow guides the SQL engine in processing your queries efficiently and producing the desired results.</a:t>
+            </a:r>
+          </a:p>
+          <a:p>
             <a:endParaRPr lang="en-US" dirty="0"/>
           </a:p>
         </p:txBody>
@@ -2633,7 +4702,7 @@
               <a:pPr>
                 <a:defRPr/>
               </a:pPr>
-              <a:t>9</a:t>
+              <a:t>6</a:t>
             </a:fld>
             <a:endParaRPr lang="en-US" dirty="0"/>
           </a:p>
@@ -2642,7 +4711,7 @@
     </p:spTree>
     <p:extLst>
       <p:ext uri="{BB962C8B-B14F-4D97-AF65-F5344CB8AC3E}">
-        <p14:creationId xmlns:p14="http://schemas.microsoft.com/office/powerpoint/2010/main" val="1805659174"/>
+        <p14:creationId xmlns:p14="http://schemas.microsoft.com/office/powerpoint/2010/main" val="1348384172"/>
       </p:ext>
     </p:extLst>
   </p:cSld>
@@ -2696,6 +4765,202 @@
           <a:bodyPr/>
           <a:lstStyle/>
           <a:p>
+            <a:pPr algn="l"/>
+            <a:r>
+              <a:rPr lang="en-US" b="0" i="1" dirty="0">
+                <a:solidFill>
+                  <a:srgbClr val="374151"/>
+                </a:solidFill>
+                <a:effectLst/>
+                <a:latin typeface="Söhne"/>
+              </a:rPr>
+              <a:t>Speaker Notes:</a:t>
+            </a:r>
+            <a:endParaRPr lang="en-US" b="0" i="0" dirty="0">
+              <a:solidFill>
+                <a:srgbClr val="374151"/>
+              </a:solidFill>
+              <a:effectLst/>
+              <a:latin typeface="Söhne"/>
+            </a:endParaRPr>
+          </a:p>
+          <a:p>
+            <a:pPr algn="l">
+              <a:buFont typeface="Arial" panose="020B0604020202020204" pitchFamily="34" charset="0"/>
+              <a:buChar char="•"/>
+            </a:pPr>
+            <a:r>
+              <a:rPr lang="en-US" b="0" i="0" dirty="0">
+                <a:solidFill>
+                  <a:srgbClr val="374151"/>
+                </a:solidFill>
+                <a:effectLst/>
+                <a:latin typeface="Söhne"/>
+              </a:rPr>
+              <a:t>The sequence of clauses in SQL is not arbitrary; it plays a crucial role in shaping the outcome of your query.</a:t>
+            </a:r>
+          </a:p>
+          <a:p>
+            <a:pPr algn="l">
+              <a:buFont typeface="Arial" panose="020B0604020202020204" pitchFamily="34" charset="0"/>
+              <a:buChar char="•"/>
+            </a:pPr>
+            <a:r>
+              <a:rPr lang="en-US" b="0" i="0" dirty="0">
+                <a:solidFill>
+                  <a:srgbClr val="374151"/>
+                </a:solidFill>
+                <a:effectLst/>
+                <a:latin typeface="Söhne"/>
+              </a:rPr>
+              <a:t>Each clause receives the result set generated by the preceding clauses.</a:t>
+            </a:r>
+          </a:p>
+          <a:p>
+            <a:pPr algn="l">
+              <a:buFont typeface="Arial" panose="020B0604020202020204" pitchFamily="34" charset="0"/>
+              <a:buChar char="•"/>
+            </a:pPr>
+            <a:r>
+              <a:rPr lang="en-US" b="1" i="0" dirty="0">
+                <a:solidFill>
+                  <a:srgbClr val="374151"/>
+                </a:solidFill>
+                <a:effectLst/>
+                <a:latin typeface="Söhne"/>
+              </a:rPr>
+              <a:t>GROUP BY</a:t>
+            </a:r>
+            <a:r>
+              <a:rPr lang="en-US" b="0" i="0" dirty="0">
+                <a:solidFill>
+                  <a:srgbClr val="374151"/>
+                </a:solidFill>
+                <a:effectLst/>
+                <a:latin typeface="Söhne"/>
+              </a:rPr>
+              <a:t>, for example, operates on the rows filtered by the </a:t>
+            </a:r>
+            <a:r>
+              <a:rPr lang="en-US" b="1" i="0" dirty="0">
+                <a:solidFill>
+                  <a:srgbClr val="374151"/>
+                </a:solidFill>
+                <a:effectLst/>
+                <a:latin typeface="Söhne"/>
+              </a:rPr>
+              <a:t>WHERE</a:t>
+            </a:r>
+            <a:r>
+              <a:rPr lang="en-US" b="0" i="0" dirty="0">
+                <a:solidFill>
+                  <a:srgbClr val="374151"/>
+                </a:solidFill>
+                <a:effectLst/>
+                <a:latin typeface="Söhne"/>
+              </a:rPr>
+              <a:t> clause, allowing you to aggregate specific groups of data.</a:t>
+            </a:r>
+          </a:p>
+          <a:p>
+            <a:pPr algn="l">
+              <a:buFont typeface="Arial" panose="020B0604020202020204" pitchFamily="34" charset="0"/>
+              <a:buChar char="•"/>
+            </a:pPr>
+            <a:r>
+              <a:rPr lang="en-US" b="1" i="0" dirty="0">
+                <a:solidFill>
+                  <a:srgbClr val="374151"/>
+                </a:solidFill>
+                <a:effectLst/>
+                <a:latin typeface="Söhne"/>
+              </a:rPr>
+              <a:t>HAVING</a:t>
+            </a:r>
+            <a:r>
+              <a:rPr lang="en-US" b="0" i="0" dirty="0">
+                <a:solidFill>
+                  <a:srgbClr val="374151"/>
+                </a:solidFill>
+                <a:effectLst/>
+                <a:latin typeface="Söhne"/>
+              </a:rPr>
+              <a:t> comes after </a:t>
+            </a:r>
+            <a:r>
+              <a:rPr lang="en-US" b="1" i="0" dirty="0">
+                <a:solidFill>
+                  <a:srgbClr val="374151"/>
+                </a:solidFill>
+                <a:effectLst/>
+                <a:latin typeface="Söhne"/>
+              </a:rPr>
+              <a:t>GROUP BY</a:t>
+            </a:r>
+            <a:r>
+              <a:rPr lang="en-US" b="0" i="0" dirty="0">
+                <a:solidFill>
+                  <a:srgbClr val="374151"/>
+                </a:solidFill>
+                <a:effectLst/>
+                <a:latin typeface="Söhne"/>
+              </a:rPr>
+              <a:t> and further filters the aggregated groups.</a:t>
+            </a:r>
+          </a:p>
+          <a:p>
+            <a:pPr algn="l">
+              <a:buFont typeface="Arial" panose="020B0604020202020204" pitchFamily="34" charset="0"/>
+              <a:buChar char="•"/>
+            </a:pPr>
+            <a:r>
+              <a:rPr lang="en-US" b="0" i="0" dirty="0">
+                <a:solidFill>
+                  <a:srgbClr val="374151"/>
+                </a:solidFill>
+                <a:effectLst/>
+                <a:latin typeface="Söhne"/>
+              </a:rPr>
+              <a:t>Finally, </a:t>
+            </a:r>
+            <a:r>
+              <a:rPr lang="en-US" b="1" i="0" dirty="0">
+                <a:solidFill>
+                  <a:srgbClr val="374151"/>
+                </a:solidFill>
+                <a:effectLst/>
+                <a:latin typeface="Söhne"/>
+              </a:rPr>
+              <a:t>ORDER BY</a:t>
+            </a:r>
+            <a:r>
+              <a:rPr lang="en-US" b="0" i="0" dirty="0">
+                <a:solidFill>
+                  <a:srgbClr val="374151"/>
+                </a:solidFill>
+                <a:effectLst/>
+                <a:latin typeface="Söhne"/>
+              </a:rPr>
+              <a:t> sorts the filtered rows to provide a well-organized and meaningful result set.</a:t>
+            </a:r>
+          </a:p>
+          <a:p>
+            <a:pPr algn="l">
+              <a:buFont typeface="Arial" panose="020B0604020202020204" pitchFamily="34" charset="0"/>
+              <a:buChar char="•"/>
+            </a:pPr>
+            <a:r>
+              <a:rPr lang="en-US" b="0" i="0" dirty="0">
+                <a:solidFill>
+                  <a:srgbClr val="374151"/>
+                </a:solidFill>
+                <a:effectLst/>
+                <a:latin typeface="Söhne"/>
+              </a:rPr>
+              <a:t>Understanding and correctly using the order of SQL clauses is key to crafting precise and efficient queries.</a:t>
+            </a:r>
+          </a:p>
+          <a:p>
             <a:endParaRPr lang="en-US" dirty="0"/>
           </a:p>
         </p:txBody>
@@ -2723,7 +4988,7 @@
               <a:pPr>
                 <a:defRPr/>
               </a:pPr>
-              <a:t>10</a:t>
+              <a:t>7</a:t>
             </a:fld>
             <a:endParaRPr lang="en-US" dirty="0"/>
           </a:p>
@@ -2732,7 +4997,7 @@
     </p:spTree>
     <p:extLst>
       <p:ext uri="{BB962C8B-B14F-4D97-AF65-F5344CB8AC3E}">
-        <p14:creationId xmlns:p14="http://schemas.microsoft.com/office/powerpoint/2010/main" val="1936614837"/>
+        <p14:creationId xmlns:p14="http://schemas.microsoft.com/office/powerpoint/2010/main" val="1562176112"/>
       </p:ext>
     </p:extLst>
   </p:cSld>
@@ -2786,6 +5051,130 @@
           <a:bodyPr/>
           <a:lstStyle/>
           <a:p>
+            <a:pPr algn="l"/>
+            <a:r>
+              <a:rPr lang="en-US" b="0" i="1" dirty="0">
+                <a:solidFill>
+                  <a:srgbClr val="374151"/>
+                </a:solidFill>
+                <a:effectLst/>
+                <a:latin typeface="Söhne"/>
+              </a:rPr>
+              <a:t>Speaker Notes:</a:t>
+            </a:r>
+            <a:endParaRPr lang="en-US" b="0" i="0" dirty="0">
+              <a:solidFill>
+                <a:srgbClr val="374151"/>
+              </a:solidFill>
+              <a:effectLst/>
+              <a:latin typeface="Söhne"/>
+            </a:endParaRPr>
+          </a:p>
+          <a:p>
+            <a:pPr algn="l">
+              <a:buFont typeface="Arial" panose="020B0604020202020204" pitchFamily="34" charset="0"/>
+              <a:buChar char="•"/>
+            </a:pPr>
+            <a:r>
+              <a:rPr lang="en-US" b="0" i="0" dirty="0">
+                <a:solidFill>
+                  <a:srgbClr val="374151"/>
+                </a:solidFill>
+                <a:effectLst/>
+                <a:latin typeface="Söhne"/>
+              </a:rPr>
+              <a:t>The </a:t>
+            </a:r>
+            <a:r>
+              <a:rPr lang="en-US" b="1" i="0" dirty="0">
+                <a:solidFill>
+                  <a:srgbClr val="374151"/>
+                </a:solidFill>
+                <a:effectLst/>
+                <a:latin typeface="Söhne"/>
+              </a:rPr>
+              <a:t>WHERE</a:t>
+            </a:r>
+            <a:r>
+              <a:rPr lang="en-US" b="0" i="0" dirty="0">
+                <a:solidFill>
+                  <a:srgbClr val="374151"/>
+                </a:solidFill>
+                <a:effectLst/>
+                <a:latin typeface="Söhne"/>
+              </a:rPr>
+              <a:t> clause is a powerful tool in SQL that enables you to filter rows from a table based on specified conditions.</a:t>
+            </a:r>
+          </a:p>
+          <a:p>
+            <a:pPr algn="l">
+              <a:buFont typeface="Arial" panose="020B0604020202020204" pitchFamily="34" charset="0"/>
+              <a:buChar char="•"/>
+            </a:pPr>
+            <a:r>
+              <a:rPr lang="en-US" b="0" i="0" dirty="0">
+                <a:solidFill>
+                  <a:srgbClr val="374151"/>
+                </a:solidFill>
+                <a:effectLst/>
+                <a:latin typeface="Söhne"/>
+              </a:rPr>
+              <a:t>This functionality is invaluable when you want to focus on a specific subset of data from a larger dataset.</a:t>
+            </a:r>
+          </a:p>
+          <a:p>
+            <a:pPr algn="l">
+              <a:buFont typeface="Arial" panose="020B0604020202020204" pitchFamily="34" charset="0"/>
+              <a:buChar char="•"/>
+            </a:pPr>
+            <a:r>
+              <a:rPr lang="en-US" b="0" i="0" dirty="0">
+                <a:solidFill>
+                  <a:srgbClr val="374151"/>
+                </a:solidFill>
+                <a:effectLst/>
+                <a:latin typeface="Söhne"/>
+              </a:rPr>
+              <a:t>You can use various comparison operators like "=", "!=", "&lt;", "&gt;", "&lt;=", and "&gt;=" to define the conditions.</a:t>
+            </a:r>
+          </a:p>
+          <a:p>
+            <a:pPr algn="l">
+              <a:buFont typeface="Arial" panose="020B0604020202020204" pitchFamily="34" charset="0"/>
+              <a:buChar char="•"/>
+            </a:pPr>
+            <a:r>
+              <a:rPr lang="en-US" b="0" i="0" dirty="0">
+                <a:solidFill>
+                  <a:srgbClr val="374151"/>
+                </a:solidFill>
+                <a:effectLst/>
+                <a:latin typeface="Söhne"/>
+              </a:rPr>
+              <a:t>These operators allow you to filter data based on equality, inequality, and numerical comparisons. Mastering the use of the </a:t>
+            </a:r>
+            <a:r>
+              <a:rPr lang="en-US" b="1" i="0" dirty="0">
+                <a:solidFill>
+                  <a:srgbClr val="374151"/>
+                </a:solidFill>
+                <a:effectLst/>
+                <a:latin typeface="Söhne"/>
+              </a:rPr>
+              <a:t>WHERE</a:t>
+            </a:r>
+            <a:r>
+              <a:rPr lang="en-US" b="0" i="0" dirty="0">
+                <a:solidFill>
+                  <a:srgbClr val="374151"/>
+                </a:solidFill>
+                <a:effectLst/>
+                <a:latin typeface="Söhne"/>
+              </a:rPr>
+              <a:t> clause is essential for precise data retrieval.</a:t>
+            </a:r>
+          </a:p>
+          <a:p>
             <a:endParaRPr lang="en-US" dirty="0"/>
           </a:p>
         </p:txBody>
@@ -2813,7 +5202,7 @@
               <a:pPr>
                 <a:defRPr/>
               </a:pPr>
-              <a:t>11</a:t>
+              <a:t>8</a:t>
             </a:fld>
             <a:endParaRPr lang="en-US" dirty="0"/>
           </a:p>
@@ -2822,7 +5211,7 @@
     </p:spTree>
     <p:extLst>
       <p:ext uri="{BB962C8B-B14F-4D97-AF65-F5344CB8AC3E}">
-        <p14:creationId xmlns:p14="http://schemas.microsoft.com/office/powerpoint/2010/main" val="1222347197"/>
+        <p14:creationId xmlns:p14="http://schemas.microsoft.com/office/powerpoint/2010/main" val="2702774063"/>
       </p:ext>
     </p:extLst>
   </p:cSld>
@@ -2876,6 +5265,174 @@
           <a:bodyPr/>
           <a:lstStyle/>
           <a:p>
+            <a:pPr algn="l"/>
+            <a:r>
+              <a:rPr lang="en-US" b="0" i="1" dirty="0">
+                <a:solidFill>
+                  <a:srgbClr val="374151"/>
+                </a:solidFill>
+                <a:effectLst/>
+                <a:latin typeface="Söhne"/>
+              </a:rPr>
+              <a:t>Speaker Notes:</a:t>
+            </a:r>
+            <a:endParaRPr lang="en-US" b="0" i="0" dirty="0">
+              <a:solidFill>
+                <a:srgbClr val="374151"/>
+              </a:solidFill>
+              <a:effectLst/>
+              <a:latin typeface="Söhne"/>
+            </a:endParaRPr>
+          </a:p>
+          <a:p>
+            <a:pPr algn="l">
+              <a:buFont typeface="Arial" panose="020B0604020202020204" pitchFamily="34" charset="0"/>
+              <a:buChar char="•"/>
+            </a:pPr>
+            <a:r>
+              <a:rPr lang="en-US" b="0" i="0" dirty="0">
+                <a:solidFill>
+                  <a:srgbClr val="374151"/>
+                </a:solidFill>
+                <a:effectLst/>
+                <a:latin typeface="Söhne"/>
+              </a:rPr>
+              <a:t>The </a:t>
+            </a:r>
+            <a:r>
+              <a:rPr lang="en-US" b="1" i="0" dirty="0">
+                <a:solidFill>
+                  <a:srgbClr val="374151"/>
+                </a:solidFill>
+                <a:effectLst/>
+                <a:latin typeface="Söhne"/>
+              </a:rPr>
+              <a:t>WHERE</a:t>
+            </a:r>
+            <a:r>
+              <a:rPr lang="en-US" b="0" i="0" dirty="0">
+                <a:solidFill>
+                  <a:srgbClr val="374151"/>
+                </a:solidFill>
+                <a:effectLst/>
+                <a:latin typeface="Söhne"/>
+              </a:rPr>
+              <a:t> clause is versatile and can be applied to different data types, including strings, </a:t>
+            </a:r>
+            <a:r>
+              <a:rPr lang="en-US" b="0" i="0" dirty="0" err="1">
+                <a:solidFill>
+                  <a:srgbClr val="374151"/>
+                </a:solidFill>
+                <a:effectLst/>
+                <a:latin typeface="Söhne"/>
+              </a:rPr>
+              <a:t>numerics</a:t>
+            </a:r>
+            <a:r>
+              <a:rPr lang="en-US" b="0" i="0" dirty="0">
+                <a:solidFill>
+                  <a:srgbClr val="374151"/>
+                </a:solidFill>
+                <a:effectLst/>
+                <a:latin typeface="Söhne"/>
+              </a:rPr>
+              <a:t>, and date/datetime values.</a:t>
+            </a:r>
+          </a:p>
+          <a:p>
+            <a:pPr algn="l">
+              <a:buFont typeface="Arial" panose="020B0604020202020204" pitchFamily="34" charset="0"/>
+              <a:buChar char="•"/>
+            </a:pPr>
+            <a:r>
+              <a:rPr lang="en-US" b="0" i="0" dirty="0">
+                <a:solidFill>
+                  <a:srgbClr val="374151"/>
+                </a:solidFill>
+                <a:effectLst/>
+                <a:latin typeface="Söhne"/>
+              </a:rPr>
+              <a:t>Here are some examples illustrating how you can use the </a:t>
+            </a:r>
+            <a:r>
+              <a:rPr lang="en-US" b="1" i="0" dirty="0">
+                <a:solidFill>
+                  <a:srgbClr val="374151"/>
+                </a:solidFill>
+                <a:effectLst/>
+                <a:latin typeface="Söhne"/>
+              </a:rPr>
+              <a:t>WHERE</a:t>
+            </a:r>
+            <a:r>
+              <a:rPr lang="en-US" b="0" i="0" dirty="0">
+                <a:solidFill>
+                  <a:srgbClr val="374151"/>
+                </a:solidFill>
+                <a:effectLst/>
+                <a:latin typeface="Söhne"/>
+              </a:rPr>
+              <a:t> clause to filter data based on conditions.</a:t>
+            </a:r>
+          </a:p>
+          <a:p>
+            <a:pPr algn="l">
+              <a:buFont typeface="Arial" panose="020B0604020202020204" pitchFamily="34" charset="0"/>
+              <a:buChar char="•"/>
+            </a:pPr>
+            <a:r>
+              <a:rPr lang="en-US" b="0" i="0" dirty="0">
+                <a:solidFill>
+                  <a:srgbClr val="374151"/>
+                </a:solidFill>
+                <a:effectLst/>
+                <a:latin typeface="Söhne"/>
+              </a:rPr>
+              <a:t>You can also create more complex logical filters by combining conditions using </a:t>
+            </a:r>
+            <a:r>
+              <a:rPr lang="en-US" b="1" i="0" dirty="0">
+                <a:solidFill>
+                  <a:srgbClr val="374151"/>
+                </a:solidFill>
+                <a:effectLst/>
+                <a:latin typeface="Söhne"/>
+              </a:rPr>
+              <a:t>AND</a:t>
+            </a:r>
+            <a:r>
+              <a:rPr lang="en-US" b="0" i="0" dirty="0">
+                <a:solidFill>
+                  <a:srgbClr val="374151"/>
+                </a:solidFill>
+                <a:effectLst/>
+                <a:latin typeface="Söhne"/>
+              </a:rPr>
+              <a:t> and </a:t>
+            </a:r>
+            <a:r>
+              <a:rPr lang="en-US" b="1" i="0" dirty="0">
+                <a:solidFill>
+                  <a:srgbClr val="374151"/>
+                </a:solidFill>
+                <a:effectLst/>
+                <a:latin typeface="Söhne"/>
+              </a:rPr>
+              <a:t>OR</a:t>
+            </a:r>
+            <a:r>
+              <a:rPr lang="en-US" b="0" i="0" dirty="0">
+                <a:solidFill>
+                  <a:srgbClr val="374151"/>
+                </a:solidFill>
+                <a:effectLst/>
+                <a:latin typeface="Söhne"/>
+              </a:rPr>
+              <a:t> operators. This allows you to precisely tailor your queries to retrieve the exact data you need for analysis or reporting.</a:t>
+            </a:r>
+          </a:p>
+          <a:p>
             <a:endParaRPr lang="en-US" dirty="0"/>
           </a:p>
         </p:txBody>
@@ -2903,7 +5460,7 @@
               <a:pPr>
                 <a:defRPr/>
               </a:pPr>
-              <a:t>12</a:t>
+              <a:t>9</a:t>
             </a:fld>
             <a:endParaRPr lang="en-US" dirty="0"/>
           </a:p>
@@ -2912,7 +5469,7 @@
     </p:spTree>
     <p:extLst>
       <p:ext uri="{BB962C8B-B14F-4D97-AF65-F5344CB8AC3E}">
-        <p14:creationId xmlns:p14="http://schemas.microsoft.com/office/powerpoint/2010/main" val="3977702411"/>
+        <p14:creationId xmlns:p14="http://schemas.microsoft.com/office/powerpoint/2010/main" val="1805659174"/>
       </p:ext>
     </p:extLst>
   </p:cSld>
@@ -7649,7 +10206,47 @@
                 <a:effectLst/>
                 <a:latin typeface="-apple-system"/>
               </a:rPr>
-              <a:t>heck for NULL values using the IS NULL and IS NOT NULL operators.</a:t>
+              <a:t>heck for NULL values using the </a:t>
+            </a:r>
+            <a:r>
+              <a:rPr lang="en-US" b="1" i="0" dirty="0">
+                <a:solidFill>
+                  <a:srgbClr val="1C1917"/>
+                </a:solidFill>
+                <a:effectLst/>
+                <a:latin typeface="-apple-system"/>
+              </a:rPr>
+              <a:t>IS NULL </a:t>
+            </a:r>
+            <a:r>
+              <a:rPr lang="en-US" b="0" i="0" dirty="0">
+                <a:solidFill>
+                  <a:srgbClr val="1C1917"/>
+                </a:solidFill>
+                <a:effectLst/>
+                <a:latin typeface="-apple-system"/>
+              </a:rPr>
+              <a:t>and </a:t>
+            </a:r>
+            <a:r>
+              <a:rPr lang="en-US" b="1" i="0" dirty="0">
+                <a:solidFill>
+                  <a:srgbClr val="1C1917"/>
+                </a:solidFill>
+                <a:effectLst/>
+                <a:latin typeface="-apple-system"/>
+              </a:rPr>
+              <a:t>IS NOT NULL </a:t>
+            </a:r>
+            <a:r>
+              <a:rPr lang="en-US" b="0" i="0" dirty="0">
+                <a:solidFill>
+                  <a:srgbClr val="1C1917"/>
+                </a:solidFill>
+                <a:effectLst/>
+                <a:latin typeface="-apple-system"/>
+              </a:rPr>
+              <a:t>operators.</a:t>
             </a:r>
           </a:p>
           <a:p>
@@ -7680,32 +10277,62 @@
             <a:r>
               <a:rPr lang="en-US" b="0" i="0" dirty="0">
                 <a:solidFill>
-                  <a:srgbClr val="1C1917"/>
-                </a:solidFill>
-                <a:effectLst/>
-                <a:latin typeface="-apple-system"/>
-              </a:rPr>
-              <a:t>WHERE </a:t>
+                  <a:srgbClr val="2E95D3"/>
+                </a:solidFill>
+                <a:effectLst/>
+                <a:latin typeface="Söhne Mono"/>
+              </a:rPr>
+              <a:t>WHERE</a:t>
+            </a:r>
+            <a:r>
+              <a:rPr lang="en-US" b="0" i="0" dirty="0">
+                <a:solidFill>
+                  <a:srgbClr val="FFFFFF"/>
+                </a:solidFill>
+                <a:effectLst/>
+                <a:latin typeface="Söhne Mono"/>
+              </a:rPr>
+              <a:t> </a:t>
             </a:r>
             <a:r>
               <a:rPr lang="en-US" b="0" i="0" dirty="0" err="1">
                 <a:solidFill>
-                  <a:srgbClr val="1C1917"/>
-                </a:solidFill>
-                <a:effectLst/>
-                <a:latin typeface="-apple-system"/>
+                  <a:schemeClr val="tx1"/>
+                </a:solidFill>
+                <a:effectLst/>
+                <a:latin typeface="Söhne Mono"/>
               </a:rPr>
               <a:t>PhoneNumber</a:t>
             </a:r>
             <a:r>
               <a:rPr lang="en-US" b="0" i="0" dirty="0">
                 <a:solidFill>
-                  <a:srgbClr val="1C1917"/>
-                </a:solidFill>
-                <a:effectLst/>
-                <a:latin typeface="-apple-system"/>
-              </a:rPr>
-              <a:t> = NULL</a:t>
+                  <a:schemeClr val="tx1"/>
+                </a:solidFill>
+                <a:effectLst/>
+                <a:latin typeface="Söhne Mono"/>
+              </a:rPr>
+              <a:t> = </a:t>
+            </a:r>
+            <a:r>
+              <a:rPr lang="en-US" b="0" i="0" dirty="0">
+                <a:solidFill>
+                  <a:srgbClr val="2E95D3"/>
+                </a:solidFill>
+                <a:effectLst/>
+                <a:latin typeface="Söhne Mono"/>
+              </a:rPr>
+              <a:t>NULL</a:t>
+            </a:r>
+            <a:r>
+              <a:rPr lang="en-US" b="0" i="0" dirty="0">
+                <a:solidFill>
+                  <a:srgbClr val="FFFFFF"/>
+                </a:solidFill>
+                <a:effectLst/>
+                <a:latin typeface="Söhne Mono"/>
+              </a:rPr>
+              <a:t> </a:t>
             </a:r>
           </a:p>
           <a:p>
@@ -7749,36 +10376,78 @@
             <a:r>
               <a:rPr lang="en-US" b="0" i="0" dirty="0">
                 <a:solidFill>
-                  <a:srgbClr val="1C1917"/>
-                </a:solidFill>
-                <a:effectLst/>
-                <a:latin typeface="-apple-system"/>
-              </a:rPr>
-              <a:t>WHERE </a:t>
+                  <a:srgbClr val="2E95D3"/>
+                </a:solidFill>
+                <a:effectLst/>
+                <a:latin typeface="Söhne Mono"/>
+              </a:rPr>
+              <a:t>WHERE</a:t>
+            </a:r>
+            <a:r>
+              <a:rPr lang="en-US" b="0" i="0" dirty="0">
+                <a:solidFill>
+                  <a:schemeClr val="tx1"/>
+                </a:solidFill>
+                <a:effectLst/>
+                <a:latin typeface="Söhne Mono"/>
+              </a:rPr>
+              <a:t> </a:t>
             </a:r>
             <a:r>
               <a:rPr lang="en-US" b="0" i="0" dirty="0" err="1">
                 <a:solidFill>
-                  <a:srgbClr val="1C1917"/>
-                </a:solidFill>
-                <a:effectLst/>
-                <a:latin typeface="-apple-system"/>
+                  <a:schemeClr val="tx1"/>
+                </a:solidFill>
+                <a:effectLst/>
+                <a:latin typeface="Söhne Mono"/>
               </a:rPr>
               <a:t>PhoneNumber</a:t>
             </a:r>
             <a:r>
               <a:rPr lang="en-US" b="0" i="0" dirty="0">
                 <a:solidFill>
-                  <a:srgbClr val="1C1917"/>
-                </a:solidFill>
-                <a:effectLst/>
-                <a:latin typeface="-apple-system"/>
-              </a:rPr>
-              <a:t> IS NULL</a:t>
-            </a:r>
-          </a:p>
-          <a:p>
-            <a:pPr lvl="2"/>
+                  <a:schemeClr val="tx1"/>
+                </a:solidFill>
+                <a:effectLst/>
+                <a:latin typeface="Söhne Mono"/>
+              </a:rPr>
+              <a:t> </a:t>
+            </a:r>
+            <a:r>
+              <a:rPr lang="en-US" b="0" i="0" dirty="0">
+                <a:solidFill>
+                  <a:srgbClr val="2E95D3"/>
+                </a:solidFill>
+                <a:effectLst/>
+                <a:latin typeface="Söhne Mono"/>
+              </a:rPr>
+              <a:t>IS</a:t>
+            </a:r>
+            <a:r>
+              <a:rPr lang="en-US" b="0" i="0" dirty="0">
+                <a:solidFill>
+                  <a:srgbClr val="FFFFFF"/>
+                </a:solidFill>
+                <a:effectLst/>
+                <a:latin typeface="Söhne Mono"/>
+              </a:rPr>
+              <a:t> </a:t>
+            </a:r>
+            <a:r>
+              <a:rPr lang="en-US" b="0" i="0" dirty="0">
+                <a:solidFill>
+                  <a:srgbClr val="2E95D3"/>
+                </a:solidFill>
+                <a:effectLst/>
+                <a:latin typeface="Söhne Mono"/>
+              </a:rPr>
+              <a:t>NULL</a:t>
+            </a:r>
+          </a:p>
+          <a:p>
+            <a:pPr marL="914400" lvl="2" indent="0">
+              <a:buNone/>
+            </a:pPr>
             <a:endParaRPr lang="en-US" b="0" i="0" dirty="0">
               <a:solidFill>
                 <a:srgbClr val="1C1917"/>
@@ -7805,36 +10474,93 @@
             <a:r>
               <a:rPr lang="en-US" b="0" i="0" dirty="0">
                 <a:solidFill>
-                  <a:srgbClr val="1C1917"/>
-                </a:solidFill>
-                <a:effectLst/>
-                <a:latin typeface="-apple-system"/>
-              </a:rPr>
-              <a:t>WHERE </a:t>
+                  <a:srgbClr val="2E95D3"/>
+                </a:solidFill>
+                <a:effectLst/>
+                <a:latin typeface="Söhne Mono"/>
+              </a:rPr>
+              <a:t>WHERE</a:t>
+            </a:r>
+            <a:r>
+              <a:rPr lang="en-US" b="0" i="0" dirty="0">
+                <a:solidFill>
+                  <a:srgbClr val="FFFFFF"/>
+                </a:solidFill>
+                <a:effectLst/>
+                <a:latin typeface="Söhne Mono"/>
+              </a:rPr>
+              <a:t> </a:t>
             </a:r>
             <a:r>
               <a:rPr lang="en-US" b="0" i="0" dirty="0" err="1">
                 <a:solidFill>
-                  <a:srgbClr val="1C1917"/>
-                </a:solidFill>
-                <a:effectLst/>
-                <a:latin typeface="-apple-system"/>
+                  <a:schemeClr val="tx1"/>
+                </a:solidFill>
+                <a:effectLst/>
+                <a:latin typeface="Söhne Mono"/>
               </a:rPr>
               <a:t>PhoneNumber</a:t>
             </a:r>
             <a:r>
               <a:rPr lang="en-US" b="0" i="0" dirty="0">
                 <a:solidFill>
-                  <a:srgbClr val="1C1917"/>
-                </a:solidFill>
-                <a:effectLst/>
-                <a:latin typeface="-apple-system"/>
-              </a:rPr>
-              <a:t> IS NOT NULL</a:t>
-            </a:r>
-          </a:p>
-          <a:p>
-            <a:pPr lvl="1"/>
+                  <a:schemeClr val="tx1"/>
+                </a:solidFill>
+                <a:effectLst/>
+                <a:latin typeface="Söhne Mono"/>
+              </a:rPr>
+              <a:t> </a:t>
+            </a:r>
+            <a:r>
+              <a:rPr lang="en-US" b="0" i="0" dirty="0">
+                <a:solidFill>
+                  <a:srgbClr val="2E95D3"/>
+                </a:solidFill>
+                <a:effectLst/>
+                <a:latin typeface="Söhne Mono"/>
+              </a:rPr>
+              <a:t>IS</a:t>
+            </a:r>
+            <a:r>
+              <a:rPr lang="en-US" b="0" i="0" dirty="0">
+                <a:solidFill>
+                  <a:srgbClr val="FFFFFF"/>
+                </a:solidFill>
+                <a:effectLst/>
+                <a:latin typeface="Söhne Mono"/>
+              </a:rPr>
+              <a:t> </a:t>
+            </a:r>
+            <a:r>
+              <a:rPr lang="en-US" b="0" i="0" dirty="0">
+                <a:solidFill>
+                  <a:srgbClr val="2E95D3"/>
+                </a:solidFill>
+                <a:effectLst/>
+                <a:latin typeface="Söhne Mono"/>
+              </a:rPr>
+              <a:t>NOT</a:t>
+            </a:r>
+            <a:r>
+              <a:rPr lang="en-US" b="0" i="0" dirty="0">
+                <a:solidFill>
+                  <a:srgbClr val="FFFFFF"/>
+                </a:solidFill>
+                <a:effectLst/>
+                <a:latin typeface="Söhne Mono"/>
+              </a:rPr>
+              <a:t> </a:t>
+            </a:r>
+            <a:r>
+              <a:rPr lang="en-US" b="0" i="0" dirty="0">
+                <a:solidFill>
+                  <a:srgbClr val="2E95D3"/>
+                </a:solidFill>
+                <a:effectLst/>
+                <a:latin typeface="Söhne Mono"/>
+              </a:rPr>
+              <a:t>NULL</a:t>
+            </a:r>
             <a:endParaRPr lang="en-US" b="0" i="0" dirty="0">
               <a:solidFill>
                 <a:schemeClr val="tx1"/>
@@ -8146,116 +10872,200 @@
           <a:bodyPr/>
           <a:lstStyle/>
           <a:p>
+            <a:pPr algn="l">
+              <a:buFont typeface="Arial" panose="020B0604020202020204" pitchFamily="34" charset="0"/>
+              <a:buChar char="•"/>
+            </a:pPr>
             <a:r>
               <a:rPr lang="en-US" b="0" i="0" dirty="0">
                 <a:solidFill>
-                  <a:srgbClr val="1C1917"/>
-                </a:solidFill>
-                <a:effectLst/>
-                <a:latin typeface="-apple-system"/>
+                  <a:srgbClr val="374151"/>
+                </a:solidFill>
+                <a:effectLst/>
+                <a:latin typeface="Söhne"/>
               </a:rPr>
               <a:t>SQL provides operators for combining multiple filter criteria in the WHERE clause:</a:t>
             </a:r>
           </a:p>
           <a:p>
-            <a:pPr lvl="1"/>
+            <a:pPr marL="742950" lvl="1" indent="-285750" algn="l">
+              <a:buFont typeface="Arial" panose="020B0604020202020204" pitchFamily="34" charset="0"/>
+              <a:buChar char="•"/>
+            </a:pPr>
+            <a:r>
+              <a:rPr lang="en-US" b="1" i="0" dirty="0">
+                <a:solidFill>
+                  <a:srgbClr val="374151"/>
+                </a:solidFill>
+                <a:effectLst/>
+                <a:latin typeface="Söhne"/>
+              </a:rPr>
+              <a:t>AND</a:t>
+            </a:r>
             <a:r>
               <a:rPr lang="en-US" b="0" i="0" dirty="0">
                 <a:solidFill>
-                  <a:srgbClr val="1C1917"/>
-                </a:solidFill>
-                <a:effectLst/>
-                <a:latin typeface="-apple-system"/>
-              </a:rPr>
-              <a:t>AND: Includes rows where ALL conditions are TRUE</a:t>
-            </a:r>
-          </a:p>
-          <a:p>
-            <a:pPr lvl="1"/>
+                  <a:srgbClr val="374151"/>
+                </a:solidFill>
+                <a:effectLst/>
+                <a:latin typeface="Söhne"/>
+              </a:rPr>
+              <a:t>: Includes rows where ALL conditions are TRUE.</a:t>
+            </a:r>
+          </a:p>
+          <a:p>
+            <a:pPr marL="742950" lvl="1" indent="-285750" algn="l">
+              <a:buFont typeface="Arial" panose="020B0604020202020204" pitchFamily="34" charset="0"/>
+              <a:buChar char="•"/>
+            </a:pPr>
+            <a:r>
+              <a:rPr lang="en-US" b="1" i="0" dirty="0">
+                <a:solidFill>
+                  <a:srgbClr val="374151"/>
+                </a:solidFill>
+                <a:effectLst/>
+                <a:latin typeface="Söhne"/>
+              </a:rPr>
+              <a:t>OR</a:t>
+            </a:r>
             <a:r>
               <a:rPr lang="en-US" b="0" i="0" dirty="0">
                 <a:solidFill>
-                  <a:srgbClr val="1C1917"/>
-                </a:solidFill>
-                <a:effectLst/>
-                <a:latin typeface="-apple-system"/>
-              </a:rPr>
-              <a:t>OR: Includes rows where ANY conditions are TRUE</a:t>
-            </a:r>
-          </a:p>
-          <a:p>
-            <a:pPr lvl="1"/>
+                  <a:srgbClr val="374151"/>
+                </a:solidFill>
+                <a:effectLst/>
+                <a:latin typeface="Söhne"/>
+              </a:rPr>
+              <a:t>: Includes rows where ANY conditions are TRUE.</a:t>
+            </a:r>
+          </a:p>
+          <a:p>
+            <a:pPr marL="742950" lvl="1" indent="-285750" algn="l">
+              <a:buFont typeface="Arial" panose="020B0604020202020204" pitchFamily="34" charset="0"/>
+              <a:buChar char="•"/>
+            </a:pPr>
+            <a:r>
+              <a:rPr lang="en-US" b="1" i="0" dirty="0">
+                <a:solidFill>
+                  <a:srgbClr val="374151"/>
+                </a:solidFill>
+                <a:effectLst/>
+                <a:latin typeface="Söhne"/>
+              </a:rPr>
+              <a:t>NOT</a:t>
+            </a:r>
             <a:r>
               <a:rPr lang="en-US" b="0" i="0" dirty="0">
                 <a:solidFill>
-                  <a:srgbClr val="1C1917"/>
-                </a:solidFill>
-                <a:effectLst/>
-                <a:latin typeface="-apple-system"/>
-              </a:rPr>
-              <a:t>NOT: Reverses condition to exclude instead of include</a:t>
-            </a:r>
-          </a:p>
-          <a:p>
-            <a:pPr lvl="1"/>
+                  <a:srgbClr val="374151"/>
+                </a:solidFill>
+                <a:effectLst/>
+                <a:latin typeface="Söhne"/>
+              </a:rPr>
+              <a:t>: Reverses condition to exclude instead of include.</a:t>
+            </a:r>
+          </a:p>
+          <a:p>
+            <a:pPr marL="742950" lvl="1" indent="-285750" algn="l">
+              <a:buFont typeface="Arial" panose="020B0604020202020204" pitchFamily="34" charset="0"/>
+              <a:buChar char="•"/>
+            </a:pPr>
             <a:endParaRPr lang="en-US" b="0" i="0" dirty="0">
               <a:solidFill>
-                <a:srgbClr val="1C1917"/>
+                <a:srgbClr val="374151"/>
               </a:solidFill>
               <a:effectLst/>
-              <a:latin typeface="-apple-system"/>
+              <a:latin typeface="Söhne"/>
             </a:endParaRPr>
           </a:p>
           <a:p>
-            <a:r>
-              <a:rPr lang="en-US" b="0" i="0" dirty="0">
-                <a:solidFill>
-                  <a:srgbClr val="1C1917"/>
-                </a:solidFill>
-                <a:effectLst/>
-                <a:latin typeface="-apple-system"/>
+            <a:pPr algn="l"/>
+            <a:r>
+              <a:rPr lang="en-US" b="0" i="1" dirty="0">
+                <a:solidFill>
+                  <a:srgbClr val="374151"/>
+                </a:solidFill>
+                <a:effectLst/>
+                <a:latin typeface="Söhne"/>
               </a:rPr>
               <a:t>Use Cases:</a:t>
             </a:r>
-          </a:p>
-          <a:p>
-            <a:pPr lvl="1"/>
-            <a:r>
-              <a:rPr lang="en-US" b="0" i="0" dirty="0">
-                <a:solidFill>
-                  <a:srgbClr val="1C1917"/>
-                </a:solidFill>
-                <a:effectLst/>
-                <a:latin typeface="-apple-system"/>
-              </a:rPr>
-              <a:t>Filter by multi-criteria rules</a:t>
-            </a:r>
-          </a:p>
-          <a:p>
-            <a:pPr lvl="1"/>
-            <a:r>
-              <a:rPr lang="en-US" b="0" i="0" dirty="0">
-                <a:solidFill>
-                  <a:srgbClr val="1C1917"/>
-                </a:solidFill>
-                <a:effectLst/>
-                <a:latin typeface="-apple-system"/>
-              </a:rPr>
-              <a:t>Group criteria into inclusion buckets</a:t>
-            </a:r>
-          </a:p>
-          <a:p>
-            <a:pPr lvl="1"/>
-            <a:r>
-              <a:rPr lang="en-US" b="0" i="0" dirty="0">
-                <a:solidFill>
-                  <a:srgbClr val="1C1917"/>
-                </a:solidFill>
-                <a:effectLst/>
-                <a:latin typeface="-apple-system"/>
-              </a:rPr>
-              <a:t>Implement exclusion rules</a:t>
-            </a:r>
+            <a:endParaRPr lang="en-US" b="0" i="0" dirty="0">
+              <a:solidFill>
+                <a:srgbClr val="374151"/>
+              </a:solidFill>
+              <a:effectLst/>
+              <a:latin typeface="Söhne"/>
+            </a:endParaRPr>
+          </a:p>
+          <a:p>
+            <a:pPr lvl="1">
+              <a:buFont typeface="Arial" panose="020B0604020202020204" pitchFamily="34" charset="0"/>
+              <a:buChar char="•"/>
+            </a:pPr>
+            <a:r>
+              <a:rPr lang="en-US" b="1" i="0" dirty="0">
+                <a:solidFill>
+                  <a:srgbClr val="374151"/>
+                </a:solidFill>
+                <a:effectLst/>
+                <a:latin typeface="Söhne"/>
+              </a:rPr>
+              <a:t>Filter by multi-criteria rules.</a:t>
+            </a:r>
+            <a:endParaRPr lang="en-US" b="0" i="0" dirty="0">
+              <a:solidFill>
+                <a:srgbClr val="374151"/>
+              </a:solidFill>
+              <a:effectLst/>
+              <a:latin typeface="Söhne"/>
+            </a:endParaRPr>
+          </a:p>
+          <a:p>
+            <a:pPr lvl="1">
+              <a:buFont typeface="Arial" panose="020B0604020202020204" pitchFamily="34" charset="0"/>
+              <a:buChar char="•"/>
+            </a:pPr>
+            <a:r>
+              <a:rPr lang="en-US" b="1" i="0" dirty="0">
+                <a:solidFill>
+                  <a:srgbClr val="374151"/>
+                </a:solidFill>
+                <a:effectLst/>
+                <a:latin typeface="Söhne"/>
+              </a:rPr>
+              <a:t>Group criteria into inclusion buckets.</a:t>
+            </a:r>
+            <a:endParaRPr lang="en-US" b="0" i="0" dirty="0">
+              <a:solidFill>
+                <a:srgbClr val="374151"/>
+              </a:solidFill>
+              <a:effectLst/>
+              <a:latin typeface="Söhne"/>
+            </a:endParaRPr>
+          </a:p>
+          <a:p>
+            <a:pPr lvl="1">
+              <a:buFont typeface="Arial" panose="020B0604020202020204" pitchFamily="34" charset="0"/>
+              <a:buChar char="•"/>
+            </a:pPr>
+            <a:r>
+              <a:rPr lang="en-US" b="1" i="0" dirty="0">
+                <a:solidFill>
+                  <a:srgbClr val="374151"/>
+                </a:solidFill>
+                <a:effectLst/>
+                <a:latin typeface="Söhne"/>
+              </a:rPr>
+              <a:t>Implement exclusion rules.</a:t>
+            </a:r>
+            <a:endParaRPr lang="en-US" b="0" i="0" dirty="0">
+              <a:solidFill>
+                <a:srgbClr val="374151"/>
+              </a:solidFill>
+              <a:effectLst/>
+              <a:latin typeface="Söhne"/>
+            </a:endParaRPr>
           </a:p>
           <a:p>
             <a:pPr lvl="3"/>
@@ -8562,180 +11372,206 @@
           <a:p>
             <a:pPr algn="l"/>
             <a:r>
-              <a:rPr lang="en-US" b="0" i="0" dirty="0">
-                <a:solidFill>
-                  <a:srgbClr val="1C1917"/>
-                </a:solidFill>
-                <a:effectLst/>
-                <a:latin typeface="-apple-system"/>
-              </a:rPr>
-              <a:t>Narrow Criteria with </a:t>
-            </a:r>
+              <a:rPr lang="en-US" i="0" dirty="0">
+                <a:solidFill>
+                  <a:srgbClr val="374151"/>
+                </a:solidFill>
+                <a:effectLst/>
+                <a:latin typeface="Söhne"/>
+              </a:rPr>
+              <a:t>Narrowing Criteria with AND</a:t>
+            </a:r>
+          </a:p>
+          <a:p>
+            <a:pPr lvl="1">
+              <a:buFont typeface="Arial" panose="020B0604020202020204" pitchFamily="34" charset="0"/>
+              <a:buChar char="•"/>
+            </a:pPr>
+            <a:r>
+              <a:rPr lang="en-US" i="0" dirty="0">
+                <a:solidFill>
+                  <a:srgbClr val="374151"/>
+                </a:solidFill>
+                <a:effectLst/>
+                <a:latin typeface="Söhne"/>
+              </a:rPr>
+              <a:t>AND narrows query results by requiring rows to match ALL conditions.</a:t>
+            </a:r>
+          </a:p>
+          <a:p>
+            <a:pPr lvl="1">
+              <a:buFont typeface="Arial" panose="020B0604020202020204" pitchFamily="34" charset="0"/>
+              <a:buChar char="•"/>
+            </a:pPr>
             <a:r>
               <a:rPr lang="en-US" b="1" i="0" dirty="0">
                 <a:solidFill>
-                  <a:srgbClr val="1C1917"/>
-                </a:solidFill>
-                <a:effectLst/>
-                <a:latin typeface="-apple-system"/>
-              </a:rPr>
-              <a:t>AND</a:t>
-            </a:r>
-          </a:p>
-          <a:p>
-            <a:pPr lvl="1"/>
-            <a:r>
-              <a:rPr lang="en-US" b="0" i="0" dirty="0">
-                <a:solidFill>
-                  <a:srgbClr val="1C1917"/>
-                </a:solidFill>
-                <a:effectLst/>
-                <a:latin typeface="-apple-system"/>
-              </a:rPr>
-              <a:t>AND narrows query results by requiring rows to match ALL conditions. </a:t>
-            </a:r>
-          </a:p>
-          <a:p>
-            <a:pPr lvl="1"/>
-            <a:r>
-              <a:rPr lang="en-US" b="0" i="0" dirty="0">
-                <a:solidFill>
-                  <a:srgbClr val="1C1917"/>
-                </a:solidFill>
-                <a:effectLst/>
-                <a:latin typeface="-apple-system"/>
+                  <a:srgbClr val="374151"/>
+                </a:solidFill>
+                <a:effectLst/>
+                <a:latin typeface="Söhne"/>
               </a:rPr>
               <a:t>Consider AND when you want:</a:t>
             </a:r>
-          </a:p>
-          <a:p>
-            <a:pPr lvl="2"/>
-            <a:r>
-              <a:rPr lang="en-US" b="0" i="0" dirty="0">
-                <a:solidFill>
-                  <a:srgbClr val="1C1917"/>
-                </a:solidFill>
-                <a:effectLst/>
-                <a:latin typeface="-apple-system"/>
-              </a:rPr>
-              <a:t>Specific segments</a:t>
-            </a:r>
-          </a:p>
-          <a:p>
-            <a:pPr lvl="3"/>
-            <a:r>
-              <a:rPr lang="en-US" b="0" i="0" dirty="0">
-                <a:solidFill>
-                  <a:srgbClr val="1C1917"/>
-                </a:solidFill>
-                <a:effectLst/>
-                <a:latin typeface="-apple-system"/>
-              </a:rPr>
-              <a:t>(Region AND Revenue)</a:t>
-            </a:r>
-          </a:p>
-          <a:p>
-            <a:pPr lvl="2"/>
-            <a:r>
-              <a:rPr lang="en-US" b="0" i="0" dirty="0">
-                <a:solidFill>
-                  <a:srgbClr val="1C1917"/>
-                </a:solidFill>
-                <a:effectLst/>
-                <a:latin typeface="-apple-system"/>
-              </a:rPr>
-              <a:t>Filter dimensions</a:t>
-            </a:r>
-          </a:p>
-          <a:p>
-            <a:pPr lvl="3"/>
-            <a:r>
-              <a:rPr lang="en-US" b="0" i="0" dirty="0">
-                <a:solidFill>
-                  <a:srgbClr val="1C1917"/>
-                </a:solidFill>
-                <a:effectLst/>
-                <a:latin typeface="-apple-system"/>
-              </a:rPr>
-              <a:t>(Date AND Product)</a:t>
-            </a:r>
-          </a:p>
-          <a:p>
-            <a:pPr lvl="2"/>
-            <a:r>
-              <a:rPr lang="en-US" b="0" i="0" dirty="0">
-                <a:solidFill>
-                  <a:srgbClr val="1C1917"/>
-                </a:solidFill>
-                <a:effectLst/>
-                <a:latin typeface="-apple-system"/>
-              </a:rPr>
-              <a:t>Strict definitions </a:t>
-            </a:r>
-          </a:p>
-          <a:p>
-            <a:pPr lvl="3"/>
-            <a:r>
-              <a:rPr lang="en-US" b="0" i="0" dirty="0">
-                <a:solidFill>
-                  <a:srgbClr val="1C1917"/>
-                </a:solidFill>
-                <a:effectLst/>
-                <a:latin typeface="-apple-system"/>
-              </a:rPr>
-              <a:t>(Price &gt; 100 AND Units &lt; 50)</a:t>
-            </a:r>
-          </a:p>
-          <a:p>
-            <a:pPr marL="457200" lvl="1" indent="0">
-              <a:buNone/>
-            </a:pPr>
             <a:endParaRPr lang="en-US" b="0" i="0" dirty="0">
               <a:solidFill>
-                <a:srgbClr val="1C1917"/>
+                <a:srgbClr val="374151"/>
               </a:solidFill>
               <a:effectLst/>
-              <a:latin typeface="-apple-system"/>
+              <a:latin typeface="Söhne"/>
             </a:endParaRPr>
           </a:p>
           <a:p>
+            <a:pPr lvl="2" indent="-285750"/>
+            <a:r>
+              <a:rPr lang="en-US" b="0" i="0" dirty="0">
+                <a:solidFill>
+                  <a:srgbClr val="374151"/>
+                </a:solidFill>
+                <a:effectLst/>
+                <a:latin typeface="Söhne"/>
+              </a:rPr>
+              <a:t>Specific segments (Region AND Revenue).</a:t>
+            </a:r>
+          </a:p>
+          <a:p>
+            <a:pPr lvl="2" indent="-285750"/>
+            <a:r>
+              <a:rPr lang="en-US" b="0" i="0" dirty="0">
+                <a:solidFill>
+                  <a:srgbClr val="374151"/>
+                </a:solidFill>
+                <a:effectLst/>
+                <a:latin typeface="Söhne"/>
+              </a:rPr>
+              <a:t>Filter dimensions (Date AND Product).</a:t>
+            </a:r>
+          </a:p>
+          <a:p>
+            <a:pPr lvl="2" indent="-285750"/>
+            <a:r>
+              <a:rPr lang="en-US" b="0" i="0" dirty="0">
+                <a:solidFill>
+                  <a:srgbClr val="374151"/>
+                </a:solidFill>
+                <a:effectLst/>
+                <a:latin typeface="Söhne"/>
+              </a:rPr>
+              <a:t>Strict definitions (Price &gt; 100 AND Units &lt; 50).</a:t>
+            </a:r>
+          </a:p>
+          <a:p>
+            <a:pPr lvl="2" indent="-285750"/>
+            <a:endParaRPr lang="en-US" b="0" i="0" dirty="0">
+              <a:solidFill>
+                <a:srgbClr val="374151"/>
+              </a:solidFill>
+              <a:effectLst/>
+              <a:latin typeface="Söhne"/>
+            </a:endParaRPr>
+          </a:p>
+          <a:p>
             <a:pPr algn="l"/>
             <a:r>
-              <a:rPr lang="en-US" b="0" i="0" dirty="0">
-                <a:solidFill>
-                  <a:srgbClr val="1C1917"/>
-                </a:solidFill>
-                <a:effectLst/>
-                <a:latin typeface="-apple-system"/>
+              <a:rPr lang="en-US" b="0" i="1" dirty="0">
+                <a:solidFill>
+                  <a:srgbClr val="374151"/>
+                </a:solidFill>
+                <a:effectLst/>
+                <a:latin typeface="Söhne"/>
               </a:rPr>
               <a:t>Example:</a:t>
             </a:r>
+            <a:endParaRPr lang="en-US" b="0" i="0" dirty="0">
+              <a:solidFill>
+                <a:srgbClr val="374151"/>
+              </a:solidFill>
+              <a:effectLst/>
+              <a:latin typeface="Söhne"/>
+            </a:endParaRPr>
           </a:p>
           <a:p>
             <a:pPr lvl="1"/>
             <a:r>
-              <a:rPr lang="en-US" b="0" i="0" dirty="0">
-                <a:solidFill>
-                  <a:srgbClr val="1C1917"/>
-                </a:solidFill>
-                <a:effectLst/>
-                <a:latin typeface="-apple-system"/>
-              </a:rPr>
-              <a:t>WHERE Region = 'West' AND Sales &gt; 100000</a:t>
+              <a:rPr lang="en-US" dirty="0">
+                <a:solidFill>
+                  <a:srgbClr val="2E95D3"/>
+                </a:solidFill>
+                <a:effectLst/>
+              </a:rPr>
+              <a:t>WHERE</a:t>
+            </a:r>
+            <a:r>
+              <a:rPr lang="en-US" dirty="0">
+                <a:effectLst/>
+              </a:rPr>
+              <a:t> Region = </a:t>
+            </a:r>
+            <a:r>
+              <a:rPr lang="en-US" dirty="0">
+                <a:solidFill>
+                  <a:srgbClr val="00A67D"/>
+                </a:solidFill>
+                <a:effectLst/>
+              </a:rPr>
+              <a:t>'West'</a:t>
+            </a:r>
+            <a:r>
+              <a:rPr lang="en-US" dirty="0">
+                <a:effectLst/>
+              </a:rPr>
+              <a:t> </a:t>
+            </a:r>
+            <a:r>
+              <a:rPr lang="en-US" dirty="0">
+                <a:solidFill>
+                  <a:srgbClr val="2E95D3"/>
+                </a:solidFill>
+                <a:effectLst/>
+              </a:rPr>
+              <a:t>AND</a:t>
+            </a:r>
+            <a:r>
+              <a:rPr lang="en-US" dirty="0">
+                <a:effectLst/>
+              </a:rPr>
+              <a:t> Sales &gt; </a:t>
+            </a:r>
+            <a:r>
+              <a:rPr lang="en-US" dirty="0">
+                <a:solidFill>
+                  <a:srgbClr val="DF3079"/>
+                </a:solidFill>
+                <a:effectLst/>
+              </a:rPr>
+              <a:t>100000</a:t>
+            </a:r>
+            <a:r>
+              <a:rPr lang="en-US" dirty="0">
+                <a:effectLst/>
+              </a:rPr>
+              <a:t> </a:t>
             </a:r>
           </a:p>
           <a:p>
             <a:pPr lvl="2"/>
             <a:r>
-              <a:rPr lang="en-US" b="0" i="0" dirty="0">
-                <a:solidFill>
-                  <a:srgbClr val="1C1917"/>
-                </a:solidFill>
-                <a:effectLst/>
-                <a:latin typeface="-apple-system"/>
+              <a:rPr lang="en-US" b="1" i="0" dirty="0">
+                <a:solidFill>
+                  <a:srgbClr val="374151"/>
+                </a:solidFill>
+                <a:effectLst/>
+                <a:latin typeface="Söhne"/>
               </a:rPr>
               <a:t>Rows must meet both criteria.</a:t>
             </a:r>
+            <a:endParaRPr lang="en-US" b="0" i="0" dirty="0">
+              <a:solidFill>
+                <a:srgbClr val="374151"/>
+              </a:solidFill>
+              <a:effectLst/>
+              <a:latin typeface="Söhne"/>
+            </a:endParaRPr>
           </a:p>
           <a:p>
             <a:pPr lvl="3"/>
@@ -9042,148 +11878,111 @@
           <a:p>
             <a:pPr algn="l"/>
             <a:r>
-              <a:rPr lang="en-US" b="0" i="0" dirty="0">
-                <a:solidFill>
-                  <a:srgbClr val="1C1917"/>
-                </a:solidFill>
-                <a:effectLst/>
-                <a:latin typeface="-apple-system"/>
-              </a:rPr>
-              <a:t>Using </a:t>
-            </a:r>
-            <a:r>
-              <a:rPr lang="en-US" b="1" i="0" dirty="0">
-                <a:solidFill>
-                  <a:srgbClr val="1C1917"/>
-                </a:solidFill>
-                <a:effectLst/>
-                <a:latin typeface="-apple-system"/>
-              </a:rPr>
-              <a:t>NOT</a:t>
-            </a:r>
-            <a:r>
-              <a:rPr lang="en-US" b="0" i="0" dirty="0">
-                <a:solidFill>
-                  <a:srgbClr val="1C1917"/>
-                </a:solidFill>
-                <a:effectLst/>
-                <a:latin typeface="-apple-system"/>
-              </a:rPr>
-              <a:t> to Exclude Filter Matches</a:t>
-            </a:r>
-          </a:p>
-          <a:p>
-            <a:pPr lvl="1"/>
-            <a:r>
-              <a:rPr lang="en-US" b="0" i="0" dirty="0">
-                <a:solidFill>
-                  <a:srgbClr val="1C1917"/>
-                </a:solidFill>
-                <a:effectLst/>
-                <a:latin typeface="-apple-system"/>
-              </a:rPr>
-              <a:t>NOT reverses the logic of filter conditions to EXCLUDE instead of INCLUDE matching rows. </a:t>
-            </a:r>
-          </a:p>
-          <a:p>
-            <a:pPr lvl="1"/>
+              <a:rPr lang="en-US" i="0" dirty="0">
+                <a:solidFill>
+                  <a:srgbClr val="374151"/>
+                </a:solidFill>
+                <a:effectLst/>
+                <a:latin typeface="Söhne"/>
+              </a:rPr>
+              <a:t>Using NOT to Exclude Filter Matches</a:t>
+            </a:r>
+          </a:p>
+          <a:p>
+            <a:pPr lvl="1">
+              <a:buFont typeface="Arial" panose="020B0604020202020204" pitchFamily="34" charset="0"/>
+              <a:buChar char="•"/>
+            </a:pPr>
+            <a:r>
+              <a:rPr lang="en-US" i="0" dirty="0">
+                <a:solidFill>
+                  <a:srgbClr val="374151"/>
+                </a:solidFill>
+                <a:effectLst/>
+                <a:latin typeface="Söhne"/>
+              </a:rPr>
+              <a:t>NOT reverses the logic of filter conditions to EXCLUDE instead of INCLUDE matching rows.</a:t>
+            </a:r>
+          </a:p>
+          <a:p>
+            <a:pPr lvl="1">
+              <a:buFont typeface="Arial" panose="020B0604020202020204" pitchFamily="34" charset="0"/>
+              <a:buChar char="•"/>
+            </a:pPr>
+            <a:endParaRPr lang="en-US" i="0" dirty="0">
+              <a:solidFill>
+                <a:srgbClr val="374151"/>
+              </a:solidFill>
+              <a:effectLst/>
+              <a:latin typeface="Söhne"/>
+            </a:endParaRPr>
+          </a:p>
+          <a:p>
+            <a:pPr algn="l"/>
+            <a:r>
+              <a:rPr lang="en-US" b="0" i="1" dirty="0">
+                <a:solidFill>
+                  <a:srgbClr val="374151"/>
+                </a:solidFill>
+                <a:effectLst/>
+                <a:latin typeface="Söhne"/>
+              </a:rPr>
+              <a:t>Consider NOT when you want:</a:t>
+            </a:r>
             <a:endParaRPr lang="en-US" b="0" i="0" dirty="0">
               <a:solidFill>
-                <a:srgbClr val="1C1917"/>
+                <a:srgbClr val="374151"/>
               </a:solidFill>
               <a:effectLst/>
-              <a:latin typeface="-apple-system"/>
+              <a:latin typeface="Söhne"/>
             </a:endParaRPr>
           </a:p>
           <a:p>
-            <a:pPr lvl="1"/>
-            <a:r>
-              <a:rPr lang="en-US" b="0" i="0" dirty="0">
-                <a:solidFill>
-                  <a:srgbClr val="1C1917"/>
-                </a:solidFill>
-                <a:effectLst/>
-                <a:latin typeface="-apple-system"/>
-              </a:rPr>
-              <a:t>Consider NOT when you want:</a:t>
-            </a:r>
-          </a:p>
-          <a:p>
-            <a:pPr lvl="2"/>
-            <a:r>
-              <a:rPr lang="en-US" b="0" i="0" dirty="0">
-                <a:solidFill>
-                  <a:srgbClr val="1C1917"/>
-                </a:solidFill>
-                <a:effectLst/>
-                <a:latin typeface="-apple-system"/>
-              </a:rPr>
-              <a:t>Exception reporting</a:t>
-            </a:r>
-          </a:p>
-          <a:p>
-            <a:pPr lvl="3"/>
-            <a:r>
-              <a:rPr lang="en-US" b="0" i="0" dirty="0">
-                <a:solidFill>
-                  <a:srgbClr val="1C1917"/>
-                </a:solidFill>
-                <a:effectLst/>
-                <a:latin typeface="-apple-system"/>
-              </a:rPr>
-              <a:t>(Exclude top regions)</a:t>
-            </a:r>
-          </a:p>
-          <a:p>
-            <a:pPr lvl="2"/>
-            <a:r>
-              <a:rPr lang="en-US" b="0" i="0" dirty="0">
-                <a:solidFill>
-                  <a:srgbClr val="1C1917"/>
-                </a:solidFill>
-                <a:effectLst/>
-                <a:latin typeface="-apple-system"/>
-              </a:rPr>
-              <a:t>Data quality checks </a:t>
-            </a:r>
-          </a:p>
-          <a:p>
-            <a:pPr lvl="3"/>
-            <a:r>
-              <a:rPr lang="en-US" b="0" i="0" dirty="0">
-                <a:solidFill>
-                  <a:srgbClr val="1C1917"/>
-                </a:solidFill>
-                <a:effectLst/>
-                <a:latin typeface="-apple-system"/>
-              </a:rPr>
-              <a:t>(NOT missing addresses)</a:t>
-            </a:r>
-          </a:p>
-          <a:p>
-            <a:pPr lvl="2"/>
-            <a:r>
-              <a:rPr lang="en-US" b="0" i="0" dirty="0">
-                <a:solidFill>
-                  <a:srgbClr val="1C1917"/>
-                </a:solidFill>
-                <a:effectLst/>
-                <a:latin typeface="-apple-system"/>
-              </a:rPr>
-              <a:t>Complementary slices </a:t>
-            </a:r>
-          </a:p>
-          <a:p>
-            <a:pPr lvl="3"/>
-            <a:r>
-              <a:rPr lang="en-US" b="0" i="0" dirty="0">
-                <a:solidFill>
-                  <a:srgbClr val="1C1917"/>
-                </a:solidFill>
-                <a:effectLst/>
-                <a:latin typeface="-apple-system"/>
-              </a:rPr>
-              <a:t>(NOT recent customers)</a:t>
+            <a:pPr lvl="1">
+              <a:buFont typeface="Arial" panose="020B0604020202020204" pitchFamily="34" charset="0"/>
+              <a:buChar char="•"/>
+            </a:pPr>
+            <a:r>
+              <a:rPr lang="en-US" i="0" dirty="0">
+                <a:solidFill>
+                  <a:srgbClr val="374151"/>
+                </a:solidFill>
+                <a:effectLst/>
+                <a:latin typeface="Söhne"/>
+              </a:rPr>
+              <a:t>Exception reporting (Exclude top regions).</a:t>
+            </a:r>
+          </a:p>
+          <a:p>
+            <a:pPr lvl="1">
+              <a:buFont typeface="Arial" panose="020B0604020202020204" pitchFamily="34" charset="0"/>
+              <a:buChar char="•"/>
+            </a:pPr>
+            <a:r>
+              <a:rPr lang="en-US" i="0" dirty="0">
+                <a:solidFill>
+                  <a:srgbClr val="374151"/>
+                </a:solidFill>
+                <a:effectLst/>
+                <a:latin typeface="Söhne"/>
+              </a:rPr>
+              <a:t>Data quality checks (NOT missing addresses).</a:t>
+            </a:r>
+          </a:p>
+          <a:p>
+            <a:pPr lvl="1">
+              <a:buFont typeface="Arial" panose="020B0604020202020204" pitchFamily="34" charset="0"/>
+              <a:buChar char="•"/>
+            </a:pPr>
+            <a:r>
+              <a:rPr lang="en-US" i="0" dirty="0">
+                <a:solidFill>
+                  <a:srgbClr val="374151"/>
+                </a:solidFill>
+                <a:effectLst/>
+                <a:latin typeface="Söhne"/>
+              </a:rPr>
+              <a:t>Complementary slices (NOT recent customers).</a:t>
             </a:r>
           </a:p>
           <a:p>
@@ -9214,38 +12013,85 @@
           <a:p>
             <a:pPr lvl="1"/>
             <a:r>
-              <a:rPr lang="en-US" b="0" i="0" dirty="0">
-                <a:solidFill>
-                  <a:srgbClr val="1C1917"/>
-                </a:solidFill>
-                <a:effectLst/>
-                <a:latin typeface="-apple-system"/>
-              </a:rPr>
-              <a:t>WHERE </a:t>
-            </a:r>
-            <a:r>
-              <a:rPr lang="en-US" b="0" i="0" dirty="0" err="1">
-                <a:solidFill>
-                  <a:srgbClr val="1C1917"/>
-                </a:solidFill>
-                <a:effectLst/>
-                <a:latin typeface="-apple-system"/>
+              <a:rPr lang="en-US" dirty="0">
+                <a:solidFill>
+                  <a:srgbClr val="2E95D3"/>
+                </a:solidFill>
+                <a:effectLst/>
+              </a:rPr>
+              <a:t>WHERE</a:t>
+            </a:r>
+            <a:r>
+              <a:rPr lang="en-US" dirty="0">
+                <a:effectLst/>
+              </a:rPr>
+              <a:t> </a:t>
+            </a:r>
+            <a:r>
+              <a:rPr lang="en-US" dirty="0" err="1">
+                <a:effectLst/>
               </a:rPr>
               <a:t>LastOrdered</a:t>
             </a:r>
             <a:r>
-              <a:rPr lang="en-US" b="0" i="0" dirty="0">
-                <a:solidFill>
-                  <a:srgbClr val="1C1917"/>
-                </a:solidFill>
-                <a:effectLst/>
-                <a:latin typeface="-apple-system"/>
-              </a:rPr>
-              <a:t> IS NOT NULL</a:t>
-            </a:r>
-          </a:p>
-          <a:p>
-            <a:pPr lvl="3"/>
+              <a:rPr lang="en-US" dirty="0">
+                <a:effectLst/>
+              </a:rPr>
+              <a:t> </a:t>
+            </a:r>
+            <a:r>
+              <a:rPr lang="en-US" dirty="0">
+                <a:solidFill>
+                  <a:srgbClr val="2E95D3"/>
+                </a:solidFill>
+                <a:effectLst/>
+              </a:rPr>
+              <a:t>IS</a:t>
+            </a:r>
+            <a:r>
+              <a:rPr lang="en-US" dirty="0">
+                <a:effectLst/>
+              </a:rPr>
+              <a:t> </a:t>
+            </a:r>
+            <a:r>
+              <a:rPr lang="en-US" dirty="0">
+                <a:solidFill>
+                  <a:srgbClr val="2E95D3"/>
+                </a:solidFill>
+                <a:effectLst/>
+              </a:rPr>
+              <a:t>NOT</a:t>
+            </a:r>
+            <a:r>
+              <a:rPr lang="en-US" dirty="0">
+                <a:effectLst/>
+              </a:rPr>
+              <a:t> </a:t>
+            </a:r>
+            <a:r>
+              <a:rPr lang="en-US" dirty="0">
+                <a:solidFill>
+                  <a:srgbClr val="2E95D3"/>
+                </a:solidFill>
+                <a:effectLst/>
+              </a:rPr>
+              <a:t>NULL</a:t>
+            </a:r>
+            <a:r>
+              <a:rPr lang="en-US" dirty="0">
+                <a:effectLst/>
+              </a:rPr>
+              <a:t> </a:t>
+            </a:r>
+          </a:p>
+          <a:p>
+            <a:pPr marL="0" indent="0">
+              <a:buNone/>
+            </a:pPr>
+            <a:br>
+              <a:rPr lang="en-US" dirty="0"/>
+            </a:br>
             <a:endParaRPr lang="en-US" b="0" i="0" dirty="0">
               <a:solidFill>
                 <a:srgbClr val="1C1917"/>
@@ -9547,169 +12393,193 @@
           <a:bodyPr/>
           <a:lstStyle/>
           <a:p>
-            <a:pPr algn="l"/>
-            <a:r>
-              <a:rPr lang="en-US" b="0" i="0" dirty="0">
-                <a:solidFill>
-                  <a:srgbClr val="1C1917"/>
-                </a:solidFill>
-                <a:effectLst/>
-                <a:latin typeface="-apple-system"/>
-              </a:rPr>
-              <a:t>Using </a:t>
-            </a:r>
-            <a:r>
-              <a:rPr lang="en-US" b="1" i="0" dirty="0">
-                <a:solidFill>
-                  <a:srgbClr val="1C1917"/>
-                </a:solidFill>
-                <a:effectLst/>
-                <a:latin typeface="-apple-system"/>
-              </a:rPr>
-              <a:t>OR</a:t>
-            </a:r>
-            <a:r>
-              <a:rPr lang="en-US" b="0" i="0" dirty="0">
-                <a:solidFill>
-                  <a:srgbClr val="1C1917"/>
-                </a:solidFill>
-                <a:effectLst/>
-                <a:latin typeface="-apple-system"/>
-              </a:rPr>
-              <a:t> to Expand Filter Options</a:t>
-            </a:r>
-          </a:p>
-          <a:p>
-            <a:pPr lvl="1"/>
-            <a:r>
-              <a:rPr lang="en-US" b="0" i="0" dirty="0">
-                <a:solidFill>
-                  <a:srgbClr val="1C1917"/>
-                </a:solidFill>
-                <a:effectLst/>
-                <a:latin typeface="-apple-system"/>
+            <a:pPr algn="l">
+              <a:buFont typeface="Arial" panose="020B0604020202020204" pitchFamily="34" charset="0"/>
+              <a:buChar char="•"/>
+            </a:pPr>
+            <a:r>
+              <a:rPr lang="en-US" i="0" dirty="0">
+                <a:solidFill>
+                  <a:srgbClr val="374151"/>
+                </a:solidFill>
+                <a:effectLst/>
+                <a:latin typeface="Söhne"/>
               </a:rPr>
               <a:t>The OR operator widens the filter criteria, allowing rows to match if they satisfy ANY of the conditions.</a:t>
             </a:r>
           </a:p>
           <a:p>
-            <a:pPr lvl="1"/>
+            <a:pPr algn="l">
+              <a:buFont typeface="Arial" panose="020B0604020202020204" pitchFamily="34" charset="0"/>
+              <a:buChar char="•"/>
+            </a:pPr>
+            <a:endParaRPr lang="en-US" i="0" dirty="0">
+              <a:solidFill>
+                <a:srgbClr val="374151"/>
+              </a:solidFill>
+              <a:effectLst/>
+              <a:latin typeface="Söhne"/>
+            </a:endParaRPr>
+          </a:p>
+          <a:p>
+            <a:r>
+              <a:rPr lang="en-US" b="0" i="1" dirty="0">
+                <a:solidFill>
+                  <a:srgbClr val="374151"/>
+                </a:solidFill>
+                <a:effectLst/>
+                <a:latin typeface="Söhne"/>
+              </a:rPr>
+              <a:t>Consider OR when you want:</a:t>
+            </a:r>
             <a:endParaRPr lang="en-US" b="0" i="0" dirty="0">
               <a:solidFill>
-                <a:srgbClr val="1C1917"/>
+                <a:srgbClr val="374151"/>
               </a:solidFill>
               <a:effectLst/>
-              <a:latin typeface="-apple-system"/>
+              <a:latin typeface="Söhne"/>
             </a:endParaRPr>
-          </a:p>
-          <a:p>
-            <a:pPr lvl="1"/>
-            <a:r>
-              <a:rPr lang="en-US" b="0" i="0" dirty="0">
-                <a:solidFill>
-                  <a:srgbClr val="1C1917"/>
-                </a:solidFill>
-                <a:effectLst/>
-                <a:latin typeface="-apple-system"/>
-              </a:rPr>
-              <a:t>Consider OR when you want:</a:t>
-            </a:r>
-          </a:p>
-          <a:p>
-            <a:pPr lvl="2"/>
-            <a:r>
-              <a:rPr lang="en-US" b="0" i="0" dirty="0">
-                <a:solidFill>
-                  <a:srgbClr val="1C1917"/>
-                </a:solidFill>
-                <a:effectLst/>
-                <a:latin typeface="-apple-system"/>
-              </a:rPr>
-              <a:t>Flexible searches (Brand A OR Brand B products)</a:t>
-            </a:r>
-          </a:p>
-          <a:p>
-            <a:pPr lvl="2"/>
-            <a:r>
-              <a:rPr lang="en-US" b="0" i="0" dirty="0">
-                <a:solidFill>
-                  <a:srgbClr val="1C1917"/>
-                </a:solidFill>
-                <a:effectLst/>
-                <a:latin typeface="-apple-system"/>
-              </a:rPr>
-              <a:t>Buckets of data</a:t>
-            </a:r>
-            <a:br>
-              <a:rPr lang="en-US" b="0" i="0" dirty="0">
-                <a:solidFill>
-                  <a:srgbClr val="1C1917"/>
-                </a:solidFill>
-                <a:effectLst/>
-                <a:latin typeface="-apple-system"/>
-              </a:rPr>
-            </a:br>
-            <a:r>
-              <a:rPr lang="en-US" b="0" i="0" dirty="0">
-                <a:solidFill>
-                  <a:srgbClr val="1C1917"/>
-                </a:solidFill>
-                <a:effectLst/>
-                <a:latin typeface="-apple-system"/>
-              </a:rPr>
-              <a:t>(New OR Existing customers)</a:t>
-            </a:r>
-          </a:p>
-          <a:p>
-            <a:pPr lvl="2"/>
-            <a:r>
-              <a:rPr lang="en-US" b="0" i="0" dirty="0">
-                <a:solidFill>
-                  <a:srgbClr val="1C1917"/>
-                </a:solidFill>
-                <a:effectLst/>
-                <a:latin typeface="-apple-system"/>
-              </a:rPr>
-              <a:t>Criteria variations (Sales &gt;= $1000 OR Volume &gt; 500)</a:t>
-            </a:r>
           </a:p>
           <a:p>
             <a:pPr lvl="1">
               <a:buFont typeface="Arial" panose="020B0604020202020204" pitchFamily="34" charset="0"/>
               <a:buChar char="•"/>
             </a:pPr>
+            <a:r>
+              <a:rPr lang="en-US" i="0" dirty="0">
+                <a:solidFill>
+                  <a:srgbClr val="374151"/>
+                </a:solidFill>
+                <a:effectLst/>
+                <a:latin typeface="Söhne"/>
+              </a:rPr>
+              <a:t>Flexible searches (Brand A OR Brand B products).</a:t>
+            </a:r>
+          </a:p>
+          <a:p>
+            <a:pPr lvl="1">
+              <a:buFont typeface="Arial" panose="020B0604020202020204" pitchFamily="34" charset="0"/>
+              <a:buChar char="•"/>
+            </a:pPr>
+            <a:r>
+              <a:rPr lang="en-US" i="0" dirty="0">
+                <a:solidFill>
+                  <a:srgbClr val="374151"/>
+                </a:solidFill>
+                <a:effectLst/>
+                <a:latin typeface="Söhne"/>
+              </a:rPr>
+              <a:t>Buckets of data (New OR Existing customers).</a:t>
+            </a:r>
+          </a:p>
+          <a:p>
+            <a:pPr lvl="1">
+              <a:buFont typeface="Arial" panose="020B0604020202020204" pitchFamily="34" charset="0"/>
+              <a:buChar char="•"/>
+            </a:pPr>
+            <a:r>
+              <a:rPr lang="en-US" i="0" dirty="0">
+                <a:solidFill>
+                  <a:srgbClr val="374151"/>
+                </a:solidFill>
+                <a:effectLst/>
+                <a:latin typeface="Söhne"/>
+              </a:rPr>
+              <a:t>Criteria variations (Sales &gt;= $1000 OR Volume &gt; 500).</a:t>
+            </a:r>
+          </a:p>
+          <a:p>
+            <a:pPr lvl="1">
+              <a:buFont typeface="Arial" panose="020B0604020202020204" pitchFamily="34" charset="0"/>
+              <a:buChar char="•"/>
+            </a:pPr>
+            <a:endParaRPr lang="en-US" i="0" dirty="0">
+              <a:solidFill>
+                <a:srgbClr val="374151"/>
+              </a:solidFill>
+              <a:effectLst/>
+              <a:latin typeface="Söhne"/>
+            </a:endParaRPr>
+          </a:p>
+          <a:p>
+            <a:pPr algn="l"/>
+            <a:r>
+              <a:rPr lang="en-US" b="0" i="1" dirty="0">
+                <a:solidFill>
+                  <a:srgbClr val="374151"/>
+                </a:solidFill>
+                <a:effectLst/>
+                <a:latin typeface="Söhne"/>
+              </a:rPr>
+              <a:t>Example:</a:t>
+            </a:r>
+            <a:endParaRPr lang="en-US" b="0" i="0" dirty="0">
+              <a:solidFill>
+                <a:srgbClr val="374151"/>
+              </a:solidFill>
+              <a:effectLst/>
+              <a:latin typeface="Söhne"/>
+            </a:endParaRPr>
+          </a:p>
+          <a:p>
+            <a:pPr lvl="1"/>
+            <a:r>
+              <a:rPr lang="en-US" dirty="0">
+                <a:solidFill>
+                  <a:srgbClr val="2E95D3"/>
+                </a:solidFill>
+                <a:effectLst/>
+              </a:rPr>
+              <a:t>WHERE</a:t>
+            </a:r>
+            <a:r>
+              <a:rPr lang="en-US" dirty="0">
+                <a:effectLst/>
+              </a:rPr>
+              <a:t> Region = </a:t>
+            </a:r>
+            <a:r>
+              <a:rPr lang="en-US" dirty="0">
+                <a:solidFill>
+                  <a:srgbClr val="00A67D"/>
+                </a:solidFill>
+                <a:effectLst/>
+              </a:rPr>
+              <a:t>'West'</a:t>
+            </a:r>
+            <a:r>
+              <a:rPr lang="en-US" dirty="0">
+                <a:effectLst/>
+              </a:rPr>
+              <a:t> </a:t>
+            </a:r>
+            <a:r>
+              <a:rPr lang="en-US" dirty="0">
+                <a:solidFill>
+                  <a:srgbClr val="2E95D3"/>
+                </a:solidFill>
+                <a:effectLst/>
+              </a:rPr>
+              <a:t>OR</a:t>
+            </a:r>
+            <a:r>
+              <a:rPr lang="en-US" dirty="0">
+                <a:effectLst/>
+              </a:rPr>
+              <a:t> Sales &gt; </a:t>
+            </a:r>
+            <a:r>
+              <a:rPr lang="en-US" dirty="0">
+                <a:solidFill>
+                  <a:srgbClr val="DF3079"/>
+                </a:solidFill>
+                <a:effectLst/>
+              </a:rPr>
+              <a:t>100000</a:t>
+            </a:r>
             <a:endParaRPr lang="en-US" dirty="0">
-              <a:solidFill>
-                <a:srgbClr val="1C1917"/>
-              </a:solidFill>
-              <a:latin typeface="-apple-system"/>
+              <a:effectLst/>
             </a:endParaRPr>
-          </a:p>
-          <a:p>
-            <a:pPr algn="l"/>
-            <a:r>
-              <a:rPr lang="en-US" b="0" i="0" dirty="0">
-                <a:solidFill>
-                  <a:srgbClr val="1C1917"/>
-                </a:solidFill>
-                <a:effectLst/>
-                <a:latin typeface="-apple-system"/>
-              </a:rPr>
-              <a:t>Example:</a:t>
-            </a:r>
-          </a:p>
-          <a:p>
-            <a:pPr lvl="1"/>
-            <a:r>
-              <a:rPr lang="en-US" b="0" i="0" dirty="0">
-                <a:solidFill>
-                  <a:srgbClr val="1C1917"/>
-                </a:solidFill>
-                <a:effectLst/>
-                <a:latin typeface="-apple-system"/>
-              </a:rPr>
-              <a:t>WHERE Region = 'West' OR Sales &gt; 100000</a:t>
-            </a:r>
           </a:p>
           <a:p>
             <a:pPr lvl="1">
@@ -10027,136 +12897,139 @@
           <a:bodyPr/>
           <a:lstStyle/>
           <a:p>
-            <a:pPr algn="l"/>
-            <a:r>
-              <a:rPr lang="en-US" b="0" i="0" dirty="0">
-                <a:solidFill>
-                  <a:srgbClr val="1C1917"/>
-                </a:solidFill>
-                <a:effectLst/>
-                <a:latin typeface="-apple-system"/>
-              </a:rPr>
-              <a:t>LIKE Wildcards</a:t>
-            </a:r>
-          </a:p>
-          <a:p>
-            <a:pPr lvl="1"/>
-            <a:r>
-              <a:rPr lang="en-US" b="0" i="0" dirty="0">
-                <a:solidFill>
-                  <a:srgbClr val="1C1917"/>
-                </a:solidFill>
-                <a:effectLst/>
-                <a:latin typeface="-apple-system"/>
-              </a:rPr>
-              <a:t>The LIKE operator allows you to match text patterns in string data rather than exact literal values. </a:t>
-            </a:r>
-          </a:p>
-          <a:p>
-            <a:pPr lvl="1"/>
-            <a:endParaRPr lang="en-US" dirty="0">
+            <a:pPr algn="l">
+              <a:buFont typeface="Arial" panose="020B0604020202020204" pitchFamily="34" charset="0"/>
+              <a:buChar char="•"/>
+            </a:pPr>
+            <a:r>
+              <a:rPr lang="en-US" i="0" dirty="0">
+                <a:solidFill>
+                  <a:srgbClr val="374151"/>
+                </a:solidFill>
+                <a:effectLst/>
+                <a:latin typeface="Söhne"/>
+              </a:rPr>
+              <a:t>The LIKE operator allows you to match text patterns in string data rather than exact literal values.</a:t>
+            </a:r>
+          </a:p>
+          <a:p>
+            <a:pPr algn="l">
+              <a:buFont typeface="Arial" panose="020B0604020202020204" pitchFamily="34" charset="0"/>
+              <a:buChar char="•"/>
+            </a:pPr>
+            <a:endParaRPr lang="en-US" i="0" dirty="0">
               <a:solidFill>
-                <a:srgbClr val="1C1917"/>
-              </a:solidFill>
-              <a:latin typeface="-apple-system"/>
-            </a:endParaRPr>
-          </a:p>
-          <a:p>
-            <a:pPr lvl="1"/>
-            <a:r>
-              <a:rPr lang="en-US" b="0" i="0" dirty="0">
-                <a:solidFill>
-                  <a:srgbClr val="1C1917"/>
-                </a:solidFill>
-                <a:effectLst/>
-                <a:latin typeface="-apple-system"/>
-              </a:rPr>
-              <a:t>The LIKE operator uses two wildcards for flexible pattern matching in strings:</a:t>
-            </a:r>
-          </a:p>
-          <a:p>
-            <a:pPr lvl="2"/>
-            <a:r>
-              <a:rPr lang="en-US" b="0" i="0" dirty="0">
-                <a:solidFill>
-                  <a:srgbClr val="1C1917"/>
-                </a:solidFill>
-                <a:effectLst/>
-                <a:latin typeface="-apple-system"/>
-              </a:rPr>
-              <a:t>%   </a:t>
-            </a:r>
-            <a:r>
-              <a:rPr lang="en-US" b="1" i="0" dirty="0">
-                <a:solidFill>
-                  <a:srgbClr val="1C1917"/>
-                </a:solidFill>
-                <a:effectLst/>
-                <a:latin typeface="-apple-system"/>
-              </a:rPr>
-              <a:t>Percent sign </a:t>
-            </a:r>
-            <a:r>
-              <a:rPr lang="en-US" b="0" i="0" dirty="0">
-                <a:solidFill>
-                  <a:srgbClr val="1C1917"/>
-                </a:solidFill>
-                <a:effectLst/>
-                <a:latin typeface="-apple-system"/>
-              </a:rPr>
-              <a:t>Matches zero or more characters A substitute for any set of characters</a:t>
-            </a:r>
-          </a:p>
-          <a:p>
-            <a:pPr lvl="2"/>
-            <a:endParaRPr lang="en-US" b="0" i="0" dirty="0">
-              <a:solidFill>
-                <a:srgbClr val="1C1917"/>
+                <a:srgbClr val="374151"/>
               </a:solidFill>
               <a:effectLst/>
-              <a:latin typeface="-apple-system"/>
+              <a:latin typeface="Söhne"/>
             </a:endParaRPr>
           </a:p>
           <a:p>
-            <a:pPr lvl="2"/>
-            <a:r>
-              <a:rPr lang="en-US" b="0" i="0" dirty="0">
-                <a:solidFill>
-                  <a:srgbClr val="1C1917"/>
-                </a:solidFill>
-                <a:effectLst/>
-                <a:latin typeface="-apple-system"/>
-              </a:rPr>
-              <a:t>_   </a:t>
-            </a:r>
+            <a:pPr algn="l">
+              <a:buFont typeface="Arial" panose="020B0604020202020204" pitchFamily="34" charset="0"/>
+              <a:buChar char="•"/>
+            </a:pPr>
+            <a:r>
+              <a:rPr lang="en-US" i="0" dirty="0">
+                <a:solidFill>
+                  <a:srgbClr val="374151"/>
+                </a:solidFill>
+                <a:effectLst/>
+                <a:latin typeface="Söhne"/>
+              </a:rPr>
+              <a:t>The LIKE operator uses two wildcards for flexible pattern matching in strings:</a:t>
+            </a:r>
+          </a:p>
+          <a:p>
+            <a:pPr algn="l">
+              <a:buFont typeface="Arial" panose="020B0604020202020204" pitchFamily="34" charset="0"/>
+              <a:buChar char="•"/>
+            </a:pPr>
+            <a:endParaRPr lang="en-US" i="0" dirty="0">
+              <a:solidFill>
+                <a:srgbClr val="374151"/>
+              </a:solidFill>
+              <a:effectLst/>
+              <a:latin typeface="Söhne"/>
+            </a:endParaRPr>
+          </a:p>
+          <a:p>
+            <a:pPr marL="742950" lvl="1" indent="-285750" algn="l">
+              <a:buFont typeface="Arial" panose="020B0604020202020204" pitchFamily="34" charset="0"/>
+              <a:buChar char="•"/>
+            </a:pPr>
             <a:r>
               <a:rPr lang="en-US" b="1" i="0" dirty="0">
                 <a:solidFill>
-                  <a:srgbClr val="1C1917"/>
-                </a:solidFill>
-                <a:effectLst/>
-                <a:latin typeface="-apple-system"/>
-              </a:rPr>
-              <a:t>Underscore</a:t>
-            </a:r>
-            <a:br>
-              <a:rPr lang="en-US" b="0" i="0" dirty="0">
-                <a:solidFill>
-                  <a:srgbClr val="1C1917"/>
-                </a:solidFill>
-                <a:effectLst/>
-                <a:latin typeface="-apple-system"/>
-              </a:rPr>
-            </a:br>
-            <a:r>
-              <a:rPr lang="en-US" b="0" i="0" dirty="0">
-                <a:solidFill>
-                  <a:srgbClr val="1C1917"/>
-                </a:solidFill>
-                <a:effectLst/>
-                <a:latin typeface="-apple-system"/>
-              </a:rPr>
-              <a:t>Matches a single character A placeholder for an individual unknown character</a:t>
+                  <a:srgbClr val="374151"/>
+                </a:solidFill>
+                <a:effectLst/>
+                <a:latin typeface="Söhne"/>
+              </a:rPr>
+              <a:t>% (Percent sign): </a:t>
+            </a:r>
+            <a:r>
+              <a:rPr lang="en-US" i="0" dirty="0">
+                <a:solidFill>
+                  <a:srgbClr val="374151"/>
+                </a:solidFill>
+                <a:effectLst/>
+                <a:latin typeface="Söhne"/>
+              </a:rPr>
+              <a:t>Matches zero or more characters. </a:t>
+            </a:r>
+          </a:p>
+          <a:p>
+            <a:pPr lvl="2" indent="-285750"/>
+            <a:r>
+              <a:rPr lang="en-US" i="0" dirty="0">
+                <a:solidFill>
+                  <a:srgbClr val="374151"/>
+                </a:solidFill>
+                <a:effectLst/>
+                <a:latin typeface="Söhne"/>
+              </a:rPr>
+              <a:t>It's a substitute for any set of characters.</a:t>
+            </a:r>
+          </a:p>
+          <a:p>
+            <a:pPr marL="742950" lvl="1" indent="-285750" algn="l">
+              <a:buFont typeface="Arial" panose="020B0604020202020204" pitchFamily="34" charset="0"/>
+              <a:buChar char="•"/>
+            </a:pPr>
+            <a:r>
+              <a:rPr lang="en-US" b="1" i="0" dirty="0">
+                <a:solidFill>
+                  <a:srgbClr val="374151"/>
+                </a:solidFill>
+                <a:effectLst/>
+                <a:latin typeface="Söhne"/>
+              </a:rPr>
+              <a:t>_ (Underscore): </a:t>
+            </a:r>
+            <a:r>
+              <a:rPr lang="en-US" i="0" dirty="0">
+                <a:solidFill>
+                  <a:srgbClr val="374151"/>
+                </a:solidFill>
+                <a:effectLst/>
+                <a:latin typeface="Söhne"/>
+              </a:rPr>
+              <a:t>Matches a single character. </a:t>
+            </a:r>
+          </a:p>
+          <a:p>
+            <a:pPr lvl="2" indent="-285750"/>
+            <a:r>
+              <a:rPr lang="en-US" i="0" dirty="0">
+                <a:solidFill>
+                  <a:srgbClr val="374151"/>
+                </a:solidFill>
+                <a:effectLst/>
+                <a:latin typeface="Söhne"/>
+              </a:rPr>
+              <a:t>It's a placeholder for an individual unknown character.</a:t>
             </a:r>
           </a:p>
           <a:p>
@@ -10482,125 +13355,201 @@
           <a:bodyPr/>
           <a:lstStyle/>
           <a:p>
-            <a:pPr marL="0" indent="0">
-              <a:buNone/>
-            </a:pPr>
-            <a:r>
-              <a:rPr lang="en-US" b="0" i="0" dirty="0">
-                <a:solidFill>
-                  <a:srgbClr val="1C1917"/>
-                </a:solidFill>
-                <a:effectLst/>
-                <a:latin typeface="-apple-system"/>
-              </a:rPr>
-              <a:t>Examples:</a:t>
-            </a:r>
-          </a:p>
-          <a:p>
-            <a:pPr marL="0" indent="0">
-              <a:buNone/>
-            </a:pPr>
+            <a:pPr algn="l"/>
+            <a:r>
+              <a:rPr lang="en-US" i="0" dirty="0">
+                <a:solidFill>
+                  <a:srgbClr val="374151"/>
+                </a:solidFill>
+                <a:effectLst/>
+                <a:latin typeface="Söhne"/>
+              </a:rPr>
+              <a:t>Examples of Using LIKE Wildcards</a:t>
+            </a:r>
+          </a:p>
+          <a:p>
+            <a:pPr algn="l"/>
             <a:endParaRPr lang="en-US" b="0" i="0" dirty="0">
               <a:solidFill>
-                <a:srgbClr val="1C1917"/>
+                <a:srgbClr val="374151"/>
               </a:solidFill>
               <a:effectLst/>
-              <a:latin typeface="-apple-system"/>
+              <a:latin typeface="Söhne"/>
             </a:endParaRPr>
           </a:p>
           <a:p>
-            <a:pPr lvl="1"/>
+            <a:pPr lvl="1">
+              <a:buFont typeface="Arial" panose="020B0604020202020204" pitchFamily="34" charset="0"/>
+              <a:buChar char="•"/>
+            </a:pPr>
             <a:r>
               <a:rPr lang="en-US" b="0" i="0" dirty="0">
                 <a:solidFill>
-                  <a:srgbClr val="1C1917"/>
-                </a:solidFill>
-                <a:effectLst/>
-                <a:latin typeface="-apple-system"/>
-              </a:rPr>
-              <a:t>WHERE Name </a:t>
-            </a:r>
-            <a:r>
-              <a:rPr lang="en-US" i="0" dirty="0">
-                <a:solidFill>
-                  <a:srgbClr val="1C1917"/>
-                </a:solidFill>
-                <a:effectLst/>
-                <a:latin typeface="-apple-system"/>
+                  <a:srgbClr val="2E95D3"/>
+                </a:solidFill>
+                <a:effectLst/>
+                <a:latin typeface="Söhne Mono"/>
+              </a:rPr>
+              <a:t>WHERE</a:t>
+            </a:r>
+            <a:r>
+              <a:rPr lang="en-US" b="0" i="0" dirty="0">
+                <a:solidFill>
+                  <a:srgbClr val="FFFFFF"/>
+                </a:solidFill>
+                <a:effectLst/>
+                <a:latin typeface="Söhne Mono"/>
+              </a:rPr>
+              <a:t> </a:t>
+            </a:r>
+            <a:r>
+              <a:rPr lang="en-US" b="0" i="0" dirty="0">
+                <a:solidFill>
+                  <a:schemeClr val="tx1"/>
+                </a:solidFill>
+                <a:effectLst/>
+                <a:latin typeface="Söhne Mono"/>
+              </a:rPr>
+              <a:t>Name</a:t>
+            </a:r>
+            <a:r>
+              <a:rPr lang="en-US" b="0" i="0" dirty="0">
+                <a:solidFill>
+                  <a:srgbClr val="FFFFFF"/>
+                </a:solidFill>
+                <a:effectLst/>
+                <a:latin typeface="Söhne Mono"/>
+              </a:rPr>
+              <a:t> </a:t>
+            </a:r>
+            <a:r>
+              <a:rPr lang="en-US" b="0" i="0" dirty="0">
+                <a:solidFill>
+                  <a:srgbClr val="2E95D3"/>
+                </a:solidFill>
+                <a:effectLst/>
+                <a:latin typeface="Söhne Mono"/>
               </a:rPr>
               <a:t>LIKE</a:t>
             </a:r>
             <a:r>
               <a:rPr lang="en-US" b="0" i="0" dirty="0">
                 <a:solidFill>
-                  <a:srgbClr val="1C1917"/>
-                </a:solidFill>
-                <a:effectLst/>
-                <a:latin typeface="-apple-system"/>
-              </a:rPr>
-              <a:t> 'Data%’</a:t>
-            </a:r>
-            <a:endParaRPr lang="en-US" dirty="0">
-              <a:solidFill>
-                <a:srgbClr val="1C1917"/>
-              </a:solidFill>
-              <a:latin typeface="-apple-system"/>
-            </a:endParaRPr>
+                  <a:srgbClr val="FFFFFF"/>
+                </a:solidFill>
+                <a:effectLst/>
+                <a:latin typeface="Söhne Mono"/>
+              </a:rPr>
+              <a:t> </a:t>
+            </a:r>
+            <a:r>
+              <a:rPr lang="en-US" b="0" i="0" dirty="0">
+                <a:solidFill>
+                  <a:srgbClr val="00A67D"/>
+                </a:solidFill>
+                <a:effectLst/>
+                <a:latin typeface="Söhne Mono"/>
+              </a:rPr>
+              <a:t>'Data%’</a:t>
+            </a:r>
           </a:p>
           <a:p>
             <a:pPr lvl="2"/>
             <a:r>
               <a:rPr lang="en-US" b="0" i="0" dirty="0">
                 <a:solidFill>
-                  <a:srgbClr val="1C1917"/>
-                </a:solidFill>
-                <a:effectLst/>
-                <a:latin typeface="-apple-system"/>
+                  <a:srgbClr val="374151"/>
+                </a:solidFill>
+                <a:effectLst/>
+                <a:latin typeface="Söhne"/>
               </a:rPr>
               <a:t>Values starting with "Data”</a:t>
             </a:r>
           </a:p>
           <a:p>
-            <a:pPr lvl="2"/>
+            <a:pPr lvl="2" indent="-285750"/>
             <a:endParaRPr lang="en-US" b="0" i="0" dirty="0">
               <a:solidFill>
-                <a:srgbClr val="1C1917"/>
+                <a:srgbClr val="374151"/>
               </a:solidFill>
               <a:effectLst/>
-              <a:latin typeface="-apple-system"/>
+              <a:latin typeface="Söhne"/>
             </a:endParaRPr>
           </a:p>
           <a:p>
-            <a:pPr lvl="1"/>
+            <a:pPr lvl="1">
+              <a:buFont typeface="Arial" panose="020B0604020202020204" pitchFamily="34" charset="0"/>
+              <a:buChar char="•"/>
+            </a:pPr>
             <a:r>
               <a:rPr lang="en-US" b="0" i="0" dirty="0">
                 <a:solidFill>
-                  <a:srgbClr val="1C1917"/>
-                </a:solidFill>
-                <a:effectLst/>
-                <a:latin typeface="-apple-system"/>
-              </a:rPr>
-              <a:t>WHERE </a:t>
+                  <a:srgbClr val="2E95D3"/>
+                </a:solidFill>
+                <a:effectLst/>
+                <a:latin typeface="Söhne Mono"/>
+              </a:rPr>
+              <a:t>WHERE</a:t>
+            </a:r>
+            <a:r>
+              <a:rPr lang="en-US" b="0" i="0" dirty="0">
+                <a:solidFill>
+                  <a:srgbClr val="FFFFFF"/>
+                </a:solidFill>
+                <a:effectLst/>
+                <a:latin typeface="Söhne Mono"/>
+              </a:rPr>
+              <a:t> </a:t>
             </a:r>
             <a:r>
               <a:rPr lang="en-US" b="0" i="0" dirty="0" err="1">
                 <a:solidFill>
-                  <a:srgbClr val="1C1917"/>
-                </a:solidFill>
-                <a:effectLst/>
-                <a:latin typeface="-apple-system"/>
+                  <a:schemeClr val="tx1"/>
+                </a:solidFill>
+                <a:effectLst/>
+                <a:latin typeface="Söhne Mono"/>
               </a:rPr>
               <a:t>ProductCode</a:t>
             </a:r>
             <a:r>
               <a:rPr lang="en-US" b="0" i="0" dirty="0">
                 <a:solidFill>
-                  <a:srgbClr val="1C1917"/>
-                </a:solidFill>
-                <a:effectLst/>
-                <a:latin typeface="-apple-system"/>
-              </a:rPr>
-              <a:t> LIKE '2%3'</a:t>
+                  <a:schemeClr val="tx1"/>
+                </a:solidFill>
+                <a:effectLst/>
+                <a:latin typeface="Söhne Mono"/>
+              </a:rPr>
+              <a:t> </a:t>
+            </a:r>
+            <a:r>
+              <a:rPr lang="en-US" b="0" i="0" dirty="0">
+                <a:solidFill>
+                  <a:srgbClr val="2E95D3"/>
+                </a:solidFill>
+                <a:effectLst/>
+                <a:latin typeface="Söhne Mono"/>
+              </a:rPr>
+              <a:t>LIKE</a:t>
+            </a:r>
+            <a:r>
+              <a:rPr lang="en-US" b="0" i="0" dirty="0">
+                <a:solidFill>
+                  <a:srgbClr val="FFFFFF"/>
+                </a:solidFill>
+                <a:effectLst/>
+                <a:latin typeface="Söhne Mono"/>
+              </a:rPr>
+              <a:t> </a:t>
+            </a:r>
+            <a:r>
+              <a:rPr lang="en-US" b="0" i="0" dirty="0">
+                <a:solidFill>
+                  <a:srgbClr val="00A67D"/>
+                </a:solidFill>
+                <a:effectLst/>
+                <a:latin typeface="Söhne Mono"/>
+              </a:rPr>
+              <a:t>'2%3’</a:t>
             </a:r>
           </a:p>
           <a:p>
@@ -10608,35 +13557,78 @@
             <a:r>
               <a:rPr lang="en-US" b="0" i="0" dirty="0">
                 <a:solidFill>
-                  <a:srgbClr val="1C1917"/>
-                </a:solidFill>
-                <a:effectLst/>
-                <a:latin typeface="-apple-system"/>
+                  <a:srgbClr val="374151"/>
+                </a:solidFill>
+                <a:effectLst/>
+                <a:latin typeface="Söhne"/>
               </a:rPr>
               <a:t>Values starting with 2 and ending in 3</a:t>
             </a:r>
           </a:p>
           <a:p>
-            <a:pPr lvl="2"/>
+            <a:pPr lvl="2" indent="-285750"/>
             <a:endParaRPr lang="en-US" b="0" i="0" dirty="0">
               <a:solidFill>
-                <a:srgbClr val="1C1917"/>
+                <a:srgbClr val="374151"/>
               </a:solidFill>
               <a:effectLst/>
-              <a:latin typeface="-apple-system"/>
+              <a:latin typeface="Söhne"/>
             </a:endParaRPr>
           </a:p>
           <a:p>
-            <a:pPr lvl="1"/>
+            <a:pPr lvl="1">
+              <a:buFont typeface="Arial" panose="020B0604020202020204" pitchFamily="34" charset="0"/>
+              <a:buChar char="•"/>
+            </a:pPr>
             <a:r>
               <a:rPr lang="en-US" b="0" i="0" dirty="0">
                 <a:solidFill>
-                  <a:srgbClr val="1C1917"/>
-                </a:solidFill>
-                <a:effectLst/>
-                <a:latin typeface="-apple-system"/>
-              </a:rPr>
-              <a:t>WHERE Phone LIKE '507-9__-____'</a:t>
+                  <a:srgbClr val="2E95D3"/>
+                </a:solidFill>
+                <a:effectLst/>
+                <a:latin typeface="Söhne Mono"/>
+              </a:rPr>
+              <a:t>WHERE</a:t>
+            </a:r>
+            <a:r>
+              <a:rPr lang="en-US" b="0" i="0" dirty="0">
+                <a:solidFill>
+                  <a:schemeClr val="tx1"/>
+                </a:solidFill>
+                <a:effectLst/>
+                <a:latin typeface="Söhne Mono"/>
+              </a:rPr>
+              <a:t> Phone </a:t>
+            </a:r>
+            <a:r>
+              <a:rPr lang="en-US" b="0" i="0" dirty="0">
+                <a:solidFill>
+                  <a:srgbClr val="2E95D3"/>
+                </a:solidFill>
+                <a:effectLst/>
+                <a:latin typeface="Söhne Mono"/>
+              </a:rPr>
+              <a:t>LIKE</a:t>
+            </a:r>
+            <a:r>
+              <a:rPr lang="en-US" b="0" i="0" dirty="0">
+                <a:solidFill>
+                  <a:srgbClr val="FFFFFF"/>
+                </a:solidFill>
+                <a:effectLst/>
+                <a:latin typeface="Söhne Mono"/>
+              </a:rPr>
+              <a:t> </a:t>
+            </a:r>
+            <a:r>
+              <a:rPr lang="en-US" b="0" i="0" dirty="0">
+                <a:solidFill>
+                  <a:srgbClr val="00A67D"/>
+                </a:solidFill>
+                <a:effectLst/>
+                <a:latin typeface="Söhne Mono"/>
+              </a:rPr>
+              <a:t>'507-9__-____’</a:t>
             </a:r>
           </a:p>
           <a:p>
@@ -10644,35 +13636,98 @@
             <a:r>
               <a:rPr lang="en-US" b="0" i="0" dirty="0">
                 <a:solidFill>
-                  <a:srgbClr val="1C1917"/>
-                </a:solidFill>
-                <a:effectLst/>
-                <a:latin typeface="-apple-system"/>
+                  <a:srgbClr val="374151"/>
+                </a:solidFill>
+                <a:effectLst/>
+                <a:latin typeface="Söhne"/>
               </a:rPr>
               <a:t>507 area code + 9XX + 4-digit number</a:t>
             </a:r>
           </a:p>
           <a:p>
-            <a:pPr lvl="2"/>
+            <a:pPr lvl="2" indent="-285750"/>
             <a:endParaRPr lang="en-US" b="0" i="0" dirty="0">
               <a:solidFill>
-                <a:srgbClr val="1C1917"/>
+                <a:srgbClr val="374151"/>
               </a:solidFill>
               <a:effectLst/>
-              <a:latin typeface="-apple-system"/>
+              <a:latin typeface="Söhne"/>
             </a:endParaRPr>
           </a:p>
           <a:p>
-            <a:pPr lvl="1"/>
+            <a:pPr lvl="1">
+              <a:buFont typeface="Arial" panose="020B0604020202020204" pitchFamily="34" charset="0"/>
+              <a:buChar char="•"/>
+            </a:pPr>
             <a:r>
               <a:rPr lang="en-US" b="0" i="0" dirty="0">
                 <a:solidFill>
-                  <a:srgbClr val="1C1917"/>
-                </a:solidFill>
-                <a:effectLst/>
-                <a:latin typeface="-apple-system"/>
-              </a:rPr>
-              <a:t>WHERE Title NOT LIKE '%Analyst%’</a:t>
+                  <a:srgbClr val="2E95D3"/>
+                </a:solidFill>
+                <a:effectLst/>
+                <a:latin typeface="Söhne Mono"/>
+              </a:rPr>
+              <a:t>WHERE</a:t>
+            </a:r>
+            <a:r>
+              <a:rPr lang="en-US" b="0" i="0" dirty="0">
+                <a:solidFill>
+                  <a:schemeClr val="tx1"/>
+                </a:solidFill>
+                <a:effectLst/>
+                <a:latin typeface="Söhne Mono"/>
+              </a:rPr>
+              <a:t> Title </a:t>
+            </a:r>
+            <a:r>
+              <a:rPr lang="en-US" b="0" i="0" dirty="0">
+                <a:solidFill>
+                  <a:srgbClr val="2E95D3"/>
+                </a:solidFill>
+                <a:effectLst/>
+                <a:latin typeface="Söhne Mono"/>
+              </a:rPr>
+              <a:t>NOT</a:t>
+            </a:r>
+            <a:r>
+              <a:rPr lang="en-US" b="0" i="0" dirty="0">
+                <a:solidFill>
+                  <a:srgbClr val="FFFFFF"/>
+                </a:solidFill>
+                <a:effectLst/>
+                <a:latin typeface="Söhne Mono"/>
+              </a:rPr>
+              <a:t> </a:t>
+            </a:r>
+            <a:r>
+              <a:rPr lang="en-US" b="0" i="0" dirty="0">
+                <a:solidFill>
+                  <a:srgbClr val="2E95D3"/>
+                </a:solidFill>
+                <a:effectLst/>
+                <a:latin typeface="Söhne Mono"/>
+              </a:rPr>
+              <a:t>LIKE</a:t>
+            </a:r>
+            <a:r>
+              <a:rPr lang="en-US" b="0" i="0" dirty="0">
+                <a:solidFill>
+                  <a:srgbClr val="FFFFFF"/>
+                </a:solidFill>
+                <a:effectLst/>
+                <a:latin typeface="Söhne Mono"/>
+              </a:rPr>
+              <a:t> </a:t>
+            </a:r>
+            <a:r>
+              <a:rPr lang="en-US" b="0" i="0" dirty="0">
+                <a:solidFill>
+                  <a:srgbClr val="00A67D"/>
+                </a:solidFill>
+                <a:effectLst/>
+                <a:latin typeface="Söhne Mono"/>
+              </a:rPr>
+              <a:t>'%Analyst%’</a:t>
             </a:r>
           </a:p>
           <a:p>
@@ -10680,10 +13735,10 @@
             <a:r>
               <a:rPr lang="en-US" b="0" i="0" dirty="0">
                 <a:solidFill>
-                  <a:srgbClr val="1C1917"/>
-                </a:solidFill>
-                <a:effectLst/>
-                <a:latin typeface="-apple-system"/>
+                  <a:srgbClr val="374151"/>
+                </a:solidFill>
+                <a:effectLst/>
+                <a:latin typeface="Söhne"/>
               </a:rPr>
               <a:t>You can also negate patterns with NOT LIKE</a:t>
             </a:r>
@@ -11003,114 +14058,111 @@
           <a:p>
             <a:pPr algn="l"/>
             <a:r>
-              <a:rPr lang="en-US" b="0" i="0" dirty="0">
-                <a:solidFill>
-                  <a:srgbClr val="1C1917"/>
-                </a:solidFill>
-                <a:effectLst/>
-                <a:latin typeface="-apple-system"/>
+              <a:rPr lang="en-US" i="0" dirty="0">
+                <a:solidFill>
+                  <a:srgbClr val="374151"/>
+                </a:solidFill>
+                <a:effectLst/>
+                <a:latin typeface="Söhne"/>
               </a:rPr>
               <a:t>Ordering Result Sets</a:t>
             </a:r>
           </a:p>
           <a:p>
-            <a:pPr lvl="1"/>
-            <a:r>
-              <a:rPr lang="en-US" b="0" i="0" dirty="0">
-                <a:solidFill>
-                  <a:srgbClr val="1C1917"/>
-                </a:solidFill>
-                <a:effectLst/>
-                <a:latin typeface="-apple-system"/>
-              </a:rPr>
-              <a:t>The order of rows returned in an SQL query result matters greatly for effective analysis. </a:t>
-            </a:r>
-          </a:p>
-          <a:p>
-            <a:pPr lvl="1"/>
-            <a:r>
-              <a:rPr lang="en-US" b="0" i="0" dirty="0">
-                <a:solidFill>
-                  <a:srgbClr val="1C1917"/>
-                </a:solidFill>
-                <a:effectLst/>
-                <a:latin typeface="-apple-system"/>
+            <a:pPr lvl="1">
+              <a:buFont typeface="Arial" panose="020B0604020202020204" pitchFamily="34" charset="0"/>
+              <a:buChar char="•"/>
+            </a:pPr>
+            <a:r>
+              <a:rPr lang="en-US" i="0" dirty="0">
+                <a:solidFill>
+                  <a:srgbClr val="374151"/>
+                </a:solidFill>
+                <a:effectLst/>
+                <a:latin typeface="Söhne"/>
+              </a:rPr>
+              <a:t>The order of rows returned in an SQL query result matters greatly for effective analysis.</a:t>
+            </a:r>
+          </a:p>
+          <a:p>
+            <a:pPr lvl="1">
+              <a:buFont typeface="Arial" panose="020B0604020202020204" pitchFamily="34" charset="0"/>
+              <a:buChar char="•"/>
+            </a:pPr>
+            <a:r>
+              <a:rPr lang="en-US" i="0" dirty="0">
+                <a:solidFill>
+                  <a:srgbClr val="374151"/>
+                </a:solidFill>
+                <a:effectLst/>
+                <a:latin typeface="Söhne"/>
               </a:rPr>
               <a:t>While filters narrow what rows come back, ordering controls presentation sequence.</a:t>
             </a:r>
           </a:p>
           <a:p>
-            <a:pPr lvl="1"/>
-            <a:endParaRPr lang="en-US" b="0" i="0" dirty="0">
+            <a:pPr lvl="1">
+              <a:buFont typeface="Arial" panose="020B0604020202020204" pitchFamily="34" charset="0"/>
+              <a:buChar char="•"/>
+            </a:pPr>
+            <a:endParaRPr lang="en-US" i="0" dirty="0">
               <a:solidFill>
-                <a:srgbClr val="1C1917"/>
+                <a:srgbClr val="374151"/>
               </a:solidFill>
               <a:effectLst/>
-              <a:latin typeface="-apple-system"/>
+              <a:latin typeface="Söhne"/>
             </a:endParaRPr>
           </a:p>
           <a:p>
-            <a:r>
-              <a:rPr lang="en-US" b="0" i="0" dirty="0">
-                <a:solidFill>
-                  <a:srgbClr val="1C1917"/>
-                </a:solidFill>
-                <a:effectLst/>
-                <a:latin typeface="-apple-system"/>
+            <a:pPr algn="l"/>
+            <a:r>
+              <a:rPr lang="en-US" i="1" dirty="0">
+                <a:solidFill>
+                  <a:srgbClr val="374151"/>
+                </a:solidFill>
+                <a:effectLst/>
+                <a:latin typeface="Söhne"/>
               </a:rPr>
               <a:t>Key reasons precise ordering is crucial:</a:t>
             </a:r>
-          </a:p>
-          <a:p>
-            <a:pPr lvl="1"/>
-            <a:r>
-              <a:rPr lang="en-US" b="0" i="0" dirty="0">
-                <a:solidFill>
-                  <a:srgbClr val="1C1917"/>
-                </a:solidFill>
-                <a:effectLst/>
-                <a:latin typeface="-apple-system"/>
-              </a:rPr>
-              <a:t>Surface most important records first</a:t>
-            </a:r>
-          </a:p>
-          <a:p>
-            <a:pPr lvl="2"/>
-            <a:r>
-              <a:rPr lang="en-US" b="0" i="0" dirty="0">
-                <a:solidFill>
-                  <a:srgbClr val="1C1917"/>
-                </a:solidFill>
-                <a:effectLst/>
-                <a:latin typeface="-apple-system"/>
-              </a:rPr>
-              <a:t>(Show best performing products first)</a:t>
-            </a:r>
-          </a:p>
-          <a:p>
-            <a:pPr lvl="1"/>
-            <a:r>
-              <a:rPr lang="en-US" b="0" i="0" dirty="0">
-                <a:solidFill>
-                  <a:srgbClr val="1C1917"/>
-                </a:solidFill>
-                <a:effectLst/>
-                <a:latin typeface="-apple-system"/>
-              </a:rPr>
-              <a:t>Detect patterns and outliers</a:t>
-            </a:r>
-          </a:p>
-          <a:p>
-            <a:pPr lvl="2"/>
-            <a:r>
-              <a:rPr lang="en-US" b="0" i="0" dirty="0">
-                <a:solidFill>
-                  <a:srgbClr val="1C1917"/>
-                </a:solidFill>
-                <a:effectLst/>
-                <a:latin typeface="-apple-system"/>
-              </a:rPr>
-              <a:t>(Consistency checking ordered transactions)</a:t>
+            <a:endParaRPr lang="en-US" i="0" dirty="0">
+              <a:solidFill>
+                <a:srgbClr val="374151"/>
+              </a:solidFill>
+              <a:effectLst/>
+              <a:latin typeface="Söhne"/>
+            </a:endParaRPr>
+          </a:p>
+          <a:p>
+            <a:pPr lvl="1">
+              <a:buFont typeface="Arial" panose="020B0604020202020204" pitchFamily="34" charset="0"/>
+              <a:buChar char="•"/>
+            </a:pPr>
+            <a:r>
+              <a:rPr lang="en-US" i="0" dirty="0">
+                <a:solidFill>
+                  <a:srgbClr val="374151"/>
+                </a:solidFill>
+                <a:effectLst/>
+                <a:latin typeface="Söhne"/>
+              </a:rPr>
+              <a:t>Surface most important records first (Show best performing products first).</a:t>
+            </a:r>
+          </a:p>
+          <a:p>
+            <a:pPr lvl="1">
+              <a:buFont typeface="Arial" panose="020B0604020202020204" pitchFamily="34" charset="0"/>
+              <a:buChar char="•"/>
+            </a:pPr>
+            <a:r>
+              <a:rPr lang="en-US" i="0" dirty="0">
+                <a:solidFill>
+                  <a:srgbClr val="374151"/>
+                </a:solidFill>
+                <a:effectLst/>
+                <a:latin typeface="Söhne"/>
+              </a:rPr>
+              <a:t>Detect patterns and outliers (Consistency checking ordered transactions).</a:t>
             </a:r>
           </a:p>
           <a:p>
@@ -11426,141 +14478,129 @@
           <a:bodyPr/>
           <a:lstStyle/>
           <a:p>
-            <a:r>
-              <a:rPr lang="en-US" b="0" i="0" dirty="0">
-                <a:solidFill>
-                  <a:srgbClr val="1C1917"/>
-                </a:solidFill>
-                <a:effectLst/>
-                <a:latin typeface="-apple-system"/>
+            <a:pPr algn="l"/>
+            <a:r>
+              <a:rPr lang="en-US" i="0" dirty="0">
+                <a:solidFill>
+                  <a:srgbClr val="374151"/>
+                </a:solidFill>
+                <a:effectLst/>
+                <a:latin typeface="Söhne"/>
               </a:rPr>
               <a:t>ASC Order - Low to High</a:t>
             </a:r>
           </a:p>
           <a:p>
-            <a:pPr lvl="1"/>
-            <a:r>
-              <a:rPr lang="en-US" b="0" i="0" dirty="0">
-                <a:solidFill>
-                  <a:srgbClr val="1C1917"/>
-                </a:solidFill>
-                <a:effectLst/>
-                <a:latin typeface="-apple-system"/>
+            <a:pPr lvl="1">
+              <a:buFont typeface="Arial" panose="020B0604020202020204" pitchFamily="34" charset="0"/>
+              <a:buChar char="•"/>
+            </a:pPr>
+            <a:r>
+              <a:rPr lang="en-US" i="0" dirty="0">
+                <a:solidFill>
+                  <a:srgbClr val="374151"/>
+                </a:solidFill>
+                <a:effectLst/>
+                <a:latin typeface="Söhne"/>
               </a:rPr>
               <a:t>The ASC keyword applied in ORDER BY sorts result set rows in ascending order, from lowest to highest value, for the specified column.</a:t>
             </a:r>
           </a:p>
           <a:p>
-            <a:pPr lvl="1"/>
+            <a:pPr lvl="1">
+              <a:buFont typeface="Arial" panose="020B0604020202020204" pitchFamily="34" charset="0"/>
+              <a:buChar char="•"/>
+            </a:pPr>
             <a:endParaRPr lang="en-US" b="0" i="0" dirty="0">
               <a:solidFill>
-                <a:srgbClr val="1C1917"/>
+                <a:srgbClr val="374151"/>
               </a:solidFill>
               <a:effectLst/>
-              <a:latin typeface="-apple-system"/>
+              <a:latin typeface="Söhne"/>
             </a:endParaRPr>
           </a:p>
           <a:p>
-            <a:r>
-              <a:rPr lang="en-US" b="0" i="0" dirty="0">
-                <a:solidFill>
-                  <a:srgbClr val="1C1917"/>
-                </a:solidFill>
-                <a:effectLst/>
-                <a:latin typeface="-apple-system"/>
+            <a:pPr algn="l"/>
+            <a:r>
+              <a:rPr lang="en-US" b="0" i="1" dirty="0">
+                <a:solidFill>
+                  <a:srgbClr val="374151"/>
+                </a:solidFill>
+                <a:effectLst/>
+                <a:latin typeface="Söhne"/>
               </a:rPr>
               <a:t>Key behaviors:</a:t>
             </a:r>
-          </a:p>
-          <a:p>
-            <a:pPr lvl="1"/>
-            <a:r>
-              <a:rPr lang="en-US" b="0" i="0" dirty="0">
-                <a:solidFill>
-                  <a:srgbClr val="1C1917"/>
-                </a:solidFill>
-                <a:effectLst/>
-                <a:latin typeface="-apple-system"/>
-              </a:rPr>
-              <a:t>Numbers ascend lowest to highest value</a:t>
-            </a:r>
-          </a:p>
-          <a:p>
-            <a:pPr lvl="2"/>
-            <a:r>
-              <a:rPr lang="en-US" b="0" i="0" dirty="0">
-                <a:solidFill>
-                  <a:srgbClr val="1C1917"/>
-                </a:solidFill>
-                <a:effectLst/>
-                <a:latin typeface="-apple-system"/>
-              </a:rPr>
-              <a:t>(1, 5, 10, 100)</a:t>
-            </a:r>
-          </a:p>
-          <a:p>
-            <a:pPr lvl="1"/>
-            <a:r>
-              <a:rPr lang="en-US" b="0" i="0" dirty="0">
-                <a:solidFill>
-                  <a:srgbClr val="1C1917"/>
-                </a:solidFill>
-                <a:effectLst/>
-                <a:latin typeface="-apple-system"/>
-              </a:rPr>
-              <a:t>Dates ascend earliest to latest </a:t>
-            </a:r>
-          </a:p>
-          <a:p>
-            <a:pPr lvl="2"/>
-            <a:r>
-              <a:rPr lang="en-US" b="0" i="0" dirty="0">
-                <a:solidFill>
-                  <a:srgbClr val="1C1917"/>
-                </a:solidFill>
-                <a:effectLst/>
-                <a:latin typeface="-apple-system"/>
-              </a:rPr>
-              <a:t>('2020-01-01', '2022-05-05')</a:t>
-            </a:r>
-          </a:p>
-          <a:p>
-            <a:pPr lvl="1"/>
-            <a:r>
-              <a:rPr lang="en-US" b="0" i="0" dirty="0">
-                <a:solidFill>
-                  <a:srgbClr val="1C1917"/>
-                </a:solidFill>
-                <a:effectLst/>
-                <a:latin typeface="-apple-system"/>
-              </a:rPr>
-              <a:t>Text sorts alphabetically A-Z </a:t>
-            </a:r>
-          </a:p>
-          <a:p>
-            <a:pPr lvl="2"/>
-            <a:r>
-              <a:rPr lang="en-US" b="0" i="0" dirty="0">
-                <a:solidFill>
-                  <a:srgbClr val="1C1917"/>
-                </a:solidFill>
-                <a:effectLst/>
-                <a:latin typeface="-apple-system"/>
-              </a:rPr>
-              <a:t>('Apple', 'Banana', 'Orange')</a:t>
-            </a:r>
-          </a:p>
-          <a:p>
-            <a:pPr lvl="1"/>
-            <a:r>
-              <a:rPr lang="en-US" b="0" i="0" dirty="0">
-                <a:solidFill>
-                  <a:srgbClr val="1C1917"/>
-                </a:solidFill>
-                <a:effectLst/>
-                <a:latin typeface="-apple-system"/>
-              </a:rPr>
-              <a:t>Used by default if no order specified</a:t>
+            <a:endParaRPr lang="en-US" b="0" i="0" dirty="0">
+              <a:solidFill>
+                <a:srgbClr val="374151"/>
+              </a:solidFill>
+              <a:effectLst/>
+              <a:latin typeface="Söhne"/>
+            </a:endParaRPr>
+          </a:p>
+          <a:p>
+            <a:pPr lvl="1">
+              <a:buFont typeface="Arial" panose="020B0604020202020204" pitchFamily="34" charset="0"/>
+              <a:buChar char="•"/>
+            </a:pPr>
+            <a:r>
+              <a:rPr lang="en-US" i="0" dirty="0">
+                <a:solidFill>
+                  <a:srgbClr val="374151"/>
+                </a:solidFill>
+                <a:effectLst/>
+                <a:latin typeface="Söhne"/>
+              </a:rPr>
+              <a:t>Numbers ascend lowest to highest value (1, 5, 10, 100).</a:t>
+            </a:r>
+          </a:p>
+          <a:p>
+            <a:pPr lvl="1">
+              <a:buFont typeface="Arial" panose="020B0604020202020204" pitchFamily="34" charset="0"/>
+              <a:buChar char="•"/>
+            </a:pPr>
+            <a:r>
+              <a:rPr lang="en-US" i="0" dirty="0">
+                <a:solidFill>
+                  <a:srgbClr val="374151"/>
+                </a:solidFill>
+                <a:effectLst/>
+                <a:latin typeface="Söhne"/>
+              </a:rPr>
+              <a:t>Dates ascend earliest to latest ('2020-01-01', '2022-05-05').</a:t>
+            </a:r>
+          </a:p>
+          <a:p>
+            <a:pPr lvl="1">
+              <a:buFont typeface="Arial" panose="020B0604020202020204" pitchFamily="34" charset="0"/>
+              <a:buChar char="•"/>
+            </a:pPr>
+            <a:r>
+              <a:rPr lang="en-US" i="0" dirty="0">
+                <a:solidFill>
+                  <a:srgbClr val="374151"/>
+                </a:solidFill>
+                <a:effectLst/>
+                <a:latin typeface="Söhne"/>
+              </a:rPr>
+              <a:t>Text sorts alphabetically A-Z ('Apple', 'Banana', 'Orange').</a:t>
+            </a:r>
+          </a:p>
+          <a:p>
+            <a:pPr lvl="1">
+              <a:buFont typeface="Arial" panose="020B0604020202020204" pitchFamily="34" charset="0"/>
+              <a:buChar char="•"/>
+            </a:pPr>
+            <a:r>
+              <a:rPr lang="en-US" i="0" dirty="0">
+                <a:solidFill>
+                  <a:srgbClr val="374151"/>
+                </a:solidFill>
+                <a:effectLst/>
+                <a:latin typeface="Söhne"/>
+              </a:rPr>
+              <a:t>Used by default if no order specified.</a:t>
             </a:r>
           </a:p>
           <a:p>
@@ -12678,134 +15718,182 @@
           <a:p>
             <a:pPr algn="l"/>
             <a:r>
-              <a:rPr lang="en-US" b="0" i="0" dirty="0">
-                <a:solidFill>
-                  <a:srgbClr val="1C1917"/>
-                </a:solidFill>
-                <a:effectLst/>
-                <a:latin typeface="-apple-system"/>
-              </a:rPr>
-              <a:t>Key things to internalize:</a:t>
-            </a:r>
-          </a:p>
-          <a:p>
-            <a:pPr lvl="1">
-              <a:buFont typeface="+mj-lt"/>
-              <a:buAutoNum type="arabicPeriod"/>
-            </a:pPr>
-            <a:r>
-              <a:rPr lang="en-US" b="0" i="0" dirty="0">
-                <a:solidFill>
-                  <a:srgbClr val="1C1917"/>
-                </a:solidFill>
-                <a:effectLst/>
-                <a:latin typeface="-apple-system"/>
-              </a:rPr>
-              <a:t>Filter Rows Concisely with WHERE</a:t>
-            </a:r>
-          </a:p>
-          <a:p>
-            <a:pPr lvl="2"/>
-            <a:r>
-              <a:rPr lang="en-US" b="0" i="0" dirty="0">
-                <a:solidFill>
-                  <a:srgbClr val="1C1917"/>
-                </a:solidFill>
-                <a:effectLst/>
-                <a:latin typeface="-apple-system"/>
-              </a:rPr>
-              <a:t>Add precise conditions selecting only the most essential data. Every row evaluated puts load on the database.</a:t>
-            </a:r>
-          </a:p>
-          <a:p>
-            <a:pPr lvl="2"/>
+              <a:rPr lang="en-US" i="0" dirty="0">
+                <a:solidFill>
+                  <a:srgbClr val="374151"/>
+                </a:solidFill>
+                <a:effectLst/>
+                <a:latin typeface="Söhne"/>
+              </a:rPr>
+              <a:t>Key Takeaways</a:t>
+            </a:r>
+          </a:p>
+          <a:p>
+            <a:pPr lvl="1"/>
+            <a:r>
+              <a:rPr lang="en-US" b="0" i="1" dirty="0">
+                <a:solidFill>
+                  <a:srgbClr val="374151"/>
+                </a:solidFill>
+                <a:effectLst/>
+                <a:latin typeface="Söhne"/>
+              </a:rPr>
+              <a:t>Internalize these key points:</a:t>
+            </a:r>
+          </a:p>
+          <a:p>
+            <a:pPr lvl="1"/>
             <a:endParaRPr lang="en-US" b="0" i="0" dirty="0">
               <a:solidFill>
-                <a:srgbClr val="1C1917"/>
+                <a:srgbClr val="374151"/>
               </a:solidFill>
               <a:effectLst/>
-              <a:latin typeface="-apple-system"/>
+              <a:latin typeface="Söhne"/>
             </a:endParaRPr>
           </a:p>
           <a:p>
-            <a:pPr lvl="1">
-              <a:buFont typeface="+mj-lt"/>
-              <a:buAutoNum type="arabicPeriod"/>
-            </a:pPr>
-            <a:r>
-              <a:rPr lang="en-US" b="0" i="0" dirty="0">
-                <a:solidFill>
-                  <a:srgbClr val="1C1917"/>
-                </a:solidFill>
-                <a:effectLst/>
-                <a:latin typeface="-apple-system"/>
-              </a:rPr>
-              <a:t>Sort Results Clearly with ORDER BY</a:t>
-            </a:r>
-          </a:p>
-          <a:p>
             <a:pPr lvl="2"/>
             <a:r>
-              <a:rPr lang="en-US" b="0" i="0" dirty="0">
-                <a:solidFill>
-                  <a:srgbClr val="1C1917"/>
-                </a:solidFill>
-                <a:effectLst/>
-                <a:latin typeface="-apple-system"/>
-              </a:rPr>
-              <a:t>Sequence result sets suitably for usage based on logical rules over columns indicating importance, priority and structure.</a:t>
-            </a:r>
-          </a:p>
-          <a:p>
-            <a:pPr lvl="2"/>
+              <a:rPr lang="en-US" b="1" i="0" dirty="0">
+                <a:solidFill>
+                  <a:srgbClr val="374151"/>
+                </a:solidFill>
+                <a:effectLst/>
+                <a:latin typeface="Söhne"/>
+              </a:rPr>
+              <a:t>Filter Rows Concisely with WHERE</a:t>
+            </a:r>
             <a:endParaRPr lang="en-US" b="0" i="0" dirty="0">
               <a:solidFill>
-                <a:srgbClr val="1C1917"/>
+                <a:srgbClr val="374151"/>
               </a:solidFill>
               <a:effectLst/>
-              <a:latin typeface="-apple-system"/>
+              <a:latin typeface="Söhne"/>
             </a:endParaRPr>
           </a:p>
           <a:p>
-            <a:pPr lvl="1">
-              <a:buFont typeface="+mj-lt"/>
-              <a:buAutoNum type="arabicPeriod"/>
-            </a:pPr>
+            <a:pPr lvl="3" indent="-285750"/>
             <a:r>
               <a:rPr lang="en-US" b="0" i="0" dirty="0">
                 <a:solidFill>
-                  <a:srgbClr val="1C1917"/>
-                </a:solidFill>
-                <a:effectLst/>
-                <a:latin typeface="-apple-system"/>
+                  <a:srgbClr val="374151"/>
+                </a:solidFill>
+                <a:effectLst/>
+                <a:latin typeface="Söhne"/>
+              </a:rPr>
+              <a:t>Add precise conditions selecting only the most essential data.</a:t>
+            </a:r>
+          </a:p>
+          <a:p>
+            <a:pPr lvl="3" indent="-285750"/>
+            <a:r>
+              <a:rPr lang="en-US" b="0" i="0" dirty="0">
+                <a:solidFill>
+                  <a:srgbClr val="374151"/>
+                </a:solidFill>
+                <a:effectLst/>
+                <a:latin typeface="Söhne"/>
+              </a:rPr>
+              <a:t>Every row evaluated puts load on the database.</a:t>
+            </a:r>
+          </a:p>
+          <a:p>
+            <a:pPr lvl="3" indent="-285750"/>
+            <a:endParaRPr lang="en-US" b="0" i="0" dirty="0">
+              <a:solidFill>
+                <a:srgbClr val="374151"/>
+              </a:solidFill>
+              <a:effectLst/>
+              <a:latin typeface="Söhne"/>
+            </a:endParaRPr>
+          </a:p>
+          <a:p>
+            <a:pPr lvl="2"/>
+            <a:r>
+              <a:rPr lang="en-US" b="1" i="0" dirty="0">
+                <a:solidFill>
+                  <a:srgbClr val="374151"/>
+                </a:solidFill>
+                <a:effectLst/>
+                <a:latin typeface="Söhne"/>
+              </a:rPr>
+              <a:t>Sort Results Clearly with ORDER BY</a:t>
+            </a:r>
+            <a:endParaRPr lang="en-US" b="0" i="0" dirty="0">
+              <a:solidFill>
+                <a:srgbClr val="374151"/>
+              </a:solidFill>
+              <a:effectLst/>
+              <a:latin typeface="Söhne"/>
+            </a:endParaRPr>
+          </a:p>
+          <a:p>
+            <a:pPr lvl="3" indent="-285750"/>
+            <a:r>
+              <a:rPr lang="en-US" b="0" i="0" dirty="0">
+                <a:solidFill>
+                  <a:srgbClr val="374151"/>
+                </a:solidFill>
+                <a:effectLst/>
+                <a:latin typeface="Söhne"/>
+              </a:rPr>
+              <a:t>Sequence result sets suitably for usage based on logical rules over columns indicating importance, priority, and structure.</a:t>
+            </a:r>
+          </a:p>
+          <a:p>
+            <a:pPr lvl="3" indent="-285750"/>
+            <a:endParaRPr lang="en-US" b="0" i="0" dirty="0">
+              <a:solidFill>
+                <a:srgbClr val="374151"/>
+              </a:solidFill>
+              <a:effectLst/>
+              <a:latin typeface="Söhne"/>
+            </a:endParaRPr>
+          </a:p>
+          <a:p>
+            <a:pPr lvl="2"/>
+            <a:r>
+              <a:rPr lang="en-US" b="1" i="0" dirty="0">
+                <a:solidFill>
+                  <a:srgbClr val="374151"/>
+                </a:solidFill>
+                <a:effectLst/>
+                <a:latin typeface="Söhne"/>
               </a:rPr>
               <a:t>Optimize Gracefully For Pace</a:t>
             </a:r>
-          </a:p>
-          <a:p>
-            <a:pPr lvl="2"/>
+            <a:endParaRPr lang="en-US" b="0" i="0" dirty="0">
+              <a:solidFill>
+                <a:srgbClr val="374151"/>
+              </a:solidFill>
+              <a:effectLst/>
+              <a:latin typeface="Söhne"/>
+            </a:endParaRPr>
+          </a:p>
+          <a:p>
+            <a:pPr lvl="3" indent="-285750"/>
             <a:r>
               <a:rPr lang="en-US" b="0" i="0" dirty="0">
                 <a:solidFill>
-                  <a:srgbClr val="1C1917"/>
-                </a:solidFill>
-                <a:effectLst/>
-                <a:latin typeface="-apple-system"/>
+                  <a:srgbClr val="374151"/>
+                </a:solidFill>
+                <a:effectLst/>
+                <a:latin typeface="Söhne"/>
               </a:rPr>
               <a:t>The database engine parses SQL syntax and determines efficient execution plans.</a:t>
             </a:r>
           </a:p>
           <a:p>
-            <a:pPr lvl="3"/>
+            <a:pPr lvl="3" indent="-285750"/>
             <a:r>
               <a:rPr lang="en-US" b="0" i="0" dirty="0">
                 <a:solidFill>
-                  <a:srgbClr val="1C1917"/>
-                </a:solidFill>
-                <a:effectLst/>
-                <a:latin typeface="-apple-system"/>
-              </a:rPr>
-              <a:t> Avoid overly complex logic when simpler approaches suffice.</a:t>
+                  <a:srgbClr val="374151"/>
+                </a:solidFill>
+                <a:effectLst/>
+                <a:latin typeface="Söhne"/>
+              </a:rPr>
+              <a:t>Avoid overly complex logic when simpler approaches suffice.</a:t>
             </a:r>
           </a:p>
           <a:p>
@@ -16083,51 +19171,57 @@
           <a:bodyPr/>
           <a:lstStyle/>
           <a:p>
-            <a:r>
-              <a:rPr lang="en-US" b="0" i="0" dirty="0">
-                <a:solidFill>
-                  <a:srgbClr val="1C1917"/>
-                </a:solidFill>
-                <a:effectLst/>
-                <a:latin typeface="-apple-system"/>
-              </a:rPr>
-              <a:t>What is filtering?</a:t>
-            </a:r>
-          </a:p>
-          <a:p>
-            <a:pPr lvl="1"/>
-            <a:r>
-              <a:rPr lang="en-US" b="0" i="0" dirty="0">
-                <a:solidFill>
-                  <a:srgbClr val="1C1917"/>
-                </a:solidFill>
-                <a:effectLst/>
-                <a:latin typeface="-apple-system"/>
-              </a:rPr>
-              <a:t>Filtering allows you to select a subset of rows from a table based on conditions</a:t>
-            </a:r>
-          </a:p>
-          <a:p>
-            <a:pPr lvl="1"/>
-            <a:r>
-              <a:rPr lang="en-US" b="0" i="0" dirty="0">
-                <a:solidFill>
-                  <a:srgbClr val="1C1917"/>
-                </a:solidFill>
-                <a:effectLst/>
-                <a:latin typeface="-apple-system"/>
-              </a:rPr>
-              <a:t>Common filtering keywords: </a:t>
-            </a:r>
+            <a:pPr marL="0" indent="0" algn="l">
+              <a:buNone/>
+            </a:pPr>
             <a:r>
               <a:rPr lang="en-US" b="1" i="0" dirty="0">
                 <a:solidFill>
-                  <a:srgbClr val="1C1917"/>
-                </a:solidFill>
-                <a:effectLst/>
-                <a:latin typeface="-apple-system"/>
-              </a:rPr>
-              <a:t>WHERE, AND, OR</a:t>
+                  <a:srgbClr val="374151"/>
+                </a:solidFill>
+                <a:effectLst/>
+                <a:latin typeface="Söhne"/>
+              </a:rPr>
+              <a:t>What is Filtering?</a:t>
+            </a:r>
+            <a:endParaRPr lang="en-US" b="0" i="0" dirty="0">
+              <a:solidFill>
+                <a:srgbClr val="374151"/>
+              </a:solidFill>
+              <a:effectLst/>
+              <a:latin typeface="Söhne"/>
+            </a:endParaRPr>
+          </a:p>
+          <a:p>
+            <a:pPr lvl="1">
+              <a:buFont typeface="Arial" panose="020B0604020202020204" pitchFamily="34" charset="0"/>
+              <a:buChar char="•"/>
+            </a:pPr>
+            <a:r>
+              <a:rPr lang="en-US" i="0" dirty="0">
+                <a:solidFill>
+                  <a:srgbClr val="374151"/>
+                </a:solidFill>
+                <a:effectLst/>
+                <a:latin typeface="Söhne"/>
+              </a:rPr>
+              <a:t>Filtering allows you to select a subset of rows from a table based on conditions.</a:t>
+            </a:r>
+          </a:p>
+          <a:p>
+            <a:pPr lvl="1">
+              <a:buFont typeface="Arial" panose="020B0604020202020204" pitchFamily="34" charset="0"/>
+              <a:buChar char="•"/>
+            </a:pPr>
+            <a:r>
+              <a:rPr lang="en-US" i="0" dirty="0">
+                <a:solidFill>
+                  <a:srgbClr val="374151"/>
+                </a:solidFill>
+                <a:effectLst/>
+                <a:latin typeface="Söhne"/>
+              </a:rPr>
+              <a:t>Common filtering keywords: WHERE, AND, OR.</a:t>
             </a:r>
           </a:p>
           <a:p>
@@ -16151,55 +19245,128 @@
             </a:endParaRPr>
           </a:p>
           <a:p>
-            <a:r>
-              <a:rPr lang="en-US" b="0" i="0" dirty="0">
-                <a:solidFill>
-                  <a:srgbClr val="1C1917"/>
-                </a:solidFill>
-                <a:effectLst/>
-                <a:latin typeface="-apple-system"/>
-              </a:rPr>
-              <a:t>Example: </a:t>
-            </a:r>
-          </a:p>
-          <a:p>
-            <a:pPr lvl="1"/>
+            <a:pPr algn="l"/>
+            <a:r>
+              <a:rPr lang="en-US" b="0" i="1" dirty="0">
+                <a:solidFill>
+                  <a:srgbClr val="374151"/>
+                </a:solidFill>
+                <a:effectLst/>
+                <a:latin typeface="Söhne"/>
+              </a:rPr>
+              <a:t>Example:</a:t>
+            </a:r>
             <a:endParaRPr lang="en-US" b="0" i="0" dirty="0">
               <a:solidFill>
-                <a:srgbClr val="1C1917"/>
+                <a:srgbClr val="374151"/>
               </a:solidFill>
               <a:effectLst/>
-              <a:latin typeface="-apple-system"/>
+              <a:latin typeface="Söhne"/>
             </a:endParaRPr>
           </a:p>
           <a:p>
-            <a:pPr marL="1314450" lvl="3" indent="0">
+            <a:pPr marL="1771650" lvl="4" indent="0">
               <a:buNone/>
             </a:pPr>
             <a:r>
-              <a:rPr lang="en-US" sz="2000" b="0" i="0" dirty="0">
-                <a:solidFill>
-                  <a:srgbClr val="1C1917"/>
-                </a:solidFill>
-                <a:effectLst/>
-                <a:latin typeface="-apple-system"/>
-              </a:rPr>
-              <a:t>SELECT * FROM products </a:t>
-            </a:r>
-          </a:p>
-          <a:p>
-            <a:pPr marL="1314450" lvl="3" indent="0">
+              <a:rPr lang="en-US" sz="2400" dirty="0">
+                <a:solidFill>
+                  <a:srgbClr val="2E95D3"/>
+                </a:solidFill>
+                <a:effectLst/>
+              </a:rPr>
+              <a:t>	SELECT</a:t>
+            </a:r>
+            <a:r>
+              <a:rPr lang="en-US" sz="2400" dirty="0">
+                <a:effectLst/>
+              </a:rPr>
+              <a:t> * </a:t>
+            </a:r>
+          </a:p>
+          <a:p>
+            <a:pPr marL="1771650" lvl="4" indent="0">
               <a:buNone/>
             </a:pPr>
             <a:r>
-              <a:rPr lang="en-US" sz="2000" b="0" i="0" dirty="0">
-                <a:solidFill>
-                  <a:srgbClr val="1C1917"/>
-                </a:solidFill>
-                <a:effectLst/>
-                <a:latin typeface="-apple-system"/>
-              </a:rPr>
-              <a:t>WHERE price &lt; 10 AND stock &gt; 0</a:t>
+              <a:rPr lang="en-US" sz="2400" dirty="0">
+                <a:solidFill>
+                  <a:srgbClr val="2E95D3"/>
+                </a:solidFill>
+                <a:effectLst/>
+              </a:rPr>
+              <a:t>	FROM</a:t>
+            </a:r>
+            <a:r>
+              <a:rPr lang="en-US" sz="2400" dirty="0">
+                <a:effectLst/>
+              </a:rPr>
+              <a:t> products </a:t>
+            </a:r>
+          </a:p>
+          <a:p>
+            <a:pPr marL="1771650" lvl="4" indent="0">
+              <a:buNone/>
+            </a:pPr>
+            <a:r>
+              <a:rPr lang="en-US" sz="2400" dirty="0">
+                <a:solidFill>
+                  <a:srgbClr val="2E95D3"/>
+                </a:solidFill>
+                <a:effectLst/>
+              </a:rPr>
+              <a:t>	WHERE</a:t>
+            </a:r>
+            <a:r>
+              <a:rPr lang="en-US" sz="2400" dirty="0">
+                <a:effectLst/>
+              </a:rPr>
+              <a:t> price &lt; </a:t>
+            </a:r>
+            <a:r>
+              <a:rPr lang="en-US" sz="2400" dirty="0">
+                <a:solidFill>
+                  <a:srgbClr val="DF3079"/>
+                </a:solidFill>
+                <a:effectLst/>
+              </a:rPr>
+              <a:t>10</a:t>
+            </a:r>
+            <a:r>
+              <a:rPr lang="en-US" sz="2400" dirty="0">
+                <a:effectLst/>
+              </a:rPr>
+              <a:t> </a:t>
+            </a:r>
+            <a:r>
+              <a:rPr lang="en-US" sz="2400" dirty="0">
+                <a:solidFill>
+                  <a:srgbClr val="2E95D3"/>
+                </a:solidFill>
+                <a:effectLst/>
+              </a:rPr>
+              <a:t>AND</a:t>
+            </a:r>
+            <a:r>
+              <a:rPr lang="en-US" sz="2400" dirty="0">
+                <a:effectLst/>
+              </a:rPr>
+              <a:t> stock &gt; </a:t>
+            </a:r>
+            <a:r>
+              <a:rPr lang="en-US" sz="2400" dirty="0">
+                <a:solidFill>
+                  <a:srgbClr val="DF3079"/>
+                </a:solidFill>
+                <a:effectLst/>
+              </a:rPr>
+              <a:t>0</a:t>
+            </a:r>
+            <a:r>
+              <a:rPr lang="en-US" sz="2400" dirty="0">
+                <a:effectLst/>
+              </a:rPr>
+              <a:t>;</a:t>
             </a:r>
           </a:p>
         </p:txBody>
@@ -16495,122 +19662,209 @@
           <a:bodyPr/>
           <a:lstStyle/>
           <a:p>
-            <a:r>
-              <a:rPr lang="en-US" b="0" i="0" dirty="0">
-                <a:solidFill>
-                  <a:srgbClr val="1C1917"/>
-                </a:solidFill>
-                <a:effectLst/>
-                <a:latin typeface="-apple-system"/>
-              </a:rPr>
-              <a:t>What is ordering?</a:t>
-            </a:r>
-          </a:p>
-          <a:p>
-            <a:pPr lvl="1"/>
-            <a:r>
-              <a:rPr lang="en-US" b="0" i="0" dirty="0">
-                <a:solidFill>
-                  <a:srgbClr val="1C1917"/>
-                </a:solidFill>
-                <a:effectLst/>
-                <a:latin typeface="-apple-system"/>
-              </a:rPr>
-              <a:t>Ordering sorts the result set by one or more columns in ascending or descending order</a:t>
-            </a:r>
-          </a:p>
-          <a:p>
-            <a:pPr lvl="1"/>
-            <a:r>
-              <a:rPr lang="en-US" b="0" i="0" dirty="0">
-                <a:solidFill>
-                  <a:srgbClr val="1C1917"/>
-                </a:solidFill>
-                <a:effectLst/>
-                <a:latin typeface="-apple-system"/>
-              </a:rPr>
-              <a:t>The </a:t>
-            </a:r>
+            <a:pPr marL="0" indent="0" algn="l">
+              <a:buNone/>
+            </a:pPr>
             <a:r>
               <a:rPr lang="en-US" b="1" i="0" dirty="0">
                 <a:solidFill>
-                  <a:srgbClr val="1C1917"/>
-                </a:solidFill>
-                <a:effectLst/>
-                <a:latin typeface="-apple-system"/>
-              </a:rPr>
-              <a:t>ORDER BY </a:t>
-            </a:r>
-            <a:r>
-              <a:rPr lang="en-US" b="0" i="0" dirty="0">
-                <a:solidFill>
-                  <a:srgbClr val="1C1917"/>
-                </a:solidFill>
-                <a:effectLst/>
-                <a:latin typeface="-apple-system"/>
-              </a:rPr>
-              <a:t>keyword is used</a:t>
-            </a:r>
-          </a:p>
-          <a:p>
-            <a:pPr lvl="1"/>
+                  <a:srgbClr val="374151"/>
+                </a:solidFill>
+                <a:effectLst/>
+                <a:latin typeface="Söhne"/>
+              </a:rPr>
+              <a:t>What is Ordering?</a:t>
+            </a:r>
             <a:endParaRPr lang="en-US" b="0" i="0" dirty="0">
               <a:solidFill>
-                <a:srgbClr val="1C1917"/>
+                <a:srgbClr val="374151"/>
               </a:solidFill>
               <a:effectLst/>
-              <a:latin typeface="-apple-system"/>
+              <a:latin typeface="Söhne"/>
             </a:endParaRPr>
           </a:p>
           <a:p>
-            <a:r>
-              <a:rPr lang="en-US" b="0" i="0" dirty="0">
-                <a:solidFill>
-                  <a:srgbClr val="1C1917"/>
-                </a:solidFill>
-                <a:effectLst/>
-                <a:latin typeface="-apple-system"/>
-              </a:rPr>
-              <a:t>Example: </a:t>
-            </a:r>
-          </a:p>
-          <a:p>
-            <a:pPr lvl="1"/>
-            <a:endParaRPr lang="en-US" sz="1600" dirty="0">
+            <a:pPr lvl="1">
+              <a:buFont typeface="Arial" panose="020B0604020202020204" pitchFamily="34" charset="0"/>
+              <a:buChar char="•"/>
+            </a:pPr>
+            <a:r>
+              <a:rPr lang="en-US" i="0" dirty="0">
+                <a:solidFill>
+                  <a:srgbClr val="374151"/>
+                </a:solidFill>
+                <a:effectLst/>
+                <a:latin typeface="Söhne"/>
+              </a:rPr>
+              <a:t>Ordering sorts the result set by one or more columns in ascending or descending order.</a:t>
+            </a:r>
+          </a:p>
+          <a:p>
+            <a:pPr lvl="1">
+              <a:buFont typeface="Arial" panose="020B0604020202020204" pitchFamily="34" charset="0"/>
+              <a:buChar char="•"/>
+            </a:pPr>
+            <a:r>
+              <a:rPr lang="en-US" i="0" dirty="0">
+                <a:solidFill>
+                  <a:srgbClr val="374151"/>
+                </a:solidFill>
+                <a:effectLst/>
+                <a:latin typeface="Söhne"/>
+              </a:rPr>
+              <a:t>The ORDER BY keyword is used.</a:t>
+            </a:r>
+          </a:p>
+          <a:p>
+            <a:pPr lvl="1">
+              <a:buFont typeface="Arial" panose="020B0604020202020204" pitchFamily="34" charset="0"/>
+              <a:buChar char="•"/>
+            </a:pPr>
+            <a:endParaRPr lang="en-US" i="0" dirty="0">
               <a:solidFill>
-                <a:srgbClr val="1C1917"/>
+                <a:srgbClr val="374151"/>
               </a:solidFill>
-              <a:latin typeface="-apple-system"/>
+              <a:effectLst/>
+              <a:latin typeface="Söhne"/>
             </a:endParaRPr>
           </a:p>
           <a:p>
-            <a:pPr marL="1314450" lvl="3" indent="0">
-              <a:buNone/>
+            <a:pPr lvl="1">
+              <a:buFont typeface="Arial" panose="020B0604020202020204" pitchFamily="34" charset="0"/>
+              <a:buChar char="•"/>
             </a:pPr>
-            <a:r>
-              <a:rPr lang="en-US" sz="2000" b="0" i="0" dirty="0">
-                <a:solidFill>
-                  <a:srgbClr val="1C1917"/>
-                </a:solidFill>
-                <a:effectLst/>
-                <a:latin typeface="-apple-system"/>
-              </a:rPr>
-              <a:t>SELECT * FROM products </a:t>
-            </a:r>
-          </a:p>
-          <a:p>
-            <a:pPr marL="1314450" lvl="3" indent="0">
+            <a:endParaRPr lang="en-US" i="0" dirty="0">
+              <a:solidFill>
+                <a:srgbClr val="374151"/>
+              </a:solidFill>
+              <a:effectLst/>
+              <a:latin typeface="Söhne"/>
+            </a:endParaRPr>
+          </a:p>
+          <a:p>
+            <a:pPr algn="l"/>
+            <a:r>
+              <a:rPr lang="en-US" b="0" i="1" dirty="0">
+                <a:solidFill>
+                  <a:srgbClr val="374151"/>
+                </a:solidFill>
+                <a:effectLst/>
+                <a:latin typeface="Söhne"/>
+              </a:rPr>
+              <a:t>Example:</a:t>
+            </a:r>
+            <a:endParaRPr lang="en-US" b="0" i="0" dirty="0">
+              <a:solidFill>
+                <a:srgbClr val="374151"/>
+              </a:solidFill>
+              <a:effectLst/>
+              <a:latin typeface="Söhne"/>
+            </a:endParaRPr>
+          </a:p>
+          <a:p>
+            <a:pPr marL="0" indent="0">
               <a:buNone/>
             </a:pPr>
             <a:r>
-              <a:rPr lang="en-US" sz="2000" b="0" i="0" dirty="0">
-                <a:solidFill>
-                  <a:srgbClr val="1C1917"/>
-                </a:solidFill>
-                <a:effectLst/>
-                <a:latin typeface="-apple-system"/>
-              </a:rPr>
-              <a:t>ORDER BY price DESC</a:t>
+              <a:rPr lang="en-US" dirty="0">
+                <a:solidFill>
+                  <a:srgbClr val="2E95D3"/>
+                </a:solidFill>
+                <a:effectLst/>
+              </a:rPr>
+              <a:t>				SELECT</a:t>
+            </a:r>
+            <a:r>
+              <a:rPr lang="en-US" dirty="0">
+                <a:effectLst/>
+              </a:rPr>
+              <a:t> * </a:t>
+            </a:r>
+          </a:p>
+          <a:p>
+            <a:pPr marL="0" indent="0">
+              <a:buNone/>
+            </a:pPr>
+            <a:r>
+              <a:rPr lang="en-US" dirty="0">
+                <a:solidFill>
+                  <a:srgbClr val="2E95D3"/>
+                </a:solidFill>
+              </a:rPr>
+              <a:t>				</a:t>
+            </a:r>
+            <a:r>
+              <a:rPr lang="en-US" dirty="0">
+                <a:solidFill>
+                  <a:srgbClr val="2E95D3"/>
+                </a:solidFill>
+                <a:effectLst/>
+              </a:rPr>
+              <a:t>FROM</a:t>
+            </a:r>
+            <a:r>
+              <a:rPr lang="en-US" dirty="0">
+                <a:effectLst/>
+              </a:rPr>
+              <a:t> products </a:t>
+            </a:r>
+          </a:p>
+          <a:p>
+            <a:pPr marL="0" indent="0">
+              <a:buNone/>
+            </a:pPr>
+            <a:r>
+              <a:rPr lang="en-US" dirty="0">
+                <a:solidFill>
+                  <a:srgbClr val="2E95D3"/>
+                </a:solidFill>
+              </a:rPr>
+              <a:t>				</a:t>
+            </a:r>
+            <a:r>
+              <a:rPr lang="en-US" dirty="0">
+                <a:solidFill>
+                  <a:srgbClr val="2E95D3"/>
+                </a:solidFill>
+                <a:effectLst/>
+              </a:rPr>
+              <a:t>ORDER</a:t>
+            </a:r>
+            <a:r>
+              <a:rPr lang="en-US" dirty="0">
+                <a:effectLst/>
+              </a:rPr>
+              <a:t> </a:t>
+            </a:r>
+            <a:r>
+              <a:rPr lang="en-US" dirty="0">
+                <a:solidFill>
+                  <a:srgbClr val="2E95D3"/>
+                </a:solidFill>
+                <a:effectLst/>
+              </a:rPr>
+              <a:t>BY</a:t>
+            </a:r>
+            <a:r>
+              <a:rPr lang="en-US" dirty="0">
+                <a:effectLst/>
+              </a:rPr>
+              <a:t> price </a:t>
+            </a:r>
+            <a:r>
+              <a:rPr lang="en-US" dirty="0">
+                <a:solidFill>
+                  <a:srgbClr val="2E95D3"/>
+                </a:solidFill>
+                <a:effectLst/>
+              </a:rPr>
+              <a:t>DESC</a:t>
+            </a:r>
+            <a:r>
+              <a:rPr lang="en-US" dirty="0">
+                <a:effectLst/>
+              </a:rPr>
+              <a:t>;</a:t>
             </a:r>
           </a:p>
         </p:txBody>
@@ -16906,63 +20160,73 @@
           <a:bodyPr/>
           <a:lstStyle/>
           <a:p>
-            <a:r>
-              <a:rPr lang="en-US" b="0" i="0" dirty="0">
-                <a:solidFill>
-                  <a:srgbClr val="1C1917"/>
-                </a:solidFill>
-                <a:effectLst/>
-                <a:latin typeface="-apple-system"/>
+            <a:pPr marL="0" indent="0" algn="l">
+              <a:buNone/>
+            </a:pPr>
+            <a:r>
+              <a:rPr lang="en-US" b="1" i="0" dirty="0">
+                <a:solidFill>
+                  <a:srgbClr val="374151"/>
+                </a:solidFill>
+                <a:effectLst/>
+                <a:latin typeface="Söhne"/>
               </a:rPr>
               <a:t>Key Takeaways:</a:t>
             </a:r>
-          </a:p>
-          <a:p>
             <a:endParaRPr lang="en-US" b="0" i="0" dirty="0">
               <a:solidFill>
-                <a:srgbClr val="1C1917"/>
+                <a:srgbClr val="374151"/>
               </a:solidFill>
               <a:effectLst/>
-              <a:latin typeface="-apple-system"/>
+              <a:latin typeface="Söhne"/>
             </a:endParaRPr>
           </a:p>
           <a:p>
-            <a:pPr lvl="1"/>
-            <a:r>
-              <a:rPr lang="en-US" b="0" i="0" dirty="0">
-                <a:solidFill>
-                  <a:srgbClr val="1C1917"/>
-                </a:solidFill>
-                <a:effectLst/>
-                <a:latin typeface="-apple-system"/>
-              </a:rPr>
-              <a:t>Filtering reduces results to rows fulfilling a condition</a:t>
-            </a:r>
-          </a:p>
-          <a:p>
-            <a:pPr lvl="1"/>
-            <a:r>
-              <a:rPr lang="en-US" b="0" i="0" dirty="0">
-                <a:solidFill>
-                  <a:srgbClr val="1C1917"/>
-                </a:solidFill>
-                <a:effectLst/>
-                <a:latin typeface="-apple-system"/>
-              </a:rPr>
-              <a:t>Ordering sorts results based on column values</a:t>
-            </a:r>
-          </a:p>
-          <a:p>
-            <a:pPr lvl="1"/>
-            <a:r>
-              <a:rPr lang="en-US" b="0" i="0" dirty="0">
-                <a:solidFill>
-                  <a:srgbClr val="1C1917"/>
-                </a:solidFill>
-                <a:effectLst/>
-                <a:latin typeface="-apple-system"/>
-              </a:rPr>
-              <a:t>WHERE, ORDER BY are important keywords for manipulating query output</a:t>
+            <a:pPr lvl="1">
+              <a:buFont typeface="Arial" panose="020B0604020202020204" pitchFamily="34" charset="0"/>
+              <a:buChar char="•"/>
+            </a:pPr>
+            <a:r>
+              <a:rPr lang="en-US" i="0" dirty="0">
+                <a:solidFill>
+                  <a:srgbClr val="374151"/>
+                </a:solidFill>
+                <a:effectLst/>
+                <a:latin typeface="Söhne"/>
+              </a:rPr>
+              <a:t>Filtering reduces results to rows fulfilling a condition.</a:t>
+            </a:r>
+          </a:p>
+          <a:p>
+            <a:pPr lvl="1">
+              <a:buFont typeface="Arial" panose="020B0604020202020204" pitchFamily="34" charset="0"/>
+              <a:buChar char="•"/>
+            </a:pPr>
+            <a:r>
+              <a:rPr lang="en-US" i="0" dirty="0">
+                <a:solidFill>
+                  <a:srgbClr val="374151"/>
+                </a:solidFill>
+                <a:effectLst/>
+                <a:latin typeface="Söhne"/>
+              </a:rPr>
+              <a:t>Ordering sorts results based on column values.</a:t>
+            </a:r>
+          </a:p>
+          <a:p>
+            <a:pPr lvl="1">
+              <a:buFont typeface="Arial" panose="020B0604020202020204" pitchFamily="34" charset="0"/>
+              <a:buChar char="•"/>
+            </a:pPr>
+            <a:r>
+              <a:rPr lang="en-US" i="0" dirty="0">
+                <a:solidFill>
+                  <a:srgbClr val="374151"/>
+                </a:solidFill>
+                <a:effectLst/>
+                <a:latin typeface="Söhne"/>
+              </a:rPr>
+              <a:t>WHERE and ORDER BY are important keywords for manipulating query output.</a:t>
             </a:r>
           </a:p>
         </p:txBody>
@@ -17705,146 +20969,112 @@
             <a:r>
               <a:rPr lang="en-US" b="0" i="0" dirty="0">
                 <a:solidFill>
-                  <a:srgbClr val="1C1917"/>
-                </a:solidFill>
-                <a:effectLst/>
-                <a:latin typeface="-apple-system"/>
-              </a:rPr>
-              <a:t>Importance of Clause Sequence</a:t>
-            </a:r>
-          </a:p>
-          <a:p>
-            <a:pPr lvl="1"/>
-            <a:r>
-              <a:rPr lang="en-US" b="0" i="0" dirty="0">
-                <a:solidFill>
-                  <a:srgbClr val="1C1917"/>
-                </a:solidFill>
-                <a:effectLst/>
-                <a:latin typeface="-apple-system"/>
+                  <a:srgbClr val="374151"/>
+                </a:solidFill>
+                <a:effectLst/>
+                <a:latin typeface="Söhne"/>
               </a:rPr>
               <a:t>The ordered clauses in SQL work collaboratively to handle data flow and transformations:</a:t>
             </a:r>
           </a:p>
           <a:p>
-            <a:pPr lvl="2"/>
-            <a:r>
-              <a:rPr lang="en-US" b="0" i="0" dirty="0">
-                <a:solidFill>
-                  <a:srgbClr val="1C1917"/>
-                </a:solidFill>
-                <a:effectLst/>
-                <a:latin typeface="-apple-system"/>
-              </a:rPr>
-              <a:t>Later clauses receive result set from prior clauses</a:t>
-            </a:r>
-          </a:p>
-          <a:p>
-            <a:pPr lvl="2"/>
+            <a:pPr marL="57150" indent="0">
+              <a:buNone/>
+            </a:pPr>
             <a:endParaRPr lang="en-US" b="0" i="0" dirty="0">
               <a:solidFill>
-                <a:srgbClr val="1C1917"/>
+                <a:srgbClr val="374151"/>
               </a:solidFill>
               <a:effectLst/>
-              <a:latin typeface="-apple-system"/>
+              <a:latin typeface="Söhne"/>
             </a:endParaRPr>
           </a:p>
           <a:p>
-            <a:pPr lvl="2"/>
-            <a:endParaRPr lang="en-US" b="0" i="0" dirty="0">
-              <a:solidFill>
-                <a:srgbClr val="1C1917"/>
-              </a:solidFill>
-              <a:effectLst/>
-              <a:latin typeface="-apple-system"/>
-            </a:endParaRPr>
-          </a:p>
-          <a:p>
             <a:pPr lvl="1"/>
             <a:r>
+              <a:rPr lang="en-US" b="0" i="0" dirty="0">
+                <a:solidFill>
+                  <a:srgbClr val="374151"/>
+                </a:solidFill>
+                <a:effectLst/>
+                <a:latin typeface="Söhne"/>
+              </a:rPr>
+              <a:t>Later clauses receive the result set from prior clauses.</a:t>
+            </a:r>
+          </a:p>
+          <a:p>
+            <a:pPr lvl="1"/>
+            <a:r>
               <a:rPr lang="en-US" b="1" i="0" dirty="0">
                 <a:solidFill>
-                  <a:srgbClr val="1C1917"/>
-                </a:solidFill>
-                <a:effectLst/>
-                <a:latin typeface="-apple-system"/>
-              </a:rPr>
-              <a:t>GROUP BY </a:t>
+                  <a:srgbClr val="374151"/>
+                </a:solidFill>
+                <a:effectLst/>
+                <a:latin typeface="Söhne"/>
+              </a:rPr>
+              <a:t>GROUP BY</a:t>
             </a:r>
             <a:r>
               <a:rPr lang="en-US" b="0" i="0" dirty="0">
                 <a:solidFill>
-                  <a:srgbClr val="1C1917"/>
-                </a:solidFill>
-                <a:effectLst/>
-                <a:latin typeface="-apple-system"/>
-              </a:rPr>
-              <a:t>aggregates the WHERE filtered rows</a:t>
-            </a:r>
-          </a:p>
-          <a:p>
-            <a:pPr lvl="2"/>
-            <a:endParaRPr lang="en-US" b="0" i="0" dirty="0">
-              <a:solidFill>
-                <a:srgbClr val="1C1917"/>
-              </a:solidFill>
-              <a:effectLst/>
-              <a:latin typeface="-apple-system"/>
-            </a:endParaRPr>
+                  <a:srgbClr val="374151"/>
+                </a:solidFill>
+                <a:effectLst/>
+                <a:latin typeface="Söhne"/>
+              </a:rPr>
+              <a:t> aggregates the WHERE filtered rows.</a:t>
+            </a:r>
           </a:p>
           <a:p>
             <a:pPr lvl="1"/>
             <a:r>
               <a:rPr lang="en-US" b="1" i="0" dirty="0">
                 <a:solidFill>
-                  <a:srgbClr val="1C1917"/>
-                </a:solidFill>
-                <a:effectLst/>
-                <a:latin typeface="-apple-system"/>
+                  <a:srgbClr val="374151"/>
+                </a:solidFill>
+                <a:effectLst/>
+                <a:latin typeface="Söhne"/>
               </a:rPr>
               <a:t>HAVING</a:t>
             </a:r>
             <a:r>
               <a:rPr lang="en-US" b="0" i="0" dirty="0">
                 <a:solidFill>
-                  <a:srgbClr val="1C1917"/>
-                </a:solidFill>
-                <a:effectLst/>
-                <a:latin typeface="-apple-system"/>
-              </a:rPr>
-              <a:t> filters trim unnecessary data</a:t>
+                  <a:srgbClr val="374151"/>
+                </a:solidFill>
+                <a:effectLst/>
+                <a:latin typeface="Söhne"/>
+              </a:rPr>
+              <a:t> filters trim unnecessary data.</a:t>
             </a:r>
           </a:p>
           <a:p>
             <a:pPr lvl="1"/>
-            <a:endParaRPr lang="en-US" b="0" i="0" dirty="0">
-              <a:solidFill>
-                <a:srgbClr val="1C1917"/>
-              </a:solidFill>
-              <a:effectLst/>
-              <a:latin typeface="-apple-system"/>
-            </a:endParaRPr>
-          </a:p>
-          <a:p>
-            <a:pPr lvl="1"/>
-            <a:r>
-              <a:rPr lang="en-US" b="1" dirty="0">
-                <a:solidFill>
-                  <a:srgbClr val="1C1917"/>
-                </a:solidFill>
-                <a:latin typeface="-apple-system"/>
-              </a:rPr>
-              <a:t>ORDER BY </a:t>
-            </a:r>
-            <a:r>
-              <a:rPr lang="en-US" dirty="0">
-                <a:solidFill>
-                  <a:srgbClr val="1C1917"/>
-                </a:solidFill>
-                <a:latin typeface="-apple-system"/>
-              </a:rPr>
-              <a:t>sorts the rows filtered</a:t>
-            </a:r>
+            <a:r>
+              <a:rPr lang="en-US" b="1" i="0" dirty="0">
+                <a:solidFill>
+                  <a:srgbClr val="374151"/>
+                </a:solidFill>
+                <a:effectLst/>
+                <a:latin typeface="Söhne"/>
+              </a:rPr>
+              <a:t>ORDER BY</a:t>
+            </a:r>
+            <a:r>
+              <a:rPr lang="en-US" b="0" i="0" dirty="0">
+                <a:solidFill>
+                  <a:srgbClr val="374151"/>
+                </a:solidFill>
+                <a:effectLst/>
+                <a:latin typeface="Söhne"/>
+              </a:rPr>
+              <a:t> sorts the rows filtered.</a:t>
+            </a:r>
+          </a:p>
+          <a:p>
+            <a:pPr marL="457200" lvl="1" indent="0">
+              <a:buNone/>
+            </a:pPr>
             <a:br>
               <a:rPr lang="en-US" dirty="0"/>
             </a:br>
@@ -18613,7 +21843,7 @@
                 <a:effectLst/>
                 <a:latin typeface="-apple-system"/>
               </a:rPr>
-              <a:t>Uses</a:t>
+              <a:t>WHERE clauses work on string, numeric, and date/datetime data types.</a:t>
             </a:r>
           </a:p>
           <a:p>
@@ -18626,20 +21856,93 @@
                 <a:effectLst/>
                 <a:latin typeface="-apple-system"/>
               </a:rPr>
-              <a:t>WHERE clauses work on string, numeric, and date/datetime data types.</a:t>
-            </a:r>
-          </a:p>
-          <a:p>
-            <a:pPr lvl="1"/>
+              <a:t>Examples:</a:t>
+            </a:r>
+          </a:p>
+          <a:p>
+            <a:pPr lvl="2"/>
             <a:r>
               <a:rPr lang="en-US" b="0" i="0" dirty="0">
                 <a:solidFill>
-                  <a:srgbClr val="1C1917"/>
-                </a:solidFill>
-                <a:effectLst/>
-                <a:latin typeface="-apple-system"/>
-              </a:rPr>
-              <a:t>Examples:</a:t>
+                  <a:srgbClr val="2E95D3"/>
+                </a:solidFill>
+                <a:effectLst/>
+                <a:latin typeface="Söhne Mono"/>
+              </a:rPr>
+              <a:t>WHERE</a:t>
+            </a:r>
+            <a:r>
+              <a:rPr lang="en-US" b="0" i="0" dirty="0">
+                <a:solidFill>
+                  <a:srgbClr val="FFFFFF"/>
+                </a:solidFill>
+                <a:effectLst/>
+                <a:latin typeface="Söhne Mono"/>
+              </a:rPr>
+              <a:t> </a:t>
+            </a:r>
+            <a:r>
+              <a:rPr lang="en-US" b="0" i="0" dirty="0">
+                <a:solidFill>
+                  <a:schemeClr val="tx1"/>
+                </a:solidFill>
+                <a:effectLst/>
+                <a:latin typeface="Söhne Mono"/>
+              </a:rPr>
+              <a:t>Price &gt; </a:t>
+            </a:r>
+            <a:r>
+              <a:rPr lang="en-US" b="0" i="0" dirty="0">
+                <a:solidFill>
+                  <a:srgbClr val="DF3079"/>
+                </a:solidFill>
+                <a:effectLst/>
+                <a:latin typeface="Söhne Mono"/>
+              </a:rPr>
+              <a:t>100</a:t>
+            </a:r>
+            <a:r>
+              <a:rPr lang="en-US" b="0" i="0" dirty="0">
+                <a:solidFill>
+                  <a:srgbClr val="FFFFFF"/>
+                </a:solidFill>
+                <a:effectLst/>
+                <a:latin typeface="Söhne Mono"/>
+              </a:rPr>
+              <a:t> </a:t>
+            </a:r>
+            <a:br>
+              <a:rPr lang="en-US" dirty="0"/>
+            </a:br>
+            <a:r>
+              <a:rPr lang="en-US" b="0" i="0" dirty="0">
+                <a:solidFill>
+                  <a:srgbClr val="2E95D3"/>
+                </a:solidFill>
+                <a:effectLst/>
+                <a:latin typeface="Söhne Mono"/>
+              </a:rPr>
+              <a:t>WHERE</a:t>
+            </a:r>
+            <a:r>
+              <a:rPr lang="en-US" b="0" i="0" dirty="0">
+                <a:solidFill>
+                  <a:schemeClr val="tx1"/>
+                </a:solidFill>
+                <a:effectLst/>
+                <a:latin typeface="Söhne Mono"/>
+              </a:rPr>
+              <a:t> Name != </a:t>
+            </a:r>
+            <a:r>
+              <a:rPr lang="en-US" b="0" i="0" dirty="0">
+                <a:solidFill>
+                  <a:srgbClr val="00A67D"/>
+                </a:solidFill>
+                <a:effectLst/>
+                <a:latin typeface="Söhne Mono"/>
+              </a:rPr>
+              <a:t>'Apple’ </a:t>
             </a:r>
           </a:p>
           <a:p>
@@ -18647,58 +21950,62 @@
             <a:r>
               <a:rPr lang="en-US" b="0" i="0" dirty="0">
                 <a:solidFill>
-                  <a:srgbClr val="1C1917"/>
-                </a:solidFill>
-                <a:effectLst/>
-                <a:latin typeface="-apple-system"/>
-              </a:rPr>
-              <a:t>WHERE Price &gt; 100 </a:t>
-            </a:r>
-          </a:p>
-          <a:p>
-            <a:pPr lvl="2"/>
+                  <a:srgbClr val="00A67D"/>
+                </a:solidFill>
+                <a:effectLst/>
+                <a:latin typeface="Söhne Mono"/>
+              </a:rPr>
+              <a:t>WHERE </a:t>
+            </a:r>
+            <a:r>
+              <a:rPr lang="en-US" b="0" i="0" dirty="0" err="1">
+                <a:solidFill>
+                  <a:schemeClr val="tx1"/>
+                </a:solidFill>
+                <a:effectLst/>
+                <a:latin typeface="Söhne Mono"/>
+              </a:rPr>
+              <a:t>SaleDate</a:t>
+            </a:r>
             <a:r>
               <a:rPr lang="en-US" b="0" i="0" dirty="0">
                 <a:solidFill>
-                  <a:srgbClr val="1C1917"/>
-                </a:solidFill>
-                <a:effectLst/>
-                <a:latin typeface="-apple-system"/>
-              </a:rPr>
-              <a:t>WHERE Name != 'Apple’ </a:t>
-            </a:r>
-          </a:p>
-          <a:p>
-            <a:pPr lvl="2"/>
+                  <a:schemeClr val="tx1"/>
+                </a:solidFill>
+                <a:effectLst/>
+                <a:latin typeface="Söhne Mono"/>
+              </a:rPr>
+              <a:t> </a:t>
+            </a:r>
             <a:r>
               <a:rPr lang="en-US" b="0" i="0" dirty="0">
                 <a:solidFill>
-                  <a:srgbClr val="1C1917"/>
-                </a:solidFill>
-                <a:effectLst/>
-                <a:latin typeface="-apple-system"/>
-              </a:rPr>
-              <a:t>WHERE </a:t>
-            </a:r>
-            <a:r>
-              <a:rPr lang="en-US" b="0" i="0" dirty="0" err="1">
-                <a:solidFill>
-                  <a:srgbClr val="1C1917"/>
-                </a:solidFill>
-                <a:effectLst/>
-                <a:latin typeface="-apple-system"/>
-              </a:rPr>
-              <a:t>SaleDate</a:t>
+                  <a:srgbClr val="00A67D"/>
+                </a:solidFill>
+                <a:effectLst/>
+                <a:latin typeface="Söhne Mono"/>
+              </a:rPr>
+              <a:t>&lt; '</a:t>
             </a:r>
             <a:r>
               <a:rPr lang="en-US" b="0" i="0" dirty="0">
                 <a:solidFill>
-                  <a:srgbClr val="1C1917"/>
-                </a:solidFill>
-                <a:effectLst/>
-                <a:latin typeface="-apple-system"/>
-              </a:rPr>
-              <a:t> &lt; '1/1/2023’</a:t>
+                  <a:srgbClr val="DF3079"/>
+                </a:solidFill>
+                <a:effectLst/>
+                <a:latin typeface="Söhne Mono"/>
+              </a:rPr>
+              <a:t>2023-01-01</a:t>
+            </a:r>
+            <a:r>
+              <a:rPr lang="en-US" b="0" i="0" dirty="0">
+                <a:solidFill>
+                  <a:srgbClr val="FFFFFF"/>
+                </a:solidFill>
+                <a:effectLst/>
+                <a:latin typeface="Söhne Mono"/>
+              </a:rPr>
+              <a:t>’</a:t>
             </a:r>
           </a:p>
           <a:p>
@@ -18746,60 +22053,117 @@
             </a:r>
           </a:p>
           <a:p>
-            <a:pPr lvl="1"/>
+            <a:pPr lvl="2"/>
             <a:r>
               <a:rPr lang="en-US" b="0" i="0" dirty="0">
                 <a:solidFill>
-                  <a:srgbClr val="1C1917"/>
-                </a:solidFill>
-                <a:effectLst/>
-                <a:latin typeface="-apple-system"/>
-              </a:rPr>
-              <a:t>WHERE </a:t>
+                  <a:srgbClr val="2E95D3"/>
+                </a:solidFill>
+                <a:effectLst/>
+                <a:latin typeface="Söhne Mono"/>
+              </a:rPr>
+              <a:t>WHERE</a:t>
+            </a:r>
+            <a:r>
+              <a:rPr lang="en-US" b="0" i="0" dirty="0">
+                <a:solidFill>
+                  <a:srgbClr val="FFFFFF"/>
+                </a:solidFill>
+                <a:effectLst/>
+                <a:latin typeface="Söhne Mono"/>
+              </a:rPr>
+              <a:t> </a:t>
             </a:r>
             <a:r>
               <a:rPr lang="en-US" b="0" i="0" dirty="0" err="1">
                 <a:solidFill>
-                  <a:srgbClr val="1C1917"/>
-                </a:solidFill>
-                <a:effectLst/>
-                <a:latin typeface="-apple-system"/>
+                  <a:schemeClr val="tx1"/>
+                </a:solidFill>
+                <a:effectLst/>
+                <a:latin typeface="Söhne Mono"/>
               </a:rPr>
               <a:t>SalePrice</a:t>
             </a:r>
             <a:r>
               <a:rPr lang="en-US" b="0" i="0" dirty="0">
                 <a:solidFill>
-                  <a:srgbClr val="1C1917"/>
-                </a:solidFill>
-                <a:effectLst/>
-                <a:latin typeface="-apple-system"/>
-              </a:rPr>
-              <a:t> &gt; 500 AND </a:t>
+                  <a:schemeClr val="tx1"/>
+                </a:solidFill>
+                <a:effectLst/>
+                <a:latin typeface="Söhne Mono"/>
+              </a:rPr>
+              <a:t> &gt; </a:t>
+            </a:r>
+            <a:r>
+              <a:rPr lang="en-US" b="0" i="0" dirty="0">
+                <a:solidFill>
+                  <a:srgbClr val="DF3079"/>
+                </a:solidFill>
+                <a:effectLst/>
+                <a:latin typeface="Söhne Mono"/>
+              </a:rPr>
+              <a:t>500</a:t>
+            </a:r>
+            <a:r>
+              <a:rPr lang="en-US" b="0" i="0" dirty="0">
+                <a:solidFill>
+                  <a:srgbClr val="FFFFFF"/>
+                </a:solidFill>
+                <a:effectLst/>
+                <a:latin typeface="Söhne Mono"/>
+              </a:rPr>
+              <a:t> </a:t>
+            </a:r>
+            <a:r>
+              <a:rPr lang="en-US" b="0" i="0" dirty="0">
+                <a:solidFill>
+                  <a:srgbClr val="2E95D3"/>
+                </a:solidFill>
+                <a:effectLst/>
+                <a:latin typeface="Söhne Mono"/>
+              </a:rPr>
+              <a:t>AND</a:t>
+            </a:r>
+            <a:r>
+              <a:rPr lang="en-US" b="0" i="0" dirty="0">
+                <a:solidFill>
+                  <a:srgbClr val="FFFFFF"/>
+                </a:solidFill>
+                <a:effectLst/>
+                <a:latin typeface="Söhne Mono"/>
+              </a:rPr>
+              <a:t> </a:t>
             </a:r>
             <a:r>
               <a:rPr lang="en-US" b="0" i="0" dirty="0" err="1">
                 <a:solidFill>
-                  <a:srgbClr val="1C1917"/>
-                </a:solidFill>
-                <a:effectLst/>
-                <a:latin typeface="-apple-system"/>
+                  <a:schemeClr val="tx1"/>
+                </a:solidFill>
+                <a:effectLst/>
+                <a:latin typeface="Söhne Mono"/>
               </a:rPr>
               <a:t>ReleaseDate</a:t>
             </a:r>
             <a:r>
               <a:rPr lang="en-US" b="0" i="0" dirty="0">
                 <a:solidFill>
-                  <a:srgbClr val="1C1917"/>
-                </a:solidFill>
-                <a:effectLst/>
-                <a:latin typeface="-apple-system"/>
-              </a:rPr>
-              <a:t> &gt; ‘2020-01-01’</a:t>
-            </a:r>
-          </a:p>
-          <a:p>
-            <a:pPr lvl="1"/>
+                  <a:schemeClr val="tx1"/>
+                </a:solidFill>
+                <a:effectLst/>
+                <a:latin typeface="Söhne Mono"/>
+              </a:rPr>
+              <a:t> &gt; </a:t>
+            </a:r>
+            <a:r>
+              <a:rPr lang="en-US" b="0" i="0" dirty="0">
+                <a:solidFill>
+                  <a:srgbClr val="00A67D"/>
+                </a:solidFill>
+                <a:effectLst/>
+                <a:latin typeface="Söhne Mono"/>
+              </a:rPr>
+              <a:t>'2020-01-01’</a:t>
+            </a:r>
             <a:endParaRPr lang="en-US" b="0" i="0" dirty="0">
               <a:solidFill>
                 <a:schemeClr val="tx1"/>
@@ -20696,18 +24060,18 @@
 </file>
 
 <file path=customXml/item1.xml><?xml version="1.0" encoding="utf-8"?>
+<p:properties xmlns:p="http://schemas.microsoft.com/office/2006/metadata/properties" xmlns:xsi="http://www.w3.org/2001/XMLSchema-instance" xmlns:pc="http://schemas.microsoft.com/office/infopath/2007/PartnerControls">
+  <documentManagement/>
+</p:properties>
+</file>
+
+<file path=customXml/item2.xml><?xml version="1.0" encoding="utf-8"?>
 <?mso-contentType ?>
 <FormTemplates xmlns="http://schemas.microsoft.com/sharepoint/v3/contenttype/forms">
   <Display>DocumentLibraryForm</Display>
   <Edit>DocumentLibraryForm</Edit>
   <New>DocumentLibraryForm</New>
 </FormTemplates>
-</file>
-
-<file path=customXml/item2.xml><?xml version="1.0" encoding="utf-8"?>
-<p:properties xmlns:p="http://schemas.microsoft.com/office/2006/metadata/properties" xmlns:xsi="http://www.w3.org/2001/XMLSchema-instance" xmlns:pc="http://schemas.microsoft.com/office/infopath/2007/PartnerControls">
-  <documentManagement/>
-</p:properties>
 </file>
 
 <file path=customXml/item3.xml><?xml version="1.0" encoding="utf-8"?>
@@ -20825,14 +24189,6 @@
 </file>
 
 <file path=customXml/itemProps1.xml><?xml version="1.0" encoding="utf-8"?>
-<ds:datastoreItem xmlns:ds="http://schemas.openxmlformats.org/officeDocument/2006/customXml" ds:itemID="{E49E43F2-009D-4FD5-9629-B1B9A3DF71DA}">
-  <ds:schemaRefs>
-    <ds:schemaRef ds:uri="http://schemas.microsoft.com/sharepoint/v3/contenttype/forms"/>
-  </ds:schemaRefs>
-</ds:datastoreItem>
-</file>
-
-<file path=customXml/itemProps2.xml><?xml version="1.0" encoding="utf-8"?>
 <ds:datastoreItem xmlns:ds="http://schemas.openxmlformats.org/officeDocument/2006/customXml" ds:itemID="{C530F82F-BEB8-4CE5-BAAE-EC5C7B644B7C}">
   <ds:schemaRefs>
     <ds:schemaRef ds:uri="http://schemas.microsoft.com/office/2006/documentManagement/types"/>
@@ -20843,6 +24199,14 @@
     <ds:schemaRef ds:uri="http://purl.org/dc/terms/"/>
     <ds:schemaRef ds:uri="http://schemas.microsoft.com/office/infopath/2007/PartnerControls"/>
     <ds:schemaRef ds:uri="http://schemas.openxmlformats.org/package/2006/metadata/core-properties"/>
+  </ds:schemaRefs>
+</ds:datastoreItem>
+</file>
+
+<file path=customXml/itemProps2.xml><?xml version="1.0" encoding="utf-8"?>
+<ds:datastoreItem xmlns:ds="http://schemas.openxmlformats.org/officeDocument/2006/customXml" ds:itemID="{E49E43F2-009D-4FD5-9629-B1B9A3DF71DA}">
+  <ds:schemaRefs>
+    <ds:schemaRef ds:uri="http://schemas.microsoft.com/sharepoint/v3/contenttype/forms"/>
   </ds:schemaRefs>
 </ds:datastoreItem>
 </file>

--- a/SQL/Day 2 Filtering and Ordering/Filtering and Ordering.pptx
+++ b/SQL/Day 2 Filtering and Ordering/Filtering and Ordering.pptx
@@ -381,7 +381,7 @@
               <a:pPr>
                 <a:defRPr/>
               </a:pPr>
-              <a:t>1/27/24</a:t>
+              <a:t>3/5/24</a:t>
             </a:fld>
             <a:endParaRPr lang="en-US" dirty="0"/>
           </a:p>
@@ -591,7 +591,7 @@
               <a:pPr>
                 <a:defRPr/>
               </a:pPr>
-              <a:t>1/27/24</a:t>
+              <a:t>3/5/24</a:t>
             </a:fld>
             <a:endParaRPr lang="en-US" dirty="0"/>
           </a:p>
@@ -21523,6 +21523,18 @@
                 <a:latin typeface="-apple-system"/>
               </a:rPr>
               <a:t>&gt;= Greater than or equal</a:t>
+            </a:r>
+          </a:p>
+          <a:p>
+            <a:pPr lvl="2"/>
+            <a:r>
+              <a:rPr lang="en-US" dirty="0">
+                <a:solidFill>
+                  <a:schemeClr val="tx1"/>
+                </a:solidFill>
+                <a:latin typeface="-apple-system"/>
+              </a:rPr>
+              <a:t>BETWEEN operator</a:t>
             </a:r>
             <a:endParaRPr lang="en-US" b="0" i="0" dirty="0">
               <a:solidFill>
@@ -24066,15 +24078,6 @@
 </file>
 
 <file path=customXml/item2.xml><?xml version="1.0" encoding="utf-8"?>
-<?mso-contentType ?>
-<FormTemplates xmlns="http://schemas.microsoft.com/sharepoint/v3/contenttype/forms">
-  <Display>DocumentLibraryForm</Display>
-  <Edit>DocumentLibraryForm</Edit>
-  <New>DocumentLibraryForm</New>
-</FormTemplates>
-</file>
-
-<file path=customXml/item3.xml><?xml version="1.0" encoding="utf-8"?>
 <ct:contentTypeSchema xmlns:ct="http://schemas.microsoft.com/office/2006/metadata/contentType" xmlns:ma="http://schemas.microsoft.com/office/2006/metadata/properties/metaAttributes" ct:_="" ma:_="" ma:contentTypeName="Document" ma:contentTypeID="0x010100D717D047DAB2764FBE8B85865ADF125C" ma:contentTypeVersion="0" ma:contentTypeDescription="Create a new document." ma:contentTypeScope="" ma:versionID="3154522c01a2510568c44eaa3f86772f">
   <xsd:schema xmlns:xsd="http://www.w3.org/2001/XMLSchema" xmlns:xs="http://www.w3.org/2001/XMLSchema" xmlns:p="http://schemas.microsoft.com/office/2006/metadata/properties" targetNamespace="http://schemas.microsoft.com/office/2006/metadata/properties" ma:root="true" ma:fieldsID="1b05d82d297216baf5b26c55225140df">
     <xsd:element name="properties">
@@ -24188,6 +24191,15 @@
 </ct:contentTypeSchema>
 </file>
 
+<file path=customXml/item3.xml><?xml version="1.0" encoding="utf-8"?>
+<?mso-contentType ?>
+<FormTemplates xmlns="http://schemas.microsoft.com/sharepoint/v3/contenttype/forms">
+  <Display>DocumentLibraryForm</Display>
+  <Edit>DocumentLibraryForm</Edit>
+  <New>DocumentLibraryForm</New>
+</FormTemplates>
+</file>
+
 <file path=customXml/itemProps1.xml><?xml version="1.0" encoding="utf-8"?>
 <ds:datastoreItem xmlns:ds="http://schemas.openxmlformats.org/officeDocument/2006/customXml" ds:itemID="{C530F82F-BEB8-4CE5-BAAE-EC5C7B644B7C}">
   <ds:schemaRefs>
@@ -24204,14 +24216,6 @@
 </file>
 
 <file path=customXml/itemProps2.xml><?xml version="1.0" encoding="utf-8"?>
-<ds:datastoreItem xmlns:ds="http://schemas.openxmlformats.org/officeDocument/2006/customXml" ds:itemID="{E49E43F2-009D-4FD5-9629-B1B9A3DF71DA}">
-  <ds:schemaRefs>
-    <ds:schemaRef ds:uri="http://schemas.microsoft.com/sharepoint/v3/contenttype/forms"/>
-  </ds:schemaRefs>
-</ds:datastoreItem>
-</file>
-
-<file path=customXml/itemProps3.xml><?xml version="1.0" encoding="utf-8"?>
 <ds:datastoreItem xmlns:ds="http://schemas.openxmlformats.org/officeDocument/2006/customXml" ds:itemID="{959784AE-7718-4684-9BBC-9AAC52D5A526}">
   <ds:schemaRefs>
     <ds:schemaRef ds:uri="http://schemas.microsoft.com/office/2006/metadata/contentType"/>
@@ -24225,4 +24229,12 @@
     <ds:schemaRef ds:uri="http://schemas.microsoft.com/office/infopath/2007/PartnerControls"/>
   </ds:schemaRefs>
 </ds:datastoreItem>
+</file>
+
+<file path=customXml/itemProps3.xml><?xml version="1.0" encoding="utf-8"?>
+<ds:datastoreItem xmlns:ds="http://schemas.openxmlformats.org/officeDocument/2006/customXml" ds:itemID="{E49E43F2-009D-4FD5-9629-B1B9A3DF71DA}">
+  <ds:schemaRefs>
+    <ds:schemaRef ds:uri="http://schemas.microsoft.com/sharepoint/v3/contenttype/forms"/>
+  </ds:schemaRefs>
+</ds:datastoreItem>
 </file>
--- a/SQL/Day 2 Filtering and Ordering/Filtering and Ordering.pptx
+++ b/SQL/Day 2 Filtering and Ordering/Filtering and Ordering.pptx
@@ -21962,12 +21962,25 @@
             <a:r>
               <a:rPr lang="en-US" b="0" i="0" dirty="0">
                 <a:solidFill>
+                  <a:schemeClr val="tx2">
+                    <a:lumMod val="60000"/>
+                    <a:lumOff val="40000"/>
+                  </a:schemeClr>
+                </a:solidFill>
+                <a:effectLst/>
+                <a:latin typeface="Söhne Mono"/>
+              </a:rPr>
+              <a:t>WHERE</a:t>
+            </a:r>
+            <a:r>
+              <a:rPr lang="en-US" b="0" i="0" dirty="0">
+                <a:solidFill>
                   <a:srgbClr val="00A67D"/>
                 </a:solidFill>
                 <a:effectLst/>
                 <a:latin typeface="Söhne Mono"/>
               </a:rPr>
-              <a:t>WHERE </a:t>
+              <a:t> </a:t>
             </a:r>
             <a:r>
               <a:rPr lang="en-US" b="0" i="0" dirty="0" err="1">
@@ -21987,7 +22000,7 @@
                 <a:effectLst/>
                 <a:latin typeface="Söhne Mono"/>
               </a:rPr>
-              <a:t> </a:t>
+              <a:t> &lt;</a:t>
             </a:r>
             <a:r>
               <a:rPr lang="en-US" b="0" i="0" dirty="0">
@@ -21997,28 +22010,15 @@
                 <a:effectLst/>
                 <a:latin typeface="Söhne Mono"/>
               </a:rPr>
-              <a:t>&lt; '</a:t>
-            </a:r>
-            <a:r>
-              <a:rPr lang="en-US" b="0" i="0" dirty="0">
-                <a:solidFill>
-                  <a:srgbClr val="DF3079"/>
-                </a:solidFill>
-                <a:effectLst/>
-                <a:latin typeface="Söhne Mono"/>
-              </a:rPr>
-              <a:t>2023-01-01</a:t>
-            </a:r>
-            <a:r>
-              <a:rPr lang="en-US" b="0" i="0" dirty="0">
-                <a:solidFill>
-                  <a:srgbClr val="FFFFFF"/>
-                </a:solidFill>
-                <a:effectLst/>
-                <a:latin typeface="Söhne Mono"/>
-              </a:rPr>
-              <a:t>’</a:t>
-            </a:r>
+              <a:t> ‘2023-01-01’</a:t>
+            </a:r>
+            <a:endParaRPr lang="en-US" b="0" i="0" dirty="0">
+              <a:solidFill>
+                <a:srgbClr val="F5857E"/>
+              </a:solidFill>
+              <a:effectLst/>
+              <a:latin typeface="Söhne Mono"/>
+            </a:endParaRPr>
           </a:p>
           <a:p>
             <a:pPr lvl="2"/>
@@ -24078,6 +24078,15 @@
 </file>
 
 <file path=customXml/item2.xml><?xml version="1.0" encoding="utf-8"?>
+<?mso-contentType ?>
+<FormTemplates xmlns="http://schemas.microsoft.com/sharepoint/v3/contenttype/forms">
+  <Display>DocumentLibraryForm</Display>
+  <Edit>DocumentLibraryForm</Edit>
+  <New>DocumentLibraryForm</New>
+</FormTemplates>
+</file>
+
+<file path=customXml/item3.xml><?xml version="1.0" encoding="utf-8"?>
 <ct:contentTypeSchema xmlns:ct="http://schemas.microsoft.com/office/2006/metadata/contentType" xmlns:ma="http://schemas.microsoft.com/office/2006/metadata/properties/metaAttributes" ct:_="" ma:_="" ma:contentTypeName="Document" ma:contentTypeID="0x010100D717D047DAB2764FBE8B85865ADF125C" ma:contentTypeVersion="0" ma:contentTypeDescription="Create a new document." ma:contentTypeScope="" ma:versionID="3154522c01a2510568c44eaa3f86772f">
   <xsd:schema xmlns:xsd="http://www.w3.org/2001/XMLSchema" xmlns:xs="http://www.w3.org/2001/XMLSchema" xmlns:p="http://schemas.microsoft.com/office/2006/metadata/properties" targetNamespace="http://schemas.microsoft.com/office/2006/metadata/properties" ma:root="true" ma:fieldsID="1b05d82d297216baf5b26c55225140df">
     <xsd:element name="properties">
@@ -24191,15 +24200,6 @@
 </ct:contentTypeSchema>
 </file>
 
-<file path=customXml/item3.xml><?xml version="1.0" encoding="utf-8"?>
-<?mso-contentType ?>
-<FormTemplates xmlns="http://schemas.microsoft.com/sharepoint/v3/contenttype/forms">
-  <Display>DocumentLibraryForm</Display>
-  <Edit>DocumentLibraryForm</Edit>
-  <New>DocumentLibraryForm</New>
-</FormTemplates>
-</file>
-
 <file path=customXml/itemProps1.xml><?xml version="1.0" encoding="utf-8"?>
 <ds:datastoreItem xmlns:ds="http://schemas.openxmlformats.org/officeDocument/2006/customXml" ds:itemID="{C530F82F-BEB8-4CE5-BAAE-EC5C7B644B7C}">
   <ds:schemaRefs>
@@ -24216,6 +24216,14 @@
 </file>
 
 <file path=customXml/itemProps2.xml><?xml version="1.0" encoding="utf-8"?>
+<ds:datastoreItem xmlns:ds="http://schemas.openxmlformats.org/officeDocument/2006/customXml" ds:itemID="{E49E43F2-009D-4FD5-9629-B1B9A3DF71DA}">
+  <ds:schemaRefs>
+    <ds:schemaRef ds:uri="http://schemas.microsoft.com/sharepoint/v3/contenttype/forms"/>
+  </ds:schemaRefs>
+</ds:datastoreItem>
+</file>
+
+<file path=customXml/itemProps3.xml><?xml version="1.0" encoding="utf-8"?>
 <ds:datastoreItem xmlns:ds="http://schemas.openxmlformats.org/officeDocument/2006/customXml" ds:itemID="{959784AE-7718-4684-9BBC-9AAC52D5A526}">
   <ds:schemaRefs>
     <ds:schemaRef ds:uri="http://schemas.microsoft.com/office/2006/metadata/contentType"/>
@@ -24229,12 +24237,4 @@
     <ds:schemaRef ds:uri="http://schemas.microsoft.com/office/infopath/2007/PartnerControls"/>
   </ds:schemaRefs>
 </ds:datastoreItem>
-</file>
-
-<file path=customXml/itemProps3.xml><?xml version="1.0" encoding="utf-8"?>
-<ds:datastoreItem xmlns:ds="http://schemas.openxmlformats.org/officeDocument/2006/customXml" ds:itemID="{E49E43F2-009D-4FD5-9629-B1B9A3DF71DA}">
-  <ds:schemaRefs>
-    <ds:schemaRef ds:uri="http://schemas.microsoft.com/sharepoint/v3/contenttype/forms"/>
-  </ds:schemaRefs>
-</ds:datastoreItem>
 </file>
--- a/SQL/Day 2 Filtering and Ordering/Filtering and Ordering.pptx
+++ b/SQL/Day 2 Filtering and Ordering/Filtering and Ordering.pptx
@@ -8,10 +8,10 @@
     <p:sldMasterId id="2147493470" r:id="rId7"/>
   </p:sldMasterIdLst>
   <p:notesMasterIdLst>
-    <p:notesMasterId r:id="rId35"/>
+    <p:notesMasterId r:id="rId31"/>
   </p:notesMasterIdLst>
   <p:handoutMasterIdLst>
-    <p:handoutMasterId r:id="rId36"/>
+    <p:handoutMasterId r:id="rId32"/>
   </p:handoutMasterIdLst>
   <p:sldIdLst>
     <p:sldId id="256" r:id="rId8"/>
@@ -20,27 +20,23 @@
     <p:sldId id="312" r:id="rId11"/>
     <p:sldId id="313" r:id="rId12"/>
     <p:sldId id="374" r:id="rId13"/>
-    <p:sldId id="375" r:id="rId14"/>
-    <p:sldId id="314" r:id="rId15"/>
-    <p:sldId id="341" r:id="rId16"/>
-    <p:sldId id="344" r:id="rId17"/>
-    <p:sldId id="357" r:id="rId18"/>
-    <p:sldId id="363" r:id="rId19"/>
-    <p:sldId id="367" r:id="rId20"/>
-    <p:sldId id="365" r:id="rId21"/>
-    <p:sldId id="343" r:id="rId22"/>
-    <p:sldId id="345" r:id="rId23"/>
-    <p:sldId id="369" r:id="rId24"/>
-    <p:sldId id="370" r:id="rId25"/>
-    <p:sldId id="372" r:id="rId26"/>
-    <p:sldId id="377" r:id="rId27"/>
-    <p:sldId id="404" r:id="rId28"/>
-    <p:sldId id="340" r:id="rId29"/>
-    <p:sldId id="405" r:id="rId30"/>
-    <p:sldId id="407" r:id="rId31"/>
-    <p:sldId id="408" r:id="rId32"/>
-    <p:sldId id="409" r:id="rId33"/>
-    <p:sldId id="406" r:id="rId34"/>
+    <p:sldId id="314" r:id="rId14"/>
+    <p:sldId id="341" r:id="rId15"/>
+    <p:sldId id="344" r:id="rId16"/>
+    <p:sldId id="357" r:id="rId17"/>
+    <p:sldId id="363" r:id="rId18"/>
+    <p:sldId id="367" r:id="rId19"/>
+    <p:sldId id="365" r:id="rId20"/>
+    <p:sldId id="343" r:id="rId21"/>
+    <p:sldId id="345" r:id="rId22"/>
+    <p:sldId id="369" r:id="rId23"/>
+    <p:sldId id="370" r:id="rId24"/>
+    <p:sldId id="372" r:id="rId25"/>
+    <p:sldId id="377" r:id="rId26"/>
+    <p:sldId id="407" r:id="rId27"/>
+    <p:sldId id="408" r:id="rId28"/>
+    <p:sldId id="409" r:id="rId29"/>
+    <p:sldId id="406" r:id="rId30"/>
   </p:sldIdLst>
   <p:sldSz cx="9144000" cy="6858000" type="screen4x3"/>
   <p:notesSz cx="7010400" cy="9296400"/>
@@ -188,7 +184,6 @@
         <p14:section name="Clauses Order" id="{6E97451E-36D2-7340-BD5A-3B564009907F}">
           <p14:sldIdLst>
             <p14:sldId id="374"/>
-            <p14:sldId id="375"/>
           </p14:sldIdLst>
         </p14:section>
         <p14:section name="Where Clause" id="{370423A0-79E9-CA43-95FB-BC4C086B42CD}">
@@ -222,13 +217,6 @@
         <p14:section name="Summary" id="{CA1A6839-27B0-BD47-8F78-EBE9E4FA568F}">
           <p14:sldIdLst>
             <p14:sldId id="377"/>
-          </p14:sldIdLst>
-        </p14:section>
-        <p14:section name="Querying Tables" id="{94B4DAB3-0118-0F4E-8E94-2BB8ACE9EF48}">
-          <p14:sldIdLst>
-            <p14:sldId id="404"/>
-            <p14:sldId id="340"/>
-            <p14:sldId id="405"/>
           </p14:sldIdLst>
         </p14:section>
         <p14:section name="Hands On Examples" id="{C38701D3-9A03-2D48-9EA8-A6FC0E442EC6}">
@@ -381,7 +369,7 @@
               <a:pPr>
                 <a:defRPr/>
               </a:pPr>
-              <a:t>3/5/24</a:t>
+              <a:t>3/12/25</a:t>
             </a:fld>
             <a:endParaRPr lang="en-US" dirty="0"/>
           </a:p>
@@ -591,7 +579,7 @@
               <a:pPr>
                 <a:defRPr/>
               </a:pPr>
-              <a:t>3/5/24</a:t>
+              <a:t>3/12/25</a:t>
             </a:fld>
             <a:endParaRPr lang="en-US" dirty="0"/>
           </a:p>
@@ -1271,7 +1259,7 @@
                 <a:effectLst/>
                 <a:latin typeface="Söhne"/>
               </a:rPr>
-              <a:t>When dealing with NULL values in SQL, it's crucial to use the correct operators for checking.</a:t>
+              <a:t>In SQL, you have powerful operators to combine multiple filter criteria in the WHERE clause.</a:t>
             </a:r>
           </a:p>
           <a:p>
@@ -1280,6 +1268,16 @@
               <a:buChar char="•"/>
             </a:pPr>
             <a:r>
+              <a:rPr lang="en-US" b="1" i="0" dirty="0">
+                <a:solidFill>
+                  <a:srgbClr val="374151"/>
+                </a:solidFill>
+                <a:effectLst/>
+                <a:latin typeface="Söhne"/>
+              </a:rPr>
+              <a:t>AND</a:t>
+            </a:r>
+            <a:r>
               <a:rPr lang="en-US" b="0" i="0" dirty="0">
                 <a:solidFill>
                   <a:srgbClr val="374151"/>
@@ -1287,7 +1285,7 @@
                 <a:effectLst/>
                 <a:latin typeface="Söhne"/>
               </a:rPr>
-              <a:t>Using "= NULL" won't return the expected results, as it doesn't work for NULL values. Instead, use "IS NULL" to check for NULLs.</a:t>
+              <a:t> ensures that ALL specified conditions must be TRUE for a row to be included in the result.</a:t>
             </a:r>
           </a:p>
           <a:p>
@@ -1296,6 +1294,16 @@
               <a:buChar char="•"/>
             </a:pPr>
             <a:r>
+              <a:rPr lang="en-US" b="1" i="0" dirty="0">
+                <a:solidFill>
+                  <a:srgbClr val="374151"/>
+                </a:solidFill>
+                <a:effectLst/>
+                <a:latin typeface="Söhne"/>
+              </a:rPr>
+              <a:t>OR</a:t>
+            </a:r>
+            <a:r>
               <a:rPr lang="en-US" b="0" i="0" dirty="0">
                 <a:solidFill>
                   <a:srgbClr val="374151"/>
@@ -1303,7 +1311,49 @@
                 <a:effectLst/>
                 <a:latin typeface="Söhne"/>
               </a:rPr>
-              <a:t>To exclude NULL values, you can use "IS NOT NULL." These operators are essential for handling missing or unknown data in your queries accurately.</a:t>
+              <a:t> includes rows if ANY of the specified conditions is TRUE.</a:t>
+            </a:r>
+          </a:p>
+          <a:p>
+            <a:pPr algn="l">
+              <a:buFont typeface="Arial" panose="020B0604020202020204" pitchFamily="34" charset="0"/>
+              <a:buChar char="•"/>
+            </a:pPr>
+            <a:r>
+              <a:rPr lang="en-US" b="1" i="0" dirty="0">
+                <a:solidFill>
+                  <a:srgbClr val="374151"/>
+                </a:solidFill>
+                <a:effectLst/>
+                <a:latin typeface="Söhne"/>
+              </a:rPr>
+              <a:t>NOT</a:t>
+            </a:r>
+            <a:r>
+              <a:rPr lang="en-US" b="0" i="0" dirty="0">
+                <a:solidFill>
+                  <a:srgbClr val="374151"/>
+                </a:solidFill>
+                <a:effectLst/>
+                <a:latin typeface="Söhne"/>
+              </a:rPr>
+              <a:t> is used to reverse a condition, excluding rows that meet the specified criteria.</a:t>
+            </a:r>
+          </a:p>
+          <a:p>
+            <a:pPr algn="l">
+              <a:buFont typeface="Arial" panose="020B0604020202020204" pitchFamily="34" charset="0"/>
+              <a:buChar char="•"/>
+            </a:pPr>
+            <a:r>
+              <a:rPr lang="en-US" b="0" i="0" dirty="0">
+                <a:solidFill>
+                  <a:srgbClr val="374151"/>
+                </a:solidFill>
+                <a:effectLst/>
+                <a:latin typeface="Söhne"/>
+              </a:rPr>
+              <a:t>These operators allow you to create complex filter rules, group conditions, and implement inclusion or exclusion rules in your queries, making them highly flexible and adaptable to various scenarios.</a:t>
             </a:r>
           </a:p>
           <a:p>
@@ -1343,7 +1393,7 @@
     </p:spTree>
     <p:extLst>
       <p:ext uri="{BB962C8B-B14F-4D97-AF65-F5344CB8AC3E}">
-        <p14:creationId xmlns:p14="http://schemas.microsoft.com/office/powerpoint/2010/main" val="1936614837"/>
+        <p14:creationId xmlns:p14="http://schemas.microsoft.com/office/powerpoint/2010/main" val="1222347197"/>
       </p:ext>
     </p:extLst>
   </p:cSld>
@@ -1429,7 +1479,27 @@
                 <a:effectLst/>
                 <a:latin typeface="Söhne"/>
               </a:rPr>
-              <a:t>In SQL, you have powerful operators to combine multiple filter criteria in the WHERE clause.</a:t>
+              <a:t>The </a:t>
+            </a:r>
+            <a:r>
+              <a:rPr lang="en-US" b="1" i="0" dirty="0">
+                <a:solidFill>
+                  <a:srgbClr val="374151"/>
+                </a:solidFill>
+                <a:effectLst/>
+                <a:latin typeface="Söhne"/>
+              </a:rPr>
+              <a:t>AND</a:t>
+            </a:r>
+            <a:r>
+              <a:rPr lang="en-US" b="0" i="0" dirty="0">
+                <a:solidFill>
+                  <a:srgbClr val="374151"/>
+                </a:solidFill>
+                <a:effectLst/>
+                <a:latin typeface="Söhne"/>
+              </a:rPr>
+              <a:t> operator in SQL is used to narrow down query results by requiring rows to satisfy ALL specified conditions.</a:t>
             </a:r>
           </a:p>
           <a:p>
@@ -1438,24 +1508,14 @@
               <a:buChar char="•"/>
             </a:pPr>
             <a:r>
-              <a:rPr lang="en-US" b="1" i="0" dirty="0">
+              <a:rPr lang="en-US" b="0" i="0" dirty="0">
                 <a:solidFill>
                   <a:srgbClr val="374151"/>
                 </a:solidFill>
                 <a:effectLst/>
                 <a:latin typeface="Söhne"/>
               </a:rPr>
-              <a:t>AND</a:t>
-            </a:r>
-            <a:r>
-              <a:rPr lang="en-US" b="0" i="0" dirty="0">
-                <a:solidFill>
-                  <a:srgbClr val="374151"/>
-                </a:solidFill>
-                <a:effectLst/>
-                <a:latin typeface="Söhne"/>
-              </a:rPr>
-              <a:t> ensures that ALL specified conditions must be TRUE for a row to be included in the result.</a:t>
+              <a:t>It's especially useful in scenarios where you want to filter data based on specific segments, dimensions, or strict definitions.</a:t>
             </a:r>
           </a:p>
           <a:p>
@@ -1464,6 +1524,16 @@
               <a:buChar char="•"/>
             </a:pPr>
             <a:r>
+              <a:rPr lang="en-US" b="0" i="0" dirty="0">
+                <a:solidFill>
+                  <a:srgbClr val="374151"/>
+                </a:solidFill>
+                <a:effectLst/>
+                <a:latin typeface="Söhne"/>
+              </a:rPr>
+              <a:t>In the provided example, we are using </a:t>
+            </a:r>
+            <a:r>
               <a:rPr lang="en-US" b="1" i="0" dirty="0">
                 <a:solidFill>
                   <a:srgbClr val="374151"/>
@@ -1471,7 +1541,7 @@
                 <a:effectLst/>
                 <a:latin typeface="Söhne"/>
               </a:rPr>
-              <a:t>OR</a:t>
+              <a:t>AND</a:t>
             </a:r>
             <a:r>
               <a:rPr lang="en-US" b="0" i="0" dirty="0">
@@ -1481,49 +1551,7 @@
                 <a:effectLst/>
                 <a:latin typeface="Söhne"/>
               </a:rPr>
-              <a:t> includes rows if ANY of the specified conditions is TRUE.</a:t>
-            </a:r>
-          </a:p>
-          <a:p>
-            <a:pPr algn="l">
-              <a:buFont typeface="Arial" panose="020B0604020202020204" pitchFamily="34" charset="0"/>
-              <a:buChar char="•"/>
-            </a:pPr>
-            <a:r>
-              <a:rPr lang="en-US" b="1" i="0" dirty="0">
-                <a:solidFill>
-                  <a:srgbClr val="374151"/>
-                </a:solidFill>
-                <a:effectLst/>
-                <a:latin typeface="Söhne"/>
-              </a:rPr>
-              <a:t>NOT</a:t>
-            </a:r>
-            <a:r>
-              <a:rPr lang="en-US" b="0" i="0" dirty="0">
-                <a:solidFill>
-                  <a:srgbClr val="374151"/>
-                </a:solidFill>
-                <a:effectLst/>
-                <a:latin typeface="Söhne"/>
-              </a:rPr>
-              <a:t> is used to reverse a condition, excluding rows that meet the specified criteria.</a:t>
-            </a:r>
-          </a:p>
-          <a:p>
-            <a:pPr algn="l">
-              <a:buFont typeface="Arial" panose="020B0604020202020204" pitchFamily="34" charset="0"/>
-              <a:buChar char="•"/>
-            </a:pPr>
-            <a:r>
-              <a:rPr lang="en-US" b="0" i="0" dirty="0">
-                <a:solidFill>
-                  <a:srgbClr val="374151"/>
-                </a:solidFill>
-                <a:effectLst/>
-                <a:latin typeface="Söhne"/>
-              </a:rPr>
-              <a:t>These operators allow you to create complex filter rules, group conditions, and implement inclusion or exclusion rules in your queries, making them highly flexible and adaptable to various scenarios.</a:t>
+              <a:t> to filter rows where the region is 'West' and sales are greater than $100,000. Only rows that meet both of these criteria will be included in the result set.</a:t>
             </a:r>
           </a:p>
           <a:p>
@@ -1563,7 +1591,7 @@
     </p:spTree>
     <p:extLst>
       <p:ext uri="{BB962C8B-B14F-4D97-AF65-F5344CB8AC3E}">
-        <p14:creationId xmlns:p14="http://schemas.microsoft.com/office/powerpoint/2010/main" val="1222347197"/>
+        <p14:creationId xmlns:p14="http://schemas.microsoft.com/office/powerpoint/2010/main" val="3977702411"/>
       </p:ext>
     </p:extLst>
   </p:cSld>
@@ -1621,7 +1649,7 @@
             <a:r>
               <a:rPr lang="en-US" b="0" i="1" dirty="0">
                 <a:solidFill>
-                  <a:srgbClr val="374151"/>
+                  <a:srgbClr val="000000"/>
                 </a:solidFill>
                 <a:effectLst/>
                 <a:latin typeface="Söhne"/>
@@ -1630,7 +1658,7 @@
             </a:r>
             <a:endParaRPr lang="en-US" b="0" i="0" dirty="0">
               <a:solidFill>
-                <a:srgbClr val="374151"/>
+                <a:srgbClr val="000000"/>
               </a:solidFill>
               <a:effectLst/>
               <a:latin typeface="Söhne"/>
@@ -1644,7 +1672,7 @@
             <a:r>
               <a:rPr lang="en-US" b="0" i="0" dirty="0">
                 <a:solidFill>
-                  <a:srgbClr val="374151"/>
+                  <a:srgbClr val="000000"/>
                 </a:solidFill>
                 <a:effectLst/>
                 <a:latin typeface="Söhne"/>
@@ -1654,22 +1682,22 @@
             <a:r>
               <a:rPr lang="en-US" b="1" i="0" dirty="0">
                 <a:solidFill>
-                  <a:srgbClr val="374151"/>
-                </a:solidFill>
-                <a:effectLst/>
-                <a:latin typeface="Söhne"/>
-              </a:rPr>
-              <a:t>AND</a:t>
+                  <a:srgbClr val="000000"/>
+                </a:solidFill>
+                <a:effectLst/>
+                <a:latin typeface="Söhne"/>
+              </a:rPr>
+              <a:t>NOT</a:t>
             </a:r>
             <a:r>
               <a:rPr lang="en-US" b="0" i="0" dirty="0">
                 <a:solidFill>
-                  <a:srgbClr val="374151"/>
-                </a:solidFill>
-                <a:effectLst/>
-                <a:latin typeface="Söhne"/>
-              </a:rPr>
-              <a:t> operator in SQL is used to narrow down query results by requiring rows to satisfy ALL specified conditions.</a:t>
+                  <a:srgbClr val="000000"/>
+                </a:solidFill>
+                <a:effectLst/>
+                <a:latin typeface="Söhne"/>
+              </a:rPr>
+              <a:t> operator in SQL is used to reverse the logic of filter conditions, excluding rows that match the specified criteria.</a:t>
             </a:r>
           </a:p>
           <a:p>
@@ -1680,12 +1708,12 @@
             <a:r>
               <a:rPr lang="en-US" b="0" i="0" dirty="0">
                 <a:solidFill>
-                  <a:srgbClr val="374151"/>
-                </a:solidFill>
-                <a:effectLst/>
-                <a:latin typeface="Söhne"/>
-              </a:rPr>
-              <a:t>It's especially useful in scenarios where you want to filter data based on specific segments, dimensions, or strict definitions.</a:t>
+                  <a:srgbClr val="000000"/>
+                </a:solidFill>
+                <a:effectLst/>
+                <a:latin typeface="Söhne"/>
+              </a:rPr>
+              <a:t>This can be valuable in various scenarios, such as exception reporting, data quality checks, or creating complementary data slices.</a:t>
             </a:r>
           </a:p>
           <a:p>
@@ -1696,33 +1724,72 @@
             <a:r>
               <a:rPr lang="en-US" b="0" i="0" dirty="0">
                 <a:solidFill>
-                  <a:srgbClr val="374151"/>
-                </a:solidFill>
-                <a:effectLst/>
-                <a:latin typeface="Söhne"/>
-              </a:rPr>
-              <a:t>In the provided example, we are using </a:t>
+                  <a:srgbClr val="000000"/>
+                </a:solidFill>
+                <a:effectLst/>
+                <a:latin typeface="Söhne"/>
+              </a:rPr>
+              <a:t>In the provided example, we use </a:t>
             </a:r>
             <a:r>
               <a:rPr lang="en-US" b="1" i="0" dirty="0">
                 <a:solidFill>
-                  <a:srgbClr val="374151"/>
-                </a:solidFill>
-                <a:effectLst/>
-                <a:latin typeface="Söhne"/>
-              </a:rPr>
-              <a:t>AND</a:t>
+                  <a:srgbClr val="000000"/>
+                </a:solidFill>
+                <a:effectLst/>
+                <a:latin typeface="Söhne"/>
+              </a:rPr>
+              <a:t>NOT</a:t>
             </a:r>
             <a:r>
               <a:rPr lang="en-US" b="0" i="0" dirty="0">
                 <a:solidFill>
-                  <a:srgbClr val="374151"/>
-                </a:solidFill>
-                <a:effectLst/>
-                <a:latin typeface="Söhne"/>
-              </a:rPr>
-              <a:t> to filter rows where the region is 'West' and sales are greater than $100,000. Only rows that meet both of these criteria will be included in the result set.</a:t>
-            </a:r>
+                  <a:srgbClr val="000000"/>
+                </a:solidFill>
+                <a:effectLst/>
+                <a:latin typeface="Söhne"/>
+              </a:rPr>
+              <a:t> to exclude rows where the "</a:t>
+            </a:r>
+            <a:r>
+              <a:rPr lang="en-US" b="0" i="0" dirty="0" err="1">
+                <a:solidFill>
+                  <a:srgbClr val="000000"/>
+                </a:solidFill>
+                <a:effectLst/>
+                <a:latin typeface="Söhne"/>
+              </a:rPr>
+              <a:t>LastOrdered</a:t>
+            </a:r>
+            <a:r>
+              <a:rPr lang="en-US" b="0" i="0" dirty="0">
+                <a:solidFill>
+                  <a:srgbClr val="000000"/>
+                </a:solidFill>
+                <a:effectLst/>
+                <a:latin typeface="Söhne"/>
+              </a:rPr>
+              <a:t>" value is NULL, helping us identify customers who have placed orders recently.</a:t>
+            </a:r>
+          </a:p>
+          <a:p>
+            <a:pPr algn="l"/>
+            <a:br>
+              <a:rPr lang="en-US" b="0" i="0" dirty="0">
+                <a:solidFill>
+                  <a:srgbClr val="000000"/>
+                </a:solidFill>
+                <a:effectLst/>
+                <a:latin typeface="Söhne"/>
+              </a:rPr>
+            </a:br>
+            <a:endParaRPr lang="en-US" b="0" i="0" dirty="0">
+              <a:solidFill>
+                <a:srgbClr val="000000"/>
+              </a:solidFill>
+              <a:effectLst/>
+              <a:latin typeface="Söhne"/>
+            </a:endParaRPr>
           </a:p>
           <a:p>
             <a:endParaRPr lang="en-US" dirty="0"/>
@@ -1761,7 +1828,7 @@
     </p:spTree>
     <p:extLst>
       <p:ext uri="{BB962C8B-B14F-4D97-AF65-F5344CB8AC3E}">
-        <p14:creationId xmlns:p14="http://schemas.microsoft.com/office/powerpoint/2010/main" val="3977702411"/>
+        <p14:creationId xmlns:p14="http://schemas.microsoft.com/office/powerpoint/2010/main" val="1748907056"/>
       </p:ext>
     </p:extLst>
   </p:cSld>
@@ -1819,7 +1886,7 @@
             <a:r>
               <a:rPr lang="en-US" b="0" i="1" dirty="0">
                 <a:solidFill>
-                  <a:srgbClr val="000000"/>
+                  <a:srgbClr val="374151"/>
                 </a:solidFill>
                 <a:effectLst/>
                 <a:latin typeface="Söhne"/>
@@ -1828,7 +1895,7 @@
             </a:r>
             <a:endParaRPr lang="en-US" b="0" i="0" dirty="0">
               <a:solidFill>
-                <a:srgbClr val="000000"/>
+                <a:srgbClr val="374151"/>
               </a:solidFill>
               <a:effectLst/>
               <a:latin typeface="Söhne"/>
@@ -1842,32 +1909,32 @@
             <a:r>
               <a:rPr lang="en-US" b="0" i="0" dirty="0">
                 <a:solidFill>
-                  <a:srgbClr val="000000"/>
-                </a:solidFill>
-                <a:effectLst/>
-                <a:latin typeface="Söhne"/>
-              </a:rPr>
-              <a:t>The </a:t>
+                  <a:srgbClr val="374151"/>
+                </a:solidFill>
+                <a:effectLst/>
+                <a:latin typeface="Söhne"/>
+              </a:rPr>
+              <a:t>In SQL, the </a:t>
             </a:r>
             <a:r>
               <a:rPr lang="en-US" b="1" i="0" dirty="0">
                 <a:solidFill>
-                  <a:srgbClr val="000000"/>
-                </a:solidFill>
-                <a:effectLst/>
-                <a:latin typeface="Söhne"/>
-              </a:rPr>
-              <a:t>NOT</a:t>
+                  <a:srgbClr val="374151"/>
+                </a:solidFill>
+                <a:effectLst/>
+                <a:latin typeface="Söhne"/>
+              </a:rPr>
+              <a:t>OR</a:t>
             </a:r>
             <a:r>
               <a:rPr lang="en-US" b="0" i="0" dirty="0">
                 <a:solidFill>
-                  <a:srgbClr val="000000"/>
-                </a:solidFill>
-                <a:effectLst/>
-                <a:latin typeface="Söhne"/>
-              </a:rPr>
-              <a:t> operator in SQL is used to reverse the logic of filter conditions, excluding rows that match the specified criteria.</a:t>
+                  <a:srgbClr val="374151"/>
+                </a:solidFill>
+                <a:effectLst/>
+                <a:latin typeface="Söhne"/>
+              </a:rPr>
+              <a:t> operator broadens filter criteria, enabling rows to match if they meet ANY of the specified conditions.</a:t>
             </a:r>
           </a:p>
           <a:p>
@@ -1878,12 +1945,12 @@
             <a:r>
               <a:rPr lang="en-US" b="0" i="0" dirty="0">
                 <a:solidFill>
-                  <a:srgbClr val="000000"/>
-                </a:solidFill>
-                <a:effectLst/>
-                <a:latin typeface="Söhne"/>
-              </a:rPr>
-              <a:t>This can be valuable in various scenarios, such as exception reporting, data quality checks, or creating complementary data slices.</a:t>
+                  <a:srgbClr val="374151"/>
+                </a:solidFill>
+                <a:effectLst/>
+                <a:latin typeface="Söhne"/>
+              </a:rPr>
+              <a:t>This flexibility is valuable for various scenarios where you want to search for multiple options, group data into buckets, or accommodate different criteria variations.</a:t>
             </a:r>
           </a:p>
           <a:p>
@@ -1894,7 +1961,7 @@
             <a:r>
               <a:rPr lang="en-US" b="0" i="0" dirty="0">
                 <a:solidFill>
-                  <a:srgbClr val="000000"/>
+                  <a:srgbClr val="374151"/>
                 </a:solidFill>
                 <a:effectLst/>
                 <a:latin typeface="Söhne"/>
@@ -1904,62 +1971,23 @@
             <a:r>
               <a:rPr lang="en-US" b="1" i="0" dirty="0">
                 <a:solidFill>
-                  <a:srgbClr val="000000"/>
-                </a:solidFill>
-                <a:effectLst/>
-                <a:latin typeface="Söhne"/>
-              </a:rPr>
-              <a:t>NOT</a:t>
+                  <a:srgbClr val="374151"/>
+                </a:solidFill>
+                <a:effectLst/>
+                <a:latin typeface="Söhne"/>
+              </a:rPr>
+              <a:t>OR</a:t>
             </a:r>
             <a:r>
               <a:rPr lang="en-US" b="0" i="0" dirty="0">
                 <a:solidFill>
-                  <a:srgbClr val="000000"/>
-                </a:solidFill>
-                <a:effectLst/>
-                <a:latin typeface="Söhne"/>
-              </a:rPr>
-              <a:t> to exclude rows where the "</a:t>
-            </a:r>
-            <a:r>
-              <a:rPr lang="en-US" b="0" i="0" dirty="0" err="1">
-                <a:solidFill>
-                  <a:srgbClr val="000000"/>
-                </a:solidFill>
-                <a:effectLst/>
-                <a:latin typeface="Söhne"/>
-              </a:rPr>
-              <a:t>LastOrdered</a:t>
-            </a:r>
-            <a:r>
-              <a:rPr lang="en-US" b="0" i="0" dirty="0">
-                <a:solidFill>
-                  <a:srgbClr val="000000"/>
-                </a:solidFill>
-                <a:effectLst/>
-                <a:latin typeface="Söhne"/>
-              </a:rPr>
-              <a:t>" value is NULL, helping us identify customers who have placed orders recently.</a:t>
-            </a:r>
-          </a:p>
-          <a:p>
-            <a:pPr algn="l"/>
-            <a:br>
-              <a:rPr lang="en-US" b="0" i="0" dirty="0">
-                <a:solidFill>
-                  <a:srgbClr val="000000"/>
-                </a:solidFill>
-                <a:effectLst/>
-                <a:latin typeface="Söhne"/>
-              </a:rPr>
-            </a:br>
-            <a:endParaRPr lang="en-US" b="0" i="0" dirty="0">
-              <a:solidFill>
-                <a:srgbClr val="000000"/>
-              </a:solidFill>
-              <a:effectLst/>
-              <a:latin typeface="Söhne"/>
-            </a:endParaRPr>
+                  <a:srgbClr val="374151"/>
+                </a:solidFill>
+                <a:effectLst/>
+                <a:latin typeface="Söhne"/>
+              </a:rPr>
+              <a:t> to filter rows where the region is 'West' OR sales are greater than $100,000, allowing us to capture a broader set of data meeting either condition.</a:t>
+            </a:r>
           </a:p>
           <a:p>
             <a:endParaRPr lang="en-US" dirty="0"/>
@@ -1998,7 +2026,7 @@
     </p:spTree>
     <p:extLst>
       <p:ext uri="{BB962C8B-B14F-4D97-AF65-F5344CB8AC3E}">
-        <p14:creationId xmlns:p14="http://schemas.microsoft.com/office/powerpoint/2010/main" val="1748907056"/>
+        <p14:creationId xmlns:p14="http://schemas.microsoft.com/office/powerpoint/2010/main" val="2710656242"/>
       </p:ext>
     </p:extLst>
   </p:cSld>
@@ -2084,7 +2112,7 @@
                 <a:effectLst/>
                 <a:latin typeface="Söhne"/>
               </a:rPr>
-              <a:t>In SQL, the </a:t>
+              <a:t>SQL's </a:t>
             </a:r>
             <a:r>
               <a:rPr lang="en-US" b="1" i="0" dirty="0">
@@ -2094,7 +2122,7 @@
                 <a:effectLst/>
                 <a:latin typeface="Söhne"/>
               </a:rPr>
-              <a:t>OR</a:t>
+              <a:t>LIKE</a:t>
             </a:r>
             <a:r>
               <a:rPr lang="en-US" b="0" i="0" dirty="0">
@@ -2104,7 +2132,7 @@
                 <a:effectLst/>
                 <a:latin typeface="Söhne"/>
               </a:rPr>
-              <a:t> operator broadens filter criteria, enabling rows to match if they meet ANY of the specified conditions.</a:t>
+              <a:t> operator is handy when you want to match text patterns in string data, rather than exact values.</a:t>
             </a:r>
           </a:p>
           <a:p>
@@ -2120,15 +2148,25 @@
                 <a:effectLst/>
                 <a:latin typeface="Söhne"/>
               </a:rPr>
-              <a:t>This flexibility is valuable for various scenarios where you want to search for multiple options, group data into buckets, or accommodate different criteria variations.</a:t>
-            </a:r>
-          </a:p>
-          <a:p>
-            <a:pPr algn="l">
+              <a:t>It introduces two wildcards for flexible pattern matching:</a:t>
+            </a:r>
+          </a:p>
+          <a:p>
+            <a:pPr marL="742950" lvl="1" indent="-285750" algn="l">
               <a:buFont typeface="Arial" panose="020B0604020202020204" pitchFamily="34" charset="0"/>
               <a:buChar char="•"/>
             </a:pPr>
             <a:r>
+              <a:rPr lang="en-US" b="1" i="0" dirty="0">
+                <a:solidFill>
+                  <a:srgbClr val="374151"/>
+                </a:solidFill>
+                <a:effectLst/>
+                <a:latin typeface="Söhne"/>
+              </a:rPr>
+              <a:t>% (Percent sign):</a:t>
+            </a:r>
+            <a:r>
               <a:rPr lang="en-US" b="0" i="0" dirty="0">
                 <a:solidFill>
                   <a:srgbClr val="374151"/>
@@ -2136,8 +2174,14 @@
                 <a:effectLst/>
                 <a:latin typeface="Söhne"/>
               </a:rPr>
-              <a:t>In the provided example, we use </a:t>
-            </a:r>
+              <a:t> This wildcard matches zero or more characters and serves as a substitute for any set of characters.</a:t>
+            </a:r>
+          </a:p>
+          <a:p>
+            <a:pPr marL="742950" lvl="1" indent="-285750" algn="l">
+              <a:buFont typeface="Arial" panose="020B0604020202020204" pitchFamily="34" charset="0"/>
+              <a:buChar char="•"/>
+            </a:pPr>
             <a:r>
               <a:rPr lang="en-US" b="1" i="0" dirty="0">
                 <a:solidFill>
@@ -2146,7 +2190,7 @@
                 <a:effectLst/>
                 <a:latin typeface="Söhne"/>
               </a:rPr>
-              <a:t>OR</a:t>
+              <a:t>_ (Underscore):</a:t>
             </a:r>
             <a:r>
               <a:rPr lang="en-US" b="0" i="0" dirty="0">
@@ -2156,7 +2200,43 @@
                 <a:effectLst/>
                 <a:latin typeface="Söhne"/>
               </a:rPr>
-              <a:t> to filter rows where the region is 'West' OR sales are greater than $100,000, allowing us to capture a broader set of data meeting either condition.</a:t>
+              <a:t> This wildcard matches a single character and acts as a placeholder for an individual unknown character.</a:t>
+            </a:r>
+          </a:p>
+          <a:p>
+            <a:pPr algn="l">
+              <a:buFont typeface="Arial" panose="020B0604020202020204" pitchFamily="34" charset="0"/>
+              <a:buChar char="•"/>
+            </a:pPr>
+            <a:r>
+              <a:rPr lang="en-US" b="0" i="0" dirty="0">
+                <a:solidFill>
+                  <a:srgbClr val="374151"/>
+                </a:solidFill>
+                <a:effectLst/>
+                <a:latin typeface="Söhne"/>
+              </a:rPr>
+              <a:t>Using </a:t>
+            </a:r>
+            <a:r>
+              <a:rPr lang="en-US" b="1" i="0" dirty="0">
+                <a:solidFill>
+                  <a:srgbClr val="374151"/>
+                </a:solidFill>
+                <a:effectLst/>
+                <a:latin typeface="Söhne"/>
+              </a:rPr>
+              <a:t>LIKE</a:t>
+            </a:r>
+            <a:r>
+              <a:rPr lang="en-US" b="0" i="0" dirty="0">
+                <a:solidFill>
+                  <a:srgbClr val="374151"/>
+                </a:solidFill>
+                <a:effectLst/>
+                <a:latin typeface="Söhne"/>
+              </a:rPr>
+              <a:t> with wildcards opens up a wide range of possibilities for searching, filtering, and querying text data with varying patterns.</a:t>
             </a:r>
           </a:p>
           <a:p>
@@ -2196,7 +2276,7 @@
     </p:spTree>
     <p:extLst>
       <p:ext uri="{BB962C8B-B14F-4D97-AF65-F5344CB8AC3E}">
-        <p14:creationId xmlns:p14="http://schemas.microsoft.com/office/powerpoint/2010/main" val="2710656242"/>
+        <p14:creationId xmlns:p14="http://schemas.microsoft.com/office/powerpoint/2010/main" val="996173599"/>
       </p:ext>
     </p:extLst>
   </p:cSld>
@@ -2282,7 +2362,7 @@
                 <a:effectLst/>
                 <a:latin typeface="Söhne"/>
               </a:rPr>
-              <a:t>SQL's </a:t>
+              <a:t>Let's explore some practical examples of using the </a:t>
             </a:r>
             <a:r>
               <a:rPr lang="en-US" b="1" i="0" dirty="0">
@@ -2302,7 +2382,7 @@
                 <a:effectLst/>
                 <a:latin typeface="Söhne"/>
               </a:rPr>
-              <a:t> operator is handy when you want to match text patterns in string data, rather than exact values.</a:t>
+              <a:t> operator with wildcards in SQL.</a:t>
             </a:r>
           </a:p>
           <a:p>
@@ -2318,59 +2398,39 @@
                 <a:effectLst/>
                 <a:latin typeface="Söhne"/>
               </a:rPr>
-              <a:t>It introduces two wildcards for flexible pattern matching:</a:t>
-            </a:r>
-          </a:p>
-          <a:p>
-            <a:pPr marL="742950" lvl="1" indent="-285750" algn="l">
+              <a:t>In the first example, we retrieve values starting with "Data" using the pattern 'Data%'.</a:t>
+            </a:r>
+          </a:p>
+          <a:p>
+            <a:pPr algn="l">
               <a:buFont typeface="Arial" panose="020B0604020202020204" pitchFamily="34" charset="0"/>
               <a:buChar char="•"/>
             </a:pPr>
             <a:r>
-              <a:rPr lang="en-US" b="1" i="0" dirty="0">
+              <a:rPr lang="en-US" b="0" i="0" dirty="0">
                 <a:solidFill>
                   <a:srgbClr val="374151"/>
                 </a:solidFill>
                 <a:effectLst/>
                 <a:latin typeface="Söhne"/>
               </a:rPr>
-              <a:t>% (Percent sign):</a:t>
-            </a:r>
-            <a:r>
-              <a:rPr lang="en-US" b="0" i="0" dirty="0">
-                <a:solidFill>
-                  <a:srgbClr val="374151"/>
-                </a:solidFill>
-                <a:effectLst/>
-                <a:latin typeface="Söhne"/>
-              </a:rPr>
-              <a:t> This wildcard matches zero or more characters and serves as a substitute for any set of characters.</a:t>
-            </a:r>
-          </a:p>
-          <a:p>
-            <a:pPr marL="742950" lvl="1" indent="-285750" algn="l">
+              <a:t>The second example filters values starting with 2 and ending in 3 with '2%3'.</a:t>
+            </a:r>
+          </a:p>
+          <a:p>
+            <a:pPr algn="l">
               <a:buFont typeface="Arial" panose="020B0604020202020204" pitchFamily="34" charset="0"/>
               <a:buChar char="•"/>
             </a:pPr>
             <a:r>
-              <a:rPr lang="en-US" b="1" i="0" dirty="0">
+              <a:rPr lang="en-US" b="0" i="0" dirty="0">
                 <a:solidFill>
                   <a:srgbClr val="374151"/>
                 </a:solidFill>
                 <a:effectLst/>
                 <a:latin typeface="Söhne"/>
               </a:rPr>
-              <a:t>_ (Underscore):</a:t>
-            </a:r>
-            <a:r>
-              <a:rPr lang="en-US" b="0" i="0" dirty="0">
-                <a:solidFill>
-                  <a:srgbClr val="374151"/>
-                </a:solidFill>
-                <a:effectLst/>
-                <a:latin typeface="Söhne"/>
-              </a:rPr>
-              <a:t> This wildcard matches a single character and acts as a placeholder for an individual unknown character.</a:t>
+              <a:t>The third example matches phone numbers in the format '507-9XX-XXXX', where '9XX' represents any two digits.</a:t>
             </a:r>
           </a:p>
           <a:p>
@@ -2386,7 +2446,7 @@
                 <a:effectLst/>
                 <a:latin typeface="Söhne"/>
               </a:rPr>
-              <a:t>Using </a:t>
+              <a:t>Lastly, we use </a:t>
             </a:r>
             <a:r>
               <a:rPr lang="en-US" b="1" i="0" dirty="0">
@@ -2396,6 +2456,26 @@
                 <a:effectLst/>
                 <a:latin typeface="Söhne"/>
               </a:rPr>
+              <a:t>NOT LIKE</a:t>
+            </a:r>
+            <a:r>
+              <a:rPr lang="en-US" b="0" i="0" dirty="0">
+                <a:solidFill>
+                  <a:srgbClr val="374151"/>
+                </a:solidFill>
+                <a:effectLst/>
+                <a:latin typeface="Söhne"/>
+              </a:rPr>
+              <a:t> to exclude rows where the title contains the word "Analyst." These examples illustrate the versatility of using </a:t>
+            </a:r>
+            <a:r>
+              <a:rPr lang="en-US" b="1" i="0" dirty="0">
+                <a:solidFill>
+                  <a:srgbClr val="374151"/>
+                </a:solidFill>
+                <a:effectLst/>
+                <a:latin typeface="Söhne"/>
+              </a:rPr>
               <a:t>LIKE</a:t>
             </a:r>
             <a:r>
@@ -2406,7 +2486,7 @@
                 <a:effectLst/>
                 <a:latin typeface="Söhne"/>
               </a:rPr>
-              <a:t> with wildcards opens up a wide range of possibilities for searching, filtering, and querying text data with varying patterns.</a:t>
+              <a:t> to perform complex pattern-based searches.</a:t>
             </a:r>
           </a:p>
           <a:p>
@@ -2446,7 +2526,7 @@
     </p:spTree>
     <p:extLst>
       <p:ext uri="{BB962C8B-B14F-4D97-AF65-F5344CB8AC3E}">
-        <p14:creationId xmlns:p14="http://schemas.microsoft.com/office/powerpoint/2010/main" val="996173599"/>
+        <p14:creationId xmlns:p14="http://schemas.microsoft.com/office/powerpoint/2010/main" val="2466916719"/>
       </p:ext>
     </p:extLst>
   </p:cSld>
@@ -2532,27 +2612,7 @@
                 <a:effectLst/>
                 <a:latin typeface="Söhne"/>
               </a:rPr>
-              <a:t>Let's explore some practical examples of using the </a:t>
-            </a:r>
-            <a:r>
-              <a:rPr lang="en-US" b="1" i="0" dirty="0">
-                <a:solidFill>
-                  <a:srgbClr val="374151"/>
-                </a:solidFill>
-                <a:effectLst/>
-                <a:latin typeface="Söhne"/>
-              </a:rPr>
-              <a:t>LIKE</a:t>
-            </a:r>
-            <a:r>
-              <a:rPr lang="en-US" b="0" i="0" dirty="0">
-                <a:solidFill>
-                  <a:srgbClr val="374151"/>
-                </a:solidFill>
-                <a:effectLst/>
-                <a:latin typeface="Söhne"/>
-              </a:rPr>
-              <a:t> operator with wildcards in SQL.</a:t>
+              <a:t>The sequence in which rows appear in the result set of an SQL query is critical for effective analysis.</a:t>
             </a:r>
           </a:p>
           <a:p>
@@ -2568,7 +2628,7 @@
                 <a:effectLst/>
                 <a:latin typeface="Söhne"/>
               </a:rPr>
-              <a:t>In the first example, we retrieve values starting with "Data" using the pattern 'Data%'.</a:t>
+              <a:t>While filters determine which rows are included, ordering controls the presentation sequence.</a:t>
             </a:r>
           </a:p>
           <a:p>
@@ -2584,11 +2644,11 @@
                 <a:effectLst/>
                 <a:latin typeface="Söhne"/>
               </a:rPr>
-              <a:t>The second example filters values starting with 2 and ending in 3 with '2%3'.</a:t>
-            </a:r>
-          </a:p>
-          <a:p>
-            <a:pPr algn="l">
+              <a:t>Precise ordering is crucial for various reasons:</a:t>
+            </a:r>
+          </a:p>
+          <a:p>
+            <a:pPr marL="742950" lvl="1" indent="-285750" algn="l">
               <a:buFont typeface="Arial" panose="020B0604020202020204" pitchFamily="34" charset="0"/>
               <a:buChar char="•"/>
             </a:pPr>
@@ -2600,11 +2660,11 @@
                 <a:effectLst/>
                 <a:latin typeface="Söhne"/>
               </a:rPr>
-              <a:t>The third example matches phone numbers in the format '507-9XX-XXXX', where '9XX' represents any two digits.</a:t>
-            </a:r>
-          </a:p>
-          <a:p>
-            <a:pPr algn="l">
+              <a:t>It allows you to surface the most important records first, which can be useful for showing the best-performing products or prioritizing results.</a:t>
+            </a:r>
+          </a:p>
+          <a:p>
+            <a:pPr marL="742950" lvl="1" indent="-285750" algn="l">
               <a:buFont typeface="Arial" panose="020B0604020202020204" pitchFamily="34" charset="0"/>
               <a:buChar char="•"/>
             </a:pPr>
@@ -2616,47 +2676,7 @@
                 <a:effectLst/>
                 <a:latin typeface="Söhne"/>
               </a:rPr>
-              <a:t>Lastly, we use </a:t>
-            </a:r>
-            <a:r>
-              <a:rPr lang="en-US" b="1" i="0" dirty="0">
-                <a:solidFill>
-                  <a:srgbClr val="374151"/>
-                </a:solidFill>
-                <a:effectLst/>
-                <a:latin typeface="Söhne"/>
-              </a:rPr>
-              <a:t>NOT LIKE</a:t>
-            </a:r>
-            <a:r>
-              <a:rPr lang="en-US" b="0" i="0" dirty="0">
-                <a:solidFill>
-                  <a:srgbClr val="374151"/>
-                </a:solidFill>
-                <a:effectLst/>
-                <a:latin typeface="Söhne"/>
-              </a:rPr>
-              <a:t> to exclude rows where the title contains the word "Analyst." These examples illustrate the versatility of using </a:t>
-            </a:r>
-            <a:r>
-              <a:rPr lang="en-US" b="1" i="0" dirty="0">
-                <a:solidFill>
-                  <a:srgbClr val="374151"/>
-                </a:solidFill>
-                <a:effectLst/>
-                <a:latin typeface="Söhne"/>
-              </a:rPr>
-              <a:t>LIKE</a:t>
-            </a:r>
-            <a:r>
-              <a:rPr lang="en-US" b="0" i="0" dirty="0">
-                <a:solidFill>
-                  <a:srgbClr val="374151"/>
-                </a:solidFill>
-                <a:effectLst/>
-                <a:latin typeface="Söhne"/>
-              </a:rPr>
-              <a:t> to perform complex pattern-based searches.</a:t>
+              <a:t>It helps in detecting patterns and outliers, especially in scenarios where consistency is checked in ordered transactions.</a:t>
             </a:r>
           </a:p>
           <a:p>
@@ -2696,7 +2716,7 @@
     </p:spTree>
     <p:extLst>
       <p:ext uri="{BB962C8B-B14F-4D97-AF65-F5344CB8AC3E}">
-        <p14:creationId xmlns:p14="http://schemas.microsoft.com/office/powerpoint/2010/main" val="2466916719"/>
+        <p14:creationId xmlns:p14="http://schemas.microsoft.com/office/powerpoint/2010/main" val="3675320594"/>
       </p:ext>
     </p:extLst>
   </p:cSld>
@@ -2782,7 +2802,47 @@
                 <a:effectLst/>
                 <a:latin typeface="Söhne"/>
               </a:rPr>
-              <a:t>The sequence in which rows appear in the result set of an SQL query is critical for effective analysis.</a:t>
+              <a:t>The </a:t>
+            </a:r>
+            <a:r>
+              <a:rPr lang="en-US" b="1" i="0" dirty="0">
+                <a:solidFill>
+                  <a:srgbClr val="374151"/>
+                </a:solidFill>
+                <a:effectLst/>
+                <a:latin typeface="Söhne"/>
+              </a:rPr>
+              <a:t>ASC</a:t>
+            </a:r>
+            <a:r>
+              <a:rPr lang="en-US" b="0" i="0" dirty="0">
+                <a:solidFill>
+                  <a:srgbClr val="374151"/>
+                </a:solidFill>
+                <a:effectLst/>
+                <a:latin typeface="Söhne"/>
+              </a:rPr>
+              <a:t> keyword in SQL's </a:t>
+            </a:r>
+            <a:r>
+              <a:rPr lang="en-US" b="1" i="0" dirty="0">
+                <a:solidFill>
+                  <a:srgbClr val="374151"/>
+                </a:solidFill>
+                <a:effectLst/>
+                <a:latin typeface="Söhne"/>
+              </a:rPr>
+              <a:t>ORDER BY</a:t>
+            </a:r>
+            <a:r>
+              <a:rPr lang="en-US" b="0" i="0" dirty="0">
+                <a:solidFill>
+                  <a:srgbClr val="374151"/>
+                </a:solidFill>
+                <a:effectLst/>
+                <a:latin typeface="Söhne"/>
+              </a:rPr>
+              <a:t> clause is used to sort result set rows in ascending order.</a:t>
             </a:r>
           </a:p>
           <a:p>
@@ -2798,7 +2858,7 @@
                 <a:effectLst/>
                 <a:latin typeface="Söhne"/>
               </a:rPr>
-              <a:t>While filters determine which rows are included, ordering controls the presentation sequence.</a:t>
+              <a:t>When applied, it arranges data from the lowest to the highest value for the specified column.</a:t>
             </a:r>
           </a:p>
           <a:p>
@@ -2814,11 +2874,11 @@
                 <a:effectLst/>
                 <a:latin typeface="Söhne"/>
               </a:rPr>
-              <a:t>Precise ordering is crucial for various reasons:</a:t>
-            </a:r>
-          </a:p>
-          <a:p>
-            <a:pPr marL="742950" lvl="1" indent="-285750" algn="l">
+              <a:t>Key behaviors include sorting numbers from smallest to largest, dates from earliest to latest, and text in alphabetical A-Z order.</a:t>
+            </a:r>
+          </a:p>
+          <a:p>
+            <a:pPr algn="l">
               <a:buFont typeface="Arial" panose="020B0604020202020204" pitchFamily="34" charset="0"/>
               <a:buChar char="•"/>
             </a:pPr>
@@ -2830,23 +2890,7 @@
                 <a:effectLst/>
                 <a:latin typeface="Söhne"/>
               </a:rPr>
-              <a:t>It allows you to surface the most important records first, which can be useful for showing the best-performing products or prioritizing results.</a:t>
-            </a:r>
-          </a:p>
-          <a:p>
-            <a:pPr marL="742950" lvl="1" indent="-285750" algn="l">
-              <a:buFont typeface="Arial" panose="020B0604020202020204" pitchFamily="34" charset="0"/>
-              <a:buChar char="•"/>
-            </a:pPr>
-            <a:r>
-              <a:rPr lang="en-US" b="0" i="0" dirty="0">
-                <a:solidFill>
-                  <a:srgbClr val="374151"/>
-                </a:solidFill>
-                <a:effectLst/>
-                <a:latin typeface="Söhne"/>
-              </a:rPr>
-              <a:t>It helps in detecting patterns and outliers, especially in scenarios where consistency is checked in ordered transactions.</a:t>
+              <a:t>It's important to note that ASC order is used by default if no specific ordering is specified in the query. This default behavior can be useful in many scenarios.</a:t>
             </a:r>
           </a:p>
           <a:p>
@@ -2886,7 +2930,7 @@
     </p:spTree>
     <p:extLst>
       <p:ext uri="{BB962C8B-B14F-4D97-AF65-F5344CB8AC3E}">
-        <p14:creationId xmlns:p14="http://schemas.microsoft.com/office/powerpoint/2010/main" val="3675320594"/>
+        <p14:creationId xmlns:p14="http://schemas.microsoft.com/office/powerpoint/2010/main" val="643559838"/>
       </p:ext>
     </p:extLst>
   </p:cSld>
@@ -2972,47 +3016,7 @@
                 <a:effectLst/>
                 <a:latin typeface="Söhne"/>
               </a:rPr>
-              <a:t>The </a:t>
-            </a:r>
-            <a:r>
-              <a:rPr lang="en-US" b="1" i="0" dirty="0">
-                <a:solidFill>
-                  <a:srgbClr val="374151"/>
-                </a:solidFill>
-                <a:effectLst/>
-                <a:latin typeface="Söhne"/>
-              </a:rPr>
-              <a:t>ASC</a:t>
-            </a:r>
-            <a:r>
-              <a:rPr lang="en-US" b="0" i="0" dirty="0">
-                <a:solidFill>
-                  <a:srgbClr val="374151"/>
-                </a:solidFill>
-                <a:effectLst/>
-                <a:latin typeface="Söhne"/>
-              </a:rPr>
-              <a:t> keyword in SQL's </a:t>
-            </a:r>
-            <a:r>
-              <a:rPr lang="en-US" b="1" i="0" dirty="0">
-                <a:solidFill>
-                  <a:srgbClr val="374151"/>
-                </a:solidFill>
-                <a:effectLst/>
-                <a:latin typeface="Söhne"/>
-              </a:rPr>
-              <a:t>ORDER BY</a:t>
-            </a:r>
-            <a:r>
-              <a:rPr lang="en-US" b="0" i="0" dirty="0">
-                <a:solidFill>
-                  <a:srgbClr val="374151"/>
-                </a:solidFill>
-                <a:effectLst/>
-                <a:latin typeface="Söhne"/>
-              </a:rPr>
-              <a:t> clause is used to sort result set rows in ascending order.</a:t>
+              <a:t>The ASC keyword in SQL's ORDER BY clause is used to sort result set rows in ascending order.</a:t>
             </a:r>
           </a:p>
           <a:p>
@@ -3100,7 +3104,7 @@
     </p:spTree>
     <p:extLst>
       <p:ext uri="{BB962C8B-B14F-4D97-AF65-F5344CB8AC3E}">
-        <p14:creationId xmlns:p14="http://schemas.microsoft.com/office/powerpoint/2010/main" val="643559838"/>
+        <p14:creationId xmlns:p14="http://schemas.microsoft.com/office/powerpoint/2010/main" val="308805358"/>
       </p:ext>
     </p:extLst>
   </p:cSld>
@@ -3186,15 +3190,25 @@
                 <a:effectLst/>
                 <a:latin typeface="Söhne"/>
               </a:rPr>
-              <a:t>The ASC keyword in SQL's ORDER BY clause is used to sort result set rows in ascending order.</a:t>
-            </a:r>
-          </a:p>
-          <a:p>
-            <a:pPr algn="l">
+              <a:t>As you continue to learn and work with SQL, remember these key takeaways:</a:t>
+            </a:r>
+          </a:p>
+          <a:p>
+            <a:pPr marL="742950" lvl="1" indent="-285750" algn="l">
               <a:buFont typeface="Arial" panose="020B0604020202020204" pitchFamily="34" charset="0"/>
               <a:buChar char="•"/>
             </a:pPr>
             <a:r>
+              <a:rPr lang="en-US" b="1" i="0" dirty="0">
+                <a:solidFill>
+                  <a:srgbClr val="374151"/>
+                </a:solidFill>
+                <a:effectLst/>
+                <a:latin typeface="Söhne"/>
+              </a:rPr>
+              <a:t>Filter Rows Concisely with WHERE:</a:t>
+            </a:r>
+            <a:r>
               <a:rPr lang="en-US" b="0" i="0" dirty="0">
                 <a:solidFill>
                   <a:srgbClr val="374151"/>
@@ -3202,15 +3216,25 @@
                 <a:effectLst/>
                 <a:latin typeface="Söhne"/>
               </a:rPr>
-              <a:t>When applied, it arranges data from the lowest to the highest value for the specified column.</a:t>
-            </a:r>
-          </a:p>
-          <a:p>
-            <a:pPr algn="l">
+              <a:t> Be precise in your filtering conditions to retrieve only the necessary data. Each row evaluated adds load to the database.</a:t>
+            </a:r>
+          </a:p>
+          <a:p>
+            <a:pPr marL="742950" lvl="1" indent="-285750" algn="l">
               <a:buFont typeface="Arial" panose="020B0604020202020204" pitchFamily="34" charset="0"/>
               <a:buChar char="•"/>
             </a:pPr>
             <a:r>
+              <a:rPr lang="en-US" b="1" i="0" dirty="0">
+                <a:solidFill>
+                  <a:srgbClr val="374151"/>
+                </a:solidFill>
+                <a:effectLst/>
+                <a:latin typeface="Söhne"/>
+              </a:rPr>
+              <a:t>Sort Results Clearly with ORDER BY:</a:t>
+            </a:r>
+            <a:r>
               <a:rPr lang="en-US" b="0" i="0" dirty="0">
                 <a:solidFill>
                   <a:srgbClr val="374151"/>
@@ -3218,15 +3242,25 @@
                 <a:effectLst/>
                 <a:latin typeface="Söhne"/>
               </a:rPr>
-              <a:t>Key behaviors include sorting numbers from smallest to largest, dates from earliest to latest, and text in alphabetical A-Z order.</a:t>
-            </a:r>
-          </a:p>
-          <a:p>
-            <a:pPr algn="l">
+              <a:t> Arrange your result sets logically, considering the importance, priority, and structure of the data.</a:t>
+            </a:r>
+          </a:p>
+          <a:p>
+            <a:pPr marL="742950" lvl="1" indent="-285750" algn="l">
               <a:buFont typeface="Arial" panose="020B0604020202020204" pitchFamily="34" charset="0"/>
               <a:buChar char="•"/>
             </a:pPr>
             <a:r>
+              <a:rPr lang="en-US" b="1" i="0" dirty="0">
+                <a:solidFill>
+                  <a:srgbClr val="374151"/>
+                </a:solidFill>
+                <a:effectLst/>
+                <a:latin typeface="Söhne"/>
+              </a:rPr>
+              <a:t>Optimize Gracefully For Pace:</a:t>
+            </a:r>
+            <a:r>
               <a:rPr lang="en-US" b="0" i="0" dirty="0">
                 <a:solidFill>
                   <a:srgbClr val="374151"/>
@@ -3234,7 +3268,7 @@
                 <a:effectLst/>
                 <a:latin typeface="Söhne"/>
               </a:rPr>
-              <a:t>It's important to note that ASC order is used by default if no specific ordering is specified in the query. This default behavior can be useful in many scenarios.</a:t>
+              <a:t> The database engine interprets SQL syntax and devises efficient execution plans. Strive for simplicity in your queries; choose straightforward approaches over overly complex logic when possible.</a:t>
             </a:r>
           </a:p>
           <a:p>
@@ -3274,7 +3308,7 @@
     </p:spTree>
     <p:extLst>
       <p:ext uri="{BB962C8B-B14F-4D97-AF65-F5344CB8AC3E}">
-        <p14:creationId xmlns:p14="http://schemas.microsoft.com/office/powerpoint/2010/main" val="308805358"/>
+        <p14:creationId xmlns:p14="http://schemas.microsoft.com/office/powerpoint/2010/main" val="2191953438"/>
       </p:ext>
     </p:extLst>
   </p:cSld>
@@ -3470,121 +3504,10 @@
           <a:bodyPr/>
           <a:lstStyle/>
           <a:p>
-            <a:pPr algn="l"/>
-            <a:r>
-              <a:rPr lang="en-US" b="0" i="1" dirty="0">
-                <a:solidFill>
-                  <a:srgbClr val="374151"/>
-                </a:solidFill>
-                <a:effectLst/>
-                <a:latin typeface="Söhne"/>
-              </a:rPr>
-              <a:t>Speaker Notes:</a:t>
-            </a:r>
-            <a:endParaRPr lang="en-US" b="0" i="0" dirty="0">
-              <a:solidFill>
-                <a:srgbClr val="374151"/>
-              </a:solidFill>
-              <a:effectLst/>
-              <a:latin typeface="Söhne"/>
-            </a:endParaRPr>
-          </a:p>
-          <a:p>
-            <a:pPr algn="l">
-              <a:buFont typeface="Arial" panose="020B0604020202020204" pitchFamily="34" charset="0"/>
-              <a:buChar char="•"/>
-            </a:pPr>
-            <a:r>
-              <a:rPr lang="en-US" b="0" i="0" dirty="0">
-                <a:solidFill>
-                  <a:srgbClr val="374151"/>
-                </a:solidFill>
-                <a:effectLst/>
-                <a:latin typeface="Söhne"/>
-              </a:rPr>
-              <a:t>As you continue to learn and work with SQL, remember these key takeaways:</a:t>
-            </a:r>
-          </a:p>
-          <a:p>
-            <a:pPr marL="742950" lvl="1" indent="-285750" algn="l">
-              <a:buFont typeface="Arial" panose="020B0604020202020204" pitchFamily="34" charset="0"/>
-              <a:buChar char="•"/>
-            </a:pPr>
-            <a:r>
-              <a:rPr lang="en-US" b="1" i="0" dirty="0">
-                <a:solidFill>
-                  <a:srgbClr val="374151"/>
-                </a:solidFill>
-                <a:effectLst/>
-                <a:latin typeface="Söhne"/>
-              </a:rPr>
-              <a:t>Filter Rows Concisely with WHERE:</a:t>
-            </a:r>
-            <a:r>
-              <a:rPr lang="en-US" b="0" i="0" dirty="0">
-                <a:solidFill>
-                  <a:srgbClr val="374151"/>
-                </a:solidFill>
-                <a:effectLst/>
-                <a:latin typeface="Söhne"/>
-              </a:rPr>
-              <a:t> Be precise in your filtering conditions to retrieve only the necessary data. Each row evaluated adds load to the database.</a:t>
-            </a:r>
-          </a:p>
-          <a:p>
-            <a:pPr marL="742950" lvl="1" indent="-285750" algn="l">
-              <a:buFont typeface="Arial" panose="020B0604020202020204" pitchFamily="34" charset="0"/>
-              <a:buChar char="•"/>
-            </a:pPr>
-            <a:r>
-              <a:rPr lang="en-US" b="1" i="0" dirty="0">
-                <a:solidFill>
-                  <a:srgbClr val="374151"/>
-                </a:solidFill>
-                <a:effectLst/>
-                <a:latin typeface="Söhne"/>
-              </a:rPr>
-              <a:t>Sort Results Clearly with ORDER BY:</a:t>
-            </a:r>
-            <a:r>
-              <a:rPr lang="en-US" b="0" i="0" dirty="0">
-                <a:solidFill>
-                  <a:srgbClr val="374151"/>
-                </a:solidFill>
-                <a:effectLst/>
-                <a:latin typeface="Söhne"/>
-              </a:rPr>
-              <a:t> Arrange your result sets logically, considering the importance, priority, and structure of the data.</a:t>
-            </a:r>
-          </a:p>
-          <a:p>
-            <a:pPr marL="742950" lvl="1" indent="-285750" algn="l">
-              <a:buFont typeface="Arial" panose="020B0604020202020204" pitchFamily="34" charset="0"/>
-              <a:buChar char="•"/>
-            </a:pPr>
-            <a:r>
-              <a:rPr lang="en-US" b="1" i="0" dirty="0">
-                <a:solidFill>
-                  <a:srgbClr val="374151"/>
-                </a:solidFill>
-                <a:effectLst/>
-                <a:latin typeface="Söhne"/>
-              </a:rPr>
-              <a:t>Optimize Gracefully For Pace:</a:t>
-            </a:r>
-            <a:r>
-              <a:rPr lang="en-US" b="0" i="0" dirty="0">
-                <a:solidFill>
-                  <a:srgbClr val="374151"/>
-                </a:solidFill>
-                <a:effectLst/>
-                <a:latin typeface="Söhne"/>
-              </a:rPr>
-              <a:t> The database engine interprets SQL syntax and devises efficient execution plans. Strive for simplicity in your queries; choose straightforward approaches over overly complex logic when possible.</a:t>
-            </a:r>
-          </a:p>
-          <a:p>
-            <a:endParaRPr lang="en-US" dirty="0"/>
+            <a:r>
+              <a:rPr lang="en-US" dirty="0"/>
+              <a:t>Walk through each function</a:t>
+            </a:r>
           </a:p>
         </p:txBody>
       </p:sp>
@@ -3611,7 +3534,7 @@
               <a:pPr>
                 <a:defRPr/>
               </a:pPr>
-              <a:t>20</a:t>
+              <a:t>22</a:t>
             </a:fld>
             <a:endParaRPr lang="en-US" dirty="0"/>
           </a:p>
@@ -3620,7 +3543,7 @@
     </p:spTree>
     <p:extLst>
       <p:ext uri="{BB962C8B-B14F-4D97-AF65-F5344CB8AC3E}">
-        <p14:creationId xmlns:p14="http://schemas.microsoft.com/office/powerpoint/2010/main" val="2191953438"/>
+        <p14:creationId xmlns:p14="http://schemas.microsoft.com/office/powerpoint/2010/main" val="3313796763"/>
       </p:ext>
     </p:extLst>
   </p:cSld>
@@ -3676,7 +3599,15 @@
           <a:p>
             <a:r>
               <a:rPr lang="en-US" dirty="0"/>
-              <a:t>Walk through each function</a:t>
+              <a:t>Answers are stored in the Exercise </a:t>
+            </a:r>
+            <a:r>
+              <a:rPr lang="en-US" dirty="0" err="1"/>
+              <a:t>Answers.sql</a:t>
+            </a:r>
+            <a:r>
+              <a:rPr lang="en-US" dirty="0"/>
+              <a:t> file</a:t>
             </a:r>
           </a:p>
         </p:txBody>
@@ -3705,200 +3636,6 @@
                 <a:defRPr/>
               </a:pPr>
               <a:t>23</a:t>
-            </a:fld>
-            <a:endParaRPr lang="en-US" dirty="0"/>
-          </a:p>
-        </p:txBody>
-      </p:sp>
-    </p:spTree>
-    <p:extLst>
-      <p:ext uri="{BB962C8B-B14F-4D97-AF65-F5344CB8AC3E}">
-        <p14:creationId xmlns:p14="http://schemas.microsoft.com/office/powerpoint/2010/main" val="3313796763"/>
-      </p:ext>
-    </p:extLst>
-  </p:cSld>
-  <p:clrMapOvr>
-    <a:masterClrMapping/>
-  </p:clrMapOvr>
-</p:notes>
-</file>
-
-<file path=ppt/notesSlides/notesSlide22.xml><?xml version="1.0" encoding="utf-8"?>
-<p:notes xmlns:a="http://schemas.openxmlformats.org/drawingml/2006/main" xmlns:r="http://schemas.openxmlformats.org/officeDocument/2006/relationships" xmlns:p="http://schemas.openxmlformats.org/presentationml/2006/main">
-  <p:cSld>
-    <p:spTree>
-      <p:nvGrpSpPr>
-        <p:cNvPr id="1" name=""/>
-        <p:cNvGrpSpPr/>
-        <p:nvPr/>
-      </p:nvGrpSpPr>
-      <p:grpSpPr>
-        <a:xfrm>
-          <a:off x="0" y="0"/>
-          <a:ext cx="0" cy="0"/>
-          <a:chOff x="0" y="0"/>
-          <a:chExt cx="0" cy="0"/>
-        </a:xfrm>
-      </p:grpSpPr>
-      <p:sp>
-        <p:nvSpPr>
-          <p:cNvPr id="2" name="Slide Image Placeholder 1"/>
-          <p:cNvSpPr>
-            <a:spLocks noGrp="1" noRot="1" noChangeAspect="1"/>
-          </p:cNvSpPr>
-          <p:nvPr>
-            <p:ph type="sldImg"/>
-          </p:nvPr>
-        </p:nvSpPr>
-        <p:spPr/>
-      </p:sp>
-      <p:sp>
-        <p:nvSpPr>
-          <p:cNvPr id="3" name="Notes Placeholder 2"/>
-          <p:cNvSpPr>
-            <a:spLocks noGrp="1"/>
-          </p:cNvSpPr>
-          <p:nvPr>
-            <p:ph type="body" idx="1"/>
-          </p:nvPr>
-        </p:nvSpPr>
-        <p:spPr/>
-        <p:txBody>
-          <a:bodyPr/>
-          <a:lstStyle/>
-          <a:p>
-            <a:r>
-              <a:rPr lang="en-US" dirty="0"/>
-              <a:t>Walk through each function</a:t>
-            </a:r>
-          </a:p>
-        </p:txBody>
-      </p:sp>
-      <p:sp>
-        <p:nvSpPr>
-          <p:cNvPr id="4" name="Slide Number Placeholder 3"/>
-          <p:cNvSpPr>
-            <a:spLocks noGrp="1"/>
-          </p:cNvSpPr>
-          <p:nvPr>
-            <p:ph type="sldNum" sz="quarter" idx="5"/>
-          </p:nvPr>
-        </p:nvSpPr>
-        <p:spPr/>
-        <p:txBody>
-          <a:bodyPr/>
-          <a:lstStyle/>
-          <a:p>
-            <a:pPr>
-              <a:defRPr/>
-            </a:pPr>
-            <a:fld id="{D0B7D74D-C969-4920-A7A6-E44C909EE3F2}" type="slidenum">
-              <a:rPr lang="en-US" smtClean="0"/>
-              <a:pPr>
-                <a:defRPr/>
-              </a:pPr>
-              <a:t>26</a:t>
-            </a:fld>
-            <a:endParaRPr lang="en-US" dirty="0"/>
-          </a:p>
-        </p:txBody>
-      </p:sp>
-    </p:spTree>
-    <p:extLst>
-      <p:ext uri="{BB962C8B-B14F-4D97-AF65-F5344CB8AC3E}">
-        <p14:creationId xmlns:p14="http://schemas.microsoft.com/office/powerpoint/2010/main" val="3313796763"/>
-      </p:ext>
-    </p:extLst>
-  </p:cSld>
-  <p:clrMapOvr>
-    <a:masterClrMapping/>
-  </p:clrMapOvr>
-</p:notes>
-</file>
-
-<file path=ppt/notesSlides/notesSlide23.xml><?xml version="1.0" encoding="utf-8"?>
-<p:notes xmlns:a="http://schemas.openxmlformats.org/drawingml/2006/main" xmlns:r="http://schemas.openxmlformats.org/officeDocument/2006/relationships" xmlns:p="http://schemas.openxmlformats.org/presentationml/2006/main">
-  <p:cSld>
-    <p:spTree>
-      <p:nvGrpSpPr>
-        <p:cNvPr id="1" name=""/>
-        <p:cNvGrpSpPr/>
-        <p:nvPr/>
-      </p:nvGrpSpPr>
-      <p:grpSpPr>
-        <a:xfrm>
-          <a:off x="0" y="0"/>
-          <a:ext cx="0" cy="0"/>
-          <a:chOff x="0" y="0"/>
-          <a:chExt cx="0" cy="0"/>
-        </a:xfrm>
-      </p:grpSpPr>
-      <p:sp>
-        <p:nvSpPr>
-          <p:cNvPr id="2" name="Slide Image Placeholder 1"/>
-          <p:cNvSpPr>
-            <a:spLocks noGrp="1" noRot="1" noChangeAspect="1"/>
-          </p:cNvSpPr>
-          <p:nvPr>
-            <p:ph type="sldImg"/>
-          </p:nvPr>
-        </p:nvSpPr>
-        <p:spPr/>
-      </p:sp>
-      <p:sp>
-        <p:nvSpPr>
-          <p:cNvPr id="3" name="Notes Placeholder 2"/>
-          <p:cNvSpPr>
-            <a:spLocks noGrp="1"/>
-          </p:cNvSpPr>
-          <p:nvPr>
-            <p:ph type="body" idx="1"/>
-          </p:nvPr>
-        </p:nvSpPr>
-        <p:spPr/>
-        <p:txBody>
-          <a:bodyPr/>
-          <a:lstStyle/>
-          <a:p>
-            <a:r>
-              <a:rPr lang="en-US" dirty="0"/>
-              <a:t>Answers are stored in the Exercise </a:t>
-            </a:r>
-            <a:r>
-              <a:rPr lang="en-US" dirty="0" err="1"/>
-              <a:t>Answers.sql</a:t>
-            </a:r>
-            <a:r>
-              <a:rPr lang="en-US" dirty="0"/>
-              <a:t> file</a:t>
-            </a:r>
-          </a:p>
-        </p:txBody>
-      </p:sp>
-      <p:sp>
-        <p:nvSpPr>
-          <p:cNvPr id="4" name="Slide Number Placeholder 3"/>
-          <p:cNvSpPr>
-            <a:spLocks noGrp="1"/>
-          </p:cNvSpPr>
-          <p:nvPr>
-            <p:ph type="sldNum" sz="quarter" idx="5"/>
-          </p:nvPr>
-        </p:nvSpPr>
-        <p:spPr/>
-        <p:txBody>
-          <a:bodyPr/>
-          <a:lstStyle/>
-          <a:p>
-            <a:pPr>
-              <a:defRPr/>
-            </a:pPr>
-            <a:fld id="{D0B7D74D-C969-4920-A7A6-E44C909EE3F2}" type="slidenum">
-              <a:rPr lang="en-US" smtClean="0"/>
-              <a:pPr>
-                <a:defRPr/>
-              </a:pPr>
-              <a:t>27</a:t>
             </a:fld>
             <a:endParaRPr lang="en-US" dirty="0"/>
           </a:p>
@@ -4593,58 +4330,6 @@
                 <a:effectLst/>
                 <a:latin typeface="Söhne"/>
               </a:rPr>
-              <a:t>GROUP BY</a:t>
-            </a:r>
-            <a:r>
-              <a:rPr lang="en-US" b="0" i="0" dirty="0">
-                <a:solidFill>
-                  <a:srgbClr val="374151"/>
-                </a:solidFill>
-                <a:effectLst/>
-                <a:latin typeface="Söhne"/>
-              </a:rPr>
-              <a:t>: If needed, group rows together for aggregation.</a:t>
-            </a:r>
-          </a:p>
-          <a:p>
-            <a:pPr marL="742950" lvl="1" indent="-285750" algn="l">
-              <a:buFont typeface="Arial" panose="020B0604020202020204" pitchFamily="34" charset="0"/>
-              <a:buChar char="•"/>
-            </a:pPr>
-            <a:r>
-              <a:rPr lang="en-US" b="1" i="0" dirty="0">
-                <a:solidFill>
-                  <a:srgbClr val="374151"/>
-                </a:solidFill>
-                <a:effectLst/>
-                <a:latin typeface="Söhne"/>
-              </a:rPr>
-              <a:t>HAVING</a:t>
-            </a:r>
-            <a:r>
-              <a:rPr lang="en-US" b="0" i="0" dirty="0">
-                <a:solidFill>
-                  <a:srgbClr val="374151"/>
-                </a:solidFill>
-                <a:effectLst/>
-                <a:latin typeface="Söhne"/>
-              </a:rPr>
-              <a:t>: Filter aggregated groups based on conditions.</a:t>
-            </a:r>
-          </a:p>
-          <a:p>
-            <a:pPr marL="742950" lvl="1" indent="-285750" algn="l">
-              <a:buFont typeface="Arial" panose="020B0604020202020204" pitchFamily="34" charset="0"/>
-              <a:buChar char="•"/>
-            </a:pPr>
-            <a:r>
-              <a:rPr lang="en-US" b="1" i="0" dirty="0">
-                <a:solidFill>
-                  <a:srgbClr val="374151"/>
-                </a:solidFill>
-                <a:effectLst/>
-                <a:latin typeface="Söhne"/>
-              </a:rPr>
               <a:t>ORDER BY</a:t>
             </a:r>
             <a:r>
@@ -4797,7 +4482,27 @@
                 <a:effectLst/>
                 <a:latin typeface="Söhne"/>
               </a:rPr>
-              <a:t>The sequence of clauses in SQL is not arbitrary; it plays a crucial role in shaping the outcome of your query.</a:t>
+              <a:t>The </a:t>
+            </a:r>
+            <a:r>
+              <a:rPr lang="en-US" b="1" i="0" dirty="0">
+                <a:solidFill>
+                  <a:srgbClr val="374151"/>
+                </a:solidFill>
+                <a:effectLst/>
+                <a:latin typeface="Söhne"/>
+              </a:rPr>
+              <a:t>WHERE</a:t>
+            </a:r>
+            <a:r>
+              <a:rPr lang="en-US" b="0" i="0" dirty="0">
+                <a:solidFill>
+                  <a:srgbClr val="374151"/>
+                </a:solidFill>
+                <a:effectLst/>
+                <a:latin typeface="Söhne"/>
+              </a:rPr>
+              <a:t> clause is a powerful tool in SQL that enables you to filter rows from a table based on specified conditions.</a:t>
             </a:r>
           </a:p>
           <a:p>
@@ -4813,7 +4518,7 @@
                 <a:effectLst/>
                 <a:latin typeface="Söhne"/>
               </a:rPr>
-              <a:t>Each clause receives the result set generated by the preceding clauses.</a:t>
+              <a:t>This functionality is invaluable when you want to focus on a specific subset of data from a larger dataset.</a:t>
             </a:r>
           </a:p>
           <a:p>
@@ -4822,44 +4527,14 @@
               <a:buChar char="•"/>
             </a:pPr>
             <a:r>
-              <a:rPr lang="en-US" b="1" i="0" dirty="0">
+              <a:rPr lang="en-US" b="0" i="0" dirty="0">
                 <a:solidFill>
                   <a:srgbClr val="374151"/>
                 </a:solidFill>
                 <a:effectLst/>
                 <a:latin typeface="Söhne"/>
               </a:rPr>
-              <a:t>GROUP BY</a:t>
-            </a:r>
-            <a:r>
-              <a:rPr lang="en-US" b="0" i="0" dirty="0">
-                <a:solidFill>
-                  <a:srgbClr val="374151"/>
-                </a:solidFill>
-                <a:effectLst/>
-                <a:latin typeface="Söhne"/>
-              </a:rPr>
-              <a:t>, for example, operates on the rows filtered by the </a:t>
-            </a:r>
-            <a:r>
-              <a:rPr lang="en-US" b="1" i="0" dirty="0">
-                <a:solidFill>
-                  <a:srgbClr val="374151"/>
-                </a:solidFill>
-                <a:effectLst/>
-                <a:latin typeface="Söhne"/>
-              </a:rPr>
-              <a:t>WHERE</a:t>
-            </a:r>
-            <a:r>
-              <a:rPr lang="en-US" b="0" i="0" dirty="0">
-                <a:solidFill>
-                  <a:srgbClr val="374151"/>
-                </a:solidFill>
-                <a:effectLst/>
-                <a:latin typeface="Söhne"/>
-              </a:rPr>
-              <a:t> clause, allowing you to aggregate specific groups of data.</a:t>
+              <a:t>You can use various comparison operators like "=", "!=", "&lt;", "&gt;", "&lt;=", and "&gt;=" to define the conditions.</a:t>
             </a:r>
           </a:p>
           <a:p>
@@ -4868,6 +4543,16 @@
               <a:buChar char="•"/>
             </a:pPr>
             <a:r>
+              <a:rPr lang="en-US" b="0" i="0" dirty="0">
+                <a:solidFill>
+                  <a:srgbClr val="374151"/>
+                </a:solidFill>
+                <a:effectLst/>
+                <a:latin typeface="Söhne"/>
+              </a:rPr>
+              <a:t>These operators allow you to filter data based on equality, inequality, and numerical comparisons. Mastering the use of the </a:t>
+            </a:r>
+            <a:r>
               <a:rPr lang="en-US" b="1" i="0" dirty="0">
                 <a:solidFill>
                   <a:srgbClr val="374151"/>
@@ -4875,7 +4560,7 @@
                 <a:effectLst/>
                 <a:latin typeface="Söhne"/>
               </a:rPr>
-              <a:t>HAVING</a:t>
+              <a:t>WHERE</a:t>
             </a:r>
             <a:r>
               <a:rPr lang="en-US" b="0" i="0" dirty="0">
@@ -4885,79 +4570,7 @@
                 <a:effectLst/>
                 <a:latin typeface="Söhne"/>
               </a:rPr>
-              <a:t> comes after </a:t>
-            </a:r>
-            <a:r>
-              <a:rPr lang="en-US" b="1" i="0" dirty="0">
-                <a:solidFill>
-                  <a:srgbClr val="374151"/>
-                </a:solidFill>
-                <a:effectLst/>
-                <a:latin typeface="Söhne"/>
-              </a:rPr>
-              <a:t>GROUP BY</a:t>
-            </a:r>
-            <a:r>
-              <a:rPr lang="en-US" b="0" i="0" dirty="0">
-                <a:solidFill>
-                  <a:srgbClr val="374151"/>
-                </a:solidFill>
-                <a:effectLst/>
-                <a:latin typeface="Söhne"/>
-              </a:rPr>
-              <a:t> and further filters the aggregated groups.</a:t>
-            </a:r>
-          </a:p>
-          <a:p>
-            <a:pPr algn="l">
-              <a:buFont typeface="Arial" panose="020B0604020202020204" pitchFamily="34" charset="0"/>
-              <a:buChar char="•"/>
-            </a:pPr>
-            <a:r>
-              <a:rPr lang="en-US" b="0" i="0" dirty="0">
-                <a:solidFill>
-                  <a:srgbClr val="374151"/>
-                </a:solidFill>
-                <a:effectLst/>
-                <a:latin typeface="Söhne"/>
-              </a:rPr>
-              <a:t>Finally, </a:t>
-            </a:r>
-            <a:r>
-              <a:rPr lang="en-US" b="1" i="0" dirty="0">
-                <a:solidFill>
-                  <a:srgbClr val="374151"/>
-                </a:solidFill>
-                <a:effectLst/>
-                <a:latin typeface="Söhne"/>
-              </a:rPr>
-              <a:t>ORDER BY</a:t>
-            </a:r>
-            <a:r>
-              <a:rPr lang="en-US" b="0" i="0" dirty="0">
-                <a:solidFill>
-                  <a:srgbClr val="374151"/>
-                </a:solidFill>
-                <a:effectLst/>
-                <a:latin typeface="Söhne"/>
-              </a:rPr>
-              <a:t> sorts the filtered rows to provide a well-organized and meaningful result set.</a:t>
-            </a:r>
-          </a:p>
-          <a:p>
-            <a:pPr algn="l">
-              <a:buFont typeface="Arial" panose="020B0604020202020204" pitchFamily="34" charset="0"/>
-              <a:buChar char="•"/>
-            </a:pPr>
-            <a:r>
-              <a:rPr lang="en-US" b="0" i="0" dirty="0">
-                <a:solidFill>
-                  <a:srgbClr val="374151"/>
-                </a:solidFill>
-                <a:effectLst/>
-                <a:latin typeface="Söhne"/>
-              </a:rPr>
-              <a:t>Understanding and correctly using the order of SQL clauses is key to crafting precise and efficient queries.</a:t>
+              <a:t> clause is essential for precise data retrieval.</a:t>
             </a:r>
           </a:p>
           <a:p>
@@ -4997,7 +4610,7 @@
     </p:spTree>
     <p:extLst>
       <p:ext uri="{BB962C8B-B14F-4D97-AF65-F5344CB8AC3E}">
-        <p14:creationId xmlns:p14="http://schemas.microsoft.com/office/powerpoint/2010/main" val="1562176112"/>
+        <p14:creationId xmlns:p14="http://schemas.microsoft.com/office/powerpoint/2010/main" val="2702774063"/>
       </p:ext>
     </p:extLst>
   </p:cSld>
@@ -5103,7 +4716,27 @@
                 <a:effectLst/>
                 <a:latin typeface="Söhne"/>
               </a:rPr>
-              <a:t> clause is a powerful tool in SQL that enables you to filter rows from a table based on specified conditions.</a:t>
+              <a:t> clause is versatile and can be applied to different data types, including strings, </a:t>
+            </a:r>
+            <a:r>
+              <a:rPr lang="en-US" b="0" i="0" dirty="0" err="1">
+                <a:solidFill>
+                  <a:srgbClr val="374151"/>
+                </a:solidFill>
+                <a:effectLst/>
+                <a:latin typeface="Söhne"/>
+              </a:rPr>
+              <a:t>numerics</a:t>
+            </a:r>
+            <a:r>
+              <a:rPr lang="en-US" b="0" i="0" dirty="0">
+                <a:solidFill>
+                  <a:srgbClr val="374151"/>
+                </a:solidFill>
+                <a:effectLst/>
+                <a:latin typeface="Söhne"/>
+              </a:rPr>
+              <a:t>, and date/datetime values.</a:t>
             </a:r>
           </a:p>
           <a:p>
@@ -5119,7 +4752,27 @@
                 <a:effectLst/>
                 <a:latin typeface="Söhne"/>
               </a:rPr>
-              <a:t>This functionality is invaluable when you want to focus on a specific subset of data from a larger dataset.</a:t>
+              <a:t>Here are some examples illustrating how you can use the </a:t>
+            </a:r>
+            <a:r>
+              <a:rPr lang="en-US" b="1" i="0" dirty="0">
+                <a:solidFill>
+                  <a:srgbClr val="374151"/>
+                </a:solidFill>
+                <a:effectLst/>
+                <a:latin typeface="Söhne"/>
+              </a:rPr>
+              <a:t>WHERE</a:t>
+            </a:r>
+            <a:r>
+              <a:rPr lang="en-US" b="0" i="0" dirty="0">
+                <a:solidFill>
+                  <a:srgbClr val="374151"/>
+                </a:solidFill>
+                <a:effectLst/>
+                <a:latin typeface="Söhne"/>
+              </a:rPr>
+              <a:t> clause to filter data based on conditions.</a:t>
             </a:r>
           </a:p>
           <a:p>
@@ -5135,14 +4788,18 @@
                 <a:effectLst/>
                 <a:latin typeface="Söhne"/>
               </a:rPr>
-              <a:t>You can use various comparison operators like "=", "!=", "&lt;", "&gt;", "&lt;=", and "&gt;=" to define the conditions.</a:t>
-            </a:r>
-          </a:p>
-          <a:p>
-            <a:pPr algn="l">
-              <a:buFont typeface="Arial" panose="020B0604020202020204" pitchFamily="34" charset="0"/>
-              <a:buChar char="•"/>
-            </a:pPr>
+              <a:t>You can also create more complex logical filters by combining conditions using </a:t>
+            </a:r>
+            <a:r>
+              <a:rPr lang="en-US" b="1" i="0" dirty="0">
+                <a:solidFill>
+                  <a:srgbClr val="374151"/>
+                </a:solidFill>
+                <a:effectLst/>
+                <a:latin typeface="Söhne"/>
+              </a:rPr>
+              <a:t>AND</a:t>
+            </a:r>
             <a:r>
               <a:rPr lang="en-US" b="0" i="0" dirty="0">
                 <a:solidFill>
@@ -5151,7 +4808,7 @@
                 <a:effectLst/>
                 <a:latin typeface="Söhne"/>
               </a:rPr>
-              <a:t>These operators allow you to filter data based on equality, inequality, and numerical comparisons. Mastering the use of the </a:t>
+              <a:t> and </a:t>
             </a:r>
             <a:r>
               <a:rPr lang="en-US" b="1" i="0" dirty="0">
@@ -5161,7 +4818,7 @@
                 <a:effectLst/>
                 <a:latin typeface="Söhne"/>
               </a:rPr>
-              <a:t>WHERE</a:t>
+              <a:t>OR</a:t>
             </a:r>
             <a:r>
               <a:rPr lang="en-US" b="0" i="0" dirty="0">
@@ -5171,7 +4828,7 @@
                 <a:effectLst/>
                 <a:latin typeface="Söhne"/>
               </a:rPr>
-              <a:t> clause is essential for precise data retrieval.</a:t>
+              <a:t> operators. This allows you to precisely tailor your queries to retrieve the exact data you need for analysis or reporting.</a:t>
             </a:r>
           </a:p>
           <a:p>
@@ -5211,7 +4868,7 @@
     </p:spTree>
     <p:extLst>
       <p:ext uri="{BB962C8B-B14F-4D97-AF65-F5344CB8AC3E}">
-        <p14:creationId xmlns:p14="http://schemas.microsoft.com/office/powerpoint/2010/main" val="2702774063"/>
+        <p14:creationId xmlns:p14="http://schemas.microsoft.com/office/powerpoint/2010/main" val="1805659174"/>
       </p:ext>
     </p:extLst>
   </p:cSld>
@@ -5297,47 +4954,7 @@
                 <a:effectLst/>
                 <a:latin typeface="Söhne"/>
               </a:rPr>
-              <a:t>The </a:t>
-            </a:r>
-            <a:r>
-              <a:rPr lang="en-US" b="1" i="0" dirty="0">
-                <a:solidFill>
-                  <a:srgbClr val="374151"/>
-                </a:solidFill>
-                <a:effectLst/>
-                <a:latin typeface="Söhne"/>
-              </a:rPr>
-              <a:t>WHERE</a:t>
-            </a:r>
-            <a:r>
-              <a:rPr lang="en-US" b="0" i="0" dirty="0">
-                <a:solidFill>
-                  <a:srgbClr val="374151"/>
-                </a:solidFill>
-                <a:effectLst/>
-                <a:latin typeface="Söhne"/>
-              </a:rPr>
-              <a:t> clause is versatile and can be applied to different data types, including strings, </a:t>
-            </a:r>
-            <a:r>
-              <a:rPr lang="en-US" b="0" i="0" dirty="0" err="1">
-                <a:solidFill>
-                  <a:srgbClr val="374151"/>
-                </a:solidFill>
-                <a:effectLst/>
-                <a:latin typeface="Söhne"/>
-              </a:rPr>
-              <a:t>numerics</a:t>
-            </a:r>
-            <a:r>
-              <a:rPr lang="en-US" b="0" i="0" dirty="0">
-                <a:solidFill>
-                  <a:srgbClr val="374151"/>
-                </a:solidFill>
-                <a:effectLst/>
-                <a:latin typeface="Söhne"/>
-              </a:rPr>
-              <a:t>, and date/datetime values.</a:t>
+              <a:t>When dealing with NULL values in SQL, it's crucial to use the correct operators for checking.</a:t>
             </a:r>
           </a:p>
           <a:p>
@@ -5353,27 +4970,7 @@
                 <a:effectLst/>
                 <a:latin typeface="Söhne"/>
               </a:rPr>
-              <a:t>Here are some examples illustrating how you can use the </a:t>
-            </a:r>
-            <a:r>
-              <a:rPr lang="en-US" b="1" i="0" dirty="0">
-                <a:solidFill>
-                  <a:srgbClr val="374151"/>
-                </a:solidFill>
-                <a:effectLst/>
-                <a:latin typeface="Söhne"/>
-              </a:rPr>
-              <a:t>WHERE</a:t>
-            </a:r>
-            <a:r>
-              <a:rPr lang="en-US" b="0" i="0" dirty="0">
-                <a:solidFill>
-                  <a:srgbClr val="374151"/>
-                </a:solidFill>
-                <a:effectLst/>
-                <a:latin typeface="Söhne"/>
-              </a:rPr>
-              <a:t> clause to filter data based on conditions.</a:t>
+              <a:t>Using "= NULL" won't return the expected results, as it doesn't work for NULL values. Instead, use "IS NULL" to check for NULLs.</a:t>
             </a:r>
           </a:p>
           <a:p>
@@ -5389,47 +4986,7 @@
                 <a:effectLst/>
                 <a:latin typeface="Söhne"/>
               </a:rPr>
-              <a:t>You can also create more complex logical filters by combining conditions using </a:t>
-            </a:r>
-            <a:r>
-              <a:rPr lang="en-US" b="1" i="0" dirty="0">
-                <a:solidFill>
-                  <a:srgbClr val="374151"/>
-                </a:solidFill>
-                <a:effectLst/>
-                <a:latin typeface="Söhne"/>
-              </a:rPr>
-              <a:t>AND</a:t>
-            </a:r>
-            <a:r>
-              <a:rPr lang="en-US" b="0" i="0" dirty="0">
-                <a:solidFill>
-                  <a:srgbClr val="374151"/>
-                </a:solidFill>
-                <a:effectLst/>
-                <a:latin typeface="Söhne"/>
-              </a:rPr>
-              <a:t> and </a:t>
-            </a:r>
-            <a:r>
-              <a:rPr lang="en-US" b="1" i="0" dirty="0">
-                <a:solidFill>
-                  <a:srgbClr val="374151"/>
-                </a:solidFill>
-                <a:effectLst/>
-                <a:latin typeface="Söhne"/>
-              </a:rPr>
-              <a:t>OR</a:t>
-            </a:r>
-            <a:r>
-              <a:rPr lang="en-US" b="0" i="0" dirty="0">
-                <a:solidFill>
-                  <a:srgbClr val="374151"/>
-                </a:solidFill>
-                <a:effectLst/>
-                <a:latin typeface="Söhne"/>
-              </a:rPr>
-              <a:t> operators. This allows you to precisely tailor your queries to retrieve the exact data you need for analysis or reporting.</a:t>
+              <a:t>To exclude NULL values, you can use "IS NOT NULL." These operators are essential for handling missing or unknown data in your queries accurately.</a:t>
             </a:r>
           </a:p>
           <a:p>
@@ -5469,7 +5026,7 @@
     </p:spTree>
     <p:extLst>
       <p:ext uri="{BB962C8B-B14F-4D97-AF65-F5344CB8AC3E}">
-        <p14:creationId xmlns:p14="http://schemas.microsoft.com/office/powerpoint/2010/main" val="1805659174"/>
+        <p14:creationId xmlns:p14="http://schemas.microsoft.com/office/powerpoint/2010/main" val="1936614837"/>
       </p:ext>
     </p:extLst>
   </p:cSld>
@@ -10158,7 +9715,7 @@
           <a:p>
             <a:r>
               <a:rPr lang="en-US" dirty="0"/>
-              <a:t>WHERE Clause</a:t>
+              <a:t>Combining Filter Conditions</a:t>
             </a:r>
           </a:p>
         </p:txBody>
@@ -10189,68 +9746,203 @@
           <a:bodyPr/>
           <a:lstStyle/>
           <a:p>
-            <a:r>
-              <a:rPr lang="en-US" dirty="0">
-                <a:solidFill>
-                  <a:srgbClr val="1C1917"/>
-                </a:solidFill>
-                <a:latin typeface="-apple-system"/>
-              </a:rPr>
-              <a:t>C</a:t>
-            </a:r>
+            <a:pPr algn="l">
+              <a:buFont typeface="Arial" panose="020B0604020202020204" pitchFamily="34" charset="0"/>
+              <a:buChar char="•"/>
+            </a:pPr>
             <a:r>
               <a:rPr lang="en-US" b="0" i="0" dirty="0">
                 <a:solidFill>
-                  <a:srgbClr val="1C1917"/>
-                </a:solidFill>
-                <a:effectLst/>
-                <a:latin typeface="-apple-system"/>
-              </a:rPr>
-              <a:t>heck for NULL values using the </a:t>
-            </a:r>
+                  <a:schemeClr val="tx1"/>
+                </a:solidFill>
+                <a:effectLst/>
+                <a:latin typeface="Söhne"/>
+              </a:rPr>
+              <a:t>SQL provides operators for combining multiple filter criteria in the WHERE clause:</a:t>
+            </a:r>
+          </a:p>
+          <a:p>
+            <a:pPr marL="742950" lvl="1" indent="-285750" algn="l">
+              <a:buFont typeface="Arial" panose="020B0604020202020204" pitchFamily="34" charset="0"/>
+              <a:buChar char="•"/>
+            </a:pPr>
             <a:r>
               <a:rPr lang="en-US" b="1" i="0" dirty="0">
                 <a:solidFill>
-                  <a:srgbClr val="1C1917"/>
-                </a:solidFill>
-                <a:effectLst/>
-                <a:latin typeface="-apple-system"/>
-              </a:rPr>
-              <a:t>IS NULL </a:t>
+                  <a:schemeClr val="tx1"/>
+                </a:solidFill>
+                <a:effectLst/>
+                <a:latin typeface="Söhne"/>
+              </a:rPr>
+              <a:t>AND</a:t>
             </a:r>
             <a:r>
               <a:rPr lang="en-US" b="0" i="0" dirty="0">
                 <a:solidFill>
-                  <a:srgbClr val="1C1917"/>
-                </a:solidFill>
-                <a:effectLst/>
-                <a:latin typeface="-apple-system"/>
-              </a:rPr>
-              <a:t>and </a:t>
-            </a:r>
+                  <a:schemeClr val="tx1"/>
+                </a:solidFill>
+                <a:effectLst/>
+                <a:latin typeface="Söhne"/>
+              </a:rPr>
+              <a:t>: Includes rows where ALL conditions are TRUE.</a:t>
+            </a:r>
+          </a:p>
+          <a:p>
+            <a:pPr marL="742950" lvl="1" indent="-285750" algn="l">
+              <a:buFont typeface="Arial" panose="020B0604020202020204" pitchFamily="34" charset="0"/>
+              <a:buChar char="•"/>
+            </a:pPr>
             <a:r>
               <a:rPr lang="en-US" b="1" i="0" dirty="0">
                 <a:solidFill>
-                  <a:srgbClr val="1C1917"/>
-                </a:solidFill>
-                <a:effectLst/>
-                <a:latin typeface="-apple-system"/>
-              </a:rPr>
-              <a:t>IS NOT NULL </a:t>
+                  <a:schemeClr val="tx1"/>
+                </a:solidFill>
+                <a:effectLst/>
+                <a:latin typeface="Söhne"/>
+              </a:rPr>
+              <a:t>OR</a:t>
             </a:r>
             <a:r>
               <a:rPr lang="en-US" b="0" i="0" dirty="0">
                 <a:solidFill>
-                  <a:srgbClr val="1C1917"/>
-                </a:solidFill>
-                <a:effectLst/>
-                <a:latin typeface="-apple-system"/>
-              </a:rPr>
-              <a:t>operators.</a:t>
-            </a:r>
-          </a:p>
-          <a:p>
-            <a:pPr lvl="1"/>
+                  <a:schemeClr val="tx1"/>
+                </a:solidFill>
+                <a:effectLst/>
+                <a:latin typeface="Söhne"/>
+              </a:rPr>
+              <a:t>: Includes rows where ANY conditions are TRUE.</a:t>
+            </a:r>
+          </a:p>
+          <a:p>
+            <a:pPr marL="742950" lvl="1" indent="-285750" algn="l">
+              <a:buFont typeface="Arial" panose="020B0604020202020204" pitchFamily="34" charset="0"/>
+              <a:buChar char="•"/>
+            </a:pPr>
+            <a:r>
+              <a:rPr lang="en-US" b="1" i="0" dirty="0">
+                <a:solidFill>
+                  <a:schemeClr val="tx1"/>
+                </a:solidFill>
+                <a:effectLst/>
+                <a:latin typeface="Söhne"/>
+              </a:rPr>
+              <a:t>NOT</a:t>
+            </a:r>
+            <a:r>
+              <a:rPr lang="en-US" b="0" i="0" dirty="0">
+                <a:solidFill>
+                  <a:schemeClr val="tx1"/>
+                </a:solidFill>
+                <a:effectLst/>
+                <a:latin typeface="Söhne"/>
+              </a:rPr>
+              <a:t>: Reverses condition to exclude instead of include.</a:t>
+            </a:r>
+          </a:p>
+          <a:p>
+            <a:pPr marL="742950" lvl="1" indent="-285750" algn="l">
+              <a:buFont typeface="Arial" panose="020B0604020202020204" pitchFamily="34" charset="0"/>
+              <a:buChar char="•"/>
+            </a:pPr>
+            <a:endParaRPr lang="en-US" b="0" i="0" dirty="0">
+              <a:solidFill>
+                <a:schemeClr val="tx1"/>
+              </a:solidFill>
+              <a:effectLst/>
+              <a:latin typeface="Söhne"/>
+            </a:endParaRPr>
+          </a:p>
+          <a:p>
+            <a:pPr algn="l"/>
+            <a:r>
+              <a:rPr lang="en-US" b="0" i="1" dirty="0">
+                <a:solidFill>
+                  <a:schemeClr val="tx1"/>
+                </a:solidFill>
+                <a:effectLst/>
+                <a:latin typeface="Söhne"/>
+              </a:rPr>
+              <a:t>Use Cases:</a:t>
+            </a:r>
+            <a:endParaRPr lang="en-US" b="0" i="0" dirty="0">
+              <a:solidFill>
+                <a:schemeClr val="tx1"/>
+              </a:solidFill>
+              <a:effectLst/>
+              <a:latin typeface="Söhne"/>
+            </a:endParaRPr>
+          </a:p>
+          <a:p>
+            <a:pPr lvl="1">
+              <a:buFont typeface="Arial" panose="020B0604020202020204" pitchFamily="34" charset="0"/>
+              <a:buChar char="•"/>
+            </a:pPr>
+            <a:r>
+              <a:rPr lang="en-US" b="1" i="0" dirty="0">
+                <a:solidFill>
+                  <a:schemeClr val="tx1"/>
+                </a:solidFill>
+                <a:effectLst/>
+                <a:latin typeface="Söhne"/>
+              </a:rPr>
+              <a:t>Filter by multi-criteria rules.</a:t>
+            </a:r>
+            <a:endParaRPr lang="en-US" b="0" i="0" dirty="0">
+              <a:solidFill>
+                <a:schemeClr val="tx1"/>
+              </a:solidFill>
+              <a:effectLst/>
+              <a:latin typeface="Söhne"/>
+            </a:endParaRPr>
+          </a:p>
+          <a:p>
+            <a:pPr lvl="1">
+              <a:buFont typeface="Arial" panose="020B0604020202020204" pitchFamily="34" charset="0"/>
+              <a:buChar char="•"/>
+            </a:pPr>
+            <a:r>
+              <a:rPr lang="en-US" b="1" i="0" dirty="0">
+                <a:solidFill>
+                  <a:schemeClr val="tx1"/>
+                </a:solidFill>
+                <a:effectLst/>
+                <a:latin typeface="Söhne"/>
+              </a:rPr>
+              <a:t>Group criteria into inclusion buckets.</a:t>
+            </a:r>
+            <a:endParaRPr lang="en-US" b="0" i="0" dirty="0">
+              <a:solidFill>
+                <a:schemeClr val="tx1"/>
+              </a:solidFill>
+              <a:effectLst/>
+              <a:latin typeface="Söhne"/>
+            </a:endParaRPr>
+          </a:p>
+          <a:p>
+            <a:pPr lvl="1">
+              <a:buFont typeface="Arial" panose="020B0604020202020204" pitchFamily="34" charset="0"/>
+              <a:buChar char="•"/>
+            </a:pPr>
+            <a:r>
+              <a:rPr lang="en-US" b="1" i="0" dirty="0">
+                <a:solidFill>
+                  <a:schemeClr val="tx1"/>
+                </a:solidFill>
+                <a:effectLst/>
+                <a:latin typeface="Söhne"/>
+              </a:rPr>
+              <a:t>Implement exclusion rules.</a:t>
+            </a:r>
+            <a:endParaRPr lang="en-US" b="0" i="0" dirty="0">
+              <a:solidFill>
+                <a:schemeClr val="tx1"/>
+              </a:solidFill>
+              <a:effectLst/>
+              <a:latin typeface="Söhne"/>
+            </a:endParaRPr>
+          </a:p>
+          <a:p>
+            <a:pPr lvl="3"/>
             <a:endParaRPr lang="en-US" b="0" i="0" dirty="0">
               <a:solidFill>
                 <a:srgbClr val="1C1917"/>
@@ -10259,332 +9951,12 @@
               <a:latin typeface="-apple-system"/>
             </a:endParaRPr>
           </a:p>
-          <a:p>
-            <a:pPr lvl="1"/>
-            <a:r>
-              <a:rPr lang="en-US" b="0" i="0" dirty="0">
-                <a:solidFill>
-                  <a:srgbClr val="1C1917"/>
-                </a:solidFill>
-                <a:effectLst/>
-                <a:latin typeface="-apple-system"/>
-              </a:rPr>
-              <a:t>For example:</a:t>
-            </a:r>
-          </a:p>
-          <a:p>
-            <a:pPr lvl="2"/>
-            <a:r>
-              <a:rPr lang="en-US" b="0" i="0" dirty="0">
-                <a:solidFill>
-                  <a:srgbClr val="2E95D3"/>
-                </a:solidFill>
-                <a:effectLst/>
-                <a:latin typeface="Söhne Mono"/>
-              </a:rPr>
-              <a:t>WHERE</a:t>
-            </a:r>
-            <a:r>
-              <a:rPr lang="en-US" b="0" i="0" dirty="0">
-                <a:solidFill>
-                  <a:srgbClr val="FFFFFF"/>
-                </a:solidFill>
-                <a:effectLst/>
-                <a:latin typeface="Söhne Mono"/>
-              </a:rPr>
-              <a:t> </a:t>
-            </a:r>
-            <a:r>
-              <a:rPr lang="en-US" b="0" i="0" dirty="0" err="1">
-                <a:solidFill>
-                  <a:schemeClr val="tx1"/>
-                </a:solidFill>
-                <a:effectLst/>
-                <a:latin typeface="Söhne Mono"/>
-              </a:rPr>
-              <a:t>PhoneNumber</a:t>
-            </a:r>
-            <a:r>
-              <a:rPr lang="en-US" b="0" i="0" dirty="0">
-                <a:solidFill>
-                  <a:schemeClr val="tx1"/>
-                </a:solidFill>
-                <a:effectLst/>
-                <a:latin typeface="Söhne Mono"/>
-              </a:rPr>
-              <a:t> = </a:t>
-            </a:r>
-            <a:r>
-              <a:rPr lang="en-US" b="0" i="0" dirty="0">
-                <a:solidFill>
-                  <a:srgbClr val="2E95D3"/>
-                </a:solidFill>
-                <a:effectLst/>
-                <a:latin typeface="Söhne Mono"/>
-              </a:rPr>
-              <a:t>NULL</a:t>
-            </a:r>
-            <a:r>
-              <a:rPr lang="en-US" b="0" i="0" dirty="0">
-                <a:solidFill>
-                  <a:srgbClr val="FFFFFF"/>
-                </a:solidFill>
-                <a:effectLst/>
-                <a:latin typeface="Söhne Mono"/>
-              </a:rPr>
-              <a:t> </a:t>
-            </a:r>
-          </a:p>
-          <a:p>
-            <a:pPr lvl="3"/>
-            <a:r>
-              <a:rPr lang="en-US" b="0" i="0" dirty="0">
-                <a:solidFill>
-                  <a:srgbClr val="1C1917"/>
-                </a:solidFill>
-                <a:effectLst/>
-                <a:latin typeface="-apple-system"/>
-              </a:rPr>
-              <a:t>Would actually return no rows, even if there are NULL phone numbers!</a:t>
-            </a:r>
-          </a:p>
-          <a:p>
-            <a:pPr lvl="2"/>
-            <a:endParaRPr lang="en-US" b="0" i="0" dirty="0">
-              <a:solidFill>
-                <a:srgbClr val="1C1917"/>
-              </a:solidFill>
-              <a:effectLst/>
-              <a:latin typeface="-apple-system"/>
-            </a:endParaRPr>
-          </a:p>
-          <a:p>
-            <a:pPr lvl="1"/>
-            <a:r>
-              <a:rPr lang="en-US" b="0" i="0" dirty="0">
-                <a:solidFill>
-                  <a:srgbClr val="1C1917"/>
-                </a:solidFill>
-                <a:effectLst/>
-                <a:latin typeface="-apple-system"/>
-              </a:rPr>
-              <a:t>Instead, use:</a:t>
-            </a:r>
-          </a:p>
-          <a:p>
-            <a:pPr lvl="2"/>
-            <a:r>
-              <a:rPr lang="en-US" b="0" i="0" dirty="0">
-                <a:solidFill>
-                  <a:srgbClr val="2E95D3"/>
-                </a:solidFill>
-                <a:effectLst/>
-                <a:latin typeface="Söhne Mono"/>
-              </a:rPr>
-              <a:t>WHERE</a:t>
-            </a:r>
-            <a:r>
-              <a:rPr lang="en-US" b="0" i="0" dirty="0">
-                <a:solidFill>
-                  <a:schemeClr val="tx1"/>
-                </a:solidFill>
-                <a:effectLst/>
-                <a:latin typeface="Söhne Mono"/>
-              </a:rPr>
-              <a:t> </a:t>
-            </a:r>
-            <a:r>
-              <a:rPr lang="en-US" b="0" i="0" dirty="0" err="1">
-                <a:solidFill>
-                  <a:schemeClr val="tx1"/>
-                </a:solidFill>
-                <a:effectLst/>
-                <a:latin typeface="Söhne Mono"/>
-              </a:rPr>
-              <a:t>PhoneNumber</a:t>
-            </a:r>
-            <a:r>
-              <a:rPr lang="en-US" b="0" i="0" dirty="0">
-                <a:solidFill>
-                  <a:schemeClr val="tx1"/>
-                </a:solidFill>
-                <a:effectLst/>
-                <a:latin typeface="Söhne Mono"/>
-              </a:rPr>
-              <a:t> </a:t>
-            </a:r>
-            <a:r>
-              <a:rPr lang="en-US" b="0" i="0" dirty="0">
-                <a:solidFill>
-                  <a:srgbClr val="2E95D3"/>
-                </a:solidFill>
-                <a:effectLst/>
-                <a:latin typeface="Söhne Mono"/>
-              </a:rPr>
-              <a:t>IS</a:t>
-            </a:r>
-            <a:r>
-              <a:rPr lang="en-US" b="0" i="0" dirty="0">
-                <a:solidFill>
-                  <a:srgbClr val="FFFFFF"/>
-                </a:solidFill>
-                <a:effectLst/>
-                <a:latin typeface="Söhne Mono"/>
-              </a:rPr>
-              <a:t> </a:t>
-            </a:r>
-            <a:r>
-              <a:rPr lang="en-US" b="0" i="0" dirty="0">
-                <a:solidFill>
-                  <a:srgbClr val="2E95D3"/>
-                </a:solidFill>
-                <a:effectLst/>
-                <a:latin typeface="Söhne Mono"/>
-              </a:rPr>
-              <a:t>NULL</a:t>
-            </a:r>
-          </a:p>
-          <a:p>
-            <a:pPr marL="914400" lvl="2" indent="0">
-              <a:buNone/>
-            </a:pPr>
-            <a:endParaRPr lang="en-US" b="0" i="0" dirty="0">
-              <a:solidFill>
-                <a:srgbClr val="1C1917"/>
-              </a:solidFill>
-              <a:effectLst/>
-              <a:latin typeface="-apple-system"/>
-            </a:endParaRPr>
-          </a:p>
-          <a:p>
-            <a:pPr lvl="1"/>
-            <a:r>
-              <a:rPr lang="en-US" b="0" i="0" dirty="0">
-                <a:solidFill>
-                  <a:srgbClr val="1C1917"/>
-                </a:solidFill>
-                <a:effectLst/>
-                <a:latin typeface="-apple-system"/>
-              </a:rPr>
-              <a:t>Similarly, to exclude NULLs:</a:t>
-            </a:r>
-          </a:p>
-          <a:p>
-            <a:pPr lvl="2"/>
-            <a:r>
-              <a:rPr lang="en-US" b="0" i="0" dirty="0">
-                <a:solidFill>
-                  <a:srgbClr val="2E95D3"/>
-                </a:solidFill>
-                <a:effectLst/>
-                <a:latin typeface="Söhne Mono"/>
-              </a:rPr>
-              <a:t>WHERE</a:t>
-            </a:r>
-            <a:r>
-              <a:rPr lang="en-US" b="0" i="0" dirty="0">
-                <a:solidFill>
-                  <a:srgbClr val="FFFFFF"/>
-                </a:solidFill>
-                <a:effectLst/>
-                <a:latin typeface="Söhne Mono"/>
-              </a:rPr>
-              <a:t> </a:t>
-            </a:r>
-            <a:r>
-              <a:rPr lang="en-US" b="0" i="0" dirty="0" err="1">
-                <a:solidFill>
-                  <a:schemeClr val="tx1"/>
-                </a:solidFill>
-                <a:effectLst/>
-                <a:latin typeface="Söhne Mono"/>
-              </a:rPr>
-              <a:t>PhoneNumber</a:t>
-            </a:r>
-            <a:r>
-              <a:rPr lang="en-US" b="0" i="0" dirty="0">
-                <a:solidFill>
-                  <a:schemeClr val="tx1"/>
-                </a:solidFill>
-                <a:effectLst/>
-                <a:latin typeface="Söhne Mono"/>
-              </a:rPr>
-              <a:t> </a:t>
-            </a:r>
-            <a:r>
-              <a:rPr lang="en-US" b="0" i="0" dirty="0">
-                <a:solidFill>
-                  <a:srgbClr val="2E95D3"/>
-                </a:solidFill>
-                <a:effectLst/>
-                <a:latin typeface="Söhne Mono"/>
-              </a:rPr>
-              <a:t>IS</a:t>
-            </a:r>
-            <a:r>
-              <a:rPr lang="en-US" b="0" i="0" dirty="0">
-                <a:solidFill>
-                  <a:srgbClr val="FFFFFF"/>
-                </a:solidFill>
-                <a:effectLst/>
-                <a:latin typeface="Söhne Mono"/>
-              </a:rPr>
-              <a:t> </a:t>
-            </a:r>
-            <a:r>
-              <a:rPr lang="en-US" b="0" i="0" dirty="0">
-                <a:solidFill>
-                  <a:srgbClr val="2E95D3"/>
-                </a:solidFill>
-                <a:effectLst/>
-                <a:latin typeface="Söhne Mono"/>
-              </a:rPr>
-              <a:t>NOT</a:t>
-            </a:r>
-            <a:r>
-              <a:rPr lang="en-US" b="0" i="0" dirty="0">
-                <a:solidFill>
-                  <a:srgbClr val="FFFFFF"/>
-                </a:solidFill>
-                <a:effectLst/>
-                <a:latin typeface="Söhne Mono"/>
-              </a:rPr>
-              <a:t> </a:t>
-            </a:r>
-            <a:r>
-              <a:rPr lang="en-US" b="0" i="0" dirty="0">
-                <a:solidFill>
-                  <a:srgbClr val="2E95D3"/>
-                </a:solidFill>
-                <a:effectLst/>
-                <a:latin typeface="Söhne Mono"/>
-              </a:rPr>
-              <a:t>NULL</a:t>
-            </a:r>
-            <a:endParaRPr lang="en-US" b="0" i="0" dirty="0">
-              <a:solidFill>
-                <a:schemeClr val="tx1"/>
-              </a:solidFill>
-              <a:effectLst/>
-              <a:latin typeface="-apple-system"/>
-            </a:endParaRPr>
-          </a:p>
-          <a:p>
-            <a:pPr lvl="1"/>
-            <a:endParaRPr lang="en-US" b="0" i="0" dirty="0">
-              <a:solidFill>
-                <a:srgbClr val="1C1917"/>
-              </a:solidFill>
-              <a:effectLst/>
-              <a:latin typeface="-apple-system"/>
-            </a:endParaRPr>
-          </a:p>
         </p:txBody>
       </p:sp>
     </p:spTree>
     <p:extLst>
       <p:ext uri="{BB962C8B-B14F-4D97-AF65-F5344CB8AC3E}">
-        <p14:creationId xmlns:p14="http://schemas.microsoft.com/office/powerpoint/2010/main" val="2038835156"/>
+        <p14:creationId xmlns:p14="http://schemas.microsoft.com/office/powerpoint/2010/main" val="3364634259"/>
       </p:ext>
     </p:extLst>
   </p:cSld>
@@ -10872,104 +10244,98 @@
           <a:bodyPr/>
           <a:lstStyle/>
           <a:p>
-            <a:pPr algn="l">
+            <a:pPr algn="l"/>
+            <a:r>
+              <a:rPr lang="en-US" i="0" dirty="0">
+                <a:solidFill>
+                  <a:schemeClr val="tx1"/>
+                </a:solidFill>
+                <a:effectLst/>
+                <a:latin typeface="Söhne"/>
+              </a:rPr>
+              <a:t>Narrowing Criteria with AND</a:t>
+            </a:r>
+          </a:p>
+          <a:p>
+            <a:pPr lvl="1">
               <a:buFont typeface="Arial" panose="020B0604020202020204" pitchFamily="34" charset="0"/>
               <a:buChar char="•"/>
             </a:pPr>
             <a:r>
-              <a:rPr lang="en-US" b="0" i="0" dirty="0">
-                <a:solidFill>
-                  <a:srgbClr val="374151"/>
-                </a:solidFill>
-                <a:effectLst/>
-                <a:latin typeface="Söhne"/>
-              </a:rPr>
-              <a:t>SQL provides operators for combining multiple filter criteria in the WHERE clause:</a:t>
-            </a:r>
-          </a:p>
-          <a:p>
-            <a:pPr marL="742950" lvl="1" indent="-285750" algn="l">
+              <a:rPr lang="en-US" i="0" dirty="0">
+                <a:solidFill>
+                  <a:schemeClr val="tx1"/>
+                </a:solidFill>
+                <a:effectLst/>
+                <a:latin typeface="Söhne"/>
+              </a:rPr>
+              <a:t>AND narrows query results by requiring rows to match ALL conditions.</a:t>
+            </a:r>
+          </a:p>
+          <a:p>
+            <a:pPr lvl="1">
               <a:buFont typeface="Arial" panose="020B0604020202020204" pitchFamily="34" charset="0"/>
               <a:buChar char="•"/>
             </a:pPr>
             <a:r>
               <a:rPr lang="en-US" b="1" i="0" dirty="0">
                 <a:solidFill>
-                  <a:srgbClr val="374151"/>
-                </a:solidFill>
-                <a:effectLst/>
-                <a:latin typeface="Söhne"/>
-              </a:rPr>
-              <a:t>AND</a:t>
-            </a:r>
+                  <a:schemeClr val="tx1"/>
+                </a:solidFill>
+                <a:effectLst/>
+                <a:latin typeface="Söhne"/>
+              </a:rPr>
+              <a:t>Consider AND when you want:</a:t>
+            </a:r>
+            <a:endParaRPr lang="en-US" b="0" i="0" dirty="0">
+              <a:solidFill>
+                <a:schemeClr val="tx1"/>
+              </a:solidFill>
+              <a:effectLst/>
+              <a:latin typeface="Söhne"/>
+            </a:endParaRPr>
+          </a:p>
+          <a:p>
+            <a:pPr lvl="2" indent="-285750"/>
             <a:r>
               <a:rPr lang="en-US" b="0" i="0" dirty="0">
                 <a:solidFill>
-                  <a:srgbClr val="374151"/>
-                </a:solidFill>
-                <a:effectLst/>
-                <a:latin typeface="Söhne"/>
-              </a:rPr>
-              <a:t>: Includes rows where ALL conditions are TRUE.</a:t>
-            </a:r>
-          </a:p>
-          <a:p>
-            <a:pPr marL="742950" lvl="1" indent="-285750" algn="l">
-              <a:buFont typeface="Arial" panose="020B0604020202020204" pitchFamily="34" charset="0"/>
-              <a:buChar char="•"/>
-            </a:pPr>
-            <a:r>
-              <a:rPr lang="en-US" b="1" i="0" dirty="0">
-                <a:solidFill>
-                  <a:srgbClr val="374151"/>
-                </a:solidFill>
-                <a:effectLst/>
-                <a:latin typeface="Söhne"/>
-              </a:rPr>
-              <a:t>OR</a:t>
-            </a:r>
+                  <a:schemeClr val="tx1"/>
+                </a:solidFill>
+                <a:effectLst/>
+                <a:latin typeface="Söhne"/>
+              </a:rPr>
+              <a:t>Specific segments (Region AND Revenue).</a:t>
+            </a:r>
+          </a:p>
+          <a:p>
+            <a:pPr lvl="2" indent="-285750"/>
             <a:r>
               <a:rPr lang="en-US" b="0" i="0" dirty="0">
                 <a:solidFill>
-                  <a:srgbClr val="374151"/>
-                </a:solidFill>
-                <a:effectLst/>
-                <a:latin typeface="Söhne"/>
-              </a:rPr>
-              <a:t>: Includes rows where ANY conditions are TRUE.</a:t>
-            </a:r>
-          </a:p>
-          <a:p>
-            <a:pPr marL="742950" lvl="1" indent="-285750" algn="l">
-              <a:buFont typeface="Arial" panose="020B0604020202020204" pitchFamily="34" charset="0"/>
-              <a:buChar char="•"/>
-            </a:pPr>
-            <a:r>
-              <a:rPr lang="en-US" b="1" i="0" dirty="0">
-                <a:solidFill>
-                  <a:srgbClr val="374151"/>
-                </a:solidFill>
-                <a:effectLst/>
-                <a:latin typeface="Söhne"/>
-              </a:rPr>
-              <a:t>NOT</a:t>
-            </a:r>
+                  <a:schemeClr val="tx1"/>
+                </a:solidFill>
+                <a:effectLst/>
+                <a:latin typeface="Söhne"/>
+              </a:rPr>
+              <a:t>Filter dimensions (Date AND Product).</a:t>
+            </a:r>
+          </a:p>
+          <a:p>
+            <a:pPr lvl="2" indent="-285750"/>
             <a:r>
               <a:rPr lang="en-US" b="0" i="0" dirty="0">
                 <a:solidFill>
-                  <a:srgbClr val="374151"/>
-                </a:solidFill>
-                <a:effectLst/>
-                <a:latin typeface="Söhne"/>
-              </a:rPr>
-              <a:t>: Reverses condition to exclude instead of include.</a:t>
-            </a:r>
-          </a:p>
-          <a:p>
-            <a:pPr marL="742950" lvl="1" indent="-285750" algn="l">
-              <a:buFont typeface="Arial" panose="020B0604020202020204" pitchFamily="34" charset="0"/>
-              <a:buChar char="•"/>
-            </a:pPr>
+                  <a:schemeClr val="tx1"/>
+                </a:solidFill>
+                <a:effectLst/>
+                <a:latin typeface="Söhne"/>
+              </a:rPr>
+              <a:t>Strict definitions (Price &gt; 100 AND Units &lt; 50).</a:t>
+            </a:r>
+          </a:p>
+          <a:p>
+            <a:pPr lvl="2" indent="-285750"/>
             <a:endParaRPr lang="en-US" b="0" i="0" dirty="0">
               <a:solidFill>
                 <a:srgbClr val="374151"/>
@@ -10981,87 +10347,94 @@
           <a:p>
             <a:pPr algn="l"/>
             <a:r>
-              <a:rPr lang="en-US" b="0" i="1" dirty="0">
-                <a:solidFill>
-                  <a:srgbClr val="374151"/>
-                </a:solidFill>
-                <a:effectLst/>
-                <a:latin typeface="Söhne"/>
-              </a:rPr>
-              <a:t>Use Cases:</a:t>
+              <a:rPr lang="en-US" b="0" dirty="0">
+                <a:solidFill>
+                  <a:schemeClr val="tx1"/>
+                </a:solidFill>
+                <a:effectLst/>
+                <a:latin typeface="Söhne"/>
+              </a:rPr>
+              <a:t>Example:</a:t>
+            </a:r>
+          </a:p>
+          <a:p>
+            <a:pPr lvl="1"/>
+            <a:r>
+              <a:rPr lang="en-US" dirty="0">
+                <a:solidFill>
+                  <a:srgbClr val="2E95D3"/>
+                </a:solidFill>
+                <a:effectLst/>
+              </a:rPr>
+              <a:t>WHERE</a:t>
+            </a:r>
+            <a:r>
+              <a:rPr lang="en-US" dirty="0">
+                <a:effectLst/>
+              </a:rPr>
+              <a:t> Region = </a:t>
+            </a:r>
+            <a:r>
+              <a:rPr lang="en-US" dirty="0">
+                <a:solidFill>
+                  <a:srgbClr val="00A67D"/>
+                </a:solidFill>
+                <a:effectLst/>
+              </a:rPr>
+              <a:t>'West'</a:t>
+            </a:r>
+            <a:r>
+              <a:rPr lang="en-US" dirty="0">
+                <a:effectLst/>
+              </a:rPr>
+              <a:t> </a:t>
+            </a:r>
+            <a:r>
+              <a:rPr lang="en-US" dirty="0">
+                <a:solidFill>
+                  <a:srgbClr val="2E95D3"/>
+                </a:solidFill>
+                <a:effectLst/>
+              </a:rPr>
+              <a:t>AND</a:t>
+            </a:r>
+            <a:r>
+              <a:rPr lang="en-US" dirty="0">
+                <a:effectLst/>
+              </a:rPr>
+              <a:t> Sales &gt; </a:t>
+            </a:r>
+            <a:r>
+              <a:rPr lang="en-US" dirty="0">
+                <a:solidFill>
+                  <a:srgbClr val="DF3079"/>
+                </a:solidFill>
+                <a:effectLst/>
+              </a:rPr>
+              <a:t>100000</a:t>
+            </a:r>
+            <a:r>
+              <a:rPr lang="en-US" dirty="0">
+                <a:effectLst/>
+              </a:rPr>
+              <a:t> </a:t>
+            </a:r>
+          </a:p>
+          <a:p>
+            <a:pPr lvl="2"/>
+            <a:r>
+              <a:rPr lang="en-US" b="1" i="0" dirty="0">
+                <a:solidFill>
+                  <a:schemeClr val="tx1"/>
+                </a:solidFill>
+                <a:effectLst/>
+                <a:latin typeface="Söhne"/>
+              </a:rPr>
+              <a:t>Rows must meet both criteria.</a:t>
             </a:r>
             <a:endParaRPr lang="en-US" b="0" i="0" dirty="0">
               <a:solidFill>
-                <a:srgbClr val="374151"/>
-              </a:solidFill>
-              <a:effectLst/>
-              <a:latin typeface="Söhne"/>
-            </a:endParaRPr>
-          </a:p>
-          <a:p>
-            <a:pPr lvl="1">
-              <a:buFont typeface="Arial" panose="020B0604020202020204" pitchFamily="34" charset="0"/>
-              <a:buChar char="•"/>
-            </a:pPr>
-            <a:r>
-              <a:rPr lang="en-US" b="1" i="0" dirty="0">
-                <a:solidFill>
-                  <a:srgbClr val="374151"/>
-                </a:solidFill>
-                <a:effectLst/>
-                <a:latin typeface="Söhne"/>
-              </a:rPr>
-              <a:t>Filter by multi-criteria rules.</a:t>
-            </a:r>
-            <a:endParaRPr lang="en-US" b="0" i="0" dirty="0">
-              <a:solidFill>
-                <a:srgbClr val="374151"/>
-              </a:solidFill>
-              <a:effectLst/>
-              <a:latin typeface="Söhne"/>
-            </a:endParaRPr>
-          </a:p>
-          <a:p>
-            <a:pPr lvl="1">
-              <a:buFont typeface="Arial" panose="020B0604020202020204" pitchFamily="34" charset="0"/>
-              <a:buChar char="•"/>
-            </a:pPr>
-            <a:r>
-              <a:rPr lang="en-US" b="1" i="0" dirty="0">
-                <a:solidFill>
-                  <a:srgbClr val="374151"/>
-                </a:solidFill>
-                <a:effectLst/>
-                <a:latin typeface="Söhne"/>
-              </a:rPr>
-              <a:t>Group criteria into inclusion buckets.</a:t>
-            </a:r>
-            <a:endParaRPr lang="en-US" b="0" i="0" dirty="0">
-              <a:solidFill>
-                <a:srgbClr val="374151"/>
-              </a:solidFill>
-              <a:effectLst/>
-              <a:latin typeface="Söhne"/>
-            </a:endParaRPr>
-          </a:p>
-          <a:p>
-            <a:pPr lvl="1">
-              <a:buFont typeface="Arial" panose="020B0604020202020204" pitchFamily="34" charset="0"/>
-              <a:buChar char="•"/>
-            </a:pPr>
-            <a:r>
-              <a:rPr lang="en-US" b="1" i="0" dirty="0">
-                <a:solidFill>
-                  <a:srgbClr val="374151"/>
-                </a:solidFill>
-                <a:effectLst/>
-                <a:latin typeface="Söhne"/>
-              </a:rPr>
-              <a:t>Implement exclusion rules.</a:t>
-            </a:r>
-            <a:endParaRPr lang="en-US" b="0" i="0" dirty="0">
-              <a:solidFill>
-                <a:srgbClr val="374151"/>
+                <a:schemeClr val="tx1"/>
               </a:solidFill>
               <a:effectLst/>
               <a:latin typeface="Söhne"/>
@@ -11082,7 +10455,7 @@
     </p:spTree>
     <p:extLst>
       <p:ext uri="{BB962C8B-B14F-4D97-AF65-F5344CB8AC3E}">
-        <p14:creationId xmlns:p14="http://schemas.microsoft.com/office/powerpoint/2010/main" val="3364634259"/>
+        <p14:creationId xmlns:p14="http://schemas.microsoft.com/office/powerpoint/2010/main" val="774106990"/>
       </p:ext>
     </p:extLst>
   </p:cSld>
@@ -11374,12 +10747,12 @@
             <a:r>
               <a:rPr lang="en-US" i="0" dirty="0">
                 <a:solidFill>
-                  <a:srgbClr val="374151"/>
-                </a:solidFill>
-                <a:effectLst/>
-                <a:latin typeface="Söhne"/>
-              </a:rPr>
-              <a:t>Narrowing Criteria with AND</a:t>
+                  <a:schemeClr val="tx1"/>
+                </a:solidFill>
+                <a:effectLst/>
+                <a:latin typeface="Söhne"/>
+              </a:rPr>
+              <a:t>Using NOT to Exclude Filter Matches</a:t>
             </a:r>
           </a:p>
           <a:p>
@@ -11390,12 +10763,12 @@
             <a:r>
               <a:rPr lang="en-US" i="0" dirty="0">
                 <a:solidFill>
-                  <a:srgbClr val="374151"/>
-                </a:solidFill>
-                <a:effectLst/>
-                <a:latin typeface="Söhne"/>
-              </a:rPr>
-              <a:t>AND narrows query results by requiring rows to match ALL conditions.</a:t>
+                  <a:schemeClr val="tx1"/>
+                </a:solidFill>
+                <a:effectLst/>
+                <a:latin typeface="Söhne"/>
+              </a:rPr>
+              <a:t>NOT reverses the logic of filter conditions to EXCLUDE instead of INCLUDE matching rows.</a:t>
             </a:r>
           </a:p>
           <a:p>
@@ -11403,92 +10776,106 @@
               <a:buFont typeface="Arial" panose="020B0604020202020204" pitchFamily="34" charset="0"/>
               <a:buChar char="•"/>
             </a:pPr>
-            <a:r>
-              <a:rPr lang="en-US" b="1" i="0" dirty="0">
-                <a:solidFill>
-                  <a:srgbClr val="374151"/>
-                </a:solidFill>
-                <a:effectLst/>
-                <a:latin typeface="Söhne"/>
-              </a:rPr>
-              <a:t>Consider AND when you want:</a:t>
-            </a:r>
-            <a:endParaRPr lang="en-US" b="0" i="0" dirty="0">
+            <a:endParaRPr lang="en-US" i="0" dirty="0">
               <a:solidFill>
-                <a:srgbClr val="374151"/>
+                <a:schemeClr val="tx1"/>
               </a:solidFill>
               <a:effectLst/>
               <a:latin typeface="Söhne"/>
             </a:endParaRPr>
           </a:p>
           <a:p>
-            <a:pPr lvl="2" indent="-285750"/>
-            <a:r>
-              <a:rPr lang="en-US" b="0" i="0" dirty="0">
-                <a:solidFill>
-                  <a:srgbClr val="374151"/>
-                </a:solidFill>
-                <a:effectLst/>
-                <a:latin typeface="Söhne"/>
-              </a:rPr>
-              <a:t>Specific segments (Region AND Revenue).</a:t>
-            </a:r>
-          </a:p>
-          <a:p>
-            <a:pPr lvl="2" indent="-285750"/>
-            <a:r>
-              <a:rPr lang="en-US" b="0" i="0" dirty="0">
-                <a:solidFill>
-                  <a:srgbClr val="374151"/>
-                </a:solidFill>
-                <a:effectLst/>
-                <a:latin typeface="Söhne"/>
-              </a:rPr>
-              <a:t>Filter dimensions (Date AND Product).</a:t>
-            </a:r>
-          </a:p>
-          <a:p>
-            <a:pPr lvl="2" indent="-285750"/>
-            <a:r>
-              <a:rPr lang="en-US" b="0" i="0" dirty="0">
-                <a:solidFill>
-                  <a:srgbClr val="374151"/>
-                </a:solidFill>
-                <a:effectLst/>
-                <a:latin typeface="Söhne"/>
-              </a:rPr>
-              <a:t>Strict definitions (Price &gt; 100 AND Units &lt; 50).</a:t>
-            </a:r>
-          </a:p>
-          <a:p>
-            <a:pPr lvl="2" indent="-285750"/>
+            <a:pPr algn="l"/>
+            <a:r>
+              <a:rPr lang="en-US" b="0" i="1" dirty="0">
+                <a:solidFill>
+                  <a:schemeClr val="tx1"/>
+                </a:solidFill>
+                <a:effectLst/>
+                <a:latin typeface="Söhne"/>
+              </a:rPr>
+              <a:t>Consider NOT when you want:</a:t>
+            </a:r>
             <a:endParaRPr lang="en-US" b="0" i="0" dirty="0">
               <a:solidFill>
-                <a:srgbClr val="374151"/>
+                <a:schemeClr val="tx1"/>
               </a:solidFill>
               <a:effectLst/>
               <a:latin typeface="Söhne"/>
             </a:endParaRPr>
           </a:p>
           <a:p>
+            <a:pPr lvl="1">
+              <a:buFont typeface="Arial" panose="020B0604020202020204" pitchFamily="34" charset="0"/>
+              <a:buChar char="•"/>
+            </a:pPr>
+            <a:r>
+              <a:rPr lang="en-US" i="0" dirty="0">
+                <a:solidFill>
+                  <a:schemeClr val="tx1"/>
+                </a:solidFill>
+                <a:effectLst/>
+                <a:latin typeface="Söhne"/>
+              </a:rPr>
+              <a:t>Exception reporting (Exclude top regions).</a:t>
+            </a:r>
+          </a:p>
+          <a:p>
+            <a:pPr lvl="1">
+              <a:buFont typeface="Arial" panose="020B0604020202020204" pitchFamily="34" charset="0"/>
+              <a:buChar char="•"/>
+            </a:pPr>
+            <a:r>
+              <a:rPr lang="en-US" i="0" dirty="0">
+                <a:solidFill>
+                  <a:schemeClr val="tx1"/>
+                </a:solidFill>
+                <a:effectLst/>
+                <a:latin typeface="Söhne"/>
+              </a:rPr>
+              <a:t>Data quality checks (NOT missing addresses).</a:t>
+            </a:r>
+          </a:p>
+          <a:p>
+            <a:pPr lvl="1">
+              <a:buFont typeface="Arial" panose="020B0604020202020204" pitchFamily="34" charset="0"/>
+              <a:buChar char="•"/>
+            </a:pPr>
+            <a:r>
+              <a:rPr lang="en-US" i="0" dirty="0">
+                <a:solidFill>
+                  <a:schemeClr val="tx1"/>
+                </a:solidFill>
+                <a:effectLst/>
+                <a:latin typeface="Söhne"/>
+              </a:rPr>
+              <a:t>Complementary slices (NOT recent customers).</a:t>
+            </a:r>
+          </a:p>
+          <a:p>
+            <a:pPr lvl="1">
+              <a:buFont typeface="Arial" panose="020B0604020202020204" pitchFamily="34" charset="0"/>
+              <a:buChar char="•"/>
+            </a:pPr>
+            <a:endParaRPr lang="en-US" dirty="0">
+              <a:solidFill>
+                <a:srgbClr val="1C1917"/>
+              </a:solidFill>
+              <a:latin typeface="-apple-system"/>
+            </a:endParaRPr>
+          </a:p>
+          <a:p>
             <a:pPr algn="l"/>
             <a:r>
-              <a:rPr lang="en-US" b="0" i="1" dirty="0">
-                <a:solidFill>
-                  <a:srgbClr val="374151"/>
-                </a:solidFill>
-                <a:effectLst/>
-                <a:latin typeface="Söhne"/>
+              <a:rPr lang="en-US" b="0" i="0" dirty="0">
+                <a:solidFill>
+                  <a:srgbClr val="1C1917"/>
+                </a:solidFill>
+                <a:effectLst/>
+                <a:latin typeface="-apple-system"/>
               </a:rPr>
               <a:t>Example:</a:t>
             </a:r>
-            <a:endParaRPr lang="en-US" b="0" i="0" dirty="0">
-              <a:solidFill>
-                <a:srgbClr val="374151"/>
-              </a:solidFill>
-              <a:effectLst/>
-              <a:latin typeface="Söhne"/>
-            </a:endParaRPr>
           </a:p>
           <a:p>
             <a:pPr lvl="1"/>
@@ -11505,19 +10892,31 @@
               <a:rPr lang="en-US" dirty="0">
                 <a:effectLst/>
               </a:rPr>
-              <a:t> Region = </a:t>
+              <a:t> </a:t>
+            </a:r>
+            <a:r>
+              <a:rPr lang="en-US" dirty="0" err="1">
+                <a:effectLst/>
+              </a:rPr>
+              <a:t>LastOrdered</a:t>
             </a:r>
             <a:r>
               <a:rPr lang="en-US" dirty="0">
-                <a:solidFill>
-                  <a:srgbClr val="00A67D"/>
-                </a:solidFill>
-                <a:effectLst/>
-              </a:rPr>
-              <a:t>'West'</a:t>
+                <a:effectLst/>
+              </a:rPr>
+              <a:t> </a:t>
             </a:r>
             <a:r>
               <a:rPr lang="en-US" dirty="0">
+                <a:solidFill>
+                  <a:srgbClr val="2E95D3"/>
+                </a:solidFill>
+                <a:effectLst/>
+              </a:rPr>
+              <a:t>IS</a:t>
+            </a:r>
+            <a:r>
+              <a:rPr lang="en-US" dirty="0">
                 <a:effectLst/>
               </a:rPr>
               <a:t> </a:t>
@@ -11529,22 +10928,22 @@
                 </a:solidFill>
                 <a:effectLst/>
               </a:rPr>
-              <a:t>AND</a:t>
+              <a:t>NOT</a:t>
             </a:r>
             <a:r>
               <a:rPr lang="en-US" dirty="0">
                 <a:effectLst/>
               </a:rPr>
-              <a:t> Sales &gt; </a:t>
+              <a:t> </a:t>
             </a:r>
             <a:r>
               <a:rPr lang="en-US" dirty="0">
                 <a:solidFill>
-                  <a:srgbClr val="DF3079"/>
-                </a:solidFill>
-                <a:effectLst/>
-              </a:rPr>
-              <a:t>100000</a:t>
+                  <a:srgbClr val="2E95D3"/>
+                </a:solidFill>
+                <a:effectLst/>
+              </a:rPr>
+              <a:t>NULL</a:t>
             </a:r>
             <a:r>
               <a:rPr lang="en-US" dirty="0">
@@ -11554,27 +10953,12 @@
             </a:r>
           </a:p>
           <a:p>
-            <a:pPr lvl="2"/>
-            <a:r>
-              <a:rPr lang="en-US" b="1" i="0" dirty="0">
-                <a:solidFill>
-                  <a:srgbClr val="374151"/>
-                </a:solidFill>
-                <a:effectLst/>
-                <a:latin typeface="Söhne"/>
-              </a:rPr>
-              <a:t>Rows must meet both criteria.</a:t>
-            </a:r>
-            <a:endParaRPr lang="en-US" b="0" i="0" dirty="0">
-              <a:solidFill>
-                <a:srgbClr val="374151"/>
-              </a:solidFill>
-              <a:effectLst/>
-              <a:latin typeface="Söhne"/>
-            </a:endParaRPr>
-          </a:p>
-          <a:p>
-            <a:pPr lvl="3"/>
+            <a:pPr marL="0" indent="0">
+              <a:buNone/>
+            </a:pPr>
+            <a:br>
+              <a:rPr lang="en-US" dirty="0"/>
+            </a:br>
             <a:endParaRPr lang="en-US" b="0" i="0" dirty="0">
               <a:solidFill>
                 <a:srgbClr val="1C1917"/>
@@ -11588,7 +10972,7 @@
     </p:spTree>
     <p:extLst>
       <p:ext uri="{BB962C8B-B14F-4D97-AF65-F5344CB8AC3E}">
-        <p14:creationId xmlns:p14="http://schemas.microsoft.com/office/powerpoint/2010/main" val="774106990"/>
+        <p14:creationId xmlns:p14="http://schemas.microsoft.com/office/powerpoint/2010/main" val="3583847426"/>
       </p:ext>
     </p:extLst>
   </p:cSld>
@@ -11876,62 +11260,48 @@
           <a:bodyPr/>
           <a:lstStyle/>
           <a:p>
-            <a:pPr algn="l"/>
-            <a:r>
-              <a:rPr lang="en-US" i="0" dirty="0">
-                <a:solidFill>
-                  <a:srgbClr val="374151"/>
-                </a:solidFill>
-                <a:effectLst/>
-                <a:latin typeface="Söhne"/>
-              </a:rPr>
-              <a:t>Using NOT to Exclude Filter Matches</a:t>
-            </a:r>
-          </a:p>
-          <a:p>
-            <a:pPr lvl="1">
+            <a:pPr algn="l">
               <a:buFont typeface="Arial" panose="020B0604020202020204" pitchFamily="34" charset="0"/>
               <a:buChar char="•"/>
             </a:pPr>
             <a:r>
               <a:rPr lang="en-US" i="0" dirty="0">
                 <a:solidFill>
-                  <a:srgbClr val="374151"/>
-                </a:solidFill>
-                <a:effectLst/>
-                <a:latin typeface="Söhne"/>
-              </a:rPr>
-              <a:t>NOT reverses the logic of filter conditions to EXCLUDE instead of INCLUDE matching rows.</a:t>
-            </a:r>
-          </a:p>
-          <a:p>
-            <a:pPr lvl="1">
+                  <a:schemeClr val="tx1"/>
+                </a:solidFill>
+                <a:effectLst/>
+                <a:latin typeface="Söhne"/>
+              </a:rPr>
+              <a:t>The OR operator widens the filter criteria, allowing rows to match if they satisfy ANY of the conditions.</a:t>
+            </a:r>
+          </a:p>
+          <a:p>
+            <a:pPr algn="l">
               <a:buFont typeface="Arial" panose="020B0604020202020204" pitchFamily="34" charset="0"/>
               <a:buChar char="•"/>
             </a:pPr>
             <a:endParaRPr lang="en-US" i="0" dirty="0">
               <a:solidFill>
-                <a:srgbClr val="374151"/>
+                <a:schemeClr val="tx1"/>
               </a:solidFill>
               <a:effectLst/>
               <a:latin typeface="Söhne"/>
             </a:endParaRPr>
           </a:p>
           <a:p>
-            <a:pPr algn="l"/>
             <a:r>
               <a:rPr lang="en-US" b="0" i="1" dirty="0">
                 <a:solidFill>
-                  <a:srgbClr val="374151"/>
-                </a:solidFill>
-                <a:effectLst/>
-                <a:latin typeface="Söhne"/>
-              </a:rPr>
-              <a:t>Consider NOT when you want:</a:t>
+                  <a:schemeClr val="tx1"/>
+                </a:solidFill>
+                <a:effectLst/>
+                <a:latin typeface="Söhne"/>
+              </a:rPr>
+              <a:t>Consider OR when you want:</a:t>
             </a:r>
             <a:endParaRPr lang="en-US" b="0" i="0" dirty="0">
               <a:solidFill>
-                <a:srgbClr val="374151"/>
+                <a:schemeClr val="tx1"/>
               </a:solidFill>
               <a:effectLst/>
               <a:latin typeface="Söhne"/>
@@ -11945,12 +11315,12 @@
             <a:r>
               <a:rPr lang="en-US" i="0" dirty="0">
                 <a:solidFill>
-                  <a:srgbClr val="374151"/>
-                </a:solidFill>
-                <a:effectLst/>
-                <a:latin typeface="Söhne"/>
-              </a:rPr>
-              <a:t>Exception reporting (Exclude top regions).</a:t>
+                  <a:schemeClr val="tx1"/>
+                </a:solidFill>
+                <a:effectLst/>
+                <a:latin typeface="Söhne"/>
+              </a:rPr>
+              <a:t>Flexible searches (Brand A OR Brand B products).</a:t>
             </a:r>
           </a:p>
           <a:p>
@@ -11961,12 +11331,12 @@
             <a:r>
               <a:rPr lang="en-US" i="0" dirty="0">
                 <a:solidFill>
-                  <a:srgbClr val="374151"/>
-                </a:solidFill>
-                <a:effectLst/>
-                <a:latin typeface="Söhne"/>
-              </a:rPr>
-              <a:t>Data quality checks (NOT missing addresses).</a:t>
+                  <a:schemeClr val="tx1"/>
+                </a:solidFill>
+                <a:effectLst/>
+                <a:latin typeface="Söhne"/>
+              </a:rPr>
+              <a:t>Buckets of data (New OR Existing customers).</a:t>
             </a:r>
           </a:p>
           <a:p>
@@ -11977,12 +11347,12 @@
             <a:r>
               <a:rPr lang="en-US" i="0" dirty="0">
                 <a:solidFill>
-                  <a:srgbClr val="374151"/>
-                </a:solidFill>
-                <a:effectLst/>
-                <a:latin typeface="Söhne"/>
-              </a:rPr>
-              <a:t>Complementary slices (NOT recent customers).</a:t>
+                  <a:schemeClr val="tx1"/>
+                </a:solidFill>
+                <a:effectLst/>
+                <a:latin typeface="Söhne"/>
+              </a:rPr>
+              <a:t>Criteria variations (Sales &gt;= $1000 OR Volume &gt; 500).</a:t>
             </a:r>
           </a:p>
           <a:p>
@@ -11990,108 +11360,99 @@
               <a:buFont typeface="Arial" panose="020B0604020202020204" pitchFamily="34" charset="0"/>
               <a:buChar char="•"/>
             </a:pPr>
+            <a:endParaRPr lang="en-US" i="0" dirty="0">
+              <a:solidFill>
+                <a:schemeClr val="tx1"/>
+              </a:solidFill>
+              <a:effectLst/>
+              <a:latin typeface="Söhne"/>
+            </a:endParaRPr>
+          </a:p>
+          <a:p>
+            <a:pPr algn="l"/>
+            <a:r>
+              <a:rPr lang="en-US" b="0" i="1" dirty="0">
+                <a:solidFill>
+                  <a:schemeClr val="tx1"/>
+                </a:solidFill>
+                <a:effectLst/>
+                <a:latin typeface="Söhne"/>
+              </a:rPr>
+              <a:t>Example:</a:t>
+            </a:r>
+            <a:endParaRPr lang="en-US" b="0" i="0" dirty="0">
+              <a:solidFill>
+                <a:schemeClr val="tx1"/>
+              </a:solidFill>
+              <a:effectLst/>
+              <a:latin typeface="Söhne"/>
+            </a:endParaRPr>
+          </a:p>
+          <a:p>
+            <a:pPr lvl="1"/>
+            <a:r>
+              <a:rPr lang="en-US" dirty="0">
+                <a:solidFill>
+                  <a:srgbClr val="2E95D3"/>
+                </a:solidFill>
+                <a:effectLst/>
+              </a:rPr>
+              <a:t>WHERE</a:t>
+            </a:r>
+            <a:r>
+              <a:rPr lang="en-US" dirty="0">
+                <a:effectLst/>
+              </a:rPr>
+              <a:t> Region = </a:t>
+            </a:r>
+            <a:r>
+              <a:rPr lang="en-US" dirty="0">
+                <a:solidFill>
+                  <a:srgbClr val="00A67D"/>
+                </a:solidFill>
+                <a:effectLst/>
+              </a:rPr>
+              <a:t>'West'</a:t>
+            </a:r>
+            <a:r>
+              <a:rPr lang="en-US" dirty="0">
+                <a:effectLst/>
+              </a:rPr>
+              <a:t> </a:t>
+            </a:r>
+            <a:r>
+              <a:rPr lang="en-US" dirty="0">
+                <a:solidFill>
+                  <a:srgbClr val="2E95D3"/>
+                </a:solidFill>
+                <a:effectLst/>
+              </a:rPr>
+              <a:t>OR</a:t>
+            </a:r>
+            <a:r>
+              <a:rPr lang="en-US" dirty="0">
+                <a:effectLst/>
+              </a:rPr>
+              <a:t> Sales &gt; </a:t>
+            </a:r>
+            <a:r>
+              <a:rPr lang="en-US" dirty="0">
+                <a:solidFill>
+                  <a:srgbClr val="DF3079"/>
+                </a:solidFill>
+                <a:effectLst/>
+              </a:rPr>
+              <a:t>100000</a:t>
+            </a:r>
             <a:endParaRPr lang="en-US" dirty="0">
-              <a:solidFill>
-                <a:srgbClr val="1C1917"/>
-              </a:solidFill>
-              <a:latin typeface="-apple-system"/>
+              <a:effectLst/>
             </a:endParaRPr>
           </a:p>
           <a:p>
-            <a:pPr algn="l"/>
-            <a:r>
-              <a:rPr lang="en-US" b="0" i="0" dirty="0">
-                <a:solidFill>
-                  <a:srgbClr val="1C1917"/>
-                </a:solidFill>
-                <a:effectLst/>
-                <a:latin typeface="-apple-system"/>
-              </a:rPr>
-              <a:t>Example:</a:t>
-            </a:r>
-          </a:p>
-          <a:p>
-            <a:pPr lvl="1"/>
-            <a:r>
-              <a:rPr lang="en-US" dirty="0">
-                <a:solidFill>
-                  <a:srgbClr val="2E95D3"/>
-                </a:solidFill>
-                <a:effectLst/>
-              </a:rPr>
-              <a:t>WHERE</a:t>
-            </a:r>
-            <a:r>
-              <a:rPr lang="en-US" dirty="0">
-                <a:effectLst/>
-              </a:rPr>
-              <a:t> </a:t>
-            </a:r>
-            <a:r>
-              <a:rPr lang="en-US" dirty="0" err="1">
-                <a:effectLst/>
-              </a:rPr>
-              <a:t>LastOrdered</a:t>
-            </a:r>
-            <a:r>
-              <a:rPr lang="en-US" dirty="0">
-                <a:effectLst/>
-              </a:rPr>
-              <a:t> </a:t>
-            </a:r>
-            <a:r>
-              <a:rPr lang="en-US" dirty="0">
-                <a:solidFill>
-                  <a:srgbClr val="2E95D3"/>
-                </a:solidFill>
-                <a:effectLst/>
-              </a:rPr>
-              <a:t>IS</a:t>
-            </a:r>
-            <a:r>
-              <a:rPr lang="en-US" dirty="0">
-                <a:effectLst/>
-              </a:rPr>
-              <a:t> </a:t>
-            </a:r>
-            <a:r>
-              <a:rPr lang="en-US" dirty="0">
-                <a:solidFill>
-                  <a:srgbClr val="2E95D3"/>
-                </a:solidFill>
-                <a:effectLst/>
-              </a:rPr>
-              <a:t>NOT</a:t>
-            </a:r>
-            <a:r>
-              <a:rPr lang="en-US" dirty="0">
-                <a:effectLst/>
-              </a:rPr>
-              <a:t> </a:t>
-            </a:r>
-            <a:r>
-              <a:rPr lang="en-US" dirty="0">
-                <a:solidFill>
-                  <a:srgbClr val="2E95D3"/>
-                </a:solidFill>
-                <a:effectLst/>
-              </a:rPr>
-              <a:t>NULL</a:t>
-            </a:r>
-            <a:r>
-              <a:rPr lang="en-US" dirty="0">
-                <a:effectLst/>
-              </a:rPr>
-              <a:t> </a:t>
-            </a:r>
-          </a:p>
-          <a:p>
-            <a:pPr marL="0" indent="0">
-              <a:buNone/>
+            <a:pPr lvl="1">
+              <a:buFont typeface="Arial" panose="020B0604020202020204" pitchFamily="34" charset="0"/>
+              <a:buChar char="•"/>
             </a:pPr>
-            <a:br>
-              <a:rPr lang="en-US" dirty="0"/>
-            </a:br>
             <a:endParaRPr lang="en-US" b="0" i="0" dirty="0">
               <a:solidFill>
                 <a:srgbClr val="1C1917"/>
@@ -12100,12 +11461,22 @@
               <a:latin typeface="-apple-system"/>
             </a:endParaRPr>
           </a:p>
+          <a:p>
+            <a:pPr lvl="3"/>
+            <a:endParaRPr lang="en-US" b="0" i="0" dirty="0">
+              <a:solidFill>
+                <a:srgbClr val="1C1917"/>
+              </a:solidFill>
+              <a:effectLst/>
+              <a:latin typeface="-apple-system"/>
+            </a:endParaRPr>
+          </a:p>
         </p:txBody>
       </p:sp>
     </p:spTree>
     <p:extLst>
       <p:ext uri="{BB962C8B-B14F-4D97-AF65-F5344CB8AC3E}">
-        <p14:creationId xmlns:p14="http://schemas.microsoft.com/office/powerpoint/2010/main" val="3583847426"/>
+        <p14:creationId xmlns:p14="http://schemas.microsoft.com/office/powerpoint/2010/main" val="3299819269"/>
       </p:ext>
     </p:extLst>
   </p:cSld>
@@ -12362,7 +11733,7 @@
           <a:p>
             <a:r>
               <a:rPr lang="en-US" dirty="0"/>
-              <a:t>Combining Filter Conditions</a:t>
+              <a:t>Pattern Matching</a:t>
             </a:r>
           </a:p>
         </p:txBody>
@@ -12400,12 +11771,12 @@
             <a:r>
               <a:rPr lang="en-US" i="0" dirty="0">
                 <a:solidFill>
-                  <a:srgbClr val="374151"/>
-                </a:solidFill>
-                <a:effectLst/>
-                <a:latin typeface="Söhne"/>
-              </a:rPr>
-              <a:t>The OR operator widens the filter criteria, allowing rows to match if they satisfy ANY of the conditions.</a:t>
+                  <a:schemeClr val="tx1"/>
+                </a:solidFill>
+                <a:effectLst/>
+                <a:latin typeface="Söhne"/>
+              </a:rPr>
+              <a:t>The LIKE operator allows you to match text patterns in string data rather than exact literal values.</a:t>
             </a:r>
           </a:p>
           <a:p>
@@ -12415,177 +11786,121 @@
             </a:pPr>
             <a:endParaRPr lang="en-US" i="0" dirty="0">
               <a:solidFill>
-                <a:srgbClr val="374151"/>
+                <a:schemeClr val="tx1"/>
               </a:solidFill>
               <a:effectLst/>
               <a:latin typeface="Söhne"/>
             </a:endParaRPr>
           </a:p>
           <a:p>
-            <a:r>
-              <a:rPr lang="en-US" b="0" i="1" dirty="0">
-                <a:solidFill>
-                  <a:srgbClr val="374151"/>
-                </a:solidFill>
-                <a:effectLst/>
-                <a:latin typeface="Söhne"/>
-              </a:rPr>
-              <a:t>Consider OR when you want:</a:t>
-            </a:r>
-            <a:endParaRPr lang="en-US" b="0" i="0" dirty="0">
+            <a:pPr algn="l">
+              <a:buFont typeface="Arial" panose="020B0604020202020204" pitchFamily="34" charset="0"/>
+              <a:buChar char="•"/>
+            </a:pPr>
+            <a:r>
+              <a:rPr lang="en-US" i="0" dirty="0">
+                <a:solidFill>
+                  <a:schemeClr val="tx1"/>
+                </a:solidFill>
+                <a:effectLst/>
+                <a:latin typeface="Söhne"/>
+              </a:rPr>
+              <a:t>The LIKE operator uses two wildcards for flexible pattern matching in strings:</a:t>
+            </a:r>
+          </a:p>
+          <a:p>
+            <a:pPr algn="l">
+              <a:buFont typeface="Arial" panose="020B0604020202020204" pitchFamily="34" charset="0"/>
+              <a:buChar char="•"/>
+            </a:pPr>
+            <a:endParaRPr lang="en-US" i="0" dirty="0">
               <a:solidFill>
-                <a:srgbClr val="374151"/>
+                <a:schemeClr val="tx1"/>
               </a:solidFill>
               <a:effectLst/>
               <a:latin typeface="Söhne"/>
             </a:endParaRPr>
           </a:p>
           <a:p>
-            <a:pPr lvl="1">
+            <a:pPr marL="742950" lvl="1" indent="-285750" algn="l">
               <a:buFont typeface="Arial" panose="020B0604020202020204" pitchFamily="34" charset="0"/>
               <a:buChar char="•"/>
             </a:pPr>
             <a:r>
+              <a:rPr lang="en-US" b="1" i="0" dirty="0">
+                <a:solidFill>
+                  <a:schemeClr val="tx1"/>
+                </a:solidFill>
+                <a:effectLst/>
+                <a:latin typeface="Söhne"/>
+              </a:rPr>
+              <a:t>% (Percent sign): </a:t>
+            </a:r>
+            <a:r>
               <a:rPr lang="en-US" i="0" dirty="0">
                 <a:solidFill>
-                  <a:srgbClr val="374151"/>
-                </a:solidFill>
-                <a:effectLst/>
-                <a:latin typeface="Söhne"/>
-              </a:rPr>
-              <a:t>Flexible searches (Brand A OR Brand B products).</a:t>
-            </a:r>
-          </a:p>
-          <a:p>
-            <a:pPr lvl="1">
+                  <a:schemeClr val="tx1"/>
+                </a:solidFill>
+                <a:effectLst/>
+                <a:latin typeface="Söhne"/>
+              </a:rPr>
+              <a:t>Matches zero or more characters. </a:t>
+            </a:r>
+          </a:p>
+          <a:p>
+            <a:pPr lvl="2" indent="-285750"/>
+            <a:r>
+              <a:rPr lang="en-US" i="0" dirty="0">
+                <a:solidFill>
+                  <a:schemeClr val="tx1"/>
+                </a:solidFill>
+                <a:effectLst/>
+                <a:latin typeface="Söhne"/>
+              </a:rPr>
+              <a:t>It's a substitute for any set of characters.</a:t>
+            </a:r>
+          </a:p>
+          <a:p>
+            <a:pPr marL="742950" lvl="1" indent="-285750" algn="l">
               <a:buFont typeface="Arial" panose="020B0604020202020204" pitchFamily="34" charset="0"/>
               <a:buChar char="•"/>
             </a:pPr>
             <a:r>
+              <a:rPr lang="en-US" b="1" i="0" dirty="0">
+                <a:solidFill>
+                  <a:schemeClr val="tx1"/>
+                </a:solidFill>
+                <a:effectLst/>
+                <a:latin typeface="Söhne"/>
+              </a:rPr>
+              <a:t>_ (Underscore): </a:t>
+            </a:r>
+            <a:r>
               <a:rPr lang="en-US" i="0" dirty="0">
                 <a:solidFill>
-                  <a:srgbClr val="374151"/>
-                </a:solidFill>
-                <a:effectLst/>
-                <a:latin typeface="Söhne"/>
-              </a:rPr>
-              <a:t>Buckets of data (New OR Existing customers).</a:t>
-            </a:r>
-          </a:p>
-          <a:p>
-            <a:pPr lvl="1">
-              <a:buFont typeface="Arial" panose="020B0604020202020204" pitchFamily="34" charset="0"/>
-              <a:buChar char="•"/>
-            </a:pPr>
+                  <a:schemeClr val="tx1"/>
+                </a:solidFill>
+                <a:effectLst/>
+                <a:latin typeface="Söhne"/>
+              </a:rPr>
+              <a:t>Matches a single character. </a:t>
+            </a:r>
+          </a:p>
+          <a:p>
+            <a:pPr lvl="2" indent="-285750"/>
             <a:r>
               <a:rPr lang="en-US" i="0" dirty="0">
                 <a:solidFill>
-                  <a:srgbClr val="374151"/>
-                </a:solidFill>
-                <a:effectLst/>
-                <a:latin typeface="Söhne"/>
-              </a:rPr>
-              <a:t>Criteria variations (Sales &gt;= $1000 OR Volume &gt; 500).</a:t>
-            </a:r>
-          </a:p>
-          <a:p>
-            <a:pPr lvl="1">
-              <a:buFont typeface="Arial" panose="020B0604020202020204" pitchFamily="34" charset="0"/>
-              <a:buChar char="•"/>
-            </a:pPr>
-            <a:endParaRPr lang="en-US" i="0" dirty="0">
-              <a:solidFill>
-                <a:srgbClr val="374151"/>
-              </a:solidFill>
-              <a:effectLst/>
-              <a:latin typeface="Söhne"/>
-            </a:endParaRPr>
-          </a:p>
-          <a:p>
-            <a:pPr algn="l"/>
-            <a:r>
-              <a:rPr lang="en-US" b="0" i="1" dirty="0">
-                <a:solidFill>
-                  <a:srgbClr val="374151"/>
-                </a:solidFill>
-                <a:effectLst/>
-                <a:latin typeface="Söhne"/>
-              </a:rPr>
-              <a:t>Example:</a:t>
-            </a:r>
-            <a:endParaRPr lang="en-US" b="0" i="0" dirty="0">
-              <a:solidFill>
-                <a:srgbClr val="374151"/>
-              </a:solidFill>
-              <a:effectLst/>
-              <a:latin typeface="Söhne"/>
-            </a:endParaRPr>
-          </a:p>
-          <a:p>
-            <a:pPr lvl="1"/>
-            <a:r>
-              <a:rPr lang="en-US" dirty="0">
-                <a:solidFill>
-                  <a:srgbClr val="2E95D3"/>
-                </a:solidFill>
-                <a:effectLst/>
-              </a:rPr>
-              <a:t>WHERE</a:t>
-            </a:r>
-            <a:r>
-              <a:rPr lang="en-US" dirty="0">
-                <a:effectLst/>
-              </a:rPr>
-              <a:t> Region = </a:t>
-            </a:r>
-            <a:r>
-              <a:rPr lang="en-US" dirty="0">
-                <a:solidFill>
-                  <a:srgbClr val="00A67D"/>
-                </a:solidFill>
-                <a:effectLst/>
-              </a:rPr>
-              <a:t>'West'</a:t>
-            </a:r>
-            <a:r>
-              <a:rPr lang="en-US" dirty="0">
-                <a:effectLst/>
-              </a:rPr>
-              <a:t> </a:t>
-            </a:r>
-            <a:r>
-              <a:rPr lang="en-US" dirty="0">
-                <a:solidFill>
-                  <a:srgbClr val="2E95D3"/>
-                </a:solidFill>
-                <a:effectLst/>
-              </a:rPr>
-              <a:t>OR</a:t>
-            </a:r>
-            <a:r>
-              <a:rPr lang="en-US" dirty="0">
-                <a:effectLst/>
-              </a:rPr>
-              <a:t> Sales &gt; </a:t>
-            </a:r>
-            <a:r>
-              <a:rPr lang="en-US" dirty="0">
-                <a:solidFill>
-                  <a:srgbClr val="DF3079"/>
-                </a:solidFill>
-                <a:effectLst/>
-              </a:rPr>
-              <a:t>100000</a:t>
-            </a:r>
-            <a:endParaRPr lang="en-US" dirty="0">
-              <a:effectLst/>
-            </a:endParaRPr>
-          </a:p>
-          <a:p>
-            <a:pPr lvl="1">
-              <a:buFont typeface="Arial" panose="020B0604020202020204" pitchFamily="34" charset="0"/>
-              <a:buChar char="•"/>
-            </a:pPr>
+                  <a:schemeClr val="tx1"/>
+                </a:solidFill>
+                <a:effectLst/>
+                <a:latin typeface="Söhne"/>
+              </a:rPr>
+              <a:t>It's a placeholder for an individual unknown character.</a:t>
+            </a:r>
+          </a:p>
+          <a:p>
+            <a:pPr lvl="2"/>
             <a:endParaRPr lang="en-US" b="0" i="0" dirty="0">
               <a:solidFill>
                 <a:srgbClr val="1C1917"/>
@@ -12604,12 +11919,22 @@
               <a:latin typeface="-apple-system"/>
             </a:endParaRPr>
           </a:p>
+          <a:p>
+            <a:pPr lvl="1"/>
+            <a:endParaRPr lang="en-US" b="0" i="0" dirty="0">
+              <a:solidFill>
+                <a:srgbClr val="1C1917"/>
+              </a:solidFill>
+              <a:effectLst/>
+              <a:latin typeface="-apple-system"/>
+            </a:endParaRPr>
+          </a:p>
         </p:txBody>
       </p:sp>
     </p:spTree>
     <p:extLst>
       <p:ext uri="{BB962C8B-B14F-4D97-AF65-F5344CB8AC3E}">
-        <p14:creationId xmlns:p14="http://schemas.microsoft.com/office/powerpoint/2010/main" val="3299819269"/>
+        <p14:creationId xmlns:p14="http://schemas.microsoft.com/office/powerpoint/2010/main" val="463167790"/>
       </p:ext>
     </p:extLst>
   </p:cSld>
@@ -12897,27 +12222,21 @@
           <a:bodyPr/>
           <a:lstStyle/>
           <a:p>
-            <a:pPr algn="l">
-              <a:buFont typeface="Arial" panose="020B0604020202020204" pitchFamily="34" charset="0"/>
-              <a:buChar char="•"/>
-            </a:pPr>
+            <a:pPr algn="l"/>
             <a:r>
               <a:rPr lang="en-US" i="0" dirty="0">
                 <a:solidFill>
-                  <a:srgbClr val="374151"/>
-                </a:solidFill>
-                <a:effectLst/>
-                <a:latin typeface="Söhne"/>
-              </a:rPr>
-              <a:t>The LIKE operator allows you to match text patterns in string data rather than exact literal values.</a:t>
-            </a:r>
-          </a:p>
-          <a:p>
-            <a:pPr algn="l">
-              <a:buFont typeface="Arial" panose="020B0604020202020204" pitchFamily="34" charset="0"/>
-              <a:buChar char="•"/>
-            </a:pPr>
-            <a:endParaRPr lang="en-US" i="0" dirty="0">
+                  <a:schemeClr val="tx1"/>
+                </a:solidFill>
+                <a:effectLst/>
+                <a:latin typeface="Söhne"/>
+              </a:rPr>
+              <a:t>Examples of Using LIKE Wildcards</a:t>
+            </a:r>
+          </a:p>
+          <a:p>
+            <a:pPr algn="l"/>
+            <a:endParaRPr lang="en-US" b="0" i="0" dirty="0">
               <a:solidFill>
                 <a:srgbClr val="374151"/>
               </a:solidFill>
@@ -12926,27 +12245,97 @@
             </a:endParaRPr>
           </a:p>
           <a:p>
-            <a:pPr algn="l">
+            <a:pPr lvl="1">
               <a:buFont typeface="Arial" panose="020B0604020202020204" pitchFamily="34" charset="0"/>
               <a:buChar char="•"/>
             </a:pPr>
             <a:r>
-              <a:rPr lang="en-US" i="0" dirty="0">
+              <a:rPr lang="en-US" b="0" i="0" dirty="0">
+                <a:solidFill>
+                  <a:srgbClr val="2E95D3"/>
+                </a:solidFill>
+                <a:effectLst/>
+                <a:latin typeface="Söhne Mono"/>
+              </a:rPr>
+              <a:t>WHERE</a:t>
+            </a:r>
+            <a:r>
+              <a:rPr lang="en-US" b="0" i="0" dirty="0">
+                <a:solidFill>
+                  <a:srgbClr val="FFFFFF"/>
+                </a:solidFill>
+                <a:effectLst/>
+                <a:latin typeface="Söhne Mono"/>
+              </a:rPr>
+              <a:t> </a:t>
+            </a:r>
+            <a:r>
+              <a:rPr lang="en-US" b="0" i="0" dirty="0">
+                <a:solidFill>
+                  <a:schemeClr val="tx1"/>
+                </a:solidFill>
+                <a:effectLst/>
+                <a:latin typeface="Söhne Mono"/>
+              </a:rPr>
+              <a:t>Name</a:t>
+            </a:r>
+            <a:r>
+              <a:rPr lang="en-US" b="0" i="0" dirty="0">
+                <a:solidFill>
+                  <a:srgbClr val="FFFFFF"/>
+                </a:solidFill>
+                <a:effectLst/>
+                <a:latin typeface="Söhne Mono"/>
+              </a:rPr>
+              <a:t> </a:t>
+            </a:r>
+            <a:r>
+              <a:rPr lang="en-US" b="0" i="0" dirty="0">
+                <a:solidFill>
+                  <a:srgbClr val="2E95D3"/>
+                </a:solidFill>
+                <a:effectLst/>
+                <a:latin typeface="Söhne Mono"/>
+              </a:rPr>
+              <a:t>LIKE</a:t>
+            </a:r>
+            <a:r>
+              <a:rPr lang="en-US" b="0" i="0" dirty="0">
+                <a:solidFill>
+                  <a:srgbClr val="FFFFFF"/>
+                </a:solidFill>
+                <a:effectLst/>
+                <a:latin typeface="Söhne Mono"/>
+              </a:rPr>
+              <a:t> </a:t>
+            </a:r>
+            <a:r>
+              <a:rPr lang="en-US" b="0" i="0" dirty="0">
+                <a:solidFill>
+                  <a:srgbClr val="00A67D"/>
+                </a:solidFill>
+                <a:effectLst/>
+                <a:latin typeface="Söhne Mono"/>
+              </a:rPr>
+              <a:t>'Data%’</a:t>
+            </a:r>
+          </a:p>
+          <a:p>
+            <a:pPr lvl="2"/>
+            <a:r>
+              <a:rPr lang="en-US" b="0" i="0" dirty="0">
                 <a:solidFill>
                   <a:srgbClr val="374151"/>
                 </a:solidFill>
                 <a:effectLst/>
                 <a:latin typeface="Söhne"/>
               </a:rPr>
-              <a:t>The LIKE operator uses two wildcards for flexible pattern matching in strings:</a:t>
-            </a:r>
-          </a:p>
-          <a:p>
-            <a:pPr algn="l">
-              <a:buFont typeface="Arial" panose="020B0604020202020204" pitchFamily="34" charset="0"/>
-              <a:buChar char="•"/>
-            </a:pPr>
-            <a:endParaRPr lang="en-US" i="0" dirty="0">
+              <a:t>Values starting with "Data”</a:t>
+            </a:r>
+          </a:p>
+          <a:p>
+            <a:pPr lvl="2" indent="-285750"/>
+            <a:endParaRPr lang="en-US" b="0" i="0" dirty="0">
               <a:solidFill>
                 <a:srgbClr val="374151"/>
               </a:solidFill>
@@ -12955,102 +12344,271 @@
             </a:endParaRPr>
           </a:p>
           <a:p>
-            <a:pPr marL="742950" lvl="1" indent="-285750" algn="l">
+            <a:pPr lvl="1">
               <a:buFont typeface="Arial" panose="020B0604020202020204" pitchFamily="34" charset="0"/>
               <a:buChar char="•"/>
             </a:pPr>
             <a:r>
-              <a:rPr lang="en-US" b="1" i="0" dirty="0">
+              <a:rPr lang="en-US" b="0" i="0" dirty="0">
+                <a:solidFill>
+                  <a:srgbClr val="2E95D3"/>
+                </a:solidFill>
+                <a:effectLst/>
+                <a:latin typeface="Söhne Mono"/>
+              </a:rPr>
+              <a:t>WHERE</a:t>
+            </a:r>
+            <a:r>
+              <a:rPr lang="en-US" b="0" i="0" dirty="0">
+                <a:solidFill>
+                  <a:srgbClr val="FFFFFF"/>
+                </a:solidFill>
+                <a:effectLst/>
+                <a:latin typeface="Söhne Mono"/>
+              </a:rPr>
+              <a:t> </a:t>
+            </a:r>
+            <a:r>
+              <a:rPr lang="en-US" b="0" i="0" dirty="0" err="1">
+                <a:solidFill>
+                  <a:schemeClr val="tx1"/>
+                </a:solidFill>
+                <a:effectLst/>
+                <a:latin typeface="Söhne Mono"/>
+              </a:rPr>
+              <a:t>ProductCode</a:t>
+            </a:r>
+            <a:r>
+              <a:rPr lang="en-US" b="0" i="0" dirty="0">
+                <a:solidFill>
+                  <a:schemeClr val="tx1"/>
+                </a:solidFill>
+                <a:effectLst/>
+                <a:latin typeface="Söhne Mono"/>
+              </a:rPr>
+              <a:t> </a:t>
+            </a:r>
+            <a:r>
+              <a:rPr lang="en-US" b="0" i="0" dirty="0">
+                <a:solidFill>
+                  <a:srgbClr val="2E95D3"/>
+                </a:solidFill>
+                <a:effectLst/>
+                <a:latin typeface="Söhne Mono"/>
+              </a:rPr>
+              <a:t>LIKE</a:t>
+            </a:r>
+            <a:r>
+              <a:rPr lang="en-US" b="0" i="0" dirty="0">
+                <a:solidFill>
+                  <a:srgbClr val="FFFFFF"/>
+                </a:solidFill>
+                <a:effectLst/>
+                <a:latin typeface="Söhne Mono"/>
+              </a:rPr>
+              <a:t> </a:t>
+            </a:r>
+            <a:r>
+              <a:rPr lang="en-US" b="0" i="0" dirty="0">
+                <a:solidFill>
+                  <a:srgbClr val="00A67D"/>
+                </a:solidFill>
+                <a:effectLst/>
+                <a:latin typeface="Söhne Mono"/>
+              </a:rPr>
+              <a:t>'2%3’</a:t>
+            </a:r>
+          </a:p>
+          <a:p>
+            <a:pPr lvl="2"/>
+            <a:r>
+              <a:rPr lang="en-US" b="0" i="0" dirty="0">
                 <a:solidFill>
                   <a:srgbClr val="374151"/>
                 </a:solidFill>
                 <a:effectLst/>
                 <a:latin typeface="Söhne"/>
               </a:rPr>
-              <a:t>% (Percent sign): </a:t>
-            </a:r>
-            <a:r>
-              <a:rPr lang="en-US" i="0" dirty="0">
-                <a:solidFill>
-                  <a:srgbClr val="374151"/>
-                </a:solidFill>
-                <a:effectLst/>
-                <a:latin typeface="Söhne"/>
-              </a:rPr>
-              <a:t>Matches zero or more characters. </a:t>
+              <a:t>Values starting with 2 and ending in 3</a:t>
             </a:r>
           </a:p>
           <a:p>
             <a:pPr lvl="2" indent="-285750"/>
-            <a:r>
-              <a:rPr lang="en-US" i="0" dirty="0">
-                <a:solidFill>
-                  <a:srgbClr val="374151"/>
-                </a:solidFill>
-                <a:effectLst/>
-                <a:latin typeface="Söhne"/>
-              </a:rPr>
-              <a:t>It's a substitute for any set of characters.</a:t>
-            </a:r>
-          </a:p>
-          <a:p>
-            <a:pPr marL="742950" lvl="1" indent="-285750" algn="l">
+            <a:endParaRPr lang="en-US" b="0" i="0" dirty="0">
+              <a:solidFill>
+                <a:srgbClr val="374151"/>
+              </a:solidFill>
+              <a:effectLst/>
+              <a:latin typeface="Söhne"/>
+            </a:endParaRPr>
+          </a:p>
+          <a:p>
+            <a:pPr lvl="1">
               <a:buFont typeface="Arial" panose="020B0604020202020204" pitchFamily="34" charset="0"/>
               <a:buChar char="•"/>
             </a:pPr>
             <a:r>
-              <a:rPr lang="en-US" b="1" i="0" dirty="0">
+              <a:rPr lang="en-US" b="0" i="0" dirty="0">
+                <a:solidFill>
+                  <a:srgbClr val="2E95D3"/>
+                </a:solidFill>
+                <a:effectLst/>
+                <a:latin typeface="Söhne Mono"/>
+              </a:rPr>
+              <a:t>WHERE</a:t>
+            </a:r>
+            <a:r>
+              <a:rPr lang="en-US" b="0" i="0" dirty="0">
+                <a:solidFill>
+                  <a:schemeClr val="tx1"/>
+                </a:solidFill>
+                <a:effectLst/>
+                <a:latin typeface="Söhne Mono"/>
+              </a:rPr>
+              <a:t> Phone </a:t>
+            </a:r>
+            <a:r>
+              <a:rPr lang="en-US" b="0" i="0" dirty="0">
+                <a:solidFill>
+                  <a:srgbClr val="2E95D3"/>
+                </a:solidFill>
+                <a:effectLst/>
+                <a:latin typeface="Söhne Mono"/>
+              </a:rPr>
+              <a:t>LIKE</a:t>
+            </a:r>
+            <a:r>
+              <a:rPr lang="en-US" b="0" i="0" dirty="0">
+                <a:solidFill>
+                  <a:srgbClr val="FFFFFF"/>
+                </a:solidFill>
+                <a:effectLst/>
+                <a:latin typeface="Söhne Mono"/>
+              </a:rPr>
+              <a:t> </a:t>
+            </a:r>
+            <a:r>
+              <a:rPr lang="en-US" b="0" i="0" dirty="0">
+                <a:solidFill>
+                  <a:srgbClr val="00A67D"/>
+                </a:solidFill>
+                <a:effectLst/>
+                <a:latin typeface="Söhne Mono"/>
+              </a:rPr>
+              <a:t>'507-9__-____’</a:t>
+            </a:r>
+          </a:p>
+          <a:p>
+            <a:pPr lvl="2"/>
+            <a:r>
+              <a:rPr lang="en-US" b="0" i="0" dirty="0">
                 <a:solidFill>
                   <a:srgbClr val="374151"/>
                 </a:solidFill>
                 <a:effectLst/>
                 <a:latin typeface="Söhne"/>
               </a:rPr>
-              <a:t>_ (Underscore): </a:t>
-            </a:r>
-            <a:r>
-              <a:rPr lang="en-US" i="0" dirty="0">
-                <a:solidFill>
-                  <a:srgbClr val="374151"/>
-                </a:solidFill>
-                <a:effectLst/>
-                <a:latin typeface="Söhne"/>
-              </a:rPr>
-              <a:t>Matches a single character. </a:t>
+              <a:t>507 area code + 9XX + 4-digit number</a:t>
             </a:r>
           </a:p>
           <a:p>
             <a:pPr lvl="2" indent="-285750"/>
-            <a:r>
-              <a:rPr lang="en-US" i="0" dirty="0">
-                <a:solidFill>
-                  <a:srgbClr val="374151"/>
-                </a:solidFill>
-                <a:effectLst/>
-                <a:latin typeface="Söhne"/>
-              </a:rPr>
-              <a:t>It's a placeholder for an individual unknown character.</a:t>
-            </a:r>
-          </a:p>
-          <a:p>
-            <a:pPr lvl="2"/>
             <a:endParaRPr lang="en-US" b="0" i="0" dirty="0">
               <a:solidFill>
-                <a:srgbClr val="1C1917"/>
+                <a:srgbClr val="374151"/>
               </a:solidFill>
               <a:effectLst/>
-              <a:latin typeface="-apple-system"/>
+              <a:latin typeface="Söhne"/>
             </a:endParaRPr>
           </a:p>
           <a:p>
-            <a:pPr lvl="3"/>
-            <a:endParaRPr lang="en-US" b="0" i="0" dirty="0">
-              <a:solidFill>
-                <a:srgbClr val="1C1917"/>
-              </a:solidFill>
-              <a:effectLst/>
-              <a:latin typeface="-apple-system"/>
-            </a:endParaRPr>
+            <a:pPr lvl="1">
+              <a:buFont typeface="Arial" panose="020B0604020202020204" pitchFamily="34" charset="0"/>
+              <a:buChar char="•"/>
+            </a:pPr>
+            <a:r>
+              <a:rPr lang="en-US" b="0" i="0" dirty="0">
+                <a:solidFill>
+                  <a:srgbClr val="2E95D3"/>
+                </a:solidFill>
+                <a:effectLst/>
+                <a:latin typeface="Söhne Mono"/>
+              </a:rPr>
+              <a:t>WHERE</a:t>
+            </a:r>
+            <a:r>
+              <a:rPr lang="en-US" b="0" i="0" dirty="0">
+                <a:solidFill>
+                  <a:schemeClr val="tx1"/>
+                </a:solidFill>
+                <a:effectLst/>
+                <a:latin typeface="Söhne Mono"/>
+              </a:rPr>
+              <a:t> Title </a:t>
+            </a:r>
+            <a:r>
+              <a:rPr lang="en-US" b="0" i="0" dirty="0">
+                <a:solidFill>
+                  <a:srgbClr val="2E95D3"/>
+                </a:solidFill>
+                <a:effectLst/>
+                <a:latin typeface="Söhne Mono"/>
+              </a:rPr>
+              <a:t>NOT</a:t>
+            </a:r>
+            <a:r>
+              <a:rPr lang="en-US" b="0" i="0" dirty="0">
+                <a:solidFill>
+                  <a:srgbClr val="FFFFFF"/>
+                </a:solidFill>
+                <a:effectLst/>
+                <a:latin typeface="Söhne Mono"/>
+              </a:rPr>
+              <a:t> </a:t>
+            </a:r>
+            <a:r>
+              <a:rPr lang="en-US" b="0" i="0" dirty="0">
+                <a:solidFill>
+                  <a:srgbClr val="2E95D3"/>
+                </a:solidFill>
+                <a:effectLst/>
+                <a:latin typeface="Söhne Mono"/>
+              </a:rPr>
+              <a:t>LIKE</a:t>
+            </a:r>
+            <a:r>
+              <a:rPr lang="en-US" b="0" i="0" dirty="0">
+                <a:solidFill>
+                  <a:srgbClr val="FFFFFF"/>
+                </a:solidFill>
+                <a:effectLst/>
+                <a:latin typeface="Söhne Mono"/>
+              </a:rPr>
+              <a:t> </a:t>
+            </a:r>
+            <a:r>
+              <a:rPr lang="en-US" b="0" i="0" dirty="0">
+                <a:solidFill>
+                  <a:srgbClr val="00A67D"/>
+                </a:solidFill>
+                <a:effectLst/>
+                <a:latin typeface="Söhne Mono"/>
+              </a:rPr>
+              <a:t>'%Analyst%’</a:t>
+            </a:r>
+          </a:p>
+          <a:p>
+            <a:pPr lvl="2"/>
+            <a:r>
+              <a:rPr lang="en-US" b="0" i="0" dirty="0">
+                <a:solidFill>
+                  <a:srgbClr val="374151"/>
+                </a:solidFill>
+                <a:effectLst/>
+                <a:latin typeface="Söhne"/>
+              </a:rPr>
+              <a:t>You can also negate patterns with NOT LIKE</a:t>
+            </a:r>
           </a:p>
           <a:p>
             <a:pPr lvl="1"/>
@@ -13062,12 +12620,22 @@
               <a:latin typeface="-apple-system"/>
             </a:endParaRPr>
           </a:p>
+          <a:p>
+            <a:pPr lvl="1"/>
+            <a:endParaRPr lang="en-US" b="0" i="0" dirty="0">
+              <a:solidFill>
+                <a:srgbClr val="1C1917"/>
+              </a:solidFill>
+              <a:effectLst/>
+              <a:latin typeface="-apple-system"/>
+            </a:endParaRPr>
+          </a:p>
         </p:txBody>
       </p:sp>
     </p:spTree>
     <p:extLst>
       <p:ext uri="{BB962C8B-B14F-4D97-AF65-F5344CB8AC3E}">
-        <p14:creationId xmlns:p14="http://schemas.microsoft.com/office/powerpoint/2010/main" val="463167790"/>
+        <p14:creationId xmlns:p14="http://schemas.microsoft.com/office/powerpoint/2010/main" val="3802089602"/>
       </p:ext>
     </p:extLst>
   </p:cSld>
@@ -13324,7 +12892,7 @@
           <a:p>
             <a:r>
               <a:rPr lang="en-US" dirty="0"/>
-              <a:t>Pattern Matching</a:t>
+              <a:t>Ordering Results Sets</a:t>
             </a:r>
           </a:p>
         </p:txBody>
@@ -13359,118 +12927,74 @@
             <a:r>
               <a:rPr lang="en-US" i="0" dirty="0">
                 <a:solidFill>
-                  <a:srgbClr val="374151"/>
-                </a:solidFill>
-                <a:effectLst/>
-                <a:latin typeface="Söhne"/>
-              </a:rPr>
-              <a:t>Examples of Using LIKE Wildcards</a:t>
-            </a:r>
-          </a:p>
-          <a:p>
-            <a:pPr algn="l"/>
-            <a:endParaRPr lang="en-US" b="0" i="0" dirty="0">
+                  <a:schemeClr val="tx1"/>
+                </a:solidFill>
+                <a:effectLst/>
+                <a:latin typeface="Söhne"/>
+              </a:rPr>
+              <a:t>Ordering Result Sets</a:t>
+            </a:r>
+          </a:p>
+          <a:p>
+            <a:pPr lvl="1">
+              <a:buFont typeface="Arial" panose="020B0604020202020204" pitchFamily="34" charset="0"/>
+              <a:buChar char="•"/>
+            </a:pPr>
+            <a:r>
+              <a:rPr lang="en-US" i="0" dirty="0">
+                <a:solidFill>
+                  <a:schemeClr val="tx1"/>
+                </a:solidFill>
+                <a:effectLst/>
+                <a:latin typeface="Söhne"/>
+              </a:rPr>
+              <a:t>The order of rows returned in an SQL query result matters greatly for effective analysis.</a:t>
+            </a:r>
+          </a:p>
+          <a:p>
+            <a:pPr lvl="1">
+              <a:buFont typeface="Arial" panose="020B0604020202020204" pitchFamily="34" charset="0"/>
+              <a:buChar char="•"/>
+            </a:pPr>
+            <a:r>
+              <a:rPr lang="en-US" i="0" dirty="0">
+                <a:solidFill>
+                  <a:schemeClr val="tx1"/>
+                </a:solidFill>
+                <a:effectLst/>
+                <a:latin typeface="Söhne"/>
+              </a:rPr>
+              <a:t>While filters narrow what rows come back, ordering controls presentation sequence.</a:t>
+            </a:r>
+          </a:p>
+          <a:p>
+            <a:pPr lvl="1">
+              <a:buFont typeface="Arial" panose="020B0604020202020204" pitchFamily="34" charset="0"/>
+              <a:buChar char="•"/>
+            </a:pPr>
+            <a:endParaRPr lang="en-US" i="0" dirty="0">
               <a:solidFill>
-                <a:srgbClr val="374151"/>
+                <a:schemeClr val="tx1"/>
               </a:solidFill>
               <a:effectLst/>
               <a:latin typeface="Söhne"/>
             </a:endParaRPr>
           </a:p>
           <a:p>
-            <a:pPr lvl="1">
-              <a:buFont typeface="Arial" panose="020B0604020202020204" pitchFamily="34" charset="0"/>
-              <a:buChar char="•"/>
-            </a:pPr>
-            <a:r>
-              <a:rPr lang="en-US" b="0" i="0" dirty="0">
-                <a:solidFill>
-                  <a:srgbClr val="2E95D3"/>
-                </a:solidFill>
-                <a:effectLst/>
-                <a:latin typeface="Söhne Mono"/>
-              </a:rPr>
-              <a:t>WHERE</a:t>
-            </a:r>
-            <a:r>
-              <a:rPr lang="en-US" b="0" i="0" dirty="0">
-                <a:solidFill>
-                  <a:srgbClr val="FFFFFF"/>
-                </a:solidFill>
-                <a:effectLst/>
-                <a:latin typeface="Söhne Mono"/>
-              </a:rPr>
-              <a:t> </a:t>
-            </a:r>
-            <a:r>
-              <a:rPr lang="en-US" b="0" i="0" dirty="0">
+            <a:pPr algn="l"/>
+            <a:r>
+              <a:rPr lang="en-US" i="1" dirty="0">
                 <a:solidFill>
                   <a:schemeClr val="tx1"/>
                 </a:solidFill>
                 <a:effectLst/>
-                <a:latin typeface="Söhne Mono"/>
-              </a:rPr>
-              <a:t>Name</a:t>
-            </a:r>
-            <a:r>
-              <a:rPr lang="en-US" b="0" i="0" dirty="0">
-                <a:solidFill>
-                  <a:srgbClr val="FFFFFF"/>
-                </a:solidFill>
-                <a:effectLst/>
-                <a:latin typeface="Söhne Mono"/>
-              </a:rPr>
-              <a:t> </a:t>
-            </a:r>
-            <a:r>
-              <a:rPr lang="en-US" b="0" i="0" dirty="0">
-                <a:solidFill>
-                  <a:srgbClr val="2E95D3"/>
-                </a:solidFill>
-                <a:effectLst/>
-                <a:latin typeface="Söhne Mono"/>
-              </a:rPr>
-              <a:t>LIKE</a:t>
-            </a:r>
-            <a:r>
-              <a:rPr lang="en-US" b="0" i="0" dirty="0">
-                <a:solidFill>
-                  <a:srgbClr val="FFFFFF"/>
-                </a:solidFill>
-                <a:effectLst/>
-                <a:latin typeface="Söhne Mono"/>
-              </a:rPr>
-              <a:t> </a:t>
-            </a:r>
-            <a:r>
-              <a:rPr lang="en-US" b="0" i="0" dirty="0">
-                <a:solidFill>
-                  <a:srgbClr val="00A67D"/>
-                </a:solidFill>
-                <a:effectLst/>
-                <a:latin typeface="Söhne Mono"/>
-              </a:rPr>
-              <a:t>'Data%’</a:t>
-            </a:r>
-          </a:p>
-          <a:p>
-            <a:pPr lvl="2"/>
-            <a:r>
-              <a:rPr lang="en-US" b="0" i="0" dirty="0">
-                <a:solidFill>
-                  <a:srgbClr val="374151"/>
-                </a:solidFill>
-                <a:effectLst/>
-                <a:latin typeface="Söhne"/>
-              </a:rPr>
-              <a:t>Values starting with "Data”</a:t>
-            </a:r>
-          </a:p>
-          <a:p>
-            <a:pPr lvl="2" indent="-285750"/>
-            <a:endParaRPr lang="en-US" b="0" i="0" dirty="0">
+                <a:latin typeface="Söhne"/>
+              </a:rPr>
+              <a:t>Key reasons precise ordering is crucial:</a:t>
+            </a:r>
+            <a:endParaRPr lang="en-US" i="0" dirty="0">
               <a:solidFill>
-                <a:srgbClr val="374151"/>
+                <a:schemeClr val="tx1"/>
               </a:solidFill>
               <a:effectLst/>
               <a:latin typeface="Söhne"/>
@@ -13482,269 +13006,44 @@
               <a:buChar char="•"/>
             </a:pPr>
             <a:r>
-              <a:rPr lang="en-US" b="0" i="0" dirty="0">
-                <a:solidFill>
-                  <a:srgbClr val="2E95D3"/>
-                </a:solidFill>
-                <a:effectLst/>
-                <a:latin typeface="Söhne Mono"/>
-              </a:rPr>
-              <a:t>WHERE</a:t>
-            </a:r>
-            <a:r>
-              <a:rPr lang="en-US" b="0" i="0" dirty="0">
-                <a:solidFill>
-                  <a:srgbClr val="FFFFFF"/>
-                </a:solidFill>
-                <a:effectLst/>
-                <a:latin typeface="Söhne Mono"/>
-              </a:rPr>
-              <a:t> </a:t>
-            </a:r>
-            <a:r>
-              <a:rPr lang="en-US" b="0" i="0" dirty="0" err="1">
+              <a:rPr lang="en-US" i="0" dirty="0">
                 <a:solidFill>
                   <a:schemeClr val="tx1"/>
                 </a:solidFill>
                 <a:effectLst/>
-                <a:latin typeface="Söhne Mono"/>
-              </a:rPr>
-              <a:t>ProductCode</a:t>
-            </a:r>
-            <a:r>
-              <a:rPr lang="en-US" b="0" i="0" dirty="0">
+                <a:latin typeface="Söhne"/>
+              </a:rPr>
+              <a:t>Surface most important records first (Show best performing products first).</a:t>
+            </a:r>
+          </a:p>
+          <a:p>
+            <a:pPr lvl="1">
+              <a:buFont typeface="Arial" panose="020B0604020202020204" pitchFamily="34" charset="0"/>
+              <a:buChar char="•"/>
+            </a:pPr>
+            <a:r>
+              <a:rPr lang="en-US" i="0" dirty="0">
                 <a:solidFill>
                   <a:schemeClr val="tx1"/>
                 </a:solidFill>
                 <a:effectLst/>
-                <a:latin typeface="Söhne Mono"/>
-              </a:rPr>
-              <a:t> </a:t>
-            </a:r>
-            <a:r>
-              <a:rPr lang="en-US" b="0" i="0" dirty="0">
-                <a:solidFill>
-                  <a:srgbClr val="2E95D3"/>
-                </a:solidFill>
-                <a:effectLst/>
-                <a:latin typeface="Söhne Mono"/>
-              </a:rPr>
-              <a:t>LIKE</a:t>
-            </a:r>
-            <a:r>
-              <a:rPr lang="en-US" b="0" i="0" dirty="0">
-                <a:solidFill>
-                  <a:srgbClr val="FFFFFF"/>
-                </a:solidFill>
-                <a:effectLst/>
-                <a:latin typeface="Söhne Mono"/>
-              </a:rPr>
-              <a:t> </a:t>
-            </a:r>
-            <a:r>
-              <a:rPr lang="en-US" b="0" i="0" dirty="0">
-                <a:solidFill>
-                  <a:srgbClr val="00A67D"/>
-                </a:solidFill>
-                <a:effectLst/>
-                <a:latin typeface="Söhne Mono"/>
-              </a:rPr>
-              <a:t>'2%3’</a:t>
-            </a:r>
-          </a:p>
-          <a:p>
-            <a:pPr lvl="2"/>
-            <a:r>
-              <a:rPr lang="en-US" b="0" i="0" dirty="0">
-                <a:solidFill>
-                  <a:srgbClr val="374151"/>
-                </a:solidFill>
-                <a:effectLst/>
-                <a:latin typeface="Söhne"/>
-              </a:rPr>
-              <a:t>Values starting with 2 and ending in 3</a:t>
-            </a:r>
-          </a:p>
-          <a:p>
-            <a:pPr lvl="2" indent="-285750"/>
+                <a:latin typeface="Söhne"/>
+              </a:rPr>
+              <a:t>Detect patterns and outliers (Consistency checking ordered transactions).</a:t>
+            </a:r>
+          </a:p>
+          <a:p>
+            <a:pPr lvl="1"/>
             <a:endParaRPr lang="en-US" b="0" i="0" dirty="0">
               <a:solidFill>
-                <a:srgbClr val="374151"/>
+                <a:schemeClr val="tx1"/>
               </a:solidFill>
               <a:effectLst/>
-              <a:latin typeface="Söhne"/>
+              <a:latin typeface="-apple-system"/>
             </a:endParaRPr>
           </a:p>
           <a:p>
-            <a:pPr lvl="1">
-              <a:buFont typeface="Arial" panose="020B0604020202020204" pitchFamily="34" charset="0"/>
-              <a:buChar char="•"/>
-            </a:pPr>
-            <a:r>
-              <a:rPr lang="en-US" b="0" i="0" dirty="0">
-                <a:solidFill>
-                  <a:srgbClr val="2E95D3"/>
-                </a:solidFill>
-                <a:effectLst/>
-                <a:latin typeface="Söhne Mono"/>
-              </a:rPr>
-              <a:t>WHERE</a:t>
-            </a:r>
-            <a:r>
-              <a:rPr lang="en-US" b="0" i="0" dirty="0">
-                <a:solidFill>
-                  <a:schemeClr val="tx1"/>
-                </a:solidFill>
-                <a:effectLst/>
-                <a:latin typeface="Söhne Mono"/>
-              </a:rPr>
-              <a:t> Phone </a:t>
-            </a:r>
-            <a:r>
-              <a:rPr lang="en-US" b="0" i="0" dirty="0">
-                <a:solidFill>
-                  <a:srgbClr val="2E95D3"/>
-                </a:solidFill>
-                <a:effectLst/>
-                <a:latin typeface="Söhne Mono"/>
-              </a:rPr>
-              <a:t>LIKE</a:t>
-            </a:r>
-            <a:r>
-              <a:rPr lang="en-US" b="0" i="0" dirty="0">
-                <a:solidFill>
-                  <a:srgbClr val="FFFFFF"/>
-                </a:solidFill>
-                <a:effectLst/>
-                <a:latin typeface="Söhne Mono"/>
-              </a:rPr>
-              <a:t> </a:t>
-            </a:r>
-            <a:r>
-              <a:rPr lang="en-US" b="0" i="0" dirty="0">
-                <a:solidFill>
-                  <a:srgbClr val="00A67D"/>
-                </a:solidFill>
-                <a:effectLst/>
-                <a:latin typeface="Söhne Mono"/>
-              </a:rPr>
-              <a:t>'507-9__-____’</a:t>
-            </a:r>
-          </a:p>
-          <a:p>
-            <a:pPr lvl="2"/>
-            <a:r>
-              <a:rPr lang="en-US" b="0" i="0" dirty="0">
-                <a:solidFill>
-                  <a:srgbClr val="374151"/>
-                </a:solidFill>
-                <a:effectLst/>
-                <a:latin typeface="Söhne"/>
-              </a:rPr>
-              <a:t>507 area code + 9XX + 4-digit number</a:t>
-            </a:r>
-          </a:p>
-          <a:p>
-            <a:pPr lvl="2" indent="-285750"/>
-            <a:endParaRPr lang="en-US" b="0" i="0" dirty="0">
-              <a:solidFill>
-                <a:srgbClr val="374151"/>
-              </a:solidFill>
-              <a:effectLst/>
-              <a:latin typeface="Söhne"/>
-            </a:endParaRPr>
-          </a:p>
-          <a:p>
-            <a:pPr lvl="1">
-              <a:buFont typeface="Arial" panose="020B0604020202020204" pitchFamily="34" charset="0"/>
-              <a:buChar char="•"/>
-            </a:pPr>
-            <a:r>
-              <a:rPr lang="en-US" b="0" i="0" dirty="0">
-                <a:solidFill>
-                  <a:srgbClr val="2E95D3"/>
-                </a:solidFill>
-                <a:effectLst/>
-                <a:latin typeface="Söhne Mono"/>
-              </a:rPr>
-              <a:t>WHERE</a:t>
-            </a:r>
-            <a:r>
-              <a:rPr lang="en-US" b="0" i="0" dirty="0">
-                <a:solidFill>
-                  <a:schemeClr val="tx1"/>
-                </a:solidFill>
-                <a:effectLst/>
-                <a:latin typeface="Söhne Mono"/>
-              </a:rPr>
-              <a:t> Title </a:t>
-            </a:r>
-            <a:r>
-              <a:rPr lang="en-US" b="0" i="0" dirty="0">
-                <a:solidFill>
-                  <a:srgbClr val="2E95D3"/>
-                </a:solidFill>
-                <a:effectLst/>
-                <a:latin typeface="Söhne Mono"/>
-              </a:rPr>
-              <a:t>NOT</a:t>
-            </a:r>
-            <a:r>
-              <a:rPr lang="en-US" b="0" i="0" dirty="0">
-                <a:solidFill>
-                  <a:srgbClr val="FFFFFF"/>
-                </a:solidFill>
-                <a:effectLst/>
-                <a:latin typeface="Söhne Mono"/>
-              </a:rPr>
-              <a:t> </a:t>
-            </a:r>
-            <a:r>
-              <a:rPr lang="en-US" b="0" i="0" dirty="0">
-                <a:solidFill>
-                  <a:srgbClr val="2E95D3"/>
-                </a:solidFill>
-                <a:effectLst/>
-                <a:latin typeface="Söhne Mono"/>
-              </a:rPr>
-              <a:t>LIKE</a:t>
-            </a:r>
-            <a:r>
-              <a:rPr lang="en-US" b="0" i="0" dirty="0">
-                <a:solidFill>
-                  <a:srgbClr val="FFFFFF"/>
-                </a:solidFill>
-                <a:effectLst/>
-                <a:latin typeface="Söhne Mono"/>
-              </a:rPr>
-              <a:t> </a:t>
-            </a:r>
-            <a:r>
-              <a:rPr lang="en-US" b="0" i="0" dirty="0">
-                <a:solidFill>
-                  <a:srgbClr val="00A67D"/>
-                </a:solidFill>
-                <a:effectLst/>
-                <a:latin typeface="Söhne Mono"/>
-              </a:rPr>
-              <a:t>'%Analyst%’</a:t>
-            </a:r>
-          </a:p>
-          <a:p>
-            <a:pPr lvl="2"/>
-            <a:r>
-              <a:rPr lang="en-US" b="0" i="0" dirty="0">
-                <a:solidFill>
-                  <a:srgbClr val="374151"/>
-                </a:solidFill>
-                <a:effectLst/>
-                <a:latin typeface="Söhne"/>
-              </a:rPr>
-              <a:t>You can also negate patterns with NOT LIKE</a:t>
-            </a:r>
-          </a:p>
-          <a:p>
-            <a:pPr lvl="1"/>
+            <a:pPr lvl="3"/>
             <a:endParaRPr lang="en-US" b="0" i="0" dirty="0">
               <a:solidFill>
                 <a:srgbClr val="1C1917"/>
@@ -13753,22 +13052,12 @@
               <a:latin typeface="-apple-system"/>
             </a:endParaRPr>
           </a:p>
-          <a:p>
-            <a:pPr lvl="1"/>
-            <a:endParaRPr lang="en-US" b="0" i="0" dirty="0">
-              <a:solidFill>
-                <a:srgbClr val="1C1917"/>
-              </a:solidFill>
-              <a:effectLst/>
-              <a:latin typeface="-apple-system"/>
-            </a:endParaRPr>
-          </a:p>
         </p:txBody>
       </p:sp>
     </p:spTree>
     <p:extLst>
       <p:ext uri="{BB962C8B-B14F-4D97-AF65-F5344CB8AC3E}">
-        <p14:creationId xmlns:p14="http://schemas.microsoft.com/office/powerpoint/2010/main" val="3802089602"/>
+        <p14:creationId xmlns:p14="http://schemas.microsoft.com/office/powerpoint/2010/main" val="3271490676"/>
       </p:ext>
     </p:extLst>
   </p:cSld>
@@ -14060,12 +13349,12 @@
             <a:r>
               <a:rPr lang="en-US" i="0" dirty="0">
                 <a:solidFill>
-                  <a:srgbClr val="374151"/>
-                </a:solidFill>
-                <a:effectLst/>
-                <a:latin typeface="Söhne"/>
-              </a:rPr>
-              <a:t>Ordering Result Sets</a:t>
+                  <a:schemeClr val="tx1"/>
+                </a:solidFill>
+                <a:effectLst/>
+                <a:latin typeface="Söhne"/>
+              </a:rPr>
+              <a:t>ASC Order - Low to High</a:t>
             </a:r>
           </a:p>
           <a:p>
@@ -14076,12 +13365,12 @@
             <a:r>
               <a:rPr lang="en-US" i="0" dirty="0">
                 <a:solidFill>
-                  <a:srgbClr val="374151"/>
-                </a:solidFill>
-                <a:effectLst/>
-                <a:latin typeface="Söhne"/>
-              </a:rPr>
-              <a:t>The order of rows returned in an SQL query result matters greatly for effective analysis.</a:t>
+                  <a:schemeClr val="tx1"/>
+                </a:solidFill>
+                <a:effectLst/>
+                <a:latin typeface="Söhne"/>
+              </a:rPr>
+              <a:t>The ASC keyword applied in ORDER BY sorts result set rows in ascending order, from lowest to highest value, for the specified column.</a:t>
             </a:r>
           </a:p>
           <a:p>
@@ -14089,25 +13378,9 @@
               <a:buFont typeface="Arial" panose="020B0604020202020204" pitchFamily="34" charset="0"/>
               <a:buChar char="•"/>
             </a:pPr>
-            <a:r>
-              <a:rPr lang="en-US" i="0" dirty="0">
-                <a:solidFill>
-                  <a:srgbClr val="374151"/>
-                </a:solidFill>
-                <a:effectLst/>
-                <a:latin typeface="Söhne"/>
-              </a:rPr>
-              <a:t>While filters narrow what rows come back, ordering controls presentation sequence.</a:t>
-            </a:r>
-          </a:p>
-          <a:p>
-            <a:pPr lvl="1">
-              <a:buFont typeface="Arial" panose="020B0604020202020204" pitchFamily="34" charset="0"/>
-              <a:buChar char="•"/>
-            </a:pPr>
-            <a:endParaRPr lang="en-US" i="0" dirty="0">
+            <a:endParaRPr lang="en-US" b="0" i="0" dirty="0">
               <a:solidFill>
-                <a:srgbClr val="374151"/>
+                <a:schemeClr val="tx1"/>
               </a:solidFill>
               <a:effectLst/>
               <a:latin typeface="Söhne"/>
@@ -14116,18 +13389,18 @@
           <a:p>
             <a:pPr algn="l"/>
             <a:r>
-              <a:rPr lang="en-US" i="1" dirty="0">
-                <a:solidFill>
-                  <a:srgbClr val="374151"/>
-                </a:solidFill>
-                <a:effectLst/>
-                <a:latin typeface="Söhne"/>
-              </a:rPr>
-              <a:t>Key reasons precise ordering is crucial:</a:t>
-            </a:r>
-            <a:endParaRPr lang="en-US" i="0" dirty="0">
+              <a:rPr lang="en-US" b="0" i="1" dirty="0">
+                <a:solidFill>
+                  <a:schemeClr val="tx1"/>
+                </a:solidFill>
+                <a:effectLst/>
+                <a:latin typeface="Söhne"/>
+              </a:rPr>
+              <a:t>Key behaviors:</a:t>
+            </a:r>
+            <a:endParaRPr lang="en-US" b="0" i="0" dirty="0">
               <a:solidFill>
-                <a:srgbClr val="374151"/>
+                <a:schemeClr val="tx1"/>
               </a:solidFill>
               <a:effectLst/>
               <a:latin typeface="Söhne"/>
@@ -14141,12 +13414,12 @@
             <a:r>
               <a:rPr lang="en-US" i="0" dirty="0">
                 <a:solidFill>
-                  <a:srgbClr val="374151"/>
-                </a:solidFill>
-                <a:effectLst/>
-                <a:latin typeface="Söhne"/>
-              </a:rPr>
-              <a:t>Surface most important records first (Show best performing products first).</a:t>
+                  <a:schemeClr val="tx1"/>
+                </a:solidFill>
+                <a:effectLst/>
+                <a:latin typeface="Söhne"/>
+              </a:rPr>
+              <a:t>Numbers ascend lowest to highest value (1, 5, 10, 100).</a:t>
             </a:r>
           </a:p>
           <a:p>
@@ -14157,12 +13430,44 @@
             <a:r>
               <a:rPr lang="en-US" i="0" dirty="0">
                 <a:solidFill>
-                  <a:srgbClr val="374151"/>
-                </a:solidFill>
-                <a:effectLst/>
-                <a:latin typeface="Söhne"/>
-              </a:rPr>
-              <a:t>Detect patterns and outliers (Consistency checking ordered transactions).</a:t>
+                  <a:schemeClr val="tx1"/>
+                </a:solidFill>
+                <a:effectLst/>
+                <a:latin typeface="Söhne"/>
+              </a:rPr>
+              <a:t>Dates ascend earliest to latest ('2020-01-01', '2022-05-05').</a:t>
+            </a:r>
+          </a:p>
+          <a:p>
+            <a:pPr lvl="1">
+              <a:buFont typeface="Arial" panose="020B0604020202020204" pitchFamily="34" charset="0"/>
+              <a:buChar char="•"/>
+            </a:pPr>
+            <a:r>
+              <a:rPr lang="en-US" i="0" dirty="0">
+                <a:solidFill>
+                  <a:schemeClr val="tx1"/>
+                </a:solidFill>
+                <a:effectLst/>
+                <a:latin typeface="Söhne"/>
+              </a:rPr>
+              <a:t>Text sorts alphabetically A-Z ('Apple', 'Banana', 'Orange').</a:t>
+            </a:r>
+          </a:p>
+          <a:p>
+            <a:pPr lvl="1">
+              <a:buFont typeface="Arial" panose="020B0604020202020204" pitchFamily="34" charset="0"/>
+              <a:buChar char="•"/>
+            </a:pPr>
+            <a:r>
+              <a:rPr lang="en-US" i="0" dirty="0">
+                <a:solidFill>
+                  <a:schemeClr val="tx1"/>
+                </a:solidFill>
+                <a:effectLst/>
+                <a:latin typeface="Söhne"/>
+              </a:rPr>
+              <a:t>Used by default if no order specified.</a:t>
             </a:r>
           </a:p>
           <a:p>
@@ -14190,7 +13495,7 @@
     </p:spTree>
     <p:extLst>
       <p:ext uri="{BB962C8B-B14F-4D97-AF65-F5344CB8AC3E}">
-        <p14:creationId xmlns:p14="http://schemas.microsoft.com/office/powerpoint/2010/main" val="3271490676"/>
+        <p14:creationId xmlns:p14="http://schemas.microsoft.com/office/powerpoint/2010/main" val="239049605"/>
       </p:ext>
     </p:extLst>
   </p:cSld>
@@ -14478,129 +13783,28 @@
           <a:bodyPr/>
           <a:lstStyle/>
           <a:p>
-            <a:pPr algn="l"/>
-            <a:r>
-              <a:rPr lang="en-US" i="0" dirty="0">
-                <a:solidFill>
-                  <a:srgbClr val="374151"/>
-                </a:solidFill>
-                <a:effectLst/>
-                <a:latin typeface="Söhne"/>
-              </a:rPr>
-              <a:t>ASC Order - Low to High</a:t>
-            </a:r>
-          </a:p>
-          <a:p>
-            <a:pPr lvl="1">
-              <a:buFont typeface="Arial" panose="020B0604020202020204" pitchFamily="34" charset="0"/>
-              <a:buChar char="•"/>
-            </a:pPr>
-            <a:r>
-              <a:rPr lang="en-US" i="0" dirty="0">
-                <a:solidFill>
-                  <a:srgbClr val="374151"/>
-                </a:solidFill>
-                <a:effectLst/>
-                <a:latin typeface="Söhne"/>
-              </a:rPr>
-              <a:t>The ASC keyword applied in ORDER BY sorts result set rows in ascending order, from lowest to highest value, for the specified column.</a:t>
-            </a:r>
-          </a:p>
-          <a:p>
-            <a:pPr lvl="1">
-              <a:buFont typeface="Arial" panose="020B0604020202020204" pitchFamily="34" charset="0"/>
-              <a:buChar char="•"/>
-            </a:pPr>
-            <a:endParaRPr lang="en-US" b="0" i="0" dirty="0">
-              <a:solidFill>
-                <a:srgbClr val="374151"/>
-              </a:solidFill>
-              <a:effectLst/>
-              <a:latin typeface="Söhne"/>
-            </a:endParaRPr>
-          </a:p>
-          <a:p>
-            <a:pPr algn="l"/>
-            <a:r>
-              <a:rPr lang="en-US" b="0" i="1" dirty="0">
-                <a:solidFill>
-                  <a:srgbClr val="374151"/>
-                </a:solidFill>
-                <a:effectLst/>
-                <a:latin typeface="Söhne"/>
-              </a:rPr>
-              <a:t>Key behaviors:</a:t>
-            </a:r>
-            <a:endParaRPr lang="en-US" b="0" i="0" dirty="0">
-              <a:solidFill>
-                <a:srgbClr val="374151"/>
-              </a:solidFill>
-              <a:effectLst/>
-              <a:latin typeface="Söhne"/>
-            </a:endParaRPr>
-          </a:p>
-          <a:p>
-            <a:pPr lvl="1">
-              <a:buFont typeface="Arial" panose="020B0604020202020204" pitchFamily="34" charset="0"/>
-              <a:buChar char="•"/>
-            </a:pPr>
-            <a:r>
-              <a:rPr lang="en-US" i="0" dirty="0">
-                <a:solidFill>
-                  <a:srgbClr val="374151"/>
-                </a:solidFill>
-                <a:effectLst/>
-                <a:latin typeface="Söhne"/>
-              </a:rPr>
-              <a:t>Numbers ascend lowest to highest value (1, 5, 10, 100).</a:t>
-            </a:r>
-          </a:p>
-          <a:p>
-            <a:pPr lvl="1">
-              <a:buFont typeface="Arial" panose="020B0604020202020204" pitchFamily="34" charset="0"/>
-              <a:buChar char="•"/>
-            </a:pPr>
-            <a:r>
-              <a:rPr lang="en-US" i="0" dirty="0">
-                <a:solidFill>
-                  <a:srgbClr val="374151"/>
-                </a:solidFill>
-                <a:effectLst/>
-                <a:latin typeface="Söhne"/>
-              </a:rPr>
-              <a:t>Dates ascend earliest to latest ('2020-01-01', '2022-05-05').</a:t>
-            </a:r>
-          </a:p>
-          <a:p>
-            <a:pPr lvl="1">
-              <a:buFont typeface="Arial" panose="020B0604020202020204" pitchFamily="34" charset="0"/>
-              <a:buChar char="•"/>
-            </a:pPr>
-            <a:r>
-              <a:rPr lang="en-US" i="0" dirty="0">
-                <a:solidFill>
-                  <a:srgbClr val="374151"/>
-                </a:solidFill>
-                <a:effectLst/>
-                <a:latin typeface="Söhne"/>
-              </a:rPr>
-              <a:t>Text sorts alphabetically A-Z ('Apple', 'Banana', 'Orange').</a:t>
-            </a:r>
-          </a:p>
-          <a:p>
-            <a:pPr lvl="1">
-              <a:buFont typeface="Arial" panose="020B0604020202020204" pitchFamily="34" charset="0"/>
-              <a:buChar char="•"/>
-            </a:pPr>
-            <a:r>
-              <a:rPr lang="en-US" i="0" dirty="0">
-                <a:solidFill>
-                  <a:srgbClr val="374151"/>
-                </a:solidFill>
-                <a:effectLst/>
-                <a:latin typeface="Söhne"/>
-              </a:rPr>
-              <a:t>Used by default if no order specified.</a:t>
+            <a:r>
+              <a:rPr lang="en-US" b="0" i="0" dirty="0">
+                <a:solidFill>
+                  <a:schemeClr val="tx1"/>
+                </a:solidFill>
+                <a:effectLst/>
+                <a:latin typeface="-apple-system"/>
+              </a:rPr>
+              <a:t>DESC Order - High to Low</a:t>
+            </a:r>
+          </a:p>
+          <a:p>
+            <a:pPr lvl="1"/>
+            <a:r>
+              <a:rPr lang="en-US" b="0" i="0" dirty="0">
+                <a:solidFill>
+                  <a:schemeClr val="tx1"/>
+                </a:solidFill>
+                <a:effectLst/>
+                <a:latin typeface="-apple-system"/>
+              </a:rPr>
+              <a:t>The DESC keyword applied in ORDER BY sorts result set rows in descending order, from highest to lowest value, for the specified column.</a:t>
             </a:r>
           </a:p>
           <a:p>
@@ -14614,6 +13818,106 @@
             </a:endParaRPr>
           </a:p>
           <a:p>
+            <a:r>
+              <a:rPr lang="en-US" b="0" i="0" dirty="0">
+                <a:solidFill>
+                  <a:schemeClr val="tx1"/>
+                </a:solidFill>
+                <a:effectLst/>
+                <a:latin typeface="-apple-system"/>
+              </a:rPr>
+              <a:t>Key behaviors:</a:t>
+            </a:r>
+          </a:p>
+          <a:p>
+            <a:pPr lvl="1"/>
+            <a:r>
+              <a:rPr lang="en-US" b="0" i="0" dirty="0">
+                <a:solidFill>
+                  <a:schemeClr val="tx1"/>
+                </a:solidFill>
+                <a:effectLst/>
+                <a:latin typeface="-apple-system"/>
+              </a:rPr>
+              <a:t>Numbers descend highest to lowest </a:t>
+            </a:r>
+          </a:p>
+          <a:p>
+            <a:pPr lvl="2"/>
+            <a:r>
+              <a:rPr lang="en-US" b="0" i="0" dirty="0">
+                <a:solidFill>
+                  <a:schemeClr val="tx1"/>
+                </a:solidFill>
+                <a:effectLst/>
+                <a:latin typeface="-apple-system"/>
+              </a:rPr>
+              <a:t>(100, 10, 5, 1)</a:t>
+            </a:r>
+          </a:p>
+          <a:p>
+            <a:pPr lvl="1"/>
+            <a:r>
+              <a:rPr lang="en-US" b="0" i="0" dirty="0">
+                <a:solidFill>
+                  <a:schemeClr val="tx1"/>
+                </a:solidFill>
+                <a:effectLst/>
+                <a:latin typeface="-apple-system"/>
+              </a:rPr>
+              <a:t>Dates descend latest to earliest</a:t>
+            </a:r>
+          </a:p>
+          <a:p>
+            <a:pPr lvl="2"/>
+            <a:r>
+              <a:rPr lang="en-US" b="0" i="0" dirty="0">
+                <a:solidFill>
+                  <a:schemeClr val="tx1"/>
+                </a:solidFill>
+                <a:effectLst/>
+                <a:latin typeface="-apple-system"/>
+              </a:rPr>
+              <a:t>('2022-05-05', '2020-01-01')</a:t>
+            </a:r>
+          </a:p>
+          <a:p>
+            <a:pPr lvl="1"/>
+            <a:r>
+              <a:rPr lang="en-US" b="0" i="0" dirty="0">
+                <a:solidFill>
+                  <a:schemeClr val="tx1"/>
+                </a:solidFill>
+                <a:effectLst/>
+                <a:latin typeface="-apple-system"/>
+              </a:rPr>
+              <a:t>Text sorts Z-A alphabetically</a:t>
+            </a:r>
+          </a:p>
+          <a:p>
+            <a:pPr lvl="2"/>
+            <a:r>
+              <a:rPr lang="en-US" b="0" i="0" dirty="0">
+                <a:solidFill>
+                  <a:schemeClr val="tx1"/>
+                </a:solidFill>
+                <a:effectLst/>
+                <a:latin typeface="-apple-system"/>
+              </a:rPr>
+              <a:t> ('Orange', 'Banana', 'Apple')</a:t>
+            </a:r>
+          </a:p>
+          <a:p>
+            <a:pPr lvl="2"/>
+            <a:endParaRPr lang="en-US" b="0" i="0" dirty="0">
+              <a:solidFill>
+                <a:schemeClr val="tx1"/>
+              </a:solidFill>
+              <a:effectLst/>
+              <a:latin typeface="-apple-system"/>
+            </a:endParaRPr>
+          </a:p>
+          <a:p>
             <a:pPr lvl="3"/>
             <a:endParaRPr lang="en-US" b="0" i="0" dirty="0">
               <a:solidFill>
@@ -14628,7 +13932,7 @@
     </p:spTree>
     <p:extLst>
       <p:ext uri="{BB962C8B-B14F-4D97-AF65-F5344CB8AC3E}">
-        <p14:creationId xmlns:p14="http://schemas.microsoft.com/office/powerpoint/2010/main" val="239049605"/>
+        <p14:creationId xmlns:p14="http://schemas.microsoft.com/office/powerpoint/2010/main" val="478942719"/>
       </p:ext>
     </p:extLst>
   </p:cSld>
@@ -14885,7 +14189,7 @@
           <a:p>
             <a:r>
               <a:rPr lang="en-US" dirty="0"/>
-              <a:t>Ordering Results Sets</a:t>
+              <a:t>SQL Clause Sequencing</a:t>
             </a:r>
           </a:p>
         </p:txBody>
@@ -14916,32 +14220,190 @@
           <a:bodyPr/>
           <a:lstStyle/>
           <a:p>
+            <a:pPr algn="l"/>
+            <a:r>
+              <a:rPr lang="en-US" i="0" dirty="0">
+                <a:solidFill>
+                  <a:schemeClr val="tx1"/>
+                </a:solidFill>
+                <a:effectLst/>
+                <a:latin typeface="Söhne"/>
+              </a:rPr>
+              <a:t>Key Takeaways</a:t>
+            </a:r>
+          </a:p>
+          <a:p>
+            <a:pPr lvl="1"/>
+            <a:r>
+              <a:rPr lang="en-US" b="0" i="1" dirty="0">
+                <a:solidFill>
+                  <a:schemeClr val="tx1"/>
+                </a:solidFill>
+                <a:effectLst/>
+                <a:latin typeface="Söhne"/>
+              </a:rPr>
+              <a:t>Internalize these key points:</a:t>
+            </a:r>
+          </a:p>
+          <a:p>
+            <a:pPr lvl="1"/>
+            <a:endParaRPr lang="en-US" b="0" i="0" dirty="0">
+              <a:solidFill>
+                <a:schemeClr val="tx1"/>
+              </a:solidFill>
+              <a:effectLst/>
+              <a:latin typeface="Söhne"/>
+            </a:endParaRPr>
+          </a:p>
+          <a:p>
+            <a:pPr lvl="2"/>
+            <a:r>
+              <a:rPr lang="en-US" b="1" i="0" dirty="0">
+                <a:solidFill>
+                  <a:schemeClr val="tx1"/>
+                </a:solidFill>
+                <a:effectLst/>
+                <a:latin typeface="Söhne"/>
+              </a:rPr>
+              <a:t>Filter Rows Concisely with WHERE</a:t>
+            </a:r>
+            <a:endParaRPr lang="en-US" b="0" i="0" dirty="0">
+              <a:solidFill>
+                <a:schemeClr val="tx1"/>
+              </a:solidFill>
+              <a:effectLst/>
+              <a:latin typeface="Söhne"/>
+            </a:endParaRPr>
+          </a:p>
+          <a:p>
+            <a:pPr lvl="3" indent="-285750"/>
             <a:r>
               <a:rPr lang="en-US" b="0" i="0" dirty="0">
                 <a:solidFill>
-                  <a:srgbClr val="1C1917"/>
-                </a:solidFill>
-                <a:effectLst/>
-                <a:latin typeface="-apple-system"/>
-              </a:rPr>
-              <a:t>DESC Order - High to Low</a:t>
-            </a:r>
-          </a:p>
-          <a:p>
-            <a:pPr lvl="1"/>
+                  <a:schemeClr val="tx1"/>
+                </a:solidFill>
+                <a:effectLst/>
+                <a:latin typeface="Söhne"/>
+              </a:rPr>
+              <a:t>Add precise conditions selecting only the most essential data.</a:t>
+            </a:r>
+          </a:p>
+          <a:p>
+            <a:pPr lvl="3" indent="-285750"/>
             <a:r>
               <a:rPr lang="en-US" b="0" i="0" dirty="0">
                 <a:solidFill>
-                  <a:srgbClr val="1C1917"/>
-                </a:solidFill>
-                <a:effectLst/>
-                <a:latin typeface="-apple-system"/>
-              </a:rPr>
-              <a:t>The DESC keyword applied in ORDER BY sorts result set rows in descending order, from highest to lowest value, for the specified column.</a:t>
-            </a:r>
-          </a:p>
-          <a:p>
-            <a:pPr lvl="1"/>
+                  <a:schemeClr val="tx1"/>
+                </a:solidFill>
+                <a:effectLst/>
+                <a:latin typeface="Söhne"/>
+              </a:rPr>
+              <a:t>Every row evaluated puts load on the database.</a:t>
+            </a:r>
+          </a:p>
+          <a:p>
+            <a:pPr lvl="3" indent="-285750"/>
+            <a:endParaRPr lang="en-US" b="0" i="0" dirty="0">
+              <a:solidFill>
+                <a:schemeClr val="tx1"/>
+              </a:solidFill>
+              <a:effectLst/>
+              <a:latin typeface="Söhne"/>
+            </a:endParaRPr>
+          </a:p>
+          <a:p>
+            <a:pPr lvl="2"/>
+            <a:r>
+              <a:rPr lang="en-US" b="1" i="0" dirty="0">
+                <a:solidFill>
+                  <a:schemeClr val="tx1"/>
+                </a:solidFill>
+                <a:effectLst/>
+                <a:latin typeface="Söhne"/>
+              </a:rPr>
+              <a:t>Sort Results Clearly with ORDER BY</a:t>
+            </a:r>
+            <a:endParaRPr lang="en-US" b="0" i="0" dirty="0">
+              <a:solidFill>
+                <a:schemeClr val="tx1"/>
+              </a:solidFill>
+              <a:effectLst/>
+              <a:latin typeface="Söhne"/>
+            </a:endParaRPr>
+          </a:p>
+          <a:p>
+            <a:pPr lvl="3" indent="-285750"/>
+            <a:r>
+              <a:rPr lang="en-US" b="0" i="0" dirty="0">
+                <a:solidFill>
+                  <a:schemeClr val="tx1"/>
+                </a:solidFill>
+                <a:effectLst/>
+                <a:latin typeface="Söhne"/>
+              </a:rPr>
+              <a:t>Sequence result sets suitably for usage based on logical rules over columns indicating importance, priority, and structure.</a:t>
+            </a:r>
+          </a:p>
+          <a:p>
+            <a:pPr lvl="3" indent="-285750"/>
+            <a:endParaRPr lang="en-US" b="0" i="0" dirty="0">
+              <a:solidFill>
+                <a:schemeClr val="tx1"/>
+              </a:solidFill>
+              <a:effectLst/>
+              <a:latin typeface="Söhne"/>
+            </a:endParaRPr>
+          </a:p>
+          <a:p>
+            <a:pPr lvl="2"/>
+            <a:r>
+              <a:rPr lang="en-US" b="1" i="0" dirty="0">
+                <a:solidFill>
+                  <a:schemeClr val="tx1"/>
+                </a:solidFill>
+                <a:effectLst/>
+                <a:latin typeface="Söhne"/>
+              </a:rPr>
+              <a:t>Optimize Gracefully For Pace</a:t>
+            </a:r>
+            <a:endParaRPr lang="en-US" b="0" i="0" dirty="0">
+              <a:solidFill>
+                <a:schemeClr val="tx1"/>
+              </a:solidFill>
+              <a:effectLst/>
+              <a:latin typeface="Söhne"/>
+            </a:endParaRPr>
+          </a:p>
+          <a:p>
+            <a:pPr lvl="3" indent="-285750"/>
+            <a:r>
+              <a:rPr lang="en-US" b="0" i="0" dirty="0">
+                <a:solidFill>
+                  <a:schemeClr val="tx1"/>
+                </a:solidFill>
+                <a:effectLst/>
+                <a:latin typeface="Söhne"/>
+              </a:rPr>
+              <a:t>The database engine parses SQL syntax and determines efficient execution plans.</a:t>
+            </a:r>
+          </a:p>
+          <a:p>
+            <a:pPr lvl="3" indent="-285750"/>
+            <a:r>
+              <a:rPr lang="en-US" b="0" i="0" dirty="0">
+                <a:solidFill>
+                  <a:schemeClr val="tx1"/>
+                </a:solidFill>
+                <a:effectLst/>
+                <a:latin typeface="Söhne"/>
+              </a:rPr>
+              <a:t>Avoid overly complex logic when simpler approaches suffice.</a:t>
+            </a:r>
+          </a:p>
+          <a:p>
+            <a:pPr marL="0" indent="0" algn="l">
+              <a:buNone/>
+            </a:pPr>
             <a:endParaRPr lang="en-US" b="0" i="0" dirty="0">
               <a:solidFill>
                 <a:srgbClr val="1C1917"/>
@@ -14951,6 +14413,21 @@
             </a:endParaRPr>
           </a:p>
           <a:p>
+            <a:pPr marL="0" indent="0" algn="l">
+              <a:buNone/>
+            </a:pPr>
+            <a:endParaRPr lang="en-US" b="0" i="0" dirty="0">
+              <a:solidFill>
+                <a:srgbClr val="1C1917"/>
+              </a:solidFill>
+              <a:effectLst/>
+              <a:latin typeface="-apple-system"/>
+            </a:endParaRPr>
+          </a:p>
+          <a:p>
+            <a:pPr marL="1371600" lvl="3" indent="0">
+              <a:buNone/>
+            </a:pPr>
             <a:r>
               <a:rPr lang="en-US" b="0" i="0" dirty="0">
                 <a:solidFill>
@@ -14959,89 +14436,26 @@
                 <a:effectLst/>
                 <a:latin typeface="-apple-system"/>
               </a:rPr>
-              <a:t>Key behaviors:</a:t>
-            </a:r>
+              <a:t>.</a:t>
+            </a:r>
+          </a:p>
+          <a:p>
+            <a:pPr marL="0" indent="0">
+              <a:buNone/>
+            </a:pPr>
+            <a:br>
+              <a:rPr lang="en-US" dirty="0"/>
+            </a:br>
+            <a:endParaRPr lang="en-US" b="0" i="0" dirty="0">
+              <a:solidFill>
+                <a:srgbClr val="1C1917"/>
+              </a:solidFill>
+              <a:effectLst/>
+              <a:latin typeface="-apple-system"/>
+            </a:endParaRPr>
           </a:p>
           <a:p>
             <a:pPr lvl="1"/>
-            <a:r>
-              <a:rPr lang="en-US" b="0" i="0" dirty="0">
-                <a:solidFill>
-                  <a:srgbClr val="1C1917"/>
-                </a:solidFill>
-                <a:effectLst/>
-                <a:latin typeface="-apple-system"/>
-              </a:rPr>
-              <a:t>Numbers descend highest to lowest </a:t>
-            </a:r>
-          </a:p>
-          <a:p>
-            <a:pPr lvl="2"/>
-            <a:r>
-              <a:rPr lang="en-US" b="0" i="0" dirty="0">
-                <a:solidFill>
-                  <a:srgbClr val="1C1917"/>
-                </a:solidFill>
-                <a:effectLst/>
-                <a:latin typeface="-apple-system"/>
-              </a:rPr>
-              <a:t>(100, 10, 5, 1)</a:t>
-            </a:r>
-          </a:p>
-          <a:p>
-            <a:pPr lvl="1"/>
-            <a:r>
-              <a:rPr lang="en-US" b="0" i="0" dirty="0">
-                <a:solidFill>
-                  <a:srgbClr val="1C1917"/>
-                </a:solidFill>
-                <a:effectLst/>
-                <a:latin typeface="-apple-system"/>
-              </a:rPr>
-              <a:t>Dates descend latest to earliest</a:t>
-            </a:r>
-          </a:p>
-          <a:p>
-            <a:pPr lvl="2"/>
-            <a:r>
-              <a:rPr lang="en-US" b="0" i="0" dirty="0">
-                <a:solidFill>
-                  <a:srgbClr val="1C1917"/>
-                </a:solidFill>
-                <a:effectLst/>
-                <a:latin typeface="-apple-system"/>
-              </a:rPr>
-              <a:t>('2022-05-05', '2020-01-01')</a:t>
-            </a:r>
-          </a:p>
-          <a:p>
-            <a:pPr lvl="1"/>
-            <a:r>
-              <a:rPr lang="en-US" b="0" i="0" dirty="0">
-                <a:solidFill>
-                  <a:srgbClr val="1C1917"/>
-                </a:solidFill>
-                <a:effectLst/>
-                <a:latin typeface="-apple-system"/>
-              </a:rPr>
-              <a:t>Text sorts Z-A alphabetically</a:t>
-            </a:r>
-          </a:p>
-          <a:p>
-            <a:pPr lvl="2"/>
-            <a:r>
-              <a:rPr lang="en-US" b="0" i="0" dirty="0">
-                <a:solidFill>
-                  <a:srgbClr val="1C1917"/>
-                </a:solidFill>
-                <a:effectLst/>
-                <a:latin typeface="-apple-system"/>
-              </a:rPr>
-              <a:t> ('Orange', 'Banana', 'Apple')</a:t>
-            </a:r>
-          </a:p>
-          <a:p>
-            <a:pPr lvl="2"/>
             <a:endParaRPr lang="en-US" b="0" i="0" dirty="0">
               <a:solidFill>
                 <a:schemeClr val="tx1"/>
@@ -15065,7 +14479,7 @@
     </p:spTree>
     <p:extLst>
       <p:ext uri="{BB962C8B-B14F-4D97-AF65-F5344CB8AC3E}">
-        <p14:creationId xmlns:p14="http://schemas.microsoft.com/office/powerpoint/2010/main" val="478942719"/>
+        <p14:creationId xmlns:p14="http://schemas.microsoft.com/office/powerpoint/2010/main" val="1955369506"/>
       </p:ext>
     </p:extLst>
   </p:cSld>
@@ -15359,7 +14773,7 @@
             <a:r>
               <a:rPr lang="en-US" b="0" i="0" dirty="0">
                 <a:solidFill>
-                  <a:srgbClr val="24292F"/>
+                  <a:schemeClr val="tx1"/>
                 </a:solidFill>
                 <a:effectLst/>
                 <a:latin typeface="-apple-system"/>
@@ -15373,7 +14787,7 @@
             </a:pPr>
             <a:endParaRPr lang="en-US" b="0" i="0" dirty="0">
               <a:solidFill>
-                <a:srgbClr val="24292F"/>
+                <a:schemeClr val="tx1"/>
               </a:solidFill>
               <a:effectLst/>
               <a:latin typeface="-apple-system"/>
@@ -15387,7 +14801,7 @@
             <a:r>
               <a:rPr lang="en-US" b="0" i="0" dirty="0">
                 <a:solidFill>
-                  <a:srgbClr val="24292F"/>
+                  <a:schemeClr val="tx1"/>
                 </a:solidFill>
                 <a:effectLst/>
                 <a:latin typeface="-apple-system"/>
@@ -15401,7 +14815,7 @@
             </a:pPr>
             <a:endParaRPr lang="en-US" b="0" i="0" dirty="0">
               <a:solidFill>
-                <a:srgbClr val="24292F"/>
+                <a:schemeClr val="tx1"/>
               </a:solidFill>
               <a:effectLst/>
               <a:latin typeface="-apple-system"/>
@@ -15415,7 +14829,7 @@
             <a:r>
               <a:rPr lang="en-US" b="0" i="0" dirty="0">
                 <a:solidFill>
-                  <a:srgbClr val="24292F"/>
+                  <a:schemeClr val="tx1"/>
                 </a:solidFill>
                 <a:effectLst/>
                 <a:latin typeface="-apple-system"/>
@@ -15685,7 +15099,7 @@
           <a:p>
             <a:r>
               <a:rPr lang="en-US" dirty="0"/>
-              <a:t>SQL Clause Sequencing</a:t>
+              <a:t>Hands On Examples</a:t>
             </a:r>
           </a:p>
         </p:txBody>
@@ -15718,191 +15132,70 @@
           <a:p>
             <a:pPr algn="l"/>
             <a:r>
-              <a:rPr lang="en-US" i="0" dirty="0">
-                <a:solidFill>
-                  <a:srgbClr val="374151"/>
-                </a:solidFill>
-                <a:effectLst/>
-                <a:latin typeface="Söhne"/>
-              </a:rPr>
-              <a:t>Key Takeaways</a:t>
+              <a:rPr lang="en-US" dirty="0">
+                <a:solidFill>
+                  <a:srgbClr val="24292F"/>
+                </a:solidFill>
+                <a:latin typeface="-apple-system"/>
+              </a:rPr>
+              <a:t>U</a:t>
+            </a:r>
+            <a:r>
+              <a:rPr lang="en-US" b="0" i="0" dirty="0">
+                <a:solidFill>
+                  <a:srgbClr val="24292F"/>
+                </a:solidFill>
+                <a:effectLst/>
+                <a:latin typeface="-apple-system"/>
+              </a:rPr>
+              <a:t>sing the AdventureWorks2012 Database</a:t>
             </a:r>
           </a:p>
           <a:p>
             <a:pPr lvl="1"/>
             <a:r>
-              <a:rPr lang="en-US" b="0" i="1" dirty="0">
-                <a:solidFill>
-                  <a:srgbClr val="374151"/>
-                </a:solidFill>
-                <a:effectLst/>
-                <a:latin typeface="Söhne"/>
-              </a:rPr>
-              <a:t>Internalize these key points:</a:t>
+              <a:rPr lang="en-US" dirty="0">
+                <a:solidFill>
+                  <a:srgbClr val="24292F"/>
+                </a:solidFill>
+                <a:latin typeface="-apple-system"/>
+              </a:rPr>
+              <a:t>Please open up SSMS</a:t>
             </a:r>
           </a:p>
           <a:p>
             <a:pPr lvl="1"/>
-            <a:endParaRPr lang="en-US" b="0" i="0" dirty="0">
-              <a:solidFill>
-                <a:srgbClr val="374151"/>
-              </a:solidFill>
-              <a:effectLst/>
-              <a:latin typeface="Söhne"/>
-            </a:endParaRPr>
+            <a:r>
+              <a:rPr lang="en-US" b="0" i="0" dirty="0">
+                <a:solidFill>
+                  <a:srgbClr val="24292F"/>
+                </a:solidFill>
+                <a:effectLst/>
+                <a:latin typeface="-apple-system"/>
+              </a:rPr>
+              <a:t>Connect to BISS</a:t>
+            </a:r>
           </a:p>
           <a:p>
             <a:pPr lvl="2"/>
             <a:r>
-              <a:rPr lang="en-US" b="1" i="0" dirty="0">
-                <a:solidFill>
-                  <a:srgbClr val="374151"/>
-                </a:solidFill>
-                <a:effectLst/>
-                <a:latin typeface="Söhne"/>
-              </a:rPr>
-              <a:t>Filter Rows Concisely with WHERE</a:t>
-            </a:r>
-            <a:endParaRPr lang="en-US" b="0" i="0" dirty="0">
-              <a:solidFill>
-                <a:srgbClr val="374151"/>
-              </a:solidFill>
-              <a:effectLst/>
-              <a:latin typeface="Söhne"/>
-            </a:endParaRPr>
-          </a:p>
-          <a:p>
-            <a:pPr lvl="3" indent="-285750"/>
-            <a:r>
               <a:rPr lang="en-US" b="0" i="0" dirty="0">
                 <a:solidFill>
-                  <a:srgbClr val="374151"/>
-                </a:solidFill>
-                <a:effectLst/>
-                <a:latin typeface="Söhne"/>
-              </a:rPr>
-              <a:t>Add precise conditions selecting only the most essential data.</a:t>
-            </a:r>
-          </a:p>
-          <a:p>
-            <a:pPr lvl="3" indent="-285750"/>
-            <a:r>
-              <a:rPr lang="en-US" b="0" i="0" dirty="0">
-                <a:solidFill>
-                  <a:srgbClr val="374151"/>
-                </a:solidFill>
-                <a:effectLst/>
-                <a:latin typeface="Söhne"/>
-              </a:rPr>
-              <a:t>Every row evaluated puts load on the database.</a:t>
-            </a:r>
-          </a:p>
-          <a:p>
-            <a:pPr lvl="3" indent="-285750"/>
-            <a:endParaRPr lang="en-US" b="0" i="0" dirty="0">
-              <a:solidFill>
-                <a:srgbClr val="374151"/>
-              </a:solidFill>
-              <a:effectLst/>
-              <a:latin typeface="Söhne"/>
-            </a:endParaRPr>
-          </a:p>
-          <a:p>
-            <a:pPr lvl="2"/>
-            <a:r>
-              <a:rPr lang="en-US" b="1" i="0" dirty="0">
-                <a:solidFill>
-                  <a:srgbClr val="374151"/>
-                </a:solidFill>
-                <a:effectLst/>
-                <a:latin typeface="Söhne"/>
-              </a:rPr>
-              <a:t>Sort Results Clearly with ORDER BY</a:t>
-            </a:r>
-            <a:endParaRPr lang="en-US" b="0" i="0" dirty="0">
-              <a:solidFill>
-                <a:srgbClr val="374151"/>
-              </a:solidFill>
-              <a:effectLst/>
-              <a:latin typeface="Söhne"/>
-            </a:endParaRPr>
-          </a:p>
-          <a:p>
-            <a:pPr lvl="3" indent="-285750"/>
-            <a:r>
-              <a:rPr lang="en-US" b="0" i="0" dirty="0">
-                <a:solidFill>
-                  <a:srgbClr val="374151"/>
-                </a:solidFill>
-                <a:effectLst/>
-                <a:latin typeface="Söhne"/>
-              </a:rPr>
-              <a:t>Sequence result sets suitably for usage based on logical rules over columns indicating importance, priority, and structure.</a:t>
-            </a:r>
-          </a:p>
-          <a:p>
-            <a:pPr lvl="3" indent="-285750"/>
-            <a:endParaRPr lang="en-US" b="0" i="0" dirty="0">
-              <a:solidFill>
-                <a:srgbClr val="374151"/>
-              </a:solidFill>
-              <a:effectLst/>
-              <a:latin typeface="Söhne"/>
-            </a:endParaRPr>
-          </a:p>
-          <a:p>
-            <a:pPr lvl="2"/>
-            <a:r>
-              <a:rPr lang="en-US" b="1" i="0" dirty="0">
-                <a:solidFill>
-                  <a:srgbClr val="374151"/>
-                </a:solidFill>
-                <a:effectLst/>
-                <a:latin typeface="Söhne"/>
-              </a:rPr>
-              <a:t>Optimize Gracefully For Pace</a:t>
-            </a:r>
-            <a:endParaRPr lang="en-US" b="0" i="0" dirty="0">
-              <a:solidFill>
-                <a:srgbClr val="374151"/>
-              </a:solidFill>
-              <a:effectLst/>
-              <a:latin typeface="Söhne"/>
-            </a:endParaRPr>
-          </a:p>
-          <a:p>
-            <a:pPr lvl="3" indent="-285750"/>
-            <a:r>
-              <a:rPr lang="en-US" b="0" i="0" dirty="0">
-                <a:solidFill>
-                  <a:srgbClr val="374151"/>
-                </a:solidFill>
-                <a:effectLst/>
-                <a:latin typeface="Söhne"/>
-              </a:rPr>
-              <a:t>The database engine parses SQL syntax and determines efficient execution plans.</a:t>
-            </a:r>
-          </a:p>
-          <a:p>
-            <a:pPr lvl="3" indent="-285750"/>
-            <a:r>
-              <a:rPr lang="en-US" b="0" i="0" dirty="0">
-                <a:solidFill>
-                  <a:srgbClr val="374151"/>
-                </a:solidFill>
-                <a:effectLst/>
-                <a:latin typeface="Söhne"/>
-              </a:rPr>
-              <a:t>Avoid overly complex logic when simpler approaches suffice.</a:t>
-            </a:r>
-          </a:p>
-          <a:p>
-            <a:pPr marL="0" indent="0" algn="l">
+                  <a:srgbClr val="24292F"/>
+                </a:solidFill>
+                <a:effectLst/>
+                <a:latin typeface="-apple-system"/>
+              </a:rPr>
+              <a:t>Server = mss-p1-biss-01</a:t>
+            </a:r>
+          </a:p>
+          <a:p>
+            <a:pPr marL="0" indent="0">
               <a:buNone/>
             </a:pPr>
             <a:endParaRPr lang="en-US" b="0" i="0" dirty="0">
               <a:solidFill>
-                <a:srgbClr val="1C1917"/>
+                <a:srgbClr val="24292F"/>
               </a:solidFill>
               <a:effectLst/>
               <a:latin typeface="-apple-system"/>
@@ -15914,68 +15207,60 @@
             </a:pPr>
             <a:endParaRPr lang="en-US" b="0" i="0" dirty="0">
               <a:solidFill>
-                <a:srgbClr val="1C1917"/>
+                <a:srgbClr val="24292F"/>
               </a:solidFill>
               <a:effectLst/>
               <a:latin typeface="-apple-system"/>
             </a:endParaRPr>
           </a:p>
           <a:p>
-            <a:pPr marL="1371600" lvl="3" indent="0">
+            <a:pPr marL="0" indent="0" algn="l">
               <a:buNone/>
             </a:pPr>
-            <a:r>
-              <a:rPr lang="en-US" b="0" i="0" dirty="0">
-                <a:solidFill>
-                  <a:srgbClr val="1C1917"/>
-                </a:solidFill>
-                <a:effectLst/>
-                <a:latin typeface="-apple-system"/>
-              </a:rPr>
-              <a:t>.</a:t>
-            </a:r>
-          </a:p>
-          <a:p>
-            <a:pPr marL="0" indent="0">
-              <a:buNone/>
-            </a:pPr>
-            <a:br>
-              <a:rPr lang="en-US" dirty="0"/>
-            </a:br>
             <a:endParaRPr lang="en-US" b="0" i="0" dirty="0">
               <a:solidFill>
-                <a:srgbClr val="1C1917"/>
+                <a:srgbClr val="24292F"/>
               </a:solidFill>
               <a:effectLst/>
               <a:latin typeface="-apple-system"/>
             </a:endParaRPr>
           </a:p>
-          <a:p>
-            <a:pPr lvl="1"/>
-            <a:endParaRPr lang="en-US" b="0" i="0" dirty="0">
-              <a:solidFill>
-                <a:schemeClr val="tx1"/>
-              </a:solidFill>
-              <a:effectLst/>
-              <a:latin typeface="-apple-system"/>
-            </a:endParaRPr>
-          </a:p>
-          <a:p>
-            <a:pPr lvl="3"/>
-            <a:endParaRPr lang="en-US" b="0" i="0" dirty="0">
-              <a:solidFill>
-                <a:srgbClr val="1C1917"/>
-              </a:solidFill>
-              <a:effectLst/>
-              <a:latin typeface="-apple-system"/>
-            </a:endParaRPr>
-          </a:p>
         </p:txBody>
       </p:sp>
+      <p:pic>
+        <p:nvPicPr>
+          <p:cNvPr id="2" name="Picture 1">
+            <a:extLst>
+              <a:ext uri="{FF2B5EF4-FFF2-40B4-BE49-F238E27FC236}">
+                <a16:creationId xmlns:a16="http://schemas.microsoft.com/office/drawing/2014/main" id="{7C73B60A-9D72-9725-CF53-6F536A38C53C}"/>
+              </a:ext>
+            </a:extLst>
+          </p:cNvPr>
+          <p:cNvPicPr>
+            <a:picLocks noChangeAspect="1"/>
+          </p:cNvPicPr>
+          <p:nvPr/>
+        </p:nvPicPr>
+        <p:blipFill>
+          <a:blip r:embed="rId2"/>
+          <a:stretch>
+            <a:fillRect/>
+          </a:stretch>
+        </p:blipFill>
+        <p:spPr>
+          <a:xfrm>
+            <a:off x="1808367" y="2943224"/>
+            <a:ext cx="4808896" cy="3171825"/>
+          </a:xfrm>
+          <a:prstGeom prst="rect">
+            <a:avLst/>
+          </a:prstGeom>
+        </p:spPr>
+      </p:pic>
     </p:spTree>
     <p:extLst>
       <p:ext uri="{BB962C8B-B14F-4D97-AF65-F5344CB8AC3E}">
-        <p14:creationId xmlns:p14="http://schemas.microsoft.com/office/powerpoint/2010/main" val="1955369506"/>
+        <p14:creationId xmlns:p14="http://schemas.microsoft.com/office/powerpoint/2010/main" val="1784942659"/>
       </p:ext>
     </p:extLst>
   </p:cSld>
@@ -16263,64 +15548,35 @@
           <a:bodyPr/>
           <a:lstStyle/>
           <a:p>
-            <a:pPr algn="l"/>
-            <a:r>
-              <a:rPr lang="en-US" dirty="0">
+            <a:r>
+              <a:rPr lang="en-US" b="0" i="0" dirty="0">
                 <a:solidFill>
                   <a:srgbClr val="24292F"/>
                 </a:solidFill>
+                <a:effectLst/>
                 <a:latin typeface="-apple-system"/>
               </a:rPr>
-              <a:t>U</a:t>
-            </a:r>
-            <a:r>
-              <a:rPr lang="en-US" b="0" i="0" dirty="0">
-                <a:solidFill>
-                  <a:srgbClr val="24292F"/>
-                </a:solidFill>
-                <a:effectLst/>
-                <a:latin typeface="-apple-system"/>
-              </a:rPr>
-              <a:t>sing the AdventureWorks2012 Database</a:t>
-            </a:r>
+              <a:t>Click File -&gt; Open -&gt; File</a:t>
+            </a:r>
+          </a:p>
+          <a:p>
+            <a:endParaRPr lang="en-US" b="0" i="0" dirty="0">
+              <a:solidFill>
+                <a:srgbClr val="24292F"/>
+              </a:solidFill>
+              <a:effectLst/>
+              <a:latin typeface="-apple-system"/>
+            </a:endParaRPr>
           </a:p>
           <a:p>
             <a:pPr lvl="1"/>
-            <a:r>
-              <a:rPr lang="en-US" dirty="0">
-                <a:solidFill>
-                  <a:srgbClr val="24292F"/>
-                </a:solidFill>
-                <a:latin typeface="-apple-system"/>
-              </a:rPr>
-              <a:t>Please open up SSMS</a:t>
-            </a:r>
-          </a:p>
-          <a:p>
-            <a:pPr lvl="1"/>
-            <a:r>
-              <a:rPr lang="en-US" b="0" i="0" dirty="0">
-                <a:solidFill>
-                  <a:srgbClr val="24292F"/>
-                </a:solidFill>
-                <a:effectLst/>
-                <a:latin typeface="-apple-system"/>
-              </a:rPr>
-              <a:t>Connect to BISS</a:t>
-            </a:r>
-          </a:p>
-          <a:p>
-            <a:pPr lvl="2"/>
-            <a:r>
-              <a:rPr lang="en-US" b="0" i="0" dirty="0">
-                <a:solidFill>
-                  <a:srgbClr val="24292F"/>
-                </a:solidFill>
-                <a:effectLst/>
-                <a:latin typeface="-apple-system"/>
-              </a:rPr>
-              <a:t>Server = mss-p1-biss-01</a:t>
-            </a:r>
+            <a:endParaRPr lang="en-US" b="0" i="0" dirty="0">
+              <a:solidFill>
+                <a:srgbClr val="24292F"/>
+              </a:solidFill>
+              <a:effectLst/>
+              <a:latin typeface="-apple-system"/>
+            </a:endParaRPr>
           </a:p>
           <a:p>
             <a:pPr marL="0" indent="0">
@@ -16362,10 +15618,10 @@
       </p:sp>
       <p:pic>
         <p:nvPicPr>
-          <p:cNvPr id="2" name="Picture 1">
+          <p:cNvPr id="4" name="Picture 3">
             <a:extLst>
               <a:ext uri="{FF2B5EF4-FFF2-40B4-BE49-F238E27FC236}">
-                <a16:creationId xmlns:a16="http://schemas.microsoft.com/office/drawing/2014/main" id="{7C73B60A-9D72-9725-CF53-6F536A38C53C}"/>
+                <a16:creationId xmlns:a16="http://schemas.microsoft.com/office/drawing/2014/main" id="{9913EA44-DE34-7A79-B7FD-95E417CE2AD5}"/>
               </a:ext>
             </a:extLst>
           </p:cNvPr>
@@ -16382,8 +15638,8 @@
         </p:blipFill>
         <p:spPr>
           <a:xfrm>
-            <a:off x="1808367" y="2943224"/>
-            <a:ext cx="4808896" cy="3171825"/>
+            <a:off x="1363762" y="2084652"/>
+            <a:ext cx="6193146" cy="3605436"/>
           </a:xfrm>
           <a:prstGeom prst="rect">
             <a:avLst/>
@@ -16393,7 +15649,7 @@
     </p:spTree>
     <p:extLst>
       <p:ext uri="{BB962C8B-B14F-4D97-AF65-F5344CB8AC3E}">
-        <p14:creationId xmlns:p14="http://schemas.microsoft.com/office/powerpoint/2010/main" val="146600374"/>
+        <p14:creationId xmlns:p14="http://schemas.microsoft.com/office/powerpoint/2010/main" val="1821705884"/>
       </p:ext>
     </p:extLst>
   </p:cSld>
@@ -16689,1637 +15945,6 @@
                 <a:effectLst/>
                 <a:latin typeface="-apple-system"/>
               </a:rPr>
-              <a:t>Click File -&gt; Open -&gt; File</a:t>
-            </a:r>
-          </a:p>
-          <a:p>
-            <a:endParaRPr lang="en-US" b="0" i="0" dirty="0">
-              <a:solidFill>
-                <a:srgbClr val="24292F"/>
-              </a:solidFill>
-              <a:effectLst/>
-              <a:latin typeface="-apple-system"/>
-            </a:endParaRPr>
-          </a:p>
-          <a:p>
-            <a:pPr lvl="1"/>
-            <a:endParaRPr lang="en-US" b="0" i="0" dirty="0">
-              <a:solidFill>
-                <a:srgbClr val="24292F"/>
-              </a:solidFill>
-              <a:effectLst/>
-              <a:latin typeface="-apple-system"/>
-            </a:endParaRPr>
-          </a:p>
-          <a:p>
-            <a:pPr marL="0" indent="0">
-              <a:buNone/>
-            </a:pPr>
-            <a:endParaRPr lang="en-US" b="0" i="0" dirty="0">
-              <a:solidFill>
-                <a:srgbClr val="24292F"/>
-              </a:solidFill>
-              <a:effectLst/>
-              <a:latin typeface="-apple-system"/>
-            </a:endParaRPr>
-          </a:p>
-          <a:p>
-            <a:pPr marL="0" indent="0" algn="l">
-              <a:buNone/>
-            </a:pPr>
-            <a:endParaRPr lang="en-US" b="0" i="0" dirty="0">
-              <a:solidFill>
-                <a:srgbClr val="24292F"/>
-              </a:solidFill>
-              <a:effectLst/>
-              <a:latin typeface="-apple-system"/>
-            </a:endParaRPr>
-          </a:p>
-          <a:p>
-            <a:pPr marL="0" indent="0" algn="l">
-              <a:buNone/>
-            </a:pPr>
-            <a:endParaRPr lang="en-US" b="0" i="0" dirty="0">
-              <a:solidFill>
-                <a:srgbClr val="24292F"/>
-              </a:solidFill>
-              <a:effectLst/>
-              <a:latin typeface="-apple-system"/>
-            </a:endParaRPr>
-          </a:p>
-        </p:txBody>
-      </p:sp>
-      <p:pic>
-        <p:nvPicPr>
-          <p:cNvPr id="4" name="Picture 3">
-            <a:extLst>
-              <a:ext uri="{FF2B5EF4-FFF2-40B4-BE49-F238E27FC236}">
-                <a16:creationId xmlns:a16="http://schemas.microsoft.com/office/drawing/2014/main" id="{9913EA44-DE34-7A79-B7FD-95E417CE2AD5}"/>
-              </a:ext>
-            </a:extLst>
-          </p:cNvPr>
-          <p:cNvPicPr>
-            <a:picLocks noChangeAspect="1"/>
-          </p:cNvPicPr>
-          <p:nvPr/>
-        </p:nvPicPr>
-        <p:blipFill>
-          <a:blip r:embed="rId2"/>
-          <a:stretch>
-            <a:fillRect/>
-          </a:stretch>
-        </p:blipFill>
-        <p:spPr>
-          <a:xfrm>
-            <a:off x="1363762" y="2084652"/>
-            <a:ext cx="6193146" cy="3605436"/>
-          </a:xfrm>
-          <a:prstGeom prst="rect">
-            <a:avLst/>
-          </a:prstGeom>
-        </p:spPr>
-      </p:pic>
-    </p:spTree>
-    <p:extLst>
-      <p:ext uri="{BB962C8B-B14F-4D97-AF65-F5344CB8AC3E}">
-        <p14:creationId xmlns:p14="http://schemas.microsoft.com/office/powerpoint/2010/main" val="1451264872"/>
-      </p:ext>
-    </p:extLst>
-  </p:cSld>
-  <p:clrMapOvr>
-    <a:masterClrMapping/>
-  </p:clrMapOvr>
-</p:sld>
-</file>
-
-<file path=ppt/slides/slide23.xml><?xml version="1.0" encoding="utf-8"?>
-<p:sld xmlns:a="http://schemas.openxmlformats.org/drawingml/2006/main" xmlns:r="http://schemas.openxmlformats.org/officeDocument/2006/relationships" xmlns:p="http://schemas.openxmlformats.org/presentationml/2006/main">
-  <p:cSld>
-    <p:spTree>
-      <p:nvGrpSpPr>
-        <p:cNvPr id="1" name=""/>
-        <p:cNvGrpSpPr/>
-        <p:nvPr/>
-      </p:nvGrpSpPr>
-      <p:grpSpPr>
-        <a:xfrm>
-          <a:off x="0" y="0"/>
-          <a:ext cx="0" cy="0"/>
-          <a:chOff x="0" y="0"/>
-          <a:chExt cx="0" cy="0"/>
-        </a:xfrm>
-      </p:grpSpPr>
-      <p:sp>
-        <p:nvSpPr>
-          <p:cNvPr id="8" name="Subtitle 2">
-            <a:extLst>
-              <a:ext uri="{FF2B5EF4-FFF2-40B4-BE49-F238E27FC236}">
-                <a16:creationId xmlns:a16="http://schemas.microsoft.com/office/drawing/2014/main" id="{090EFA5F-2C72-42AB-A069-51AFDC27C766}"/>
-              </a:ext>
-            </a:extLst>
-          </p:cNvPr>
-          <p:cNvSpPr txBox="1">
-            <a:spLocks/>
-          </p:cNvSpPr>
-          <p:nvPr/>
-        </p:nvSpPr>
-        <p:spPr>
-          <a:xfrm>
-            <a:off x="778079" y="4099775"/>
-            <a:ext cx="6400800" cy="1237021"/>
-          </a:xfrm>
-        </p:spPr>
-        <p:txBody>
-          <a:bodyPr/>
-          <a:lstStyle>
-            <a:lvl1pPr marL="0" indent="0" algn="l" defTabSz="457200" rtl="0" eaLnBrk="0" fontAlgn="base" hangingPunct="0">
-              <a:spcBef>
-                <a:spcPct val="20000"/>
-              </a:spcBef>
-              <a:spcAft>
-                <a:spcPct val="0"/>
-              </a:spcAft>
-              <a:buFont typeface="Arial" panose="020B0604020202020204" pitchFamily="34" charset="0"/>
-              <a:buNone/>
-              <a:defRPr sz="1800" kern="1200">
-                <a:solidFill>
-                  <a:srgbClr val="0FA7B5"/>
-                </a:solidFill>
-                <a:latin typeface="+mn-lt"/>
-                <a:ea typeface="MS PGothic" panose="020B0600070205080204" pitchFamily="34" charset="-128"/>
-                <a:cs typeface="ＭＳ Ｐゴシック" charset="0"/>
-              </a:defRPr>
-            </a:lvl1pPr>
-            <a:lvl2pPr marL="342900" indent="0" algn="l" defTabSz="457200" rtl="0" eaLnBrk="0" fontAlgn="base" hangingPunct="0">
-              <a:spcBef>
-                <a:spcPct val="20000"/>
-              </a:spcBef>
-              <a:spcAft>
-                <a:spcPct val="0"/>
-              </a:spcAft>
-              <a:buFont typeface="Arial" panose="020B0604020202020204" pitchFamily="34" charset="0"/>
-              <a:buNone/>
-              <a:defRPr sz="1500" kern="1200">
-                <a:solidFill>
-                  <a:schemeClr val="tx1">
-                    <a:tint val="75000"/>
-                  </a:schemeClr>
-                </a:solidFill>
-                <a:latin typeface="+mn-lt"/>
-                <a:ea typeface="MS PGothic" panose="020B0600070205080204" pitchFamily="34" charset="-128"/>
-                <a:cs typeface="+mn-cs"/>
-              </a:defRPr>
-            </a:lvl2pPr>
-            <a:lvl3pPr marL="685800" indent="0" algn="l" defTabSz="457200" rtl="0" eaLnBrk="0" fontAlgn="base" hangingPunct="0">
-              <a:spcBef>
-                <a:spcPct val="20000"/>
-              </a:spcBef>
-              <a:spcAft>
-                <a:spcPct val="0"/>
-              </a:spcAft>
-              <a:buFont typeface="Arial" panose="020B0604020202020204" pitchFamily="34" charset="0"/>
-              <a:buNone/>
-              <a:defRPr sz="1350" kern="1200">
-                <a:solidFill>
-                  <a:schemeClr val="tx1">
-                    <a:tint val="75000"/>
-                  </a:schemeClr>
-                </a:solidFill>
-                <a:latin typeface="+mn-lt"/>
-                <a:ea typeface="MS PGothic" panose="020B0600070205080204" pitchFamily="34" charset="-128"/>
-                <a:cs typeface="+mn-cs"/>
-              </a:defRPr>
-            </a:lvl3pPr>
-            <a:lvl4pPr marL="1028700" indent="0" algn="l" defTabSz="457200" rtl="0" eaLnBrk="0" fontAlgn="base" hangingPunct="0">
-              <a:spcBef>
-                <a:spcPct val="20000"/>
-              </a:spcBef>
-              <a:spcAft>
-                <a:spcPct val="0"/>
-              </a:spcAft>
-              <a:buFont typeface="Arial" panose="020B0604020202020204" pitchFamily="34" charset="0"/>
-              <a:buNone/>
-              <a:defRPr sz="1200" kern="1200">
-                <a:solidFill>
-                  <a:schemeClr val="tx1">
-                    <a:tint val="75000"/>
-                  </a:schemeClr>
-                </a:solidFill>
-                <a:latin typeface="+mn-lt"/>
-                <a:ea typeface="MS PGothic" panose="020B0600070205080204" pitchFamily="34" charset="-128"/>
-                <a:cs typeface="+mn-cs"/>
-              </a:defRPr>
-            </a:lvl4pPr>
-            <a:lvl5pPr marL="1371600" indent="0" algn="l" defTabSz="457200" rtl="0" eaLnBrk="0" fontAlgn="base" hangingPunct="0">
-              <a:spcBef>
-                <a:spcPct val="20000"/>
-              </a:spcBef>
-              <a:spcAft>
-                <a:spcPct val="0"/>
-              </a:spcAft>
-              <a:buFont typeface="Arial" panose="020B0604020202020204" pitchFamily="34" charset="0"/>
-              <a:buNone/>
-              <a:defRPr sz="1200" kern="1200">
-                <a:solidFill>
-                  <a:schemeClr val="tx1">
-                    <a:tint val="75000"/>
-                  </a:schemeClr>
-                </a:solidFill>
-                <a:latin typeface="+mn-lt"/>
-                <a:ea typeface="MS PGothic" panose="020B0600070205080204" pitchFamily="34" charset="-128"/>
-                <a:cs typeface="+mn-cs"/>
-              </a:defRPr>
-            </a:lvl5pPr>
-            <a:lvl6pPr marL="1714500" indent="0" algn="l" defTabSz="457200" rtl="0" eaLnBrk="1" latinLnBrk="0" hangingPunct="1">
-              <a:spcBef>
-                <a:spcPct val="20000"/>
-              </a:spcBef>
-              <a:buFont typeface="Arial"/>
-              <a:buNone/>
-              <a:defRPr sz="1200" kern="1200">
-                <a:solidFill>
-                  <a:schemeClr val="tx1">
-                    <a:tint val="75000"/>
-                  </a:schemeClr>
-                </a:solidFill>
-                <a:latin typeface="+mn-lt"/>
-                <a:ea typeface="+mn-ea"/>
-                <a:cs typeface="+mn-cs"/>
-              </a:defRPr>
-            </a:lvl6pPr>
-            <a:lvl7pPr marL="2057400" indent="0" algn="l" defTabSz="457200" rtl="0" eaLnBrk="1" latinLnBrk="0" hangingPunct="1">
-              <a:spcBef>
-                <a:spcPct val="20000"/>
-              </a:spcBef>
-              <a:buFont typeface="Arial"/>
-              <a:buNone/>
-              <a:defRPr sz="1200" kern="1200">
-                <a:solidFill>
-                  <a:schemeClr val="tx1">
-                    <a:tint val="75000"/>
-                  </a:schemeClr>
-                </a:solidFill>
-                <a:latin typeface="+mn-lt"/>
-                <a:ea typeface="+mn-ea"/>
-                <a:cs typeface="+mn-cs"/>
-              </a:defRPr>
-            </a:lvl7pPr>
-            <a:lvl8pPr marL="2400300" indent="0" algn="l" defTabSz="457200" rtl="0" eaLnBrk="1" latinLnBrk="0" hangingPunct="1">
-              <a:spcBef>
-                <a:spcPct val="20000"/>
-              </a:spcBef>
-              <a:buFont typeface="Arial"/>
-              <a:buNone/>
-              <a:defRPr sz="1200" kern="1200">
-                <a:solidFill>
-                  <a:schemeClr val="tx1">
-                    <a:tint val="75000"/>
-                  </a:schemeClr>
-                </a:solidFill>
-                <a:latin typeface="+mn-lt"/>
-                <a:ea typeface="+mn-ea"/>
-                <a:cs typeface="+mn-cs"/>
-              </a:defRPr>
-            </a:lvl8pPr>
-            <a:lvl9pPr marL="2743200" indent="0" algn="l" defTabSz="457200" rtl="0" eaLnBrk="1" latinLnBrk="0" hangingPunct="1">
-              <a:spcBef>
-                <a:spcPct val="20000"/>
-              </a:spcBef>
-              <a:buFont typeface="Arial"/>
-              <a:buNone/>
-              <a:defRPr sz="1200" kern="1200">
-                <a:solidFill>
-                  <a:schemeClr val="tx1">
-                    <a:tint val="75000"/>
-                  </a:schemeClr>
-                </a:solidFill>
-                <a:latin typeface="+mn-lt"/>
-                <a:ea typeface="+mn-ea"/>
-                <a:cs typeface="+mn-cs"/>
-              </a:defRPr>
-            </a:lvl9pPr>
-          </a:lstStyle>
-          <a:p>
-            <a:pPr marL="285750" lvl="0" indent="-285750">
-              <a:spcAft>
-                <a:spcPts val="600"/>
-              </a:spcAft>
-              <a:buFont typeface="Arial" panose="020B0604020202020204" pitchFamily="34" charset="0"/>
-              <a:buChar char="•"/>
-            </a:pPr>
-            <a:endParaRPr lang="en-US" altLang="en-US" dirty="0"/>
-          </a:p>
-        </p:txBody>
-      </p:sp>
-      <p:sp>
-        <p:nvSpPr>
-          <p:cNvPr id="5" name="Title 4">
-            <a:extLst>
-              <a:ext uri="{FF2B5EF4-FFF2-40B4-BE49-F238E27FC236}">
-                <a16:creationId xmlns:a16="http://schemas.microsoft.com/office/drawing/2014/main" id="{B7278418-EB2A-8766-EC92-613B2ACBA277}"/>
-              </a:ext>
-            </a:extLst>
-          </p:cNvPr>
-          <p:cNvSpPr>
-            <a:spLocks noGrp="1"/>
-          </p:cNvSpPr>
-          <p:nvPr>
-            <p:ph type="title"/>
-          </p:nvPr>
-        </p:nvSpPr>
-        <p:spPr>
-          <a:xfrm>
-            <a:off x="400050" y="119939"/>
-            <a:ext cx="8229600" cy="428312"/>
-          </a:xfrm>
-        </p:spPr>
-        <p:txBody>
-          <a:bodyPr/>
-          <a:lstStyle/>
-          <a:p>
-            <a:r>
-              <a:rPr lang="en-US" dirty="0"/>
-              <a:t>Hands On Examples</a:t>
-            </a:r>
-          </a:p>
-        </p:txBody>
-      </p:sp>
-      <p:sp>
-        <p:nvSpPr>
-          <p:cNvPr id="7" name="Content Placeholder 6">
-            <a:extLst>
-              <a:ext uri="{FF2B5EF4-FFF2-40B4-BE49-F238E27FC236}">
-                <a16:creationId xmlns:a16="http://schemas.microsoft.com/office/drawing/2014/main" id="{8103113D-3FA7-10C8-CFF6-CF0FA3CF28D4}"/>
-              </a:ext>
-            </a:extLst>
-          </p:cNvPr>
-          <p:cNvSpPr>
-            <a:spLocks noGrp="1"/>
-          </p:cNvSpPr>
-          <p:nvPr>
-            <p:ph idx="1"/>
-          </p:nvPr>
-        </p:nvSpPr>
-        <p:spPr>
-          <a:xfrm>
-            <a:off x="400050" y="1225062"/>
-            <a:ext cx="8229600" cy="5002701"/>
-          </a:xfrm>
-        </p:spPr>
-        <p:txBody>
-          <a:bodyPr/>
-          <a:lstStyle/>
-          <a:p>
-            <a:r>
-              <a:rPr lang="en-US" b="0" i="0" dirty="0">
-                <a:solidFill>
-                  <a:srgbClr val="24292F"/>
-                </a:solidFill>
-                <a:effectLst/>
-                <a:latin typeface="-apple-system"/>
-              </a:rPr>
-              <a:t>Open the SQL Day 2 Filtering and Ordering </a:t>
-            </a:r>
-            <a:r>
-              <a:rPr lang="en-US" b="0" i="0" dirty="0" err="1">
-                <a:solidFill>
-                  <a:srgbClr val="24292F"/>
-                </a:solidFill>
-                <a:effectLst/>
-                <a:latin typeface="-apple-system"/>
-              </a:rPr>
-              <a:t>Script.sql</a:t>
-            </a:r>
-            <a:r>
-              <a:rPr lang="en-US" b="0" i="0" dirty="0">
-                <a:solidFill>
-                  <a:srgbClr val="24292F"/>
-                </a:solidFill>
-                <a:effectLst/>
-                <a:latin typeface="-apple-system"/>
-              </a:rPr>
-              <a:t> file </a:t>
-            </a:r>
-          </a:p>
-          <a:p>
-            <a:endParaRPr lang="en-US" dirty="0">
-              <a:solidFill>
-                <a:srgbClr val="24292F"/>
-              </a:solidFill>
-              <a:latin typeface="-apple-system"/>
-            </a:endParaRPr>
-          </a:p>
-          <a:p>
-            <a:endParaRPr lang="en-US" b="0" i="0" dirty="0">
-              <a:solidFill>
-                <a:srgbClr val="24292F"/>
-              </a:solidFill>
-              <a:effectLst/>
-              <a:latin typeface="-apple-system"/>
-            </a:endParaRPr>
-          </a:p>
-          <a:p>
-            <a:endParaRPr lang="en-US" b="0" i="0" dirty="0">
-              <a:solidFill>
-                <a:srgbClr val="24292F"/>
-              </a:solidFill>
-              <a:effectLst/>
-              <a:latin typeface="-apple-system"/>
-            </a:endParaRPr>
-          </a:p>
-          <a:p>
-            <a:endParaRPr lang="en-US" b="0" i="0" dirty="0">
-              <a:solidFill>
-                <a:srgbClr val="24292F"/>
-              </a:solidFill>
-              <a:effectLst/>
-              <a:latin typeface="-apple-system"/>
-            </a:endParaRPr>
-          </a:p>
-          <a:p>
-            <a:pPr lvl="1"/>
-            <a:endParaRPr lang="en-US" b="0" i="0" dirty="0">
-              <a:solidFill>
-                <a:srgbClr val="24292F"/>
-              </a:solidFill>
-              <a:effectLst/>
-              <a:latin typeface="-apple-system"/>
-            </a:endParaRPr>
-          </a:p>
-          <a:p>
-            <a:pPr marL="0" indent="0">
-              <a:buNone/>
-            </a:pPr>
-            <a:endParaRPr lang="en-US" b="0" i="0" dirty="0">
-              <a:solidFill>
-                <a:srgbClr val="24292F"/>
-              </a:solidFill>
-              <a:effectLst/>
-              <a:latin typeface="-apple-system"/>
-            </a:endParaRPr>
-          </a:p>
-          <a:p>
-            <a:pPr marL="0" indent="0" algn="l">
-              <a:buNone/>
-            </a:pPr>
-            <a:endParaRPr lang="en-US" b="0" i="0" dirty="0">
-              <a:solidFill>
-                <a:srgbClr val="24292F"/>
-              </a:solidFill>
-              <a:effectLst/>
-              <a:latin typeface="-apple-system"/>
-            </a:endParaRPr>
-          </a:p>
-          <a:p>
-            <a:pPr marL="0" indent="0" algn="l">
-              <a:buNone/>
-            </a:pPr>
-            <a:endParaRPr lang="en-US" b="0" i="0" dirty="0">
-              <a:solidFill>
-                <a:srgbClr val="24292F"/>
-              </a:solidFill>
-              <a:effectLst/>
-              <a:latin typeface="-apple-system"/>
-            </a:endParaRPr>
-          </a:p>
-        </p:txBody>
-      </p:sp>
-      <p:pic>
-        <p:nvPicPr>
-          <p:cNvPr id="2" name="Picture 1">
-            <a:extLst>
-              <a:ext uri="{FF2B5EF4-FFF2-40B4-BE49-F238E27FC236}">
-                <a16:creationId xmlns:a16="http://schemas.microsoft.com/office/drawing/2014/main" id="{203BF16A-2184-581B-0E28-4ED81CBB612F}"/>
-              </a:ext>
-            </a:extLst>
-          </p:cNvPr>
-          <p:cNvPicPr>
-            <a:picLocks noChangeAspect="1"/>
-          </p:cNvPicPr>
-          <p:nvPr/>
-        </p:nvPicPr>
-        <p:blipFill>
-          <a:blip r:embed="rId3"/>
-          <a:stretch>
-            <a:fillRect/>
-          </a:stretch>
-        </p:blipFill>
-        <p:spPr>
-          <a:xfrm>
-            <a:off x="1699622" y="2073393"/>
-            <a:ext cx="4557713" cy="3066569"/>
-          </a:xfrm>
-          <a:prstGeom prst="rect">
-            <a:avLst/>
-          </a:prstGeom>
-        </p:spPr>
-      </p:pic>
-    </p:spTree>
-    <p:extLst>
-      <p:ext uri="{BB962C8B-B14F-4D97-AF65-F5344CB8AC3E}">
-        <p14:creationId xmlns:p14="http://schemas.microsoft.com/office/powerpoint/2010/main" val="1833757041"/>
-      </p:ext>
-    </p:extLst>
-  </p:cSld>
-  <p:clrMapOvr>
-    <a:masterClrMapping/>
-  </p:clrMapOvr>
-</p:sld>
-</file>
-
-<file path=ppt/slides/slide24.xml><?xml version="1.0" encoding="utf-8"?>
-<p:sld xmlns:a="http://schemas.openxmlformats.org/drawingml/2006/main" xmlns:r="http://schemas.openxmlformats.org/officeDocument/2006/relationships" xmlns:p="http://schemas.openxmlformats.org/presentationml/2006/main">
-  <p:cSld>
-    <p:spTree>
-      <p:nvGrpSpPr>
-        <p:cNvPr id="1" name=""/>
-        <p:cNvGrpSpPr/>
-        <p:nvPr/>
-      </p:nvGrpSpPr>
-      <p:grpSpPr>
-        <a:xfrm>
-          <a:off x="0" y="0"/>
-          <a:ext cx="0" cy="0"/>
-          <a:chOff x="0" y="0"/>
-          <a:chExt cx="0" cy="0"/>
-        </a:xfrm>
-      </p:grpSpPr>
-      <p:sp>
-        <p:nvSpPr>
-          <p:cNvPr id="8" name="Subtitle 2">
-            <a:extLst>
-              <a:ext uri="{FF2B5EF4-FFF2-40B4-BE49-F238E27FC236}">
-                <a16:creationId xmlns:a16="http://schemas.microsoft.com/office/drawing/2014/main" id="{090EFA5F-2C72-42AB-A069-51AFDC27C766}"/>
-              </a:ext>
-            </a:extLst>
-          </p:cNvPr>
-          <p:cNvSpPr txBox="1">
-            <a:spLocks/>
-          </p:cNvSpPr>
-          <p:nvPr/>
-        </p:nvSpPr>
-        <p:spPr>
-          <a:xfrm>
-            <a:off x="778079" y="4099775"/>
-            <a:ext cx="6400800" cy="1237021"/>
-          </a:xfrm>
-        </p:spPr>
-        <p:txBody>
-          <a:bodyPr/>
-          <a:lstStyle>
-            <a:lvl1pPr marL="0" indent="0" algn="l" defTabSz="457200" rtl="0" eaLnBrk="0" fontAlgn="base" hangingPunct="0">
-              <a:spcBef>
-                <a:spcPct val="20000"/>
-              </a:spcBef>
-              <a:spcAft>
-                <a:spcPct val="0"/>
-              </a:spcAft>
-              <a:buFont typeface="Arial" panose="020B0604020202020204" pitchFamily="34" charset="0"/>
-              <a:buNone/>
-              <a:defRPr sz="1800" kern="1200">
-                <a:solidFill>
-                  <a:srgbClr val="0FA7B5"/>
-                </a:solidFill>
-                <a:latin typeface="+mn-lt"/>
-                <a:ea typeface="MS PGothic" panose="020B0600070205080204" pitchFamily="34" charset="-128"/>
-                <a:cs typeface="ＭＳ Ｐゴシック" charset="0"/>
-              </a:defRPr>
-            </a:lvl1pPr>
-            <a:lvl2pPr marL="342900" indent="0" algn="l" defTabSz="457200" rtl="0" eaLnBrk="0" fontAlgn="base" hangingPunct="0">
-              <a:spcBef>
-                <a:spcPct val="20000"/>
-              </a:spcBef>
-              <a:spcAft>
-                <a:spcPct val="0"/>
-              </a:spcAft>
-              <a:buFont typeface="Arial" panose="020B0604020202020204" pitchFamily="34" charset="0"/>
-              <a:buNone/>
-              <a:defRPr sz="1500" kern="1200">
-                <a:solidFill>
-                  <a:schemeClr val="tx1">
-                    <a:tint val="75000"/>
-                  </a:schemeClr>
-                </a:solidFill>
-                <a:latin typeface="+mn-lt"/>
-                <a:ea typeface="MS PGothic" panose="020B0600070205080204" pitchFamily="34" charset="-128"/>
-                <a:cs typeface="+mn-cs"/>
-              </a:defRPr>
-            </a:lvl2pPr>
-            <a:lvl3pPr marL="685800" indent="0" algn="l" defTabSz="457200" rtl="0" eaLnBrk="0" fontAlgn="base" hangingPunct="0">
-              <a:spcBef>
-                <a:spcPct val="20000"/>
-              </a:spcBef>
-              <a:spcAft>
-                <a:spcPct val="0"/>
-              </a:spcAft>
-              <a:buFont typeface="Arial" panose="020B0604020202020204" pitchFamily="34" charset="0"/>
-              <a:buNone/>
-              <a:defRPr sz="1350" kern="1200">
-                <a:solidFill>
-                  <a:schemeClr val="tx1">
-                    <a:tint val="75000"/>
-                  </a:schemeClr>
-                </a:solidFill>
-                <a:latin typeface="+mn-lt"/>
-                <a:ea typeface="MS PGothic" panose="020B0600070205080204" pitchFamily="34" charset="-128"/>
-                <a:cs typeface="+mn-cs"/>
-              </a:defRPr>
-            </a:lvl3pPr>
-            <a:lvl4pPr marL="1028700" indent="0" algn="l" defTabSz="457200" rtl="0" eaLnBrk="0" fontAlgn="base" hangingPunct="0">
-              <a:spcBef>
-                <a:spcPct val="20000"/>
-              </a:spcBef>
-              <a:spcAft>
-                <a:spcPct val="0"/>
-              </a:spcAft>
-              <a:buFont typeface="Arial" panose="020B0604020202020204" pitchFamily="34" charset="0"/>
-              <a:buNone/>
-              <a:defRPr sz="1200" kern="1200">
-                <a:solidFill>
-                  <a:schemeClr val="tx1">
-                    <a:tint val="75000"/>
-                  </a:schemeClr>
-                </a:solidFill>
-                <a:latin typeface="+mn-lt"/>
-                <a:ea typeface="MS PGothic" panose="020B0600070205080204" pitchFamily="34" charset="-128"/>
-                <a:cs typeface="+mn-cs"/>
-              </a:defRPr>
-            </a:lvl4pPr>
-            <a:lvl5pPr marL="1371600" indent="0" algn="l" defTabSz="457200" rtl="0" eaLnBrk="0" fontAlgn="base" hangingPunct="0">
-              <a:spcBef>
-                <a:spcPct val="20000"/>
-              </a:spcBef>
-              <a:spcAft>
-                <a:spcPct val="0"/>
-              </a:spcAft>
-              <a:buFont typeface="Arial" panose="020B0604020202020204" pitchFamily="34" charset="0"/>
-              <a:buNone/>
-              <a:defRPr sz="1200" kern="1200">
-                <a:solidFill>
-                  <a:schemeClr val="tx1">
-                    <a:tint val="75000"/>
-                  </a:schemeClr>
-                </a:solidFill>
-                <a:latin typeface="+mn-lt"/>
-                <a:ea typeface="MS PGothic" panose="020B0600070205080204" pitchFamily="34" charset="-128"/>
-                <a:cs typeface="+mn-cs"/>
-              </a:defRPr>
-            </a:lvl5pPr>
-            <a:lvl6pPr marL="1714500" indent="0" algn="l" defTabSz="457200" rtl="0" eaLnBrk="1" latinLnBrk="0" hangingPunct="1">
-              <a:spcBef>
-                <a:spcPct val="20000"/>
-              </a:spcBef>
-              <a:buFont typeface="Arial"/>
-              <a:buNone/>
-              <a:defRPr sz="1200" kern="1200">
-                <a:solidFill>
-                  <a:schemeClr val="tx1">
-                    <a:tint val="75000"/>
-                  </a:schemeClr>
-                </a:solidFill>
-                <a:latin typeface="+mn-lt"/>
-                <a:ea typeface="+mn-ea"/>
-                <a:cs typeface="+mn-cs"/>
-              </a:defRPr>
-            </a:lvl6pPr>
-            <a:lvl7pPr marL="2057400" indent="0" algn="l" defTabSz="457200" rtl="0" eaLnBrk="1" latinLnBrk="0" hangingPunct="1">
-              <a:spcBef>
-                <a:spcPct val="20000"/>
-              </a:spcBef>
-              <a:buFont typeface="Arial"/>
-              <a:buNone/>
-              <a:defRPr sz="1200" kern="1200">
-                <a:solidFill>
-                  <a:schemeClr val="tx1">
-                    <a:tint val="75000"/>
-                  </a:schemeClr>
-                </a:solidFill>
-                <a:latin typeface="+mn-lt"/>
-                <a:ea typeface="+mn-ea"/>
-                <a:cs typeface="+mn-cs"/>
-              </a:defRPr>
-            </a:lvl7pPr>
-            <a:lvl8pPr marL="2400300" indent="0" algn="l" defTabSz="457200" rtl="0" eaLnBrk="1" latinLnBrk="0" hangingPunct="1">
-              <a:spcBef>
-                <a:spcPct val="20000"/>
-              </a:spcBef>
-              <a:buFont typeface="Arial"/>
-              <a:buNone/>
-              <a:defRPr sz="1200" kern="1200">
-                <a:solidFill>
-                  <a:schemeClr val="tx1">
-                    <a:tint val="75000"/>
-                  </a:schemeClr>
-                </a:solidFill>
-                <a:latin typeface="+mn-lt"/>
-                <a:ea typeface="+mn-ea"/>
-                <a:cs typeface="+mn-cs"/>
-              </a:defRPr>
-            </a:lvl8pPr>
-            <a:lvl9pPr marL="2743200" indent="0" algn="l" defTabSz="457200" rtl="0" eaLnBrk="1" latinLnBrk="0" hangingPunct="1">
-              <a:spcBef>
-                <a:spcPct val="20000"/>
-              </a:spcBef>
-              <a:buFont typeface="Arial"/>
-              <a:buNone/>
-              <a:defRPr sz="1200" kern="1200">
-                <a:solidFill>
-                  <a:schemeClr val="tx1">
-                    <a:tint val="75000"/>
-                  </a:schemeClr>
-                </a:solidFill>
-                <a:latin typeface="+mn-lt"/>
-                <a:ea typeface="+mn-ea"/>
-                <a:cs typeface="+mn-cs"/>
-              </a:defRPr>
-            </a:lvl9pPr>
-          </a:lstStyle>
-          <a:p>
-            <a:pPr marL="285750" lvl="0" indent="-285750">
-              <a:spcAft>
-                <a:spcPts val="600"/>
-              </a:spcAft>
-              <a:buFont typeface="Arial" panose="020B0604020202020204" pitchFamily="34" charset="0"/>
-              <a:buChar char="•"/>
-            </a:pPr>
-            <a:endParaRPr lang="en-US" altLang="en-US" dirty="0"/>
-          </a:p>
-        </p:txBody>
-      </p:sp>
-      <p:sp>
-        <p:nvSpPr>
-          <p:cNvPr id="5" name="Title 4">
-            <a:extLst>
-              <a:ext uri="{FF2B5EF4-FFF2-40B4-BE49-F238E27FC236}">
-                <a16:creationId xmlns:a16="http://schemas.microsoft.com/office/drawing/2014/main" id="{B7278418-EB2A-8766-EC92-613B2ACBA277}"/>
-              </a:ext>
-            </a:extLst>
-          </p:cNvPr>
-          <p:cNvSpPr>
-            <a:spLocks noGrp="1"/>
-          </p:cNvSpPr>
-          <p:nvPr>
-            <p:ph type="title"/>
-          </p:nvPr>
-        </p:nvSpPr>
-        <p:spPr>
-          <a:xfrm>
-            <a:off x="400050" y="119939"/>
-            <a:ext cx="8229600" cy="428312"/>
-          </a:xfrm>
-        </p:spPr>
-        <p:txBody>
-          <a:bodyPr/>
-          <a:lstStyle/>
-          <a:p>
-            <a:r>
-              <a:rPr lang="en-US" dirty="0"/>
-              <a:t>Hands On Examples</a:t>
-            </a:r>
-          </a:p>
-        </p:txBody>
-      </p:sp>
-      <p:sp>
-        <p:nvSpPr>
-          <p:cNvPr id="7" name="Content Placeholder 6">
-            <a:extLst>
-              <a:ext uri="{FF2B5EF4-FFF2-40B4-BE49-F238E27FC236}">
-                <a16:creationId xmlns:a16="http://schemas.microsoft.com/office/drawing/2014/main" id="{8103113D-3FA7-10C8-CFF6-CF0FA3CF28D4}"/>
-              </a:ext>
-            </a:extLst>
-          </p:cNvPr>
-          <p:cNvSpPr>
-            <a:spLocks noGrp="1"/>
-          </p:cNvSpPr>
-          <p:nvPr>
-            <p:ph idx="1"/>
-          </p:nvPr>
-        </p:nvSpPr>
-        <p:spPr>
-          <a:xfrm>
-            <a:off x="400050" y="1225062"/>
-            <a:ext cx="8229600" cy="5002701"/>
-          </a:xfrm>
-        </p:spPr>
-        <p:txBody>
-          <a:bodyPr/>
-          <a:lstStyle/>
-          <a:p>
-            <a:pPr algn="l"/>
-            <a:r>
-              <a:rPr lang="en-US" dirty="0">
-                <a:solidFill>
-                  <a:srgbClr val="24292F"/>
-                </a:solidFill>
-                <a:latin typeface="-apple-system"/>
-              </a:rPr>
-              <a:t>U</a:t>
-            </a:r>
-            <a:r>
-              <a:rPr lang="en-US" b="0" i="0" dirty="0">
-                <a:solidFill>
-                  <a:srgbClr val="24292F"/>
-                </a:solidFill>
-                <a:effectLst/>
-                <a:latin typeface="-apple-system"/>
-              </a:rPr>
-              <a:t>sing the AdventureWorks2012 Database</a:t>
-            </a:r>
-          </a:p>
-          <a:p>
-            <a:pPr lvl="1"/>
-            <a:r>
-              <a:rPr lang="en-US" dirty="0">
-                <a:solidFill>
-                  <a:srgbClr val="24292F"/>
-                </a:solidFill>
-                <a:latin typeface="-apple-system"/>
-              </a:rPr>
-              <a:t>Please open up SSMS</a:t>
-            </a:r>
-          </a:p>
-          <a:p>
-            <a:pPr lvl="1"/>
-            <a:r>
-              <a:rPr lang="en-US" b="0" i="0" dirty="0">
-                <a:solidFill>
-                  <a:srgbClr val="24292F"/>
-                </a:solidFill>
-                <a:effectLst/>
-                <a:latin typeface="-apple-system"/>
-              </a:rPr>
-              <a:t>Connect to BISS</a:t>
-            </a:r>
-          </a:p>
-          <a:p>
-            <a:pPr lvl="2"/>
-            <a:r>
-              <a:rPr lang="en-US" b="0" i="0" dirty="0">
-                <a:solidFill>
-                  <a:srgbClr val="24292F"/>
-                </a:solidFill>
-                <a:effectLst/>
-                <a:latin typeface="-apple-system"/>
-              </a:rPr>
-              <a:t>Server = mss-p1-biss-01</a:t>
-            </a:r>
-          </a:p>
-          <a:p>
-            <a:pPr marL="0" indent="0">
-              <a:buNone/>
-            </a:pPr>
-            <a:endParaRPr lang="en-US" b="0" i="0" dirty="0">
-              <a:solidFill>
-                <a:srgbClr val="24292F"/>
-              </a:solidFill>
-              <a:effectLst/>
-              <a:latin typeface="-apple-system"/>
-            </a:endParaRPr>
-          </a:p>
-          <a:p>
-            <a:pPr marL="0" indent="0" algn="l">
-              <a:buNone/>
-            </a:pPr>
-            <a:endParaRPr lang="en-US" b="0" i="0" dirty="0">
-              <a:solidFill>
-                <a:srgbClr val="24292F"/>
-              </a:solidFill>
-              <a:effectLst/>
-              <a:latin typeface="-apple-system"/>
-            </a:endParaRPr>
-          </a:p>
-          <a:p>
-            <a:pPr marL="0" indent="0" algn="l">
-              <a:buNone/>
-            </a:pPr>
-            <a:endParaRPr lang="en-US" b="0" i="0" dirty="0">
-              <a:solidFill>
-                <a:srgbClr val="24292F"/>
-              </a:solidFill>
-              <a:effectLst/>
-              <a:latin typeface="-apple-system"/>
-            </a:endParaRPr>
-          </a:p>
-        </p:txBody>
-      </p:sp>
-      <p:pic>
-        <p:nvPicPr>
-          <p:cNvPr id="2" name="Picture 1">
-            <a:extLst>
-              <a:ext uri="{FF2B5EF4-FFF2-40B4-BE49-F238E27FC236}">
-                <a16:creationId xmlns:a16="http://schemas.microsoft.com/office/drawing/2014/main" id="{7C73B60A-9D72-9725-CF53-6F536A38C53C}"/>
-              </a:ext>
-            </a:extLst>
-          </p:cNvPr>
-          <p:cNvPicPr>
-            <a:picLocks noChangeAspect="1"/>
-          </p:cNvPicPr>
-          <p:nvPr/>
-        </p:nvPicPr>
-        <p:blipFill>
-          <a:blip r:embed="rId2"/>
-          <a:stretch>
-            <a:fillRect/>
-          </a:stretch>
-        </p:blipFill>
-        <p:spPr>
-          <a:xfrm>
-            <a:off x="1808367" y="2943224"/>
-            <a:ext cx="4808896" cy="3171825"/>
-          </a:xfrm>
-          <a:prstGeom prst="rect">
-            <a:avLst/>
-          </a:prstGeom>
-        </p:spPr>
-      </p:pic>
-    </p:spTree>
-    <p:extLst>
-      <p:ext uri="{BB962C8B-B14F-4D97-AF65-F5344CB8AC3E}">
-        <p14:creationId xmlns:p14="http://schemas.microsoft.com/office/powerpoint/2010/main" val="1784942659"/>
-      </p:ext>
-    </p:extLst>
-  </p:cSld>
-  <p:clrMapOvr>
-    <a:masterClrMapping/>
-  </p:clrMapOvr>
-</p:sld>
-</file>
-
-<file path=ppt/slides/slide25.xml><?xml version="1.0" encoding="utf-8"?>
-<p:sld xmlns:a="http://schemas.openxmlformats.org/drawingml/2006/main" xmlns:r="http://schemas.openxmlformats.org/officeDocument/2006/relationships" xmlns:p="http://schemas.openxmlformats.org/presentationml/2006/main">
-  <p:cSld>
-    <p:spTree>
-      <p:nvGrpSpPr>
-        <p:cNvPr id="1" name=""/>
-        <p:cNvGrpSpPr/>
-        <p:nvPr/>
-      </p:nvGrpSpPr>
-      <p:grpSpPr>
-        <a:xfrm>
-          <a:off x="0" y="0"/>
-          <a:ext cx="0" cy="0"/>
-          <a:chOff x="0" y="0"/>
-          <a:chExt cx="0" cy="0"/>
-        </a:xfrm>
-      </p:grpSpPr>
-      <p:sp>
-        <p:nvSpPr>
-          <p:cNvPr id="8" name="Subtitle 2">
-            <a:extLst>
-              <a:ext uri="{FF2B5EF4-FFF2-40B4-BE49-F238E27FC236}">
-                <a16:creationId xmlns:a16="http://schemas.microsoft.com/office/drawing/2014/main" id="{090EFA5F-2C72-42AB-A069-51AFDC27C766}"/>
-              </a:ext>
-            </a:extLst>
-          </p:cNvPr>
-          <p:cNvSpPr txBox="1">
-            <a:spLocks/>
-          </p:cNvSpPr>
-          <p:nvPr/>
-        </p:nvSpPr>
-        <p:spPr>
-          <a:xfrm>
-            <a:off x="778079" y="4099775"/>
-            <a:ext cx="6400800" cy="1237021"/>
-          </a:xfrm>
-        </p:spPr>
-        <p:txBody>
-          <a:bodyPr/>
-          <a:lstStyle>
-            <a:lvl1pPr marL="0" indent="0" algn="l" defTabSz="457200" rtl="0" eaLnBrk="0" fontAlgn="base" hangingPunct="0">
-              <a:spcBef>
-                <a:spcPct val="20000"/>
-              </a:spcBef>
-              <a:spcAft>
-                <a:spcPct val="0"/>
-              </a:spcAft>
-              <a:buFont typeface="Arial" panose="020B0604020202020204" pitchFamily="34" charset="0"/>
-              <a:buNone/>
-              <a:defRPr sz="1800" kern="1200">
-                <a:solidFill>
-                  <a:srgbClr val="0FA7B5"/>
-                </a:solidFill>
-                <a:latin typeface="+mn-lt"/>
-                <a:ea typeface="MS PGothic" panose="020B0600070205080204" pitchFamily="34" charset="-128"/>
-                <a:cs typeface="ＭＳ Ｐゴシック" charset="0"/>
-              </a:defRPr>
-            </a:lvl1pPr>
-            <a:lvl2pPr marL="342900" indent="0" algn="l" defTabSz="457200" rtl="0" eaLnBrk="0" fontAlgn="base" hangingPunct="0">
-              <a:spcBef>
-                <a:spcPct val="20000"/>
-              </a:spcBef>
-              <a:spcAft>
-                <a:spcPct val="0"/>
-              </a:spcAft>
-              <a:buFont typeface="Arial" panose="020B0604020202020204" pitchFamily="34" charset="0"/>
-              <a:buNone/>
-              <a:defRPr sz="1500" kern="1200">
-                <a:solidFill>
-                  <a:schemeClr val="tx1">
-                    <a:tint val="75000"/>
-                  </a:schemeClr>
-                </a:solidFill>
-                <a:latin typeface="+mn-lt"/>
-                <a:ea typeface="MS PGothic" panose="020B0600070205080204" pitchFamily="34" charset="-128"/>
-                <a:cs typeface="+mn-cs"/>
-              </a:defRPr>
-            </a:lvl2pPr>
-            <a:lvl3pPr marL="685800" indent="0" algn="l" defTabSz="457200" rtl="0" eaLnBrk="0" fontAlgn="base" hangingPunct="0">
-              <a:spcBef>
-                <a:spcPct val="20000"/>
-              </a:spcBef>
-              <a:spcAft>
-                <a:spcPct val="0"/>
-              </a:spcAft>
-              <a:buFont typeface="Arial" panose="020B0604020202020204" pitchFamily="34" charset="0"/>
-              <a:buNone/>
-              <a:defRPr sz="1350" kern="1200">
-                <a:solidFill>
-                  <a:schemeClr val="tx1">
-                    <a:tint val="75000"/>
-                  </a:schemeClr>
-                </a:solidFill>
-                <a:latin typeface="+mn-lt"/>
-                <a:ea typeface="MS PGothic" panose="020B0600070205080204" pitchFamily="34" charset="-128"/>
-                <a:cs typeface="+mn-cs"/>
-              </a:defRPr>
-            </a:lvl3pPr>
-            <a:lvl4pPr marL="1028700" indent="0" algn="l" defTabSz="457200" rtl="0" eaLnBrk="0" fontAlgn="base" hangingPunct="0">
-              <a:spcBef>
-                <a:spcPct val="20000"/>
-              </a:spcBef>
-              <a:spcAft>
-                <a:spcPct val="0"/>
-              </a:spcAft>
-              <a:buFont typeface="Arial" panose="020B0604020202020204" pitchFamily="34" charset="0"/>
-              <a:buNone/>
-              <a:defRPr sz="1200" kern="1200">
-                <a:solidFill>
-                  <a:schemeClr val="tx1">
-                    <a:tint val="75000"/>
-                  </a:schemeClr>
-                </a:solidFill>
-                <a:latin typeface="+mn-lt"/>
-                <a:ea typeface="MS PGothic" panose="020B0600070205080204" pitchFamily="34" charset="-128"/>
-                <a:cs typeface="+mn-cs"/>
-              </a:defRPr>
-            </a:lvl4pPr>
-            <a:lvl5pPr marL="1371600" indent="0" algn="l" defTabSz="457200" rtl="0" eaLnBrk="0" fontAlgn="base" hangingPunct="0">
-              <a:spcBef>
-                <a:spcPct val="20000"/>
-              </a:spcBef>
-              <a:spcAft>
-                <a:spcPct val="0"/>
-              </a:spcAft>
-              <a:buFont typeface="Arial" panose="020B0604020202020204" pitchFamily="34" charset="0"/>
-              <a:buNone/>
-              <a:defRPr sz="1200" kern="1200">
-                <a:solidFill>
-                  <a:schemeClr val="tx1">
-                    <a:tint val="75000"/>
-                  </a:schemeClr>
-                </a:solidFill>
-                <a:latin typeface="+mn-lt"/>
-                <a:ea typeface="MS PGothic" panose="020B0600070205080204" pitchFamily="34" charset="-128"/>
-                <a:cs typeface="+mn-cs"/>
-              </a:defRPr>
-            </a:lvl5pPr>
-            <a:lvl6pPr marL="1714500" indent="0" algn="l" defTabSz="457200" rtl="0" eaLnBrk="1" latinLnBrk="0" hangingPunct="1">
-              <a:spcBef>
-                <a:spcPct val="20000"/>
-              </a:spcBef>
-              <a:buFont typeface="Arial"/>
-              <a:buNone/>
-              <a:defRPr sz="1200" kern="1200">
-                <a:solidFill>
-                  <a:schemeClr val="tx1">
-                    <a:tint val="75000"/>
-                  </a:schemeClr>
-                </a:solidFill>
-                <a:latin typeface="+mn-lt"/>
-                <a:ea typeface="+mn-ea"/>
-                <a:cs typeface="+mn-cs"/>
-              </a:defRPr>
-            </a:lvl6pPr>
-            <a:lvl7pPr marL="2057400" indent="0" algn="l" defTabSz="457200" rtl="0" eaLnBrk="1" latinLnBrk="0" hangingPunct="1">
-              <a:spcBef>
-                <a:spcPct val="20000"/>
-              </a:spcBef>
-              <a:buFont typeface="Arial"/>
-              <a:buNone/>
-              <a:defRPr sz="1200" kern="1200">
-                <a:solidFill>
-                  <a:schemeClr val="tx1">
-                    <a:tint val="75000"/>
-                  </a:schemeClr>
-                </a:solidFill>
-                <a:latin typeface="+mn-lt"/>
-                <a:ea typeface="+mn-ea"/>
-                <a:cs typeface="+mn-cs"/>
-              </a:defRPr>
-            </a:lvl7pPr>
-            <a:lvl8pPr marL="2400300" indent="0" algn="l" defTabSz="457200" rtl="0" eaLnBrk="1" latinLnBrk="0" hangingPunct="1">
-              <a:spcBef>
-                <a:spcPct val="20000"/>
-              </a:spcBef>
-              <a:buFont typeface="Arial"/>
-              <a:buNone/>
-              <a:defRPr sz="1200" kern="1200">
-                <a:solidFill>
-                  <a:schemeClr val="tx1">
-                    <a:tint val="75000"/>
-                  </a:schemeClr>
-                </a:solidFill>
-                <a:latin typeface="+mn-lt"/>
-                <a:ea typeface="+mn-ea"/>
-                <a:cs typeface="+mn-cs"/>
-              </a:defRPr>
-            </a:lvl8pPr>
-            <a:lvl9pPr marL="2743200" indent="0" algn="l" defTabSz="457200" rtl="0" eaLnBrk="1" latinLnBrk="0" hangingPunct="1">
-              <a:spcBef>
-                <a:spcPct val="20000"/>
-              </a:spcBef>
-              <a:buFont typeface="Arial"/>
-              <a:buNone/>
-              <a:defRPr sz="1200" kern="1200">
-                <a:solidFill>
-                  <a:schemeClr val="tx1">
-                    <a:tint val="75000"/>
-                  </a:schemeClr>
-                </a:solidFill>
-                <a:latin typeface="+mn-lt"/>
-                <a:ea typeface="+mn-ea"/>
-                <a:cs typeface="+mn-cs"/>
-              </a:defRPr>
-            </a:lvl9pPr>
-          </a:lstStyle>
-          <a:p>
-            <a:pPr marL="285750" lvl="0" indent="-285750">
-              <a:spcAft>
-                <a:spcPts val="600"/>
-              </a:spcAft>
-              <a:buFont typeface="Arial" panose="020B0604020202020204" pitchFamily="34" charset="0"/>
-              <a:buChar char="•"/>
-            </a:pPr>
-            <a:endParaRPr lang="en-US" altLang="en-US" dirty="0"/>
-          </a:p>
-        </p:txBody>
-      </p:sp>
-      <p:sp>
-        <p:nvSpPr>
-          <p:cNvPr id="5" name="Title 4">
-            <a:extLst>
-              <a:ext uri="{FF2B5EF4-FFF2-40B4-BE49-F238E27FC236}">
-                <a16:creationId xmlns:a16="http://schemas.microsoft.com/office/drawing/2014/main" id="{B7278418-EB2A-8766-EC92-613B2ACBA277}"/>
-              </a:ext>
-            </a:extLst>
-          </p:cNvPr>
-          <p:cNvSpPr>
-            <a:spLocks noGrp="1"/>
-          </p:cNvSpPr>
-          <p:nvPr>
-            <p:ph type="title"/>
-          </p:nvPr>
-        </p:nvSpPr>
-        <p:spPr>
-          <a:xfrm>
-            <a:off x="400050" y="119939"/>
-            <a:ext cx="8229600" cy="428312"/>
-          </a:xfrm>
-        </p:spPr>
-        <p:txBody>
-          <a:bodyPr/>
-          <a:lstStyle/>
-          <a:p>
-            <a:r>
-              <a:rPr lang="en-US" dirty="0"/>
-              <a:t>Hands On Examples</a:t>
-            </a:r>
-          </a:p>
-        </p:txBody>
-      </p:sp>
-      <p:sp>
-        <p:nvSpPr>
-          <p:cNvPr id="7" name="Content Placeholder 6">
-            <a:extLst>
-              <a:ext uri="{FF2B5EF4-FFF2-40B4-BE49-F238E27FC236}">
-                <a16:creationId xmlns:a16="http://schemas.microsoft.com/office/drawing/2014/main" id="{8103113D-3FA7-10C8-CFF6-CF0FA3CF28D4}"/>
-              </a:ext>
-            </a:extLst>
-          </p:cNvPr>
-          <p:cNvSpPr>
-            <a:spLocks noGrp="1"/>
-          </p:cNvSpPr>
-          <p:nvPr>
-            <p:ph idx="1"/>
-          </p:nvPr>
-        </p:nvSpPr>
-        <p:spPr>
-          <a:xfrm>
-            <a:off x="400050" y="1225062"/>
-            <a:ext cx="8229600" cy="5002701"/>
-          </a:xfrm>
-        </p:spPr>
-        <p:txBody>
-          <a:bodyPr/>
-          <a:lstStyle/>
-          <a:p>
-            <a:r>
-              <a:rPr lang="en-US" b="0" i="0" dirty="0">
-                <a:solidFill>
-                  <a:srgbClr val="24292F"/>
-                </a:solidFill>
-                <a:effectLst/>
-                <a:latin typeface="-apple-system"/>
-              </a:rPr>
-              <a:t>Click File -&gt; Open -&gt; File</a:t>
-            </a:r>
-          </a:p>
-          <a:p>
-            <a:endParaRPr lang="en-US" b="0" i="0" dirty="0">
-              <a:solidFill>
-                <a:srgbClr val="24292F"/>
-              </a:solidFill>
-              <a:effectLst/>
-              <a:latin typeface="-apple-system"/>
-            </a:endParaRPr>
-          </a:p>
-          <a:p>
-            <a:pPr lvl="1"/>
-            <a:endParaRPr lang="en-US" b="0" i="0" dirty="0">
-              <a:solidFill>
-                <a:srgbClr val="24292F"/>
-              </a:solidFill>
-              <a:effectLst/>
-              <a:latin typeface="-apple-system"/>
-            </a:endParaRPr>
-          </a:p>
-          <a:p>
-            <a:pPr marL="0" indent="0">
-              <a:buNone/>
-            </a:pPr>
-            <a:endParaRPr lang="en-US" b="0" i="0" dirty="0">
-              <a:solidFill>
-                <a:srgbClr val="24292F"/>
-              </a:solidFill>
-              <a:effectLst/>
-              <a:latin typeface="-apple-system"/>
-            </a:endParaRPr>
-          </a:p>
-          <a:p>
-            <a:pPr marL="0" indent="0" algn="l">
-              <a:buNone/>
-            </a:pPr>
-            <a:endParaRPr lang="en-US" b="0" i="0" dirty="0">
-              <a:solidFill>
-                <a:srgbClr val="24292F"/>
-              </a:solidFill>
-              <a:effectLst/>
-              <a:latin typeface="-apple-system"/>
-            </a:endParaRPr>
-          </a:p>
-          <a:p>
-            <a:pPr marL="0" indent="0" algn="l">
-              <a:buNone/>
-            </a:pPr>
-            <a:endParaRPr lang="en-US" b="0" i="0" dirty="0">
-              <a:solidFill>
-                <a:srgbClr val="24292F"/>
-              </a:solidFill>
-              <a:effectLst/>
-              <a:latin typeface="-apple-system"/>
-            </a:endParaRPr>
-          </a:p>
-        </p:txBody>
-      </p:sp>
-      <p:pic>
-        <p:nvPicPr>
-          <p:cNvPr id="4" name="Picture 3">
-            <a:extLst>
-              <a:ext uri="{FF2B5EF4-FFF2-40B4-BE49-F238E27FC236}">
-                <a16:creationId xmlns:a16="http://schemas.microsoft.com/office/drawing/2014/main" id="{9913EA44-DE34-7A79-B7FD-95E417CE2AD5}"/>
-              </a:ext>
-            </a:extLst>
-          </p:cNvPr>
-          <p:cNvPicPr>
-            <a:picLocks noChangeAspect="1"/>
-          </p:cNvPicPr>
-          <p:nvPr/>
-        </p:nvPicPr>
-        <p:blipFill>
-          <a:blip r:embed="rId2"/>
-          <a:stretch>
-            <a:fillRect/>
-          </a:stretch>
-        </p:blipFill>
-        <p:spPr>
-          <a:xfrm>
-            <a:off x="1363762" y="2084652"/>
-            <a:ext cx="6193146" cy="3605436"/>
-          </a:xfrm>
-          <a:prstGeom prst="rect">
-            <a:avLst/>
-          </a:prstGeom>
-        </p:spPr>
-      </p:pic>
-    </p:spTree>
-    <p:extLst>
-      <p:ext uri="{BB962C8B-B14F-4D97-AF65-F5344CB8AC3E}">
-        <p14:creationId xmlns:p14="http://schemas.microsoft.com/office/powerpoint/2010/main" val="1821705884"/>
-      </p:ext>
-    </p:extLst>
-  </p:cSld>
-  <p:clrMapOvr>
-    <a:masterClrMapping/>
-  </p:clrMapOvr>
-</p:sld>
-</file>
-
-<file path=ppt/slides/slide26.xml><?xml version="1.0" encoding="utf-8"?>
-<p:sld xmlns:a="http://schemas.openxmlformats.org/drawingml/2006/main" xmlns:r="http://schemas.openxmlformats.org/officeDocument/2006/relationships" xmlns:p="http://schemas.openxmlformats.org/presentationml/2006/main">
-  <p:cSld>
-    <p:spTree>
-      <p:nvGrpSpPr>
-        <p:cNvPr id="1" name=""/>
-        <p:cNvGrpSpPr/>
-        <p:nvPr/>
-      </p:nvGrpSpPr>
-      <p:grpSpPr>
-        <a:xfrm>
-          <a:off x="0" y="0"/>
-          <a:ext cx="0" cy="0"/>
-          <a:chOff x="0" y="0"/>
-          <a:chExt cx="0" cy="0"/>
-        </a:xfrm>
-      </p:grpSpPr>
-      <p:sp>
-        <p:nvSpPr>
-          <p:cNvPr id="8" name="Subtitle 2">
-            <a:extLst>
-              <a:ext uri="{FF2B5EF4-FFF2-40B4-BE49-F238E27FC236}">
-                <a16:creationId xmlns:a16="http://schemas.microsoft.com/office/drawing/2014/main" id="{090EFA5F-2C72-42AB-A069-51AFDC27C766}"/>
-              </a:ext>
-            </a:extLst>
-          </p:cNvPr>
-          <p:cNvSpPr txBox="1">
-            <a:spLocks/>
-          </p:cNvSpPr>
-          <p:nvPr/>
-        </p:nvSpPr>
-        <p:spPr>
-          <a:xfrm>
-            <a:off x="778079" y="4099775"/>
-            <a:ext cx="6400800" cy="1237021"/>
-          </a:xfrm>
-        </p:spPr>
-        <p:txBody>
-          <a:bodyPr/>
-          <a:lstStyle>
-            <a:lvl1pPr marL="0" indent="0" algn="l" defTabSz="457200" rtl="0" eaLnBrk="0" fontAlgn="base" hangingPunct="0">
-              <a:spcBef>
-                <a:spcPct val="20000"/>
-              </a:spcBef>
-              <a:spcAft>
-                <a:spcPct val="0"/>
-              </a:spcAft>
-              <a:buFont typeface="Arial" panose="020B0604020202020204" pitchFamily="34" charset="0"/>
-              <a:buNone/>
-              <a:defRPr sz="1800" kern="1200">
-                <a:solidFill>
-                  <a:srgbClr val="0FA7B5"/>
-                </a:solidFill>
-                <a:latin typeface="+mn-lt"/>
-                <a:ea typeface="MS PGothic" panose="020B0600070205080204" pitchFamily="34" charset="-128"/>
-                <a:cs typeface="ＭＳ Ｐゴシック" charset="0"/>
-              </a:defRPr>
-            </a:lvl1pPr>
-            <a:lvl2pPr marL="342900" indent="0" algn="l" defTabSz="457200" rtl="0" eaLnBrk="0" fontAlgn="base" hangingPunct="0">
-              <a:spcBef>
-                <a:spcPct val="20000"/>
-              </a:spcBef>
-              <a:spcAft>
-                <a:spcPct val="0"/>
-              </a:spcAft>
-              <a:buFont typeface="Arial" panose="020B0604020202020204" pitchFamily="34" charset="0"/>
-              <a:buNone/>
-              <a:defRPr sz="1500" kern="1200">
-                <a:solidFill>
-                  <a:schemeClr val="tx1">
-                    <a:tint val="75000"/>
-                  </a:schemeClr>
-                </a:solidFill>
-                <a:latin typeface="+mn-lt"/>
-                <a:ea typeface="MS PGothic" panose="020B0600070205080204" pitchFamily="34" charset="-128"/>
-                <a:cs typeface="+mn-cs"/>
-              </a:defRPr>
-            </a:lvl2pPr>
-            <a:lvl3pPr marL="685800" indent="0" algn="l" defTabSz="457200" rtl="0" eaLnBrk="0" fontAlgn="base" hangingPunct="0">
-              <a:spcBef>
-                <a:spcPct val="20000"/>
-              </a:spcBef>
-              <a:spcAft>
-                <a:spcPct val="0"/>
-              </a:spcAft>
-              <a:buFont typeface="Arial" panose="020B0604020202020204" pitchFamily="34" charset="0"/>
-              <a:buNone/>
-              <a:defRPr sz="1350" kern="1200">
-                <a:solidFill>
-                  <a:schemeClr val="tx1">
-                    <a:tint val="75000"/>
-                  </a:schemeClr>
-                </a:solidFill>
-                <a:latin typeface="+mn-lt"/>
-                <a:ea typeface="MS PGothic" panose="020B0600070205080204" pitchFamily="34" charset="-128"/>
-                <a:cs typeface="+mn-cs"/>
-              </a:defRPr>
-            </a:lvl3pPr>
-            <a:lvl4pPr marL="1028700" indent="0" algn="l" defTabSz="457200" rtl="0" eaLnBrk="0" fontAlgn="base" hangingPunct="0">
-              <a:spcBef>
-                <a:spcPct val="20000"/>
-              </a:spcBef>
-              <a:spcAft>
-                <a:spcPct val="0"/>
-              </a:spcAft>
-              <a:buFont typeface="Arial" panose="020B0604020202020204" pitchFamily="34" charset="0"/>
-              <a:buNone/>
-              <a:defRPr sz="1200" kern="1200">
-                <a:solidFill>
-                  <a:schemeClr val="tx1">
-                    <a:tint val="75000"/>
-                  </a:schemeClr>
-                </a:solidFill>
-                <a:latin typeface="+mn-lt"/>
-                <a:ea typeface="MS PGothic" panose="020B0600070205080204" pitchFamily="34" charset="-128"/>
-                <a:cs typeface="+mn-cs"/>
-              </a:defRPr>
-            </a:lvl4pPr>
-            <a:lvl5pPr marL="1371600" indent="0" algn="l" defTabSz="457200" rtl="0" eaLnBrk="0" fontAlgn="base" hangingPunct="0">
-              <a:spcBef>
-                <a:spcPct val="20000"/>
-              </a:spcBef>
-              <a:spcAft>
-                <a:spcPct val="0"/>
-              </a:spcAft>
-              <a:buFont typeface="Arial" panose="020B0604020202020204" pitchFamily="34" charset="0"/>
-              <a:buNone/>
-              <a:defRPr sz="1200" kern="1200">
-                <a:solidFill>
-                  <a:schemeClr val="tx1">
-                    <a:tint val="75000"/>
-                  </a:schemeClr>
-                </a:solidFill>
-                <a:latin typeface="+mn-lt"/>
-                <a:ea typeface="MS PGothic" panose="020B0600070205080204" pitchFamily="34" charset="-128"/>
-                <a:cs typeface="+mn-cs"/>
-              </a:defRPr>
-            </a:lvl5pPr>
-            <a:lvl6pPr marL="1714500" indent="0" algn="l" defTabSz="457200" rtl="0" eaLnBrk="1" latinLnBrk="0" hangingPunct="1">
-              <a:spcBef>
-                <a:spcPct val="20000"/>
-              </a:spcBef>
-              <a:buFont typeface="Arial"/>
-              <a:buNone/>
-              <a:defRPr sz="1200" kern="1200">
-                <a:solidFill>
-                  <a:schemeClr val="tx1">
-                    <a:tint val="75000"/>
-                  </a:schemeClr>
-                </a:solidFill>
-                <a:latin typeface="+mn-lt"/>
-                <a:ea typeface="+mn-ea"/>
-                <a:cs typeface="+mn-cs"/>
-              </a:defRPr>
-            </a:lvl6pPr>
-            <a:lvl7pPr marL="2057400" indent="0" algn="l" defTabSz="457200" rtl="0" eaLnBrk="1" latinLnBrk="0" hangingPunct="1">
-              <a:spcBef>
-                <a:spcPct val="20000"/>
-              </a:spcBef>
-              <a:buFont typeface="Arial"/>
-              <a:buNone/>
-              <a:defRPr sz="1200" kern="1200">
-                <a:solidFill>
-                  <a:schemeClr val="tx1">
-                    <a:tint val="75000"/>
-                  </a:schemeClr>
-                </a:solidFill>
-                <a:latin typeface="+mn-lt"/>
-                <a:ea typeface="+mn-ea"/>
-                <a:cs typeface="+mn-cs"/>
-              </a:defRPr>
-            </a:lvl7pPr>
-            <a:lvl8pPr marL="2400300" indent="0" algn="l" defTabSz="457200" rtl="0" eaLnBrk="1" latinLnBrk="0" hangingPunct="1">
-              <a:spcBef>
-                <a:spcPct val="20000"/>
-              </a:spcBef>
-              <a:buFont typeface="Arial"/>
-              <a:buNone/>
-              <a:defRPr sz="1200" kern="1200">
-                <a:solidFill>
-                  <a:schemeClr val="tx1">
-                    <a:tint val="75000"/>
-                  </a:schemeClr>
-                </a:solidFill>
-                <a:latin typeface="+mn-lt"/>
-                <a:ea typeface="+mn-ea"/>
-                <a:cs typeface="+mn-cs"/>
-              </a:defRPr>
-            </a:lvl8pPr>
-            <a:lvl9pPr marL="2743200" indent="0" algn="l" defTabSz="457200" rtl="0" eaLnBrk="1" latinLnBrk="0" hangingPunct="1">
-              <a:spcBef>
-                <a:spcPct val="20000"/>
-              </a:spcBef>
-              <a:buFont typeface="Arial"/>
-              <a:buNone/>
-              <a:defRPr sz="1200" kern="1200">
-                <a:solidFill>
-                  <a:schemeClr val="tx1">
-                    <a:tint val="75000"/>
-                  </a:schemeClr>
-                </a:solidFill>
-                <a:latin typeface="+mn-lt"/>
-                <a:ea typeface="+mn-ea"/>
-                <a:cs typeface="+mn-cs"/>
-              </a:defRPr>
-            </a:lvl9pPr>
-          </a:lstStyle>
-          <a:p>
-            <a:pPr marL="285750" lvl="0" indent="-285750">
-              <a:spcAft>
-                <a:spcPts val="600"/>
-              </a:spcAft>
-              <a:buFont typeface="Arial" panose="020B0604020202020204" pitchFamily="34" charset="0"/>
-              <a:buChar char="•"/>
-            </a:pPr>
-            <a:endParaRPr lang="en-US" altLang="en-US" dirty="0"/>
-          </a:p>
-        </p:txBody>
-      </p:sp>
-      <p:sp>
-        <p:nvSpPr>
-          <p:cNvPr id="5" name="Title 4">
-            <a:extLst>
-              <a:ext uri="{FF2B5EF4-FFF2-40B4-BE49-F238E27FC236}">
-                <a16:creationId xmlns:a16="http://schemas.microsoft.com/office/drawing/2014/main" id="{B7278418-EB2A-8766-EC92-613B2ACBA277}"/>
-              </a:ext>
-            </a:extLst>
-          </p:cNvPr>
-          <p:cNvSpPr>
-            <a:spLocks noGrp="1"/>
-          </p:cNvSpPr>
-          <p:nvPr>
-            <p:ph type="title"/>
-          </p:nvPr>
-        </p:nvSpPr>
-        <p:spPr>
-          <a:xfrm>
-            <a:off x="400050" y="119939"/>
-            <a:ext cx="8229600" cy="428312"/>
-          </a:xfrm>
-        </p:spPr>
-        <p:txBody>
-          <a:bodyPr/>
-          <a:lstStyle/>
-          <a:p>
-            <a:r>
-              <a:rPr lang="en-US" dirty="0"/>
-              <a:t>Hands On Examples</a:t>
-            </a:r>
-          </a:p>
-        </p:txBody>
-      </p:sp>
-      <p:sp>
-        <p:nvSpPr>
-          <p:cNvPr id="7" name="Content Placeholder 6">
-            <a:extLst>
-              <a:ext uri="{FF2B5EF4-FFF2-40B4-BE49-F238E27FC236}">
-                <a16:creationId xmlns:a16="http://schemas.microsoft.com/office/drawing/2014/main" id="{8103113D-3FA7-10C8-CFF6-CF0FA3CF28D4}"/>
-              </a:ext>
-            </a:extLst>
-          </p:cNvPr>
-          <p:cNvSpPr>
-            <a:spLocks noGrp="1"/>
-          </p:cNvSpPr>
-          <p:nvPr>
-            <p:ph idx="1"/>
-          </p:nvPr>
-        </p:nvSpPr>
-        <p:spPr>
-          <a:xfrm>
-            <a:off x="400050" y="1225062"/>
-            <a:ext cx="8229600" cy="5002701"/>
-          </a:xfrm>
-        </p:spPr>
-        <p:txBody>
-          <a:bodyPr/>
-          <a:lstStyle/>
-          <a:p>
-            <a:r>
-              <a:rPr lang="en-US" b="0" i="0" dirty="0">
-                <a:solidFill>
-                  <a:srgbClr val="24292F"/>
-                </a:solidFill>
-                <a:effectLst/>
-                <a:latin typeface="-apple-system"/>
-              </a:rPr>
               <a:t>Open the SQL Day 2 Filtering and Ordering </a:t>
             </a:r>
             <a:r>
@@ -18469,7 +16094,7 @@
 </p:sld>
 </file>
 
-<file path=ppt/slides/slide27.xml><?xml version="1.0" encoding="utf-8"?>
+<file path=ppt/slides/slide23.xml><?xml version="1.0" encoding="utf-8"?>
 <p:sld xmlns:a="http://schemas.openxmlformats.org/drawingml/2006/main" xmlns:r="http://schemas.openxmlformats.org/officeDocument/2006/relationships" xmlns:p="http://schemas.openxmlformats.org/presentationml/2006/main">
   <p:cSld>
     <p:spTree>
@@ -19177,7 +16802,7 @@
             <a:r>
               <a:rPr lang="en-US" b="1" i="0" dirty="0">
                 <a:solidFill>
-                  <a:srgbClr val="374151"/>
+                  <a:schemeClr val="tx1"/>
                 </a:solidFill>
                 <a:effectLst/>
                 <a:latin typeface="Söhne"/>
@@ -19186,7 +16811,7 @@
             </a:r>
             <a:endParaRPr lang="en-US" b="0" i="0" dirty="0">
               <a:solidFill>
-                <a:srgbClr val="374151"/>
+                <a:schemeClr val="tx1"/>
               </a:solidFill>
               <a:effectLst/>
               <a:latin typeface="Söhne"/>
@@ -19200,7 +16825,7 @@
             <a:r>
               <a:rPr lang="en-US" i="0" dirty="0">
                 <a:solidFill>
-                  <a:srgbClr val="374151"/>
+                  <a:schemeClr val="tx1"/>
                 </a:solidFill>
                 <a:effectLst/>
                 <a:latin typeface="Söhne"/>
@@ -19216,7 +16841,7 @@
             <a:r>
               <a:rPr lang="en-US" i="0" dirty="0">
                 <a:solidFill>
-                  <a:srgbClr val="374151"/>
+                  <a:schemeClr val="tx1"/>
                 </a:solidFill>
                 <a:effectLst/>
                 <a:latin typeface="Söhne"/>
@@ -19331,36 +16956,6 @@
                 <a:effectLst/>
               </a:rPr>
               <a:t>10</a:t>
-            </a:r>
-            <a:r>
-              <a:rPr lang="en-US" sz="2400" dirty="0">
-                <a:effectLst/>
-              </a:rPr>
-              <a:t> </a:t>
-            </a:r>
-            <a:r>
-              <a:rPr lang="en-US" sz="2400" dirty="0">
-                <a:solidFill>
-                  <a:srgbClr val="2E95D3"/>
-                </a:solidFill>
-                <a:effectLst/>
-              </a:rPr>
-              <a:t>AND</a:t>
-            </a:r>
-            <a:r>
-              <a:rPr lang="en-US" sz="2400" dirty="0">
-                <a:effectLst/>
-              </a:rPr>
-              <a:t> stock &gt; </a:t>
-            </a:r>
-            <a:r>
-              <a:rPr lang="en-US" sz="2400" dirty="0">
-                <a:solidFill>
-                  <a:srgbClr val="DF3079"/>
-                </a:solidFill>
-                <a:effectLst/>
-              </a:rPr>
-              <a:t>0</a:t>
             </a:r>
             <a:r>
               <a:rPr lang="en-US" sz="2400" dirty="0">
@@ -19668,7 +17263,7 @@
             <a:r>
               <a:rPr lang="en-US" b="1" i="0" dirty="0">
                 <a:solidFill>
-                  <a:srgbClr val="374151"/>
+                  <a:schemeClr val="tx1"/>
                 </a:solidFill>
                 <a:effectLst/>
                 <a:latin typeface="Söhne"/>
@@ -19677,7 +17272,7 @@
             </a:r>
             <a:endParaRPr lang="en-US" b="0" i="0" dirty="0">
               <a:solidFill>
-                <a:srgbClr val="374151"/>
+                <a:schemeClr val="tx1"/>
               </a:solidFill>
               <a:effectLst/>
               <a:latin typeface="Söhne"/>
@@ -19691,7 +17286,7 @@
             <a:r>
               <a:rPr lang="en-US" i="0" dirty="0">
                 <a:solidFill>
-                  <a:srgbClr val="374151"/>
+                  <a:schemeClr val="tx1"/>
                 </a:solidFill>
                 <a:effectLst/>
                 <a:latin typeface="Söhne"/>
@@ -19707,7 +17302,7 @@
             <a:r>
               <a:rPr lang="en-US" i="0" dirty="0">
                 <a:solidFill>
-                  <a:srgbClr val="374151"/>
+                  <a:schemeClr val="tx1"/>
                 </a:solidFill>
                 <a:effectLst/>
                 <a:latin typeface="Söhne"/>
@@ -20166,16 +17761,21 @@
             <a:r>
               <a:rPr lang="en-US" b="1" i="0" dirty="0">
                 <a:solidFill>
-                  <a:srgbClr val="374151"/>
+                  <a:schemeClr val="tx1"/>
                 </a:solidFill>
                 <a:effectLst/>
                 <a:latin typeface="Söhne"/>
               </a:rPr>
               <a:t>Key Takeaways:</a:t>
             </a:r>
+          </a:p>
+          <a:p>
+            <a:pPr marL="0" indent="0" algn="l">
+              <a:buNone/>
+            </a:pPr>
             <a:endParaRPr lang="en-US" b="0" i="0" dirty="0">
               <a:solidFill>
-                <a:srgbClr val="374151"/>
+                <a:schemeClr val="tx1"/>
               </a:solidFill>
               <a:effectLst/>
               <a:latin typeface="Söhne"/>
@@ -20189,7 +17789,7 @@
             <a:r>
               <a:rPr lang="en-US" i="0" dirty="0">
                 <a:solidFill>
-                  <a:srgbClr val="374151"/>
+                  <a:schemeClr val="tx1"/>
                 </a:solidFill>
                 <a:effectLst/>
                 <a:latin typeface="Söhne"/>
@@ -20202,16 +17802,13 @@
               <a:buFont typeface="Arial" panose="020B0604020202020204" pitchFamily="34" charset="0"/>
               <a:buChar char="•"/>
             </a:pPr>
-            <a:r>
-              <a:rPr lang="en-US" i="0" dirty="0">
-                <a:solidFill>
-                  <a:srgbClr val="374151"/>
-                </a:solidFill>
-                <a:effectLst/>
-                <a:latin typeface="Söhne"/>
-              </a:rPr>
-              <a:t>Ordering sorts results based on column values.</a:t>
-            </a:r>
+            <a:endParaRPr lang="en-US" i="0" dirty="0">
+              <a:solidFill>
+                <a:schemeClr val="tx1"/>
+              </a:solidFill>
+              <a:effectLst/>
+              <a:latin typeface="Söhne"/>
+            </a:endParaRPr>
           </a:p>
           <a:p>
             <a:pPr lvl="1">
@@ -20221,12 +17818,71 @@
             <a:r>
               <a:rPr lang="en-US" i="0" dirty="0">
                 <a:solidFill>
-                  <a:srgbClr val="374151"/>
-                </a:solidFill>
-                <a:effectLst/>
-                <a:latin typeface="Söhne"/>
-              </a:rPr>
-              <a:t>WHERE and ORDER BY are important keywords for manipulating query output.</a:t>
+                  <a:schemeClr val="tx1"/>
+                </a:solidFill>
+                <a:effectLst/>
+                <a:latin typeface="Söhne"/>
+              </a:rPr>
+              <a:t>Ordering sorts results based on column values.</a:t>
+            </a:r>
+          </a:p>
+          <a:p>
+            <a:pPr lvl="1">
+              <a:buFont typeface="Arial" panose="020B0604020202020204" pitchFamily="34" charset="0"/>
+              <a:buChar char="•"/>
+            </a:pPr>
+            <a:endParaRPr lang="en-US" i="0" dirty="0">
+              <a:solidFill>
+                <a:schemeClr val="tx1"/>
+              </a:solidFill>
+              <a:effectLst/>
+              <a:latin typeface="Söhne"/>
+            </a:endParaRPr>
+          </a:p>
+          <a:p>
+            <a:pPr lvl="1">
+              <a:buFont typeface="Arial" panose="020B0604020202020204" pitchFamily="34" charset="0"/>
+              <a:buChar char="•"/>
+            </a:pPr>
+            <a:r>
+              <a:rPr lang="en-US" b="1" i="0" dirty="0">
+                <a:solidFill>
+                  <a:schemeClr val="tx1"/>
+                </a:solidFill>
+                <a:effectLst/>
+                <a:latin typeface="Söhne"/>
+              </a:rPr>
+              <a:t>WHERE</a:t>
+            </a:r>
+            <a:r>
+              <a:rPr lang="en-US" i="0" dirty="0">
+                <a:solidFill>
+                  <a:schemeClr val="tx1"/>
+                </a:solidFill>
+                <a:effectLst/>
+                <a:latin typeface="Söhne"/>
+              </a:rPr>
+              <a:t> and </a:t>
+            </a:r>
+            <a:r>
+              <a:rPr lang="en-US" b="1" i="0" dirty="0">
+                <a:solidFill>
+                  <a:schemeClr val="tx1"/>
+                </a:solidFill>
+                <a:effectLst/>
+                <a:latin typeface="Söhne"/>
+              </a:rPr>
+              <a:t>ORDER BY </a:t>
+            </a:r>
+            <a:r>
+              <a:rPr lang="en-US" i="0" dirty="0">
+                <a:solidFill>
+                  <a:schemeClr val="tx1"/>
+                </a:solidFill>
+                <a:effectLst/>
+                <a:latin typeface="Söhne"/>
+              </a:rPr>
+              <a:t>are important keywords for manipulating query output.</a:t>
             </a:r>
           </a:p>
         </p:txBody>
@@ -20525,7 +18181,7 @@
             <a:r>
               <a:rPr lang="en-US" b="0" i="0" dirty="0">
                 <a:solidFill>
-                  <a:srgbClr val="1C1917"/>
+                  <a:schemeClr val="tx1"/>
                 </a:solidFill>
                 <a:effectLst/>
                 <a:latin typeface="-apple-system"/>
@@ -20536,7 +18192,7 @@
           <a:p>
             <a:endParaRPr lang="en-US" b="0" i="0" dirty="0">
               <a:solidFill>
-                <a:srgbClr val="1C1917"/>
+                <a:schemeClr val="tx1"/>
               </a:solidFill>
               <a:effectLst/>
               <a:latin typeface="-apple-system"/>
@@ -20550,7 +18206,7 @@
             <a:r>
               <a:rPr lang="en-US" b="0" i="0" dirty="0">
                 <a:solidFill>
-                  <a:srgbClr val="1C1917"/>
+                  <a:schemeClr val="tx1"/>
                 </a:solidFill>
                 <a:effectLst/>
                 <a:latin typeface="-apple-system"/>
@@ -20566,7 +18222,7 @@
             <a:r>
               <a:rPr lang="en-US" b="0" i="0" dirty="0">
                 <a:solidFill>
-                  <a:srgbClr val="1C1917"/>
+                  <a:schemeClr val="tx1"/>
                 </a:solidFill>
                 <a:effectLst/>
                 <a:latin typeface="-apple-system"/>
@@ -20582,7 +18238,7 @@
             <a:r>
               <a:rPr lang="en-US" b="0" i="0" dirty="0">
                 <a:solidFill>
-                  <a:srgbClr val="1C1917"/>
+                  <a:schemeClr val="tx1"/>
                 </a:solidFill>
                 <a:effectLst/>
                 <a:latin typeface="-apple-system"/>
@@ -20598,39 +18254,7 @@
             <a:r>
               <a:rPr lang="en-US" b="0" i="0" dirty="0">
                 <a:solidFill>
-                  <a:srgbClr val="1C1917"/>
-                </a:solidFill>
-                <a:effectLst/>
-                <a:latin typeface="-apple-system"/>
-              </a:rPr>
-              <a:t>GROUP BY - Aggregate to grouped rows</a:t>
-            </a:r>
-          </a:p>
-          <a:p>
-            <a:pPr marL="1257300" lvl="2" indent="-342900">
-              <a:buFont typeface="+mj-lt"/>
-              <a:buAutoNum type="arabicPeriod"/>
-            </a:pPr>
-            <a:r>
-              <a:rPr lang="en-US" b="0" i="0" dirty="0">
-                <a:solidFill>
-                  <a:srgbClr val="1C1917"/>
-                </a:solidFill>
-                <a:effectLst/>
-                <a:latin typeface="-apple-system"/>
-              </a:rPr>
-              <a:t>HAVING - Filter aggregated groups</a:t>
-            </a:r>
-          </a:p>
-          <a:p>
-            <a:pPr marL="1257300" lvl="2" indent="-342900">
-              <a:buFont typeface="+mj-lt"/>
-              <a:buAutoNum type="arabicPeriod"/>
-            </a:pPr>
-            <a:r>
-              <a:rPr lang="en-US" b="0" i="0" dirty="0">
-                <a:solidFill>
-                  <a:srgbClr val="1C1917"/>
+                  <a:schemeClr val="tx1"/>
                 </a:solidFill>
                 <a:effectLst/>
                 <a:latin typeface="-apple-system"/>
@@ -20935,7 +18559,7 @@
           <a:p>
             <a:r>
               <a:rPr lang="en-US" dirty="0"/>
-              <a:t>SQL Clause Sequencing</a:t>
+              <a:t>WHERE Clause</a:t>
             </a:r>
           </a:p>
         </p:txBody>
@@ -20966,118 +18590,35 @@
           <a:bodyPr/>
           <a:lstStyle/>
           <a:p>
+            <a:pPr algn="l"/>
             <a:r>
               <a:rPr lang="en-US" b="0" i="0" dirty="0">
                 <a:solidFill>
-                  <a:srgbClr val="374151"/>
-                </a:solidFill>
-                <a:effectLst/>
-                <a:latin typeface="Söhne"/>
-              </a:rPr>
-              <a:t>The ordered clauses in SQL work collaboratively to handle data flow and transformations:</a:t>
-            </a:r>
-          </a:p>
-          <a:p>
-            <a:pPr marL="57150" indent="0">
+                  <a:srgbClr val="1C1917"/>
+                </a:solidFill>
+                <a:effectLst/>
+                <a:latin typeface="-apple-system"/>
+              </a:rPr>
+              <a:t>The WHERE clause allows you to filter rows from a table based on conditions. </a:t>
+            </a:r>
+          </a:p>
+          <a:p>
+            <a:pPr lvl="1"/>
+            <a:r>
+              <a:rPr lang="en-US" b="0" i="0" dirty="0">
+                <a:solidFill>
+                  <a:srgbClr val="1C1917"/>
+                </a:solidFill>
+                <a:effectLst/>
+                <a:latin typeface="-apple-system"/>
+              </a:rPr>
+              <a:t>This is extremely useful for narrowing down queries to get just the subset of data you need.</a:t>
+            </a:r>
+          </a:p>
+          <a:p>
+            <a:pPr marL="457200" lvl="1" indent="0">
               <a:buNone/>
             </a:pPr>
-            <a:endParaRPr lang="en-US" b="0" i="0" dirty="0">
-              <a:solidFill>
-                <a:srgbClr val="374151"/>
-              </a:solidFill>
-              <a:effectLst/>
-              <a:latin typeface="Söhne"/>
-            </a:endParaRPr>
-          </a:p>
-          <a:p>
-            <a:pPr lvl="1"/>
-            <a:r>
-              <a:rPr lang="en-US" b="0" i="0" dirty="0">
-                <a:solidFill>
-                  <a:srgbClr val="374151"/>
-                </a:solidFill>
-                <a:effectLst/>
-                <a:latin typeface="Söhne"/>
-              </a:rPr>
-              <a:t>Later clauses receive the result set from prior clauses.</a:t>
-            </a:r>
-          </a:p>
-          <a:p>
-            <a:pPr lvl="1"/>
-            <a:r>
-              <a:rPr lang="en-US" b="1" i="0" dirty="0">
-                <a:solidFill>
-                  <a:srgbClr val="374151"/>
-                </a:solidFill>
-                <a:effectLst/>
-                <a:latin typeface="Söhne"/>
-              </a:rPr>
-              <a:t>GROUP BY</a:t>
-            </a:r>
-            <a:r>
-              <a:rPr lang="en-US" b="0" i="0" dirty="0">
-                <a:solidFill>
-                  <a:srgbClr val="374151"/>
-                </a:solidFill>
-                <a:effectLst/>
-                <a:latin typeface="Söhne"/>
-              </a:rPr>
-              <a:t> aggregates the WHERE filtered rows.</a:t>
-            </a:r>
-          </a:p>
-          <a:p>
-            <a:pPr lvl="1"/>
-            <a:r>
-              <a:rPr lang="en-US" b="1" i="0" dirty="0">
-                <a:solidFill>
-                  <a:srgbClr val="374151"/>
-                </a:solidFill>
-                <a:effectLst/>
-                <a:latin typeface="Söhne"/>
-              </a:rPr>
-              <a:t>HAVING</a:t>
-            </a:r>
-            <a:r>
-              <a:rPr lang="en-US" b="0" i="0" dirty="0">
-                <a:solidFill>
-                  <a:srgbClr val="374151"/>
-                </a:solidFill>
-                <a:effectLst/>
-                <a:latin typeface="Söhne"/>
-              </a:rPr>
-              <a:t> filters trim unnecessary data.</a:t>
-            </a:r>
-          </a:p>
-          <a:p>
-            <a:pPr lvl="1"/>
-            <a:r>
-              <a:rPr lang="en-US" b="1" i="0" dirty="0">
-                <a:solidFill>
-                  <a:srgbClr val="374151"/>
-                </a:solidFill>
-                <a:effectLst/>
-                <a:latin typeface="Söhne"/>
-              </a:rPr>
-              <a:t>ORDER BY</a:t>
-            </a:r>
-            <a:r>
-              <a:rPr lang="en-US" b="0" i="0" dirty="0">
-                <a:solidFill>
-                  <a:srgbClr val="374151"/>
-                </a:solidFill>
-                <a:effectLst/>
-                <a:latin typeface="Söhne"/>
-              </a:rPr>
-              <a:t> sorts the rows filtered.</a:t>
-            </a:r>
-          </a:p>
-          <a:p>
-            <a:pPr marL="457200" lvl="1" indent="0">
-              <a:buNone/>
-            </a:pPr>
-            <a:br>
-              <a:rPr lang="en-US" dirty="0"/>
-            </a:br>
             <a:endParaRPr lang="en-US" b="0" i="0" dirty="0">
               <a:solidFill>
                 <a:srgbClr val="1C1917"/>
@@ -21088,6 +18629,104 @@
           </a:p>
           <a:p>
             <a:pPr lvl="1"/>
+            <a:r>
+              <a:rPr lang="en-US" b="0" i="0" dirty="0">
+                <a:solidFill>
+                  <a:srgbClr val="1C1917"/>
+                </a:solidFill>
+                <a:effectLst/>
+                <a:latin typeface="-apple-system"/>
+              </a:rPr>
+              <a:t>Operators: Comparison operators like =, !=, &lt;, &gt;, &lt;=, &gt;= can be used to filter data:</a:t>
+            </a:r>
+          </a:p>
+          <a:p>
+            <a:pPr lvl="2"/>
+            <a:r>
+              <a:rPr lang="en-US" b="0" i="0" dirty="0">
+                <a:solidFill>
+                  <a:schemeClr val="tx1"/>
+                </a:solidFill>
+                <a:effectLst/>
+                <a:latin typeface="-apple-system"/>
+              </a:rPr>
+              <a:t>= Equal to </a:t>
+            </a:r>
+          </a:p>
+          <a:p>
+            <a:pPr lvl="2"/>
+            <a:r>
+              <a:rPr lang="en-US" b="0" i="0" dirty="0">
+                <a:solidFill>
+                  <a:schemeClr val="tx1"/>
+                </a:solidFill>
+                <a:effectLst/>
+                <a:latin typeface="-apple-system"/>
+              </a:rPr>
+              <a:t>!= Not equal</a:t>
+            </a:r>
+          </a:p>
+          <a:p>
+            <a:pPr lvl="2"/>
+            <a:r>
+              <a:rPr lang="en-US" b="0" i="0" dirty="0">
+                <a:solidFill>
+                  <a:schemeClr val="tx1"/>
+                </a:solidFill>
+                <a:effectLst/>
+                <a:latin typeface="-apple-system"/>
+              </a:rPr>
+              <a:t>&lt; Less than</a:t>
+            </a:r>
+          </a:p>
+          <a:p>
+            <a:pPr lvl="2"/>
+            <a:r>
+              <a:rPr lang="en-US" dirty="0">
+                <a:solidFill>
+                  <a:schemeClr val="tx1"/>
+                </a:solidFill>
+                <a:latin typeface="-apple-system"/>
+              </a:rPr>
+              <a:t>&gt; Greater than</a:t>
+            </a:r>
+          </a:p>
+          <a:p>
+            <a:pPr lvl="2"/>
+            <a:r>
+              <a:rPr lang="en-US" b="0" i="0" dirty="0">
+                <a:solidFill>
+                  <a:schemeClr val="tx1"/>
+                </a:solidFill>
+                <a:effectLst/>
+                <a:latin typeface="-apple-system"/>
+              </a:rPr>
+              <a:t>&lt;= Less than or equal</a:t>
+            </a:r>
+          </a:p>
+          <a:p>
+            <a:pPr lvl="2"/>
+            <a:r>
+              <a:rPr lang="en-US" dirty="0">
+                <a:solidFill>
+                  <a:schemeClr val="tx1"/>
+                </a:solidFill>
+                <a:latin typeface="-apple-system"/>
+              </a:rPr>
+              <a:t>&gt;= Greater than or equal</a:t>
+            </a:r>
+          </a:p>
+          <a:p>
+            <a:pPr lvl="2"/>
+            <a:r>
+              <a:rPr lang="en-US" dirty="0">
+                <a:solidFill>
+                  <a:schemeClr val="tx1"/>
+                </a:solidFill>
+                <a:latin typeface="-apple-system"/>
+              </a:rPr>
+              <a:t>BETWEEN operator</a:t>
+            </a:r>
             <a:endParaRPr lang="en-US" b="0" i="0" dirty="0">
               <a:solidFill>
                 <a:schemeClr val="tx1"/>
@@ -21097,7 +18736,7 @@
             </a:endParaRPr>
           </a:p>
           <a:p>
-            <a:pPr lvl="3"/>
+            <a:pPr lvl="1"/>
             <a:endParaRPr lang="en-US" b="0" i="0" dirty="0">
               <a:solidFill>
                 <a:srgbClr val="1C1917"/>
@@ -21111,7 +18750,7 @@
     </p:spTree>
     <p:extLst>
       <p:ext uri="{BB962C8B-B14F-4D97-AF65-F5344CB8AC3E}">
-        <p14:creationId xmlns:p14="http://schemas.microsoft.com/office/powerpoint/2010/main" val="171383774"/>
+        <p14:creationId xmlns:p14="http://schemas.microsoft.com/office/powerpoint/2010/main" val="4121964885"/>
       </p:ext>
     </p:extLst>
   </p:cSld>
@@ -21399,7 +19038,6 @@
           <a:bodyPr/>
           <a:lstStyle/>
           <a:p>
-            <a:pPr algn="l"/>
             <a:r>
               <a:rPr lang="en-US" b="0" i="0" dirty="0">
                 <a:solidFill>
@@ -21408,7 +19046,7 @@
                 <a:effectLst/>
                 <a:latin typeface="-apple-system"/>
               </a:rPr>
-              <a:t>The WHERE clause allows you to filter rows from a table based on conditions. </a:t>
+              <a:t>WHERE clauses work on string, numeric, and date/datetime data types.</a:t>
             </a:r>
           </a:p>
           <a:p>
@@ -21421,13 +19059,160 @@
                 <a:effectLst/>
                 <a:latin typeface="-apple-system"/>
               </a:rPr>
-              <a:t>This is extremely useful for narrowing down queries to get just the subset of data you need.</a:t>
-            </a:r>
-          </a:p>
-          <a:p>
-            <a:pPr marL="457200" lvl="1" indent="0">
-              <a:buNone/>
-            </a:pPr>
+              <a:t>Examples:</a:t>
+            </a:r>
+          </a:p>
+          <a:p>
+            <a:pPr lvl="2"/>
+            <a:r>
+              <a:rPr lang="en-US" b="0" i="0" dirty="0">
+                <a:solidFill>
+                  <a:srgbClr val="2E95D3"/>
+                </a:solidFill>
+                <a:effectLst/>
+                <a:latin typeface="Söhne Mono"/>
+              </a:rPr>
+              <a:t>WHERE</a:t>
+            </a:r>
+            <a:r>
+              <a:rPr lang="en-US" b="0" i="0" dirty="0">
+                <a:solidFill>
+                  <a:srgbClr val="FFFFFF"/>
+                </a:solidFill>
+                <a:effectLst/>
+                <a:latin typeface="Söhne Mono"/>
+              </a:rPr>
+              <a:t> </a:t>
+            </a:r>
+            <a:r>
+              <a:rPr lang="en-US" b="0" i="0" dirty="0">
+                <a:solidFill>
+                  <a:schemeClr val="tx1"/>
+                </a:solidFill>
+                <a:effectLst/>
+                <a:latin typeface="Söhne Mono"/>
+              </a:rPr>
+              <a:t>Price &gt; </a:t>
+            </a:r>
+            <a:r>
+              <a:rPr lang="en-US" b="0" i="0" dirty="0">
+                <a:solidFill>
+                  <a:srgbClr val="DF3079"/>
+                </a:solidFill>
+                <a:effectLst/>
+                <a:latin typeface="Söhne Mono"/>
+              </a:rPr>
+              <a:t>100</a:t>
+            </a:r>
+            <a:r>
+              <a:rPr lang="en-US" b="0" i="0" dirty="0">
+                <a:solidFill>
+                  <a:srgbClr val="FFFFFF"/>
+                </a:solidFill>
+                <a:effectLst/>
+                <a:latin typeface="Söhne Mono"/>
+              </a:rPr>
+              <a:t> </a:t>
+            </a:r>
+          </a:p>
+          <a:p>
+            <a:pPr lvl="2"/>
+            <a:r>
+              <a:rPr lang="en-US" b="0" i="0" dirty="0">
+                <a:solidFill>
+                  <a:srgbClr val="2E95D3"/>
+                </a:solidFill>
+                <a:effectLst/>
+                <a:latin typeface="Söhne Mono"/>
+              </a:rPr>
+              <a:t>WHERE</a:t>
+            </a:r>
+            <a:r>
+              <a:rPr lang="en-US" b="0" i="0" dirty="0">
+                <a:solidFill>
+                  <a:schemeClr val="tx1"/>
+                </a:solidFill>
+                <a:effectLst/>
+                <a:latin typeface="Söhne Mono"/>
+              </a:rPr>
+              <a:t> Name != </a:t>
+            </a:r>
+            <a:r>
+              <a:rPr lang="en-US" b="0" i="0" dirty="0">
+                <a:solidFill>
+                  <a:srgbClr val="00A67D"/>
+                </a:solidFill>
+                <a:effectLst/>
+                <a:latin typeface="Söhne Mono"/>
+              </a:rPr>
+              <a:t>'Apple’ </a:t>
+            </a:r>
+          </a:p>
+          <a:p>
+            <a:pPr lvl="2"/>
+            <a:r>
+              <a:rPr lang="en-US" b="0" i="0" dirty="0">
+                <a:solidFill>
+                  <a:schemeClr val="tx2">
+                    <a:lumMod val="60000"/>
+                    <a:lumOff val="40000"/>
+                  </a:schemeClr>
+                </a:solidFill>
+                <a:effectLst/>
+                <a:latin typeface="Söhne Mono"/>
+              </a:rPr>
+              <a:t>WHERE</a:t>
+            </a:r>
+            <a:r>
+              <a:rPr lang="en-US" b="0" i="0" dirty="0">
+                <a:solidFill>
+                  <a:srgbClr val="00A67D"/>
+                </a:solidFill>
+                <a:effectLst/>
+                <a:latin typeface="Söhne Mono"/>
+              </a:rPr>
+              <a:t> </a:t>
+            </a:r>
+            <a:r>
+              <a:rPr lang="en-US" b="0" i="0" dirty="0" err="1">
+                <a:solidFill>
+                  <a:schemeClr val="tx1"/>
+                </a:solidFill>
+                <a:effectLst/>
+                <a:latin typeface="Söhne Mono"/>
+              </a:rPr>
+              <a:t>SaleDate</a:t>
+            </a:r>
+            <a:r>
+              <a:rPr lang="en-US" b="0" i="0" dirty="0">
+                <a:solidFill>
+                  <a:schemeClr val="tx1"/>
+                </a:solidFill>
+                <a:effectLst/>
+                <a:latin typeface="Söhne Mono"/>
+              </a:rPr>
+              <a:t> &lt;</a:t>
+            </a:r>
+            <a:r>
+              <a:rPr lang="en-US" b="0" i="0" dirty="0">
+                <a:solidFill>
+                  <a:srgbClr val="00A67D"/>
+                </a:solidFill>
+                <a:effectLst/>
+                <a:latin typeface="Söhne Mono"/>
+              </a:rPr>
+              <a:t> ‘2023-01-01’</a:t>
+            </a:r>
+            <a:endParaRPr lang="en-US" b="0" i="0" dirty="0">
+              <a:solidFill>
+                <a:srgbClr val="F5857E"/>
+              </a:solidFill>
+              <a:effectLst/>
+              <a:latin typeface="Söhne Mono"/>
+            </a:endParaRPr>
+          </a:p>
+          <a:p>
+            <a:pPr lvl="2"/>
             <a:endParaRPr lang="en-US" b="0" i="0" dirty="0">
               <a:solidFill>
                 <a:srgbClr val="1C1917"/>
@@ -21437,6 +19222,27 @@
             </a:endParaRPr>
           </a:p>
           <a:p>
+            <a:r>
+              <a:rPr lang="en-US" dirty="0">
+                <a:solidFill>
+                  <a:srgbClr val="1C1917"/>
+                </a:solidFill>
+                <a:latin typeface="-apple-system"/>
+              </a:rPr>
+              <a:t>C</a:t>
+            </a:r>
+            <a:r>
+              <a:rPr lang="en-US" b="0" i="0" dirty="0">
+                <a:solidFill>
+                  <a:srgbClr val="1C1917"/>
+                </a:solidFill>
+                <a:effectLst/>
+                <a:latin typeface="-apple-system"/>
+              </a:rPr>
+              <a:t>hain together operators with AND/OR to make more complex logical filters.</a:t>
+            </a:r>
+          </a:p>
+          <a:p>
             <a:pPr lvl="1"/>
             <a:r>
               <a:rPr lang="en-US" b="0" i="0" dirty="0">
@@ -21446,95 +19252,127 @@
                 <a:effectLst/>
                 <a:latin typeface="-apple-system"/>
               </a:rPr>
-              <a:t>Operators: Comparison operators like =, !=, &lt;, &gt;, &lt;=, &gt;= can be used to filter data:</a:t>
-            </a:r>
-          </a:p>
-          <a:p>
-            <a:pPr lvl="2"/>
+              <a:t>Example:</a:t>
+            </a:r>
+          </a:p>
+          <a:p>
+            <a:pPr marL="914400" lvl="2" indent="0">
+              <a:buNone/>
+            </a:pPr>
             <a:r>
               <a:rPr lang="en-US" b="0" i="0" dirty="0">
                 <a:solidFill>
+                  <a:srgbClr val="2E95D3"/>
+                </a:solidFill>
+                <a:effectLst/>
+                <a:latin typeface="Söhne Mono"/>
+              </a:rPr>
+              <a:t>	WHERE</a:t>
+            </a:r>
+            <a:r>
+              <a:rPr lang="en-US" b="0" i="0" dirty="0">
+                <a:solidFill>
+                  <a:srgbClr val="FFFFFF"/>
+                </a:solidFill>
+                <a:effectLst/>
+                <a:latin typeface="Söhne Mono"/>
+              </a:rPr>
+              <a:t> </a:t>
+            </a:r>
+            <a:r>
+              <a:rPr lang="en-US" b="0" i="0" dirty="0" err="1">
+                <a:solidFill>
                   <a:schemeClr val="tx1"/>
                 </a:solidFill>
                 <a:effectLst/>
-                <a:latin typeface="-apple-system"/>
-              </a:rPr>
-              <a:t>= Equal to </a:t>
-            </a:r>
-          </a:p>
-          <a:p>
-            <a:pPr lvl="2"/>
+                <a:latin typeface="Söhne Mono"/>
+              </a:rPr>
+              <a:t>SalePrice</a:t>
+            </a:r>
             <a:r>
               <a:rPr lang="en-US" b="0" i="0" dirty="0">
                 <a:solidFill>
                   <a:schemeClr val="tx1"/>
                 </a:solidFill>
                 <a:effectLst/>
-                <a:latin typeface="-apple-system"/>
-              </a:rPr>
-              <a:t>!= Not equal</a:t>
-            </a:r>
-          </a:p>
-          <a:p>
-            <a:pPr lvl="2"/>
+                <a:latin typeface="Söhne Mono"/>
+              </a:rPr>
+              <a:t> &gt; </a:t>
+            </a:r>
             <a:r>
               <a:rPr lang="en-US" b="0" i="0" dirty="0">
                 <a:solidFill>
+                  <a:srgbClr val="DF3079"/>
+                </a:solidFill>
+                <a:effectLst/>
+                <a:latin typeface="Söhne Mono"/>
+              </a:rPr>
+              <a:t>500</a:t>
+            </a:r>
+            <a:r>
+              <a:rPr lang="en-US" b="0" i="0" dirty="0">
+                <a:solidFill>
+                  <a:srgbClr val="FFFFFF"/>
+                </a:solidFill>
+                <a:effectLst/>
+                <a:latin typeface="Söhne Mono"/>
+              </a:rPr>
+              <a:t> </a:t>
+            </a:r>
+          </a:p>
+          <a:p>
+            <a:pPr marL="914400" lvl="2" indent="0">
+              <a:buNone/>
+            </a:pPr>
+            <a:r>
+              <a:rPr lang="en-US" b="0" i="0" dirty="0">
+                <a:solidFill>
+                  <a:srgbClr val="2E95D3"/>
+                </a:solidFill>
+                <a:effectLst/>
+                <a:latin typeface="Söhne Mono"/>
+              </a:rPr>
+              <a:t>	AND</a:t>
+            </a:r>
+            <a:r>
+              <a:rPr lang="en-US" b="0" i="0" dirty="0">
+                <a:solidFill>
+                  <a:srgbClr val="FFFFFF"/>
+                </a:solidFill>
+                <a:effectLst/>
+                <a:latin typeface="Söhne Mono"/>
+              </a:rPr>
+              <a:t> </a:t>
+            </a:r>
+            <a:r>
+              <a:rPr lang="en-US" b="0" i="0" dirty="0" err="1">
+                <a:solidFill>
                   <a:schemeClr val="tx1"/>
                 </a:solidFill>
                 <a:effectLst/>
-                <a:latin typeface="-apple-system"/>
-              </a:rPr>
-              <a:t>&lt; Less than</a:t>
-            </a:r>
-          </a:p>
-          <a:p>
-            <a:pPr lvl="2"/>
-            <a:r>
-              <a:rPr lang="en-US" dirty="0">
+                <a:latin typeface="Söhne Mono"/>
+              </a:rPr>
+              <a:t>ReleaseDate</a:t>
+            </a:r>
+            <a:r>
+              <a:rPr lang="en-US" b="0" i="0" dirty="0">
                 <a:solidFill>
                   <a:schemeClr val="tx1"/>
                 </a:solidFill>
-                <a:latin typeface="-apple-system"/>
-              </a:rPr>
-              <a:t>&gt; Greater than</a:t>
-            </a:r>
-          </a:p>
-          <a:p>
-            <a:pPr lvl="2"/>
+                <a:effectLst/>
+                <a:latin typeface="Söhne Mono"/>
+              </a:rPr>
+              <a:t> &gt; </a:t>
+            </a:r>
             <a:r>
               <a:rPr lang="en-US" b="0" i="0" dirty="0">
                 <a:solidFill>
-                  <a:schemeClr val="tx1"/>
-                </a:solidFill>
-                <a:effectLst/>
-                <a:latin typeface="-apple-system"/>
-              </a:rPr>
-              <a:t>&lt;= Less than or equal</a:t>
-            </a:r>
-          </a:p>
-          <a:p>
-            <a:pPr lvl="2"/>
-            <a:r>
-              <a:rPr lang="en-US" dirty="0">
-                <a:solidFill>
-                  <a:schemeClr val="tx1"/>
-                </a:solidFill>
-                <a:latin typeface="-apple-system"/>
-              </a:rPr>
-              <a:t>&gt;= Greater than or equal</a:t>
-            </a:r>
-          </a:p>
-          <a:p>
-            <a:pPr lvl="2"/>
-            <a:r>
-              <a:rPr lang="en-US" dirty="0">
-                <a:solidFill>
-                  <a:schemeClr val="tx1"/>
-                </a:solidFill>
-                <a:latin typeface="-apple-system"/>
-              </a:rPr>
-              <a:t>BETWEEN operator</a:t>
+                  <a:srgbClr val="00A67D"/>
+                </a:solidFill>
+                <a:effectLst/>
+                <a:latin typeface="Söhne Mono"/>
+              </a:rPr>
+              <a:t>'2020-01-01’</a:t>
             </a:r>
             <a:endParaRPr lang="en-US" b="0" i="0" dirty="0">
               <a:solidFill>
@@ -21559,7 +19397,7 @@
     </p:spTree>
     <p:extLst>
       <p:ext uri="{BB962C8B-B14F-4D97-AF65-F5344CB8AC3E}">
-        <p14:creationId xmlns:p14="http://schemas.microsoft.com/office/powerpoint/2010/main" val="4121964885"/>
+        <p14:creationId xmlns:p14="http://schemas.microsoft.com/office/powerpoint/2010/main" val="1883752135"/>
       </p:ext>
     </p:extLst>
   </p:cSld>
@@ -21848,6 +19686,15 @@
           <a:lstStyle/>
           <a:p>
             <a:r>
+              <a:rPr lang="en-US" dirty="0">
+                <a:solidFill>
+                  <a:srgbClr val="1C1917"/>
+                </a:solidFill>
+                <a:latin typeface="-apple-system"/>
+              </a:rPr>
+              <a:t>C</a:t>
+            </a:r>
+            <a:r>
               <a:rPr lang="en-US" b="0" i="0" dirty="0">
                 <a:solidFill>
                   <a:srgbClr val="1C1917"/>
@@ -21855,170 +19702,147 @@
                 <a:effectLst/>
                 <a:latin typeface="-apple-system"/>
               </a:rPr>
-              <a:t>WHERE clauses work on string, numeric, and date/datetime data types.</a:t>
+              <a:t>heck for NULL values using the </a:t>
+            </a:r>
+            <a:r>
+              <a:rPr lang="en-US" b="1" i="0" dirty="0">
+                <a:solidFill>
+                  <a:srgbClr val="1C1917"/>
+                </a:solidFill>
+                <a:effectLst/>
+                <a:latin typeface="-apple-system"/>
+              </a:rPr>
+              <a:t>IS NULL </a:t>
+            </a:r>
+            <a:r>
+              <a:rPr lang="en-US" b="0" i="0" dirty="0">
+                <a:solidFill>
+                  <a:srgbClr val="1C1917"/>
+                </a:solidFill>
+                <a:effectLst/>
+                <a:latin typeface="-apple-system"/>
+              </a:rPr>
+              <a:t>and </a:t>
+            </a:r>
+            <a:r>
+              <a:rPr lang="en-US" b="1" i="0" dirty="0">
+                <a:solidFill>
+                  <a:srgbClr val="1C1917"/>
+                </a:solidFill>
+                <a:effectLst/>
+                <a:latin typeface="-apple-system"/>
+              </a:rPr>
+              <a:t>IS NOT NULL </a:t>
+            </a:r>
+            <a:r>
+              <a:rPr lang="en-US" b="0" i="0" dirty="0">
+                <a:solidFill>
+                  <a:srgbClr val="1C1917"/>
+                </a:solidFill>
+                <a:effectLst/>
+                <a:latin typeface="-apple-system"/>
+              </a:rPr>
+              <a:t>operators.</a:t>
             </a:r>
           </a:p>
           <a:p>
             <a:pPr lvl="1"/>
-            <a:r>
-              <a:rPr lang="en-US" b="0" i="0" dirty="0">
-                <a:solidFill>
-                  <a:srgbClr val="1C1917"/>
-                </a:solidFill>
-                <a:effectLst/>
-                <a:latin typeface="-apple-system"/>
-              </a:rPr>
-              <a:t>Examples:</a:t>
-            </a:r>
-          </a:p>
-          <a:p>
-            <a:pPr lvl="2"/>
-            <a:r>
-              <a:rPr lang="en-US" b="0" i="0" dirty="0">
-                <a:solidFill>
-                  <a:srgbClr val="2E95D3"/>
-                </a:solidFill>
-                <a:effectLst/>
-                <a:latin typeface="Söhne Mono"/>
-              </a:rPr>
-              <a:t>WHERE</a:t>
-            </a:r>
-            <a:r>
-              <a:rPr lang="en-US" b="0" i="0" dirty="0">
-                <a:solidFill>
-                  <a:srgbClr val="FFFFFF"/>
-                </a:solidFill>
-                <a:effectLst/>
-                <a:latin typeface="Söhne Mono"/>
-              </a:rPr>
-              <a:t> </a:t>
-            </a:r>
-            <a:r>
-              <a:rPr lang="en-US" b="0" i="0" dirty="0">
-                <a:solidFill>
-                  <a:schemeClr val="tx1"/>
-                </a:solidFill>
-                <a:effectLst/>
-                <a:latin typeface="Söhne Mono"/>
-              </a:rPr>
-              <a:t>Price &gt; </a:t>
-            </a:r>
-            <a:r>
-              <a:rPr lang="en-US" b="0" i="0" dirty="0">
-                <a:solidFill>
-                  <a:srgbClr val="DF3079"/>
-                </a:solidFill>
-                <a:effectLst/>
-                <a:latin typeface="Söhne Mono"/>
-              </a:rPr>
-              <a:t>100</a:t>
-            </a:r>
-            <a:r>
-              <a:rPr lang="en-US" b="0" i="0" dirty="0">
-                <a:solidFill>
-                  <a:srgbClr val="FFFFFF"/>
-                </a:solidFill>
-                <a:effectLst/>
-                <a:latin typeface="Söhne Mono"/>
-              </a:rPr>
-              <a:t> </a:t>
-            </a:r>
-            <a:br>
-              <a:rPr lang="en-US" dirty="0"/>
-            </a:br>
-            <a:r>
-              <a:rPr lang="en-US" b="0" i="0" dirty="0">
-                <a:solidFill>
-                  <a:srgbClr val="2E95D3"/>
-                </a:solidFill>
-                <a:effectLst/>
-                <a:latin typeface="Söhne Mono"/>
-              </a:rPr>
-              <a:t>WHERE</a:t>
-            </a:r>
-            <a:r>
-              <a:rPr lang="en-US" b="0" i="0" dirty="0">
-                <a:solidFill>
-                  <a:schemeClr val="tx1"/>
-                </a:solidFill>
-                <a:effectLst/>
-                <a:latin typeface="Söhne Mono"/>
-              </a:rPr>
-              <a:t> Name != </a:t>
-            </a:r>
-            <a:r>
-              <a:rPr lang="en-US" b="0" i="0" dirty="0">
-                <a:solidFill>
-                  <a:srgbClr val="00A67D"/>
-                </a:solidFill>
-                <a:effectLst/>
-                <a:latin typeface="Söhne Mono"/>
-              </a:rPr>
-              <a:t>'Apple’ </a:t>
-            </a:r>
-          </a:p>
-          <a:p>
-            <a:pPr lvl="2"/>
-            <a:r>
-              <a:rPr lang="en-US" b="0" i="0" dirty="0">
-                <a:solidFill>
-                  <a:schemeClr val="tx2">
-                    <a:lumMod val="60000"/>
-                    <a:lumOff val="40000"/>
-                  </a:schemeClr>
-                </a:solidFill>
-                <a:effectLst/>
-                <a:latin typeface="Söhne Mono"/>
-              </a:rPr>
-              <a:t>WHERE</a:t>
-            </a:r>
-            <a:r>
-              <a:rPr lang="en-US" b="0" i="0" dirty="0">
-                <a:solidFill>
-                  <a:srgbClr val="00A67D"/>
-                </a:solidFill>
-                <a:effectLst/>
-                <a:latin typeface="Söhne Mono"/>
-              </a:rPr>
-              <a:t> </a:t>
-            </a:r>
-            <a:r>
-              <a:rPr lang="en-US" b="0" i="0" dirty="0" err="1">
-                <a:solidFill>
-                  <a:schemeClr val="tx1"/>
-                </a:solidFill>
-                <a:effectLst/>
-                <a:latin typeface="Söhne Mono"/>
-              </a:rPr>
-              <a:t>SaleDate</a:t>
-            </a:r>
-            <a:r>
-              <a:rPr lang="en-US" b="0" i="0" dirty="0">
-                <a:solidFill>
-                  <a:schemeClr val="tx1"/>
-                </a:solidFill>
-                <a:effectLst/>
-                <a:latin typeface="Söhne Mono"/>
-              </a:rPr>
-              <a:t> &lt;</a:t>
-            </a:r>
-            <a:r>
-              <a:rPr lang="en-US" b="0" i="0" dirty="0">
-                <a:solidFill>
-                  <a:srgbClr val="00A67D"/>
-                </a:solidFill>
-                <a:effectLst/>
-                <a:latin typeface="Söhne Mono"/>
-              </a:rPr>
-              <a:t> ‘2023-01-01’</a:t>
-            </a:r>
             <a:endParaRPr lang="en-US" b="0" i="0" dirty="0">
               <a:solidFill>
-                <a:srgbClr val="F5857E"/>
+                <a:srgbClr val="1C1917"/>
               </a:solidFill>
               <a:effectLst/>
-              <a:latin typeface="Söhne Mono"/>
+              <a:latin typeface="-apple-system"/>
             </a:endParaRPr>
+          </a:p>
+          <a:p>
+            <a:pPr lvl="1"/>
+            <a:r>
+              <a:rPr lang="en-US" b="0" i="0" dirty="0">
+                <a:solidFill>
+                  <a:srgbClr val="1C1917"/>
+                </a:solidFill>
+                <a:effectLst/>
+                <a:latin typeface="-apple-system"/>
+              </a:rPr>
+              <a:t>For example:</a:t>
+            </a:r>
+          </a:p>
+          <a:p>
+            <a:pPr lvl="2"/>
+            <a:r>
+              <a:rPr lang="en-US" b="0" i="0" dirty="0">
+                <a:solidFill>
+                  <a:srgbClr val="2E95D3"/>
+                </a:solidFill>
+                <a:effectLst/>
+                <a:latin typeface="Söhne Mono"/>
+              </a:rPr>
+              <a:t>WHERE</a:t>
+            </a:r>
+            <a:r>
+              <a:rPr lang="en-US" b="0" i="0" dirty="0">
+                <a:solidFill>
+                  <a:srgbClr val="FFFFFF"/>
+                </a:solidFill>
+                <a:effectLst/>
+                <a:latin typeface="Söhne Mono"/>
+              </a:rPr>
+              <a:t> </a:t>
+            </a:r>
+            <a:r>
+              <a:rPr lang="en-US" b="0" i="0" dirty="0" err="1">
+                <a:solidFill>
+                  <a:schemeClr val="tx1"/>
+                </a:solidFill>
+                <a:effectLst/>
+                <a:latin typeface="Söhne Mono"/>
+              </a:rPr>
+              <a:t>PhoneNumber</a:t>
+            </a:r>
+            <a:r>
+              <a:rPr lang="en-US" b="0" i="0" dirty="0">
+                <a:solidFill>
+                  <a:schemeClr val="tx1"/>
+                </a:solidFill>
+                <a:effectLst/>
+                <a:latin typeface="Söhne Mono"/>
+              </a:rPr>
+              <a:t> = </a:t>
+            </a:r>
+            <a:r>
+              <a:rPr lang="en-US" b="0" i="0" dirty="0">
+                <a:solidFill>
+                  <a:srgbClr val="2E95D3"/>
+                </a:solidFill>
+                <a:effectLst/>
+                <a:latin typeface="Söhne Mono"/>
+              </a:rPr>
+              <a:t>NULL</a:t>
+            </a:r>
+            <a:r>
+              <a:rPr lang="en-US" b="0" i="0" dirty="0">
+                <a:solidFill>
+                  <a:srgbClr val="FFFFFF"/>
+                </a:solidFill>
+                <a:effectLst/>
+                <a:latin typeface="Söhne Mono"/>
+              </a:rPr>
+              <a:t> </a:t>
+            </a:r>
+          </a:p>
+          <a:p>
+            <a:pPr lvl="3"/>
+            <a:r>
+              <a:rPr lang="en-US" b="0" i="0" dirty="0">
+                <a:solidFill>
+                  <a:srgbClr val="1C1917"/>
+                </a:solidFill>
+                <a:effectLst/>
+                <a:latin typeface="-apple-system"/>
+              </a:rPr>
+              <a:t>Would actually return no rows, even if there are NULL phone numbers!</a:t>
+            </a:r>
           </a:p>
           <a:p>
             <a:pPr lvl="2"/>
@@ -22031,50 +19855,167 @@
             </a:endParaRPr>
           </a:p>
           <a:p>
-            <a:r>
-              <a:rPr lang="en-US" dirty="0">
+            <a:pPr lvl="1"/>
+            <a:r>
+              <a:rPr lang="en-US" b="0" i="0" dirty="0">
                 <a:solidFill>
                   <a:srgbClr val="1C1917"/>
                 </a:solidFill>
+                <a:effectLst/>
                 <a:latin typeface="-apple-system"/>
               </a:rPr>
-              <a:t>C</a:t>
-            </a:r>
+              <a:t>Instead, use:</a:t>
+            </a:r>
+          </a:p>
+          <a:p>
+            <a:pPr lvl="2"/>
             <a:r>
               <a:rPr lang="en-US" b="0" i="0" dirty="0">
                 <a:solidFill>
+                  <a:srgbClr val="2E95D3"/>
+                </a:solidFill>
+                <a:effectLst/>
+                <a:latin typeface="Söhne Mono"/>
+              </a:rPr>
+              <a:t>WHERE</a:t>
+            </a:r>
+            <a:r>
+              <a:rPr lang="en-US" b="0" i="0" dirty="0">
+                <a:solidFill>
+                  <a:schemeClr val="tx1"/>
+                </a:solidFill>
+                <a:effectLst/>
+                <a:latin typeface="Söhne Mono"/>
+              </a:rPr>
+              <a:t> </a:t>
+            </a:r>
+            <a:r>
+              <a:rPr lang="en-US" b="0" i="0" dirty="0" err="1">
+                <a:solidFill>
+                  <a:schemeClr val="tx1"/>
+                </a:solidFill>
+                <a:effectLst/>
+                <a:latin typeface="Söhne Mono"/>
+              </a:rPr>
+              <a:t>PhoneNumber</a:t>
+            </a:r>
+            <a:r>
+              <a:rPr lang="en-US" b="0" i="0" dirty="0">
+                <a:solidFill>
+                  <a:schemeClr val="tx1"/>
+                </a:solidFill>
+                <a:effectLst/>
+                <a:latin typeface="Söhne Mono"/>
+              </a:rPr>
+              <a:t> </a:t>
+            </a:r>
+            <a:r>
+              <a:rPr lang="en-US" b="0" i="0" dirty="0">
+                <a:solidFill>
+                  <a:srgbClr val="2E95D3"/>
+                </a:solidFill>
+                <a:effectLst/>
+                <a:latin typeface="Söhne Mono"/>
+              </a:rPr>
+              <a:t>IS</a:t>
+            </a:r>
+            <a:r>
+              <a:rPr lang="en-US" b="0" i="0" dirty="0">
+                <a:solidFill>
+                  <a:srgbClr val="FFFFFF"/>
+                </a:solidFill>
+                <a:effectLst/>
+                <a:latin typeface="Söhne Mono"/>
+              </a:rPr>
+              <a:t> </a:t>
+            </a:r>
+            <a:r>
+              <a:rPr lang="en-US" b="0" i="0" dirty="0">
+                <a:solidFill>
+                  <a:srgbClr val="2E95D3"/>
+                </a:solidFill>
+                <a:effectLst/>
+                <a:latin typeface="Söhne Mono"/>
+              </a:rPr>
+              <a:t>NULL</a:t>
+            </a:r>
+          </a:p>
+          <a:p>
+            <a:pPr marL="914400" lvl="2" indent="0">
+              <a:buNone/>
+            </a:pPr>
+            <a:endParaRPr lang="en-US" b="0" i="0" dirty="0">
+              <a:solidFill>
+                <a:srgbClr val="1C1917"/>
+              </a:solidFill>
+              <a:effectLst/>
+              <a:latin typeface="-apple-system"/>
+            </a:endParaRPr>
+          </a:p>
+          <a:p>
+            <a:pPr lvl="1"/>
+            <a:r>
+              <a:rPr lang="en-US" b="0" i="0" dirty="0">
+                <a:solidFill>
                   <a:srgbClr val="1C1917"/>
                 </a:solidFill>
                 <a:effectLst/>
                 <a:latin typeface="-apple-system"/>
               </a:rPr>
-              <a:t>hain together operators with AND/OR to make more complex logical filters.</a:t>
-            </a:r>
-          </a:p>
-          <a:p>
-            <a:pPr lvl="1"/>
+              <a:t>Similarly, to exclude NULLs:</a:t>
+            </a:r>
+          </a:p>
+          <a:p>
+            <a:pPr lvl="2"/>
             <a:r>
               <a:rPr lang="en-US" b="0" i="0" dirty="0">
                 <a:solidFill>
-                  <a:srgbClr val="1C1917"/>
-                </a:solidFill>
-                <a:effectLst/>
-                <a:latin typeface="-apple-system"/>
-              </a:rPr>
-              <a:t>Example:</a:t>
-            </a:r>
-          </a:p>
-          <a:p>
-            <a:pPr lvl="2"/>
+                  <a:srgbClr val="2E95D3"/>
+                </a:solidFill>
+                <a:effectLst/>
+                <a:latin typeface="Söhne Mono"/>
+              </a:rPr>
+              <a:t>WHERE</a:t>
+            </a:r>
             <a:r>
               <a:rPr lang="en-US" b="0" i="0" dirty="0">
                 <a:solidFill>
+                  <a:srgbClr val="FFFFFF"/>
+                </a:solidFill>
+                <a:effectLst/>
+                <a:latin typeface="Söhne Mono"/>
+              </a:rPr>
+              <a:t> </a:t>
+            </a:r>
+            <a:r>
+              <a:rPr lang="en-US" b="0" i="0" dirty="0" err="1">
+                <a:solidFill>
+                  <a:schemeClr val="tx1"/>
+                </a:solidFill>
+                <a:effectLst/>
+                <a:latin typeface="Söhne Mono"/>
+              </a:rPr>
+              <a:t>PhoneNumber</a:t>
+            </a:r>
+            <a:r>
+              <a:rPr lang="en-US" b="0" i="0" dirty="0">
+                <a:solidFill>
+                  <a:schemeClr val="tx1"/>
+                </a:solidFill>
+                <a:effectLst/>
+                <a:latin typeface="Söhne Mono"/>
+              </a:rPr>
+              <a:t> </a:t>
+            </a:r>
+            <a:r>
+              <a:rPr lang="en-US" b="0" i="0" dirty="0">
+                <a:solidFill>
                   <a:srgbClr val="2E95D3"/>
                 </a:solidFill>
                 <a:effectLst/>
                 <a:latin typeface="Söhne Mono"/>
               </a:rPr>
-              <a:t>WHERE</a:t>
+              <a:t>IS</a:t>
             </a:r>
             <a:r>
               <a:rPr lang="en-US" b="0" i="0" dirty="0">
@@ -22087,94 +20028,34 @@
               <a:t> </a:t>
             </a:r>
             <a:r>
-              <a:rPr lang="en-US" b="0" i="0" dirty="0" err="1">
-                <a:solidFill>
-                  <a:schemeClr val="tx1"/>
+              <a:rPr lang="en-US" b="0" i="0" dirty="0">
+                <a:solidFill>
+                  <a:srgbClr val="2E95D3"/>
                 </a:solidFill>
                 <a:effectLst/>
                 <a:latin typeface="Söhne Mono"/>
               </a:rPr>
-              <a:t>SalePrice</a:t>
+              <a:t>NOT</a:t>
             </a:r>
             <a:r>
               <a:rPr lang="en-US" b="0" i="0" dirty="0">
                 <a:solidFill>
-                  <a:schemeClr val="tx1"/>
+                  <a:srgbClr val="FFFFFF"/>
                 </a:solidFill>
                 <a:effectLst/>
                 <a:latin typeface="Söhne Mono"/>
               </a:rPr>
-              <a:t> &gt; </a:t>
+              <a:t> </a:t>
             </a:r>
             <a:r>
               <a:rPr lang="en-US" b="0" i="0" dirty="0">
                 <a:solidFill>
-                  <a:srgbClr val="DF3079"/>
+                  <a:srgbClr val="2E95D3"/>
                 </a:solidFill>
                 <a:effectLst/>
                 <a:latin typeface="Söhne Mono"/>
               </a:rPr>
-              <a:t>500</a:t>
-            </a:r>
-            <a:r>
-              <a:rPr lang="en-US" b="0" i="0" dirty="0">
-                <a:solidFill>
-                  <a:srgbClr val="FFFFFF"/>
-                </a:solidFill>
-                <a:effectLst/>
-                <a:latin typeface="Söhne Mono"/>
-              </a:rPr>
-              <a:t> </a:t>
-            </a:r>
-            <a:r>
-              <a:rPr lang="en-US" b="0" i="0" dirty="0">
-                <a:solidFill>
-                  <a:srgbClr val="2E95D3"/>
-                </a:solidFill>
-                <a:effectLst/>
-                <a:latin typeface="Söhne Mono"/>
-              </a:rPr>
-              <a:t>AND</a:t>
-            </a:r>
-            <a:r>
-              <a:rPr lang="en-US" b="0" i="0" dirty="0">
-                <a:solidFill>
-                  <a:srgbClr val="FFFFFF"/>
-                </a:solidFill>
-                <a:effectLst/>
-                <a:latin typeface="Söhne Mono"/>
-              </a:rPr>
-              <a:t> </a:t>
-            </a:r>
-            <a:r>
-              <a:rPr lang="en-US" b="0" i="0" dirty="0" err="1">
-                <a:solidFill>
-                  <a:schemeClr val="tx1"/>
-                </a:solidFill>
-                <a:effectLst/>
-                <a:latin typeface="Söhne Mono"/>
-              </a:rPr>
-              <a:t>ReleaseDate</a:t>
-            </a:r>
-            <a:r>
-              <a:rPr lang="en-US" b="0" i="0" dirty="0">
-                <a:solidFill>
-                  <a:schemeClr val="tx1"/>
-                </a:solidFill>
-                <a:effectLst/>
-                <a:latin typeface="Söhne Mono"/>
-              </a:rPr>
-              <a:t> &gt; </a:t>
-            </a:r>
-            <a:r>
-              <a:rPr lang="en-US" b="0" i="0" dirty="0">
-                <a:solidFill>
-                  <a:srgbClr val="00A67D"/>
-                </a:solidFill>
-                <a:effectLst/>
-                <a:latin typeface="Söhne Mono"/>
-              </a:rPr>
-              <a:t>'2020-01-01’</a:t>
+              <a:t>NULL</a:t>
             </a:r>
             <a:endParaRPr lang="en-US" b="0" i="0" dirty="0">
               <a:solidFill>
@@ -22199,7 +20080,7 @@
     </p:spTree>
     <p:extLst>
       <p:ext uri="{BB962C8B-B14F-4D97-AF65-F5344CB8AC3E}">
-        <p14:creationId xmlns:p14="http://schemas.microsoft.com/office/powerpoint/2010/main" val="1883752135"/>
+        <p14:creationId xmlns:p14="http://schemas.microsoft.com/office/powerpoint/2010/main" val="2038835156"/>
       </p:ext>
     </p:extLst>
   </p:cSld>
@@ -24078,15 +21959,6 @@
 </file>
 
 <file path=customXml/item2.xml><?xml version="1.0" encoding="utf-8"?>
-<?mso-contentType ?>
-<FormTemplates xmlns="http://schemas.microsoft.com/sharepoint/v3/contenttype/forms">
-  <Display>DocumentLibraryForm</Display>
-  <Edit>DocumentLibraryForm</Edit>
-  <New>DocumentLibraryForm</New>
-</FormTemplates>
-</file>
-
-<file path=customXml/item3.xml><?xml version="1.0" encoding="utf-8"?>
 <ct:contentTypeSchema xmlns:ct="http://schemas.microsoft.com/office/2006/metadata/contentType" xmlns:ma="http://schemas.microsoft.com/office/2006/metadata/properties/metaAttributes" ct:_="" ma:_="" ma:contentTypeName="Document" ma:contentTypeID="0x010100D717D047DAB2764FBE8B85865ADF125C" ma:contentTypeVersion="0" ma:contentTypeDescription="Create a new document." ma:contentTypeScope="" ma:versionID="3154522c01a2510568c44eaa3f86772f">
   <xsd:schema xmlns:xsd="http://www.w3.org/2001/XMLSchema" xmlns:xs="http://www.w3.org/2001/XMLSchema" xmlns:p="http://schemas.microsoft.com/office/2006/metadata/properties" targetNamespace="http://schemas.microsoft.com/office/2006/metadata/properties" ma:root="true" ma:fieldsID="1b05d82d297216baf5b26c55225140df">
     <xsd:element name="properties">
@@ -24200,6 +22072,15 @@
 </ct:contentTypeSchema>
 </file>
 
+<file path=customXml/item3.xml><?xml version="1.0" encoding="utf-8"?>
+<?mso-contentType ?>
+<FormTemplates xmlns="http://schemas.microsoft.com/sharepoint/v3/contenttype/forms">
+  <Display>DocumentLibraryForm</Display>
+  <Edit>DocumentLibraryForm</Edit>
+  <New>DocumentLibraryForm</New>
+</FormTemplates>
+</file>
+
 <file path=customXml/itemProps1.xml><?xml version="1.0" encoding="utf-8"?>
 <ds:datastoreItem xmlns:ds="http://schemas.openxmlformats.org/officeDocument/2006/customXml" ds:itemID="{C530F82F-BEB8-4CE5-BAAE-EC5C7B644B7C}">
   <ds:schemaRefs>
@@ -24216,14 +22097,6 @@
 </file>
 
 <file path=customXml/itemProps2.xml><?xml version="1.0" encoding="utf-8"?>
-<ds:datastoreItem xmlns:ds="http://schemas.openxmlformats.org/officeDocument/2006/customXml" ds:itemID="{E49E43F2-009D-4FD5-9629-B1B9A3DF71DA}">
-  <ds:schemaRefs>
-    <ds:schemaRef ds:uri="http://schemas.microsoft.com/sharepoint/v3/contenttype/forms"/>
-  </ds:schemaRefs>
-</ds:datastoreItem>
-</file>
-
-<file path=customXml/itemProps3.xml><?xml version="1.0" encoding="utf-8"?>
 <ds:datastoreItem xmlns:ds="http://schemas.openxmlformats.org/officeDocument/2006/customXml" ds:itemID="{959784AE-7718-4684-9BBC-9AAC52D5A526}">
   <ds:schemaRefs>
     <ds:schemaRef ds:uri="http://schemas.microsoft.com/office/2006/metadata/contentType"/>
@@ -24237,4 +22110,12 @@
     <ds:schemaRef ds:uri="http://schemas.microsoft.com/office/infopath/2007/PartnerControls"/>
   </ds:schemaRefs>
 </ds:datastoreItem>
+</file>
+
+<file path=customXml/itemProps3.xml><?xml version="1.0" encoding="utf-8"?>
+<ds:datastoreItem xmlns:ds="http://schemas.openxmlformats.org/officeDocument/2006/customXml" ds:itemID="{E49E43F2-009D-4FD5-9629-B1B9A3DF71DA}">
+  <ds:schemaRefs>
+    <ds:schemaRef ds:uri="http://schemas.microsoft.com/sharepoint/v3/contenttype/forms"/>
+  </ds:schemaRefs>
+</ds:datastoreItem>
 </file>